--- a/req_doc/DC 스마트그리드 홈 네트워크 제안서.pptx
+++ b/req_doc/DC 스마트그리드 홈 네트워크 제안서.pptx
@@ -6,7 +6,7 @@
     <p:sldMasterId id="2147483672" r:id="rId2"/>
   </p:sldMasterIdLst>
   <p:notesMasterIdLst>
-    <p:notesMasterId r:id="rId14"/>
+    <p:notesMasterId r:id="rId18"/>
   </p:notesMasterIdLst>
   <p:sldIdLst>
     <p:sldId id="256" r:id="rId3"/>
@@ -15,11 +15,15 @@
     <p:sldId id="290" r:id="rId6"/>
     <p:sldId id="285" r:id="rId7"/>
     <p:sldId id="287" r:id="rId8"/>
-    <p:sldId id="265" r:id="rId9"/>
-    <p:sldId id="259" r:id="rId10"/>
-    <p:sldId id="261" r:id="rId11"/>
-    <p:sldId id="271" r:id="rId12"/>
-    <p:sldId id="282" r:id="rId13"/>
+    <p:sldId id="296" r:id="rId9"/>
+    <p:sldId id="295" r:id="rId10"/>
+    <p:sldId id="298" r:id="rId11"/>
+    <p:sldId id="297" r:id="rId12"/>
+    <p:sldId id="265" r:id="rId13"/>
+    <p:sldId id="259" r:id="rId14"/>
+    <p:sldId id="261" r:id="rId15"/>
+    <p:sldId id="271" r:id="rId16"/>
+    <p:sldId id="282" r:id="rId17"/>
   </p:sldIdLst>
   <p:sldSz cx="9144000" cy="6858000" type="screen4x3"/>
   <p:notesSz cx="6858000" cy="9144000"/>
@@ -795,8 +799,76 @@
             </a:pPr>
             <a:r>
               <a:rPr lang="en-US" altLang="ko-KR" dirty="0" smtClean="0"/>
-              <a:t>https://m.ekn.kr/view.php?key=20201129010006946</a:t>
-            </a:r>
+              <a:t>https://</a:t>
+            </a:r>
+            <a:r>
+              <a:rPr lang="en-US" altLang="ko-KR" dirty="0" smtClean="0"/>
+              <a:t>m.ekn.kr/view.php?key=20201129010006946</a:t>
+            </a:r>
+          </a:p>
+          <a:p>
+            <a:pPr marL="0" marR="0" indent="0" algn="l" defTabSz="914400" rtl="0" eaLnBrk="1" fontAlgn="auto" latinLnBrk="1" hangingPunct="1">
+              <a:lnSpc>
+                <a:spcPct val="100000"/>
+              </a:lnSpc>
+              <a:spcBef>
+                <a:spcPts val="0"/>
+              </a:spcBef>
+              <a:spcAft>
+                <a:spcPts val="0"/>
+              </a:spcAft>
+              <a:buClrTx/>
+              <a:buSzTx/>
+              <a:buFontTx/>
+              <a:buNone/>
+              <a:tabLst/>
+              <a:defRPr/>
+            </a:pPr>
+            <a:endParaRPr lang="en-US" altLang="ko-KR" dirty="0" smtClean="0"/>
+          </a:p>
+          <a:p>
+            <a:pPr marL="0" marR="0" indent="0" algn="l" defTabSz="914400" rtl="0" eaLnBrk="1" fontAlgn="auto" latinLnBrk="1" hangingPunct="1">
+              <a:lnSpc>
+                <a:spcPct val="100000"/>
+              </a:lnSpc>
+              <a:spcBef>
+                <a:spcPts val="0"/>
+              </a:spcBef>
+              <a:spcAft>
+                <a:spcPts val="0"/>
+              </a:spcAft>
+              <a:buClrTx/>
+              <a:buSzTx/>
+              <a:buFontTx/>
+              <a:buNone/>
+              <a:tabLst/>
+              <a:defRPr/>
+            </a:pPr>
+            <a:endParaRPr lang="en-US" altLang="ko-KR" dirty="0" smtClean="0"/>
+          </a:p>
+          <a:p>
+            <a:pPr marL="0" marR="0" indent="0" algn="l" defTabSz="914400" rtl="0" eaLnBrk="1" fontAlgn="auto" latinLnBrk="1" hangingPunct="1">
+              <a:lnSpc>
+                <a:spcPct val="100000"/>
+              </a:lnSpc>
+              <a:spcBef>
+                <a:spcPts val="0"/>
+              </a:spcBef>
+              <a:spcAft>
+                <a:spcPts val="0"/>
+              </a:spcAft>
+              <a:buClrTx/>
+              <a:buSzTx/>
+              <a:buFontTx/>
+              <a:buNone/>
+              <a:tabLst/>
+              <a:defRPr/>
+            </a:pPr>
+            <a:r>
+              <a:rPr lang="en-US" altLang="ko-KR" dirty="0" smtClean="0"/>
+              <a:t>https://www.yna.co.kr/view/AKR20180806008700003</a:t>
+            </a:r>
+            <a:endParaRPr lang="en-US" altLang="ko-KR" dirty="0" smtClean="0"/>
           </a:p>
           <a:p>
             <a:pPr marL="0" marR="0" indent="0" algn="l" defTabSz="914400" rtl="0" eaLnBrk="1" fontAlgn="auto" latinLnBrk="1" hangingPunct="1">
@@ -1090,6 +1162,426 @@
     <p:extLst>
       <p:ext uri="{BB962C8B-B14F-4D97-AF65-F5344CB8AC3E}">
         <p14:creationId xmlns:p14="http://schemas.microsoft.com/office/powerpoint/2010/main" val="2133547697"/>
+      </p:ext>
+    </p:extLst>
+  </p:cSld>
+  <p:clrMapOvr>
+    <a:masterClrMapping/>
+  </p:clrMapOvr>
+</p:notes>
+</file>
+
+<file path=ppt/notesSlides/notesSlide3.xml><?xml version="1.0" encoding="utf-8"?>
+<p:notes xmlns:a="http://schemas.openxmlformats.org/drawingml/2006/main" xmlns:r="http://schemas.openxmlformats.org/officeDocument/2006/relationships" xmlns:p="http://schemas.openxmlformats.org/presentationml/2006/main">
+  <p:cSld>
+    <p:spTree>
+      <p:nvGrpSpPr>
+        <p:cNvPr id="1" name=""/>
+        <p:cNvGrpSpPr/>
+        <p:nvPr/>
+      </p:nvGrpSpPr>
+      <p:grpSpPr>
+        <a:xfrm>
+          <a:off x="0" y="0"/>
+          <a:ext cx="0" cy="0"/>
+          <a:chOff x="0" y="0"/>
+          <a:chExt cx="0" cy="0"/>
+        </a:xfrm>
+      </p:grpSpPr>
+      <p:sp>
+        <p:nvSpPr>
+          <p:cNvPr id="2" name="슬라이드 이미지 개체 틀 1"/>
+          <p:cNvSpPr>
+            <a:spLocks noGrp="1" noRot="1" noChangeAspect="1"/>
+          </p:cNvSpPr>
+          <p:nvPr>
+            <p:ph type="sldImg"/>
+          </p:nvPr>
+        </p:nvSpPr>
+        <p:spPr/>
+      </p:sp>
+      <p:sp>
+        <p:nvSpPr>
+          <p:cNvPr id="3" name="슬라이드 노트 개체 틀 2"/>
+          <p:cNvSpPr>
+            <a:spLocks noGrp="1"/>
+          </p:cNvSpPr>
+          <p:nvPr>
+            <p:ph type="body" idx="1"/>
+          </p:nvPr>
+        </p:nvSpPr>
+        <p:spPr/>
+        <p:txBody>
+          <a:bodyPr/>
+          <a:lstStyle/>
+          <a:p>
+            <a:endParaRPr lang="ko-KR" altLang="en-US" dirty="0"/>
+          </a:p>
+        </p:txBody>
+      </p:sp>
+      <p:sp>
+        <p:nvSpPr>
+          <p:cNvPr id="4" name="슬라이드 번호 개체 틀 3"/>
+          <p:cNvSpPr>
+            <a:spLocks noGrp="1"/>
+          </p:cNvSpPr>
+          <p:nvPr>
+            <p:ph type="sldNum" sz="quarter" idx="10"/>
+          </p:nvPr>
+        </p:nvSpPr>
+        <p:spPr/>
+        <p:txBody>
+          <a:bodyPr/>
+          <a:lstStyle/>
+          <a:p>
+            <a:fld id="{36B97A88-090D-4203-A596-1F28F39FD467}" type="slidenum">
+              <a:rPr lang="ko-KR" altLang="en-US" smtClean="0"/>
+              <a:t>5</a:t>
+            </a:fld>
+            <a:endParaRPr lang="ko-KR" altLang="en-US"/>
+          </a:p>
+        </p:txBody>
+      </p:sp>
+    </p:spTree>
+    <p:extLst>
+      <p:ext uri="{BB962C8B-B14F-4D97-AF65-F5344CB8AC3E}">
+        <p14:creationId xmlns:p14="http://schemas.microsoft.com/office/powerpoint/2010/main" val="2729634414"/>
+      </p:ext>
+    </p:extLst>
+  </p:cSld>
+  <p:clrMapOvr>
+    <a:masterClrMapping/>
+  </p:clrMapOvr>
+</p:notes>
+</file>
+
+<file path=ppt/notesSlides/notesSlide4.xml><?xml version="1.0" encoding="utf-8"?>
+<p:notes xmlns:a="http://schemas.openxmlformats.org/drawingml/2006/main" xmlns:r="http://schemas.openxmlformats.org/officeDocument/2006/relationships" xmlns:p="http://schemas.openxmlformats.org/presentationml/2006/main">
+  <p:cSld>
+    <p:spTree>
+      <p:nvGrpSpPr>
+        <p:cNvPr id="1" name=""/>
+        <p:cNvGrpSpPr/>
+        <p:nvPr/>
+      </p:nvGrpSpPr>
+      <p:grpSpPr>
+        <a:xfrm>
+          <a:off x="0" y="0"/>
+          <a:ext cx="0" cy="0"/>
+          <a:chOff x="0" y="0"/>
+          <a:chExt cx="0" cy="0"/>
+        </a:xfrm>
+      </p:grpSpPr>
+      <p:sp>
+        <p:nvSpPr>
+          <p:cNvPr id="2" name="슬라이드 이미지 개체 틀 1"/>
+          <p:cNvSpPr>
+            <a:spLocks noGrp="1" noRot="1" noChangeAspect="1"/>
+          </p:cNvSpPr>
+          <p:nvPr>
+            <p:ph type="sldImg"/>
+          </p:nvPr>
+        </p:nvSpPr>
+        <p:spPr/>
+      </p:sp>
+      <p:sp>
+        <p:nvSpPr>
+          <p:cNvPr id="3" name="슬라이드 노트 개체 틀 2"/>
+          <p:cNvSpPr>
+            <a:spLocks noGrp="1"/>
+          </p:cNvSpPr>
+          <p:nvPr>
+            <p:ph type="body" idx="1"/>
+          </p:nvPr>
+        </p:nvSpPr>
+        <p:spPr/>
+        <p:txBody>
+          <a:bodyPr/>
+          <a:lstStyle/>
+          <a:p>
+            <a:endParaRPr lang="ko-KR" altLang="en-US" dirty="0"/>
+          </a:p>
+        </p:txBody>
+      </p:sp>
+      <p:sp>
+        <p:nvSpPr>
+          <p:cNvPr id="4" name="슬라이드 번호 개체 틀 3"/>
+          <p:cNvSpPr>
+            <a:spLocks noGrp="1"/>
+          </p:cNvSpPr>
+          <p:nvPr>
+            <p:ph type="sldNum" sz="quarter" idx="10"/>
+          </p:nvPr>
+        </p:nvSpPr>
+        <p:spPr/>
+        <p:txBody>
+          <a:bodyPr/>
+          <a:lstStyle/>
+          <a:p>
+            <a:fld id="{36B97A88-090D-4203-A596-1F28F39FD467}" type="slidenum">
+              <a:rPr lang="ko-KR" altLang="en-US" smtClean="0"/>
+              <a:t>6</a:t>
+            </a:fld>
+            <a:endParaRPr lang="ko-KR" altLang="en-US"/>
+          </a:p>
+        </p:txBody>
+      </p:sp>
+    </p:spTree>
+    <p:extLst>
+      <p:ext uri="{BB962C8B-B14F-4D97-AF65-F5344CB8AC3E}">
+        <p14:creationId xmlns:p14="http://schemas.microsoft.com/office/powerpoint/2010/main" val="702372085"/>
+      </p:ext>
+    </p:extLst>
+  </p:cSld>
+  <p:clrMapOvr>
+    <a:masterClrMapping/>
+  </p:clrMapOvr>
+</p:notes>
+</file>
+
+<file path=ppt/notesSlides/notesSlide5.xml><?xml version="1.0" encoding="utf-8"?>
+<p:notes xmlns:a="http://schemas.openxmlformats.org/drawingml/2006/main" xmlns:r="http://schemas.openxmlformats.org/officeDocument/2006/relationships" xmlns:p="http://schemas.openxmlformats.org/presentationml/2006/main">
+  <p:cSld>
+    <p:spTree>
+      <p:nvGrpSpPr>
+        <p:cNvPr id="1" name=""/>
+        <p:cNvGrpSpPr/>
+        <p:nvPr/>
+      </p:nvGrpSpPr>
+      <p:grpSpPr>
+        <a:xfrm>
+          <a:off x="0" y="0"/>
+          <a:ext cx="0" cy="0"/>
+          <a:chOff x="0" y="0"/>
+          <a:chExt cx="0" cy="0"/>
+        </a:xfrm>
+      </p:grpSpPr>
+      <p:sp>
+        <p:nvSpPr>
+          <p:cNvPr id="2" name="슬라이드 이미지 개체 틀 1"/>
+          <p:cNvSpPr>
+            <a:spLocks noGrp="1" noRot="1" noChangeAspect="1"/>
+          </p:cNvSpPr>
+          <p:nvPr>
+            <p:ph type="sldImg"/>
+          </p:nvPr>
+        </p:nvSpPr>
+        <p:spPr/>
+      </p:sp>
+      <p:sp>
+        <p:nvSpPr>
+          <p:cNvPr id="3" name="슬라이드 노트 개체 틀 2"/>
+          <p:cNvSpPr>
+            <a:spLocks noGrp="1"/>
+          </p:cNvSpPr>
+          <p:nvPr>
+            <p:ph type="body" idx="1"/>
+          </p:nvPr>
+        </p:nvSpPr>
+        <p:spPr/>
+        <p:txBody>
+          <a:bodyPr/>
+          <a:lstStyle/>
+          <a:p>
+            <a:endParaRPr lang="ko-KR" altLang="en-US" dirty="0"/>
+          </a:p>
+        </p:txBody>
+      </p:sp>
+      <p:sp>
+        <p:nvSpPr>
+          <p:cNvPr id="4" name="슬라이드 번호 개체 틀 3"/>
+          <p:cNvSpPr>
+            <a:spLocks noGrp="1"/>
+          </p:cNvSpPr>
+          <p:nvPr>
+            <p:ph type="sldNum" sz="quarter" idx="10"/>
+          </p:nvPr>
+        </p:nvSpPr>
+        <p:spPr/>
+        <p:txBody>
+          <a:bodyPr/>
+          <a:lstStyle/>
+          <a:p>
+            <a:fld id="{36B97A88-090D-4203-A596-1F28F39FD467}" type="slidenum">
+              <a:rPr lang="ko-KR" altLang="en-US" smtClean="0"/>
+              <a:t>7</a:t>
+            </a:fld>
+            <a:endParaRPr lang="ko-KR" altLang="en-US"/>
+          </a:p>
+        </p:txBody>
+      </p:sp>
+    </p:spTree>
+    <p:extLst>
+      <p:ext uri="{BB962C8B-B14F-4D97-AF65-F5344CB8AC3E}">
+        <p14:creationId xmlns:p14="http://schemas.microsoft.com/office/powerpoint/2010/main" val="1898202518"/>
+      </p:ext>
+    </p:extLst>
+  </p:cSld>
+  <p:clrMapOvr>
+    <a:masterClrMapping/>
+  </p:clrMapOvr>
+</p:notes>
+</file>
+
+<file path=ppt/notesSlides/notesSlide6.xml><?xml version="1.0" encoding="utf-8"?>
+<p:notes xmlns:a="http://schemas.openxmlformats.org/drawingml/2006/main" xmlns:r="http://schemas.openxmlformats.org/officeDocument/2006/relationships" xmlns:p="http://schemas.openxmlformats.org/presentationml/2006/main">
+  <p:cSld>
+    <p:spTree>
+      <p:nvGrpSpPr>
+        <p:cNvPr id="1" name=""/>
+        <p:cNvGrpSpPr/>
+        <p:nvPr/>
+      </p:nvGrpSpPr>
+      <p:grpSpPr>
+        <a:xfrm>
+          <a:off x="0" y="0"/>
+          <a:ext cx="0" cy="0"/>
+          <a:chOff x="0" y="0"/>
+          <a:chExt cx="0" cy="0"/>
+        </a:xfrm>
+      </p:grpSpPr>
+      <p:sp>
+        <p:nvSpPr>
+          <p:cNvPr id="2" name="슬라이드 이미지 개체 틀 1"/>
+          <p:cNvSpPr>
+            <a:spLocks noGrp="1" noRot="1" noChangeAspect="1"/>
+          </p:cNvSpPr>
+          <p:nvPr>
+            <p:ph type="sldImg"/>
+          </p:nvPr>
+        </p:nvSpPr>
+        <p:spPr/>
+      </p:sp>
+      <p:sp>
+        <p:nvSpPr>
+          <p:cNvPr id="3" name="슬라이드 노트 개체 틀 2"/>
+          <p:cNvSpPr>
+            <a:spLocks noGrp="1"/>
+          </p:cNvSpPr>
+          <p:nvPr>
+            <p:ph type="body" idx="1"/>
+          </p:nvPr>
+        </p:nvSpPr>
+        <p:spPr/>
+        <p:txBody>
+          <a:bodyPr/>
+          <a:lstStyle/>
+          <a:p>
+            <a:endParaRPr lang="ko-KR" altLang="en-US" dirty="0"/>
+          </a:p>
+        </p:txBody>
+      </p:sp>
+      <p:sp>
+        <p:nvSpPr>
+          <p:cNvPr id="4" name="슬라이드 번호 개체 틀 3"/>
+          <p:cNvSpPr>
+            <a:spLocks noGrp="1"/>
+          </p:cNvSpPr>
+          <p:nvPr>
+            <p:ph type="sldNum" sz="quarter" idx="10"/>
+          </p:nvPr>
+        </p:nvSpPr>
+        <p:spPr/>
+        <p:txBody>
+          <a:bodyPr/>
+          <a:lstStyle/>
+          <a:p>
+            <a:fld id="{36B97A88-090D-4203-A596-1F28F39FD467}" type="slidenum">
+              <a:rPr lang="ko-KR" altLang="en-US" smtClean="0"/>
+              <a:t>8</a:t>
+            </a:fld>
+            <a:endParaRPr lang="ko-KR" altLang="en-US"/>
+          </a:p>
+        </p:txBody>
+      </p:sp>
+    </p:spTree>
+    <p:extLst>
+      <p:ext uri="{BB962C8B-B14F-4D97-AF65-F5344CB8AC3E}">
+        <p14:creationId xmlns:p14="http://schemas.microsoft.com/office/powerpoint/2010/main" val="3847190087"/>
+      </p:ext>
+    </p:extLst>
+  </p:cSld>
+  <p:clrMapOvr>
+    <a:masterClrMapping/>
+  </p:clrMapOvr>
+</p:notes>
+</file>
+
+<file path=ppt/notesSlides/notesSlide7.xml><?xml version="1.0" encoding="utf-8"?>
+<p:notes xmlns:a="http://schemas.openxmlformats.org/drawingml/2006/main" xmlns:r="http://schemas.openxmlformats.org/officeDocument/2006/relationships" xmlns:p="http://schemas.openxmlformats.org/presentationml/2006/main">
+  <p:cSld>
+    <p:spTree>
+      <p:nvGrpSpPr>
+        <p:cNvPr id="1" name=""/>
+        <p:cNvGrpSpPr/>
+        <p:nvPr/>
+      </p:nvGrpSpPr>
+      <p:grpSpPr>
+        <a:xfrm>
+          <a:off x="0" y="0"/>
+          <a:ext cx="0" cy="0"/>
+          <a:chOff x="0" y="0"/>
+          <a:chExt cx="0" cy="0"/>
+        </a:xfrm>
+      </p:grpSpPr>
+      <p:sp>
+        <p:nvSpPr>
+          <p:cNvPr id="2" name="슬라이드 이미지 개체 틀 1"/>
+          <p:cNvSpPr>
+            <a:spLocks noGrp="1" noRot="1" noChangeAspect="1"/>
+          </p:cNvSpPr>
+          <p:nvPr>
+            <p:ph type="sldImg"/>
+          </p:nvPr>
+        </p:nvSpPr>
+        <p:spPr/>
+      </p:sp>
+      <p:sp>
+        <p:nvSpPr>
+          <p:cNvPr id="3" name="슬라이드 노트 개체 틀 2"/>
+          <p:cNvSpPr>
+            <a:spLocks noGrp="1"/>
+          </p:cNvSpPr>
+          <p:nvPr>
+            <p:ph type="body" idx="1"/>
+          </p:nvPr>
+        </p:nvSpPr>
+        <p:spPr/>
+        <p:txBody>
+          <a:bodyPr/>
+          <a:lstStyle/>
+          <a:p>
+            <a:endParaRPr lang="ko-KR" altLang="en-US" dirty="0"/>
+          </a:p>
+        </p:txBody>
+      </p:sp>
+      <p:sp>
+        <p:nvSpPr>
+          <p:cNvPr id="4" name="슬라이드 번호 개체 틀 3"/>
+          <p:cNvSpPr>
+            <a:spLocks noGrp="1"/>
+          </p:cNvSpPr>
+          <p:nvPr>
+            <p:ph type="sldNum" sz="quarter" idx="10"/>
+          </p:nvPr>
+        </p:nvSpPr>
+        <p:spPr/>
+        <p:txBody>
+          <a:bodyPr/>
+          <a:lstStyle/>
+          <a:p>
+            <a:fld id="{36B97A88-090D-4203-A596-1F28F39FD467}" type="slidenum">
+              <a:rPr lang="ko-KR" altLang="en-US" smtClean="0"/>
+              <a:t>9</a:t>
+            </a:fld>
+            <a:endParaRPr lang="ko-KR" altLang="en-US"/>
+          </a:p>
+        </p:txBody>
+      </p:sp>
+    </p:spTree>
+    <p:extLst>
+      <p:ext uri="{BB962C8B-B14F-4D97-AF65-F5344CB8AC3E}">
+        <p14:creationId xmlns:p14="http://schemas.microsoft.com/office/powerpoint/2010/main" val="884529573"/>
       </p:ext>
     </p:extLst>
   </p:cSld>
@@ -9927,6 +10419,4162 @@
         <p:spPr>
           <a:xfrm>
             <a:off x="53768" y="60304"/>
+            <a:ext cx="742511" cy="338554"/>
+          </a:xfrm>
+          <a:prstGeom prst="rect">
+            <a:avLst/>
+          </a:prstGeom>
+          <a:noFill/>
+          <a:scene3d>
+            <a:camera prst="obliqueTopLeft"/>
+            <a:lightRig rig="threePt" dir="t"/>
+          </a:scene3d>
+        </p:spPr>
+        <p:txBody>
+          <a:bodyPr wrap="none" rtlCol="0">
+            <a:spAutoFit/>
+          </a:bodyPr>
+          <a:lstStyle/>
+          <a:p>
+            <a:r>
+              <a:rPr lang="en-US" altLang="ko-KR" sz="1600" dirty="0" smtClean="0">
+                <a:solidFill>
+                  <a:srgbClr val="455A83"/>
+                </a:solidFill>
+                <a:latin typeface="a고딕19" panose="02020600000000000000" pitchFamily="18" charset="-127"/>
+                <a:ea typeface="a고딕19" panose="02020600000000000000" pitchFamily="18" charset="-127"/>
+              </a:rPr>
+              <a:t>Slide </a:t>
+            </a:r>
+            <a:r>
+              <a:rPr lang="en-US" altLang="ko-KR" sz="1600" dirty="0" smtClean="0">
+                <a:solidFill>
+                  <a:srgbClr val="455A83"/>
+                </a:solidFill>
+                <a:latin typeface="a고딕19" panose="02020600000000000000" pitchFamily="18" charset="-127"/>
+                <a:ea typeface="a고딕19" panose="02020600000000000000" pitchFamily="18" charset="-127"/>
+              </a:rPr>
+              <a:t>9</a:t>
+            </a:r>
+            <a:endParaRPr lang="ko-KR" altLang="en-US" sz="1600" dirty="0">
+              <a:solidFill>
+                <a:srgbClr val="455A83"/>
+              </a:solidFill>
+              <a:latin typeface="a고딕19" panose="02020600000000000000" pitchFamily="18" charset="-127"/>
+              <a:ea typeface="a고딕19" panose="02020600000000000000" pitchFamily="18" charset="-127"/>
+            </a:endParaRPr>
+          </a:p>
+        </p:txBody>
+      </p:sp>
+      <p:sp>
+        <p:nvSpPr>
+          <p:cNvPr id="15" name="TextBox 14"/>
+          <p:cNvSpPr txBox="1"/>
+          <p:nvPr/>
+        </p:nvSpPr>
+        <p:spPr>
+          <a:xfrm>
+            <a:off x="0" y="1555884"/>
+            <a:ext cx="9144000" cy="461665"/>
+          </a:xfrm>
+          <a:prstGeom prst="rect">
+            <a:avLst/>
+          </a:prstGeom>
+          <a:noFill/>
+          <a:scene3d>
+            <a:camera prst="obliqueTopLeft"/>
+            <a:lightRig rig="threePt" dir="t"/>
+          </a:scene3d>
+        </p:spPr>
+        <p:txBody>
+          <a:bodyPr wrap="square" rtlCol="0">
+            <a:spAutoFit/>
+          </a:bodyPr>
+          <a:lstStyle/>
+          <a:p>
+            <a:pPr algn="ctr"/>
+            <a:r>
+              <a:rPr lang="ko-KR" altLang="en-US" sz="2400" dirty="0" smtClean="0">
+                <a:solidFill>
+                  <a:srgbClr val="4D4D4F"/>
+                </a:solidFill>
+                <a:latin typeface="a고딕13" panose="02020600000000000000" pitchFamily="18" charset="-127"/>
+                <a:ea typeface="a고딕13" panose="02020600000000000000" pitchFamily="18" charset="-127"/>
+              </a:rPr>
+              <a:t>기대 효과</a:t>
+            </a:r>
+            <a:endParaRPr lang="ko-KR" altLang="en-US" sz="2400" dirty="0">
+              <a:solidFill>
+                <a:srgbClr val="4D4D4F"/>
+              </a:solidFill>
+              <a:latin typeface="a고딕13" panose="02020600000000000000" pitchFamily="18" charset="-127"/>
+              <a:ea typeface="a고딕13" panose="02020600000000000000" pitchFamily="18" charset="-127"/>
+            </a:endParaRPr>
+          </a:p>
+        </p:txBody>
+      </p:sp>
+      <p:cxnSp>
+        <p:nvCxnSpPr>
+          <p:cNvPr id="16" name="직선 연결선 15"/>
+          <p:cNvCxnSpPr/>
+          <p:nvPr/>
+        </p:nvCxnSpPr>
+        <p:spPr>
+          <a:xfrm>
+            <a:off x="2504566" y="1489469"/>
+            <a:ext cx="4134868" cy="0"/>
+          </a:xfrm>
+          <a:prstGeom prst="line">
+            <a:avLst/>
+          </a:prstGeom>
+          <a:ln w="12700">
+            <a:solidFill>
+              <a:srgbClr val="515153"/>
+            </a:solidFill>
+          </a:ln>
+          <a:scene3d>
+            <a:camera prst="obliqueTopLeft"/>
+            <a:lightRig rig="threePt" dir="t"/>
+          </a:scene3d>
+        </p:spPr>
+        <p:style>
+          <a:lnRef idx="1">
+            <a:schemeClr val="accent1"/>
+          </a:lnRef>
+          <a:fillRef idx="0">
+            <a:schemeClr val="accent1"/>
+          </a:fillRef>
+          <a:effectRef idx="0">
+            <a:schemeClr val="accent1"/>
+          </a:effectRef>
+          <a:fontRef idx="minor">
+            <a:schemeClr val="tx1"/>
+          </a:fontRef>
+        </p:style>
+      </p:cxnSp>
+      <p:sp>
+        <p:nvSpPr>
+          <p:cNvPr id="17" name="TextBox 16"/>
+          <p:cNvSpPr txBox="1"/>
+          <p:nvPr/>
+        </p:nvSpPr>
+        <p:spPr>
+          <a:xfrm>
+            <a:off x="4279291" y="932040"/>
+            <a:ext cx="537327" cy="523220"/>
+          </a:xfrm>
+          <a:prstGeom prst="rect">
+            <a:avLst/>
+          </a:prstGeom>
+          <a:noFill/>
+          <a:scene3d>
+            <a:camera prst="obliqueTopLeft"/>
+            <a:lightRig rig="threePt" dir="t"/>
+          </a:scene3d>
+        </p:spPr>
+        <p:txBody>
+          <a:bodyPr wrap="none" rtlCol="0">
+            <a:spAutoFit/>
+          </a:bodyPr>
+          <a:lstStyle/>
+          <a:p>
+            <a:r>
+              <a:rPr lang="en-US" altLang="ko-KR" sz="2800" dirty="0" smtClean="0">
+                <a:solidFill>
+                  <a:srgbClr val="455A83"/>
+                </a:solidFill>
+                <a:latin typeface="a고딕19" panose="02020600000000000000" pitchFamily="18" charset="-127"/>
+                <a:ea typeface="a고딕19" panose="02020600000000000000" pitchFamily="18" charset="-127"/>
+              </a:rPr>
+              <a:t>06</a:t>
+            </a:r>
+            <a:endParaRPr lang="ko-KR" altLang="en-US" sz="2800" dirty="0">
+              <a:solidFill>
+                <a:srgbClr val="455A83"/>
+              </a:solidFill>
+              <a:latin typeface="a고딕19" panose="02020600000000000000" pitchFamily="18" charset="-127"/>
+              <a:ea typeface="a고딕19" panose="02020600000000000000" pitchFamily="18" charset="-127"/>
+            </a:endParaRPr>
+          </a:p>
+        </p:txBody>
+      </p:sp>
+      <p:sp>
+        <p:nvSpPr>
+          <p:cNvPr id="10" name="직사각형 9"/>
+          <p:cNvSpPr/>
+          <p:nvPr/>
+        </p:nvSpPr>
+        <p:spPr>
+          <a:xfrm>
+            <a:off x="-1706880" y="932040"/>
+            <a:ext cx="920620" cy="261610"/>
+          </a:xfrm>
+          <a:prstGeom prst="rect">
+            <a:avLst/>
+          </a:prstGeom>
+          <a:solidFill>
+            <a:srgbClr val="FDC085"/>
+          </a:solidFill>
+          <a:ln>
+            <a:noFill/>
+          </a:ln>
+        </p:spPr>
+        <p:style>
+          <a:lnRef idx="2">
+            <a:schemeClr val="accent1">
+              <a:shade val="50000"/>
+            </a:schemeClr>
+          </a:lnRef>
+          <a:fillRef idx="1">
+            <a:schemeClr val="accent1"/>
+          </a:fillRef>
+          <a:effectRef idx="0">
+            <a:schemeClr val="accent1"/>
+          </a:effectRef>
+          <a:fontRef idx="minor">
+            <a:schemeClr val="lt1"/>
+          </a:fontRef>
+        </p:style>
+        <p:txBody>
+          <a:bodyPr rtlCol="0" anchor="ctr"/>
+          <a:lstStyle/>
+          <a:p>
+            <a:pPr algn="ctr"/>
+            <a:endParaRPr lang="ko-KR" altLang="en-US"/>
+          </a:p>
+        </p:txBody>
+      </p:sp>
+      <p:sp>
+        <p:nvSpPr>
+          <p:cNvPr id="23" name="직사각형 22"/>
+          <p:cNvSpPr/>
+          <p:nvPr/>
+        </p:nvSpPr>
+        <p:spPr>
+          <a:xfrm>
+            <a:off x="-1706880" y="1193650"/>
+            <a:ext cx="920620" cy="261610"/>
+          </a:xfrm>
+          <a:prstGeom prst="rect">
+            <a:avLst/>
+          </a:prstGeom>
+          <a:solidFill>
+            <a:srgbClr val="EA426C"/>
+          </a:solidFill>
+          <a:ln>
+            <a:noFill/>
+          </a:ln>
+        </p:spPr>
+        <p:style>
+          <a:lnRef idx="2">
+            <a:schemeClr val="accent1">
+              <a:shade val="50000"/>
+            </a:schemeClr>
+          </a:lnRef>
+          <a:fillRef idx="1">
+            <a:schemeClr val="accent1"/>
+          </a:fillRef>
+          <a:effectRef idx="0">
+            <a:schemeClr val="accent1"/>
+          </a:effectRef>
+          <a:fontRef idx="minor">
+            <a:schemeClr val="lt1"/>
+          </a:fontRef>
+        </p:style>
+        <p:txBody>
+          <a:bodyPr rtlCol="0" anchor="ctr"/>
+          <a:lstStyle/>
+          <a:p>
+            <a:pPr algn="ctr"/>
+            <a:endParaRPr lang="ko-KR" altLang="en-US"/>
+          </a:p>
+        </p:txBody>
+      </p:sp>
+      <p:sp>
+        <p:nvSpPr>
+          <p:cNvPr id="24" name="직사각형 23"/>
+          <p:cNvSpPr/>
+          <p:nvPr/>
+        </p:nvSpPr>
+        <p:spPr>
+          <a:xfrm>
+            <a:off x="-1706880" y="1455260"/>
+            <a:ext cx="920620" cy="261610"/>
+          </a:xfrm>
+          <a:prstGeom prst="rect">
+            <a:avLst/>
+          </a:prstGeom>
+          <a:solidFill>
+            <a:srgbClr val="F86666"/>
+          </a:solidFill>
+          <a:ln>
+            <a:noFill/>
+          </a:ln>
+        </p:spPr>
+        <p:style>
+          <a:lnRef idx="2">
+            <a:schemeClr val="accent1">
+              <a:shade val="50000"/>
+            </a:schemeClr>
+          </a:lnRef>
+          <a:fillRef idx="1">
+            <a:schemeClr val="accent1"/>
+          </a:fillRef>
+          <a:effectRef idx="0">
+            <a:schemeClr val="accent1"/>
+          </a:effectRef>
+          <a:fontRef idx="minor">
+            <a:schemeClr val="lt1"/>
+          </a:fontRef>
+        </p:style>
+        <p:txBody>
+          <a:bodyPr rtlCol="0" anchor="ctr"/>
+          <a:lstStyle/>
+          <a:p>
+            <a:pPr algn="ctr"/>
+            <a:endParaRPr lang="ko-KR" altLang="en-US"/>
+          </a:p>
+        </p:txBody>
+      </p:sp>
+      <p:sp>
+        <p:nvSpPr>
+          <p:cNvPr id="25" name="직사각형 24"/>
+          <p:cNvSpPr/>
+          <p:nvPr/>
+        </p:nvSpPr>
+        <p:spPr>
+          <a:xfrm>
+            <a:off x="-1706880" y="1695431"/>
+            <a:ext cx="920620" cy="261610"/>
+          </a:xfrm>
+          <a:prstGeom prst="rect">
+            <a:avLst/>
+          </a:prstGeom>
+          <a:solidFill>
+            <a:srgbClr val="7BC4CD"/>
+          </a:solidFill>
+          <a:ln>
+            <a:noFill/>
+          </a:ln>
+        </p:spPr>
+        <p:style>
+          <a:lnRef idx="2">
+            <a:schemeClr val="accent1">
+              <a:shade val="50000"/>
+            </a:schemeClr>
+          </a:lnRef>
+          <a:fillRef idx="1">
+            <a:schemeClr val="accent1"/>
+          </a:fillRef>
+          <a:effectRef idx="0">
+            <a:schemeClr val="accent1"/>
+          </a:effectRef>
+          <a:fontRef idx="minor">
+            <a:schemeClr val="lt1"/>
+          </a:fontRef>
+        </p:style>
+        <p:txBody>
+          <a:bodyPr rtlCol="0" anchor="ctr"/>
+          <a:lstStyle/>
+          <a:p>
+            <a:pPr algn="ctr"/>
+            <a:endParaRPr lang="ko-KR" altLang="en-US"/>
+          </a:p>
+        </p:txBody>
+      </p:sp>
+      <p:sp>
+        <p:nvSpPr>
+          <p:cNvPr id="26" name="직사각형 25"/>
+          <p:cNvSpPr/>
+          <p:nvPr/>
+        </p:nvSpPr>
+        <p:spPr>
+          <a:xfrm>
+            <a:off x="-1706880" y="1939237"/>
+            <a:ext cx="920620" cy="261610"/>
+          </a:xfrm>
+          <a:prstGeom prst="rect">
+            <a:avLst/>
+          </a:prstGeom>
+          <a:solidFill>
+            <a:srgbClr val="455A83"/>
+          </a:solidFill>
+          <a:ln>
+            <a:noFill/>
+          </a:ln>
+        </p:spPr>
+        <p:style>
+          <a:lnRef idx="2">
+            <a:schemeClr val="accent1">
+              <a:shade val="50000"/>
+            </a:schemeClr>
+          </a:lnRef>
+          <a:fillRef idx="1">
+            <a:schemeClr val="accent1"/>
+          </a:fillRef>
+          <a:effectRef idx="0">
+            <a:schemeClr val="accent1"/>
+          </a:effectRef>
+          <a:fontRef idx="minor">
+            <a:schemeClr val="lt1"/>
+          </a:fontRef>
+        </p:style>
+        <p:txBody>
+          <a:bodyPr rtlCol="0" anchor="ctr"/>
+          <a:lstStyle/>
+          <a:p>
+            <a:pPr algn="ctr"/>
+            <a:endParaRPr lang="ko-KR" altLang="en-US"/>
+          </a:p>
+        </p:txBody>
+      </p:sp>
+    </p:spTree>
+    <p:extLst>
+      <p:ext uri="{BB962C8B-B14F-4D97-AF65-F5344CB8AC3E}">
+        <p14:creationId xmlns:p14="http://schemas.microsoft.com/office/powerpoint/2010/main" val="3616316142"/>
+      </p:ext>
+    </p:extLst>
+  </p:cSld>
+  <p:clrMapOvr>
+    <a:masterClrMapping/>
+  </p:clrMapOvr>
+  <p:timing>
+    <p:tnLst>
+      <p:par>
+        <p:cTn id="1" dur="indefinite" restart="never" nodeType="tmRoot"/>
+      </p:par>
+    </p:tnLst>
+  </p:timing>
+</p:sld>
+</file>
+
+<file path=ppt/slides/slide11.xml><?xml version="1.0" encoding="utf-8"?>
+<p:sld xmlns:a="http://schemas.openxmlformats.org/drawingml/2006/main" xmlns:r="http://schemas.openxmlformats.org/officeDocument/2006/relationships" xmlns:p="http://schemas.openxmlformats.org/presentationml/2006/main">
+  <p:cSld>
+    <p:bg>
+      <p:bgPr>
+        <a:solidFill>
+          <a:srgbClr val="FEFAEF"/>
+        </a:solidFill>
+        <a:effectLst/>
+      </p:bgPr>
+    </p:bg>
+    <p:spTree>
+      <p:nvGrpSpPr>
+        <p:cNvPr id="1" name=""/>
+        <p:cNvGrpSpPr/>
+        <p:nvPr/>
+      </p:nvGrpSpPr>
+      <p:grpSpPr>
+        <a:xfrm>
+          <a:off x="0" y="0"/>
+          <a:ext cx="0" cy="0"/>
+          <a:chOff x="0" y="0"/>
+          <a:chExt cx="0" cy="0"/>
+        </a:xfrm>
+      </p:grpSpPr>
+      <p:sp>
+        <p:nvSpPr>
+          <p:cNvPr id="13" name="TextBox 12"/>
+          <p:cNvSpPr txBox="1"/>
+          <p:nvPr/>
+        </p:nvSpPr>
+        <p:spPr>
+          <a:xfrm>
+            <a:off x="53768" y="60304"/>
+            <a:ext cx="834011" cy="338554"/>
+          </a:xfrm>
+          <a:prstGeom prst="rect">
+            <a:avLst/>
+          </a:prstGeom>
+          <a:noFill/>
+          <a:scene3d>
+            <a:camera prst="obliqueTopLeft"/>
+            <a:lightRig rig="threePt" dir="t"/>
+          </a:scene3d>
+        </p:spPr>
+        <p:txBody>
+          <a:bodyPr wrap="none" rtlCol="0">
+            <a:spAutoFit/>
+          </a:bodyPr>
+          <a:lstStyle/>
+          <a:p>
+            <a:r>
+              <a:rPr lang="en-US" altLang="ko-KR" sz="1600" dirty="0" smtClean="0">
+                <a:solidFill>
+                  <a:srgbClr val="455A83"/>
+                </a:solidFill>
+                <a:latin typeface="a고딕19" panose="02020600000000000000" pitchFamily="18" charset="-127"/>
+                <a:ea typeface="a고딕19" panose="02020600000000000000" pitchFamily="18" charset="-127"/>
+              </a:rPr>
+              <a:t>Slide 1</a:t>
+            </a:r>
+            <a:endParaRPr lang="ko-KR" altLang="en-US" sz="1600" dirty="0">
+              <a:solidFill>
+                <a:srgbClr val="455A83"/>
+              </a:solidFill>
+              <a:latin typeface="a고딕19" panose="02020600000000000000" pitchFamily="18" charset="-127"/>
+              <a:ea typeface="a고딕19" panose="02020600000000000000" pitchFamily="18" charset="-127"/>
+            </a:endParaRPr>
+          </a:p>
+        </p:txBody>
+      </p:sp>
+      <p:sp>
+        <p:nvSpPr>
+          <p:cNvPr id="15" name="TextBox 14"/>
+          <p:cNvSpPr txBox="1"/>
+          <p:nvPr/>
+        </p:nvSpPr>
+        <p:spPr>
+          <a:xfrm>
+            <a:off x="1934900" y="1555884"/>
+            <a:ext cx="5274201" cy="523220"/>
+          </a:xfrm>
+          <a:prstGeom prst="rect">
+            <a:avLst/>
+          </a:prstGeom>
+          <a:noFill/>
+          <a:scene3d>
+            <a:camera prst="obliqueTopLeft"/>
+            <a:lightRig rig="threePt" dir="t"/>
+          </a:scene3d>
+        </p:spPr>
+        <p:txBody>
+          <a:bodyPr wrap="none" rtlCol="0">
+            <a:spAutoFit/>
+          </a:bodyPr>
+          <a:lstStyle/>
+          <a:p>
+            <a:r>
+              <a:rPr lang="ko-KR" altLang="en-US" sz="2400" dirty="0" smtClean="0">
+                <a:solidFill>
+                  <a:srgbClr val="4D4D4F"/>
+                </a:solidFill>
+                <a:latin typeface="a고딕13" panose="02020600000000000000" pitchFamily="18" charset="-127"/>
+                <a:ea typeface="a고딕13" panose="02020600000000000000" pitchFamily="18" charset="-127"/>
+              </a:rPr>
+              <a:t>간지나는 발표의 핵심은 딱 </a:t>
+            </a:r>
+            <a:r>
+              <a:rPr lang="en-US" altLang="ko-KR" sz="2800" dirty="0" smtClean="0">
+                <a:solidFill>
+                  <a:srgbClr val="455A83"/>
+                </a:solidFill>
+                <a:latin typeface="a고딕19" panose="02020600000000000000" pitchFamily="18" charset="-127"/>
+                <a:ea typeface="a고딕19" panose="02020600000000000000" pitchFamily="18" charset="-127"/>
+              </a:rPr>
+              <a:t>2</a:t>
+            </a:r>
+            <a:r>
+              <a:rPr lang="ko-KR" altLang="en-US" sz="2800" dirty="0" smtClean="0">
+                <a:solidFill>
+                  <a:srgbClr val="455A83"/>
+                </a:solidFill>
+                <a:latin typeface="a고딕19" panose="02020600000000000000" pitchFamily="18" charset="-127"/>
+                <a:ea typeface="a고딕19" panose="02020600000000000000" pitchFamily="18" charset="-127"/>
+              </a:rPr>
+              <a:t>가지 </a:t>
+            </a:r>
+            <a:r>
+              <a:rPr lang="ko-KR" altLang="en-US" sz="2400" dirty="0" smtClean="0">
+                <a:solidFill>
+                  <a:srgbClr val="4D4D4F"/>
+                </a:solidFill>
+                <a:latin typeface="a고딕13" panose="02020600000000000000" pitchFamily="18" charset="-127"/>
+                <a:ea typeface="a고딕13" panose="02020600000000000000" pitchFamily="18" charset="-127"/>
+              </a:rPr>
+              <a:t>정도야</a:t>
+            </a:r>
+            <a:endParaRPr lang="ko-KR" altLang="en-US" sz="2400" dirty="0">
+              <a:solidFill>
+                <a:srgbClr val="4D4D4F"/>
+              </a:solidFill>
+              <a:latin typeface="a고딕13" panose="02020600000000000000" pitchFamily="18" charset="-127"/>
+              <a:ea typeface="a고딕13" panose="02020600000000000000" pitchFamily="18" charset="-127"/>
+            </a:endParaRPr>
+          </a:p>
+        </p:txBody>
+      </p:sp>
+      <p:cxnSp>
+        <p:nvCxnSpPr>
+          <p:cNvPr id="16" name="직선 연결선 15"/>
+          <p:cNvCxnSpPr/>
+          <p:nvPr/>
+        </p:nvCxnSpPr>
+        <p:spPr>
+          <a:xfrm>
+            <a:off x="2504566" y="1489469"/>
+            <a:ext cx="4134868" cy="0"/>
+          </a:xfrm>
+          <a:prstGeom prst="line">
+            <a:avLst/>
+          </a:prstGeom>
+          <a:ln w="12700">
+            <a:solidFill>
+              <a:srgbClr val="515153"/>
+            </a:solidFill>
+          </a:ln>
+          <a:scene3d>
+            <a:camera prst="obliqueTopLeft"/>
+            <a:lightRig rig="threePt" dir="t"/>
+          </a:scene3d>
+        </p:spPr>
+        <p:style>
+          <a:lnRef idx="1">
+            <a:schemeClr val="accent1"/>
+          </a:lnRef>
+          <a:fillRef idx="0">
+            <a:schemeClr val="accent1"/>
+          </a:fillRef>
+          <a:effectRef idx="0">
+            <a:schemeClr val="accent1"/>
+          </a:effectRef>
+          <a:fontRef idx="minor">
+            <a:schemeClr val="tx1"/>
+          </a:fontRef>
+        </p:style>
+      </p:cxnSp>
+      <p:sp>
+        <p:nvSpPr>
+          <p:cNvPr id="17" name="TextBox 16"/>
+          <p:cNvSpPr txBox="1"/>
+          <p:nvPr/>
+        </p:nvSpPr>
+        <p:spPr>
+          <a:xfrm>
+            <a:off x="4279291" y="932040"/>
+            <a:ext cx="585418" cy="523220"/>
+          </a:xfrm>
+          <a:prstGeom prst="rect">
+            <a:avLst/>
+          </a:prstGeom>
+          <a:noFill/>
+          <a:scene3d>
+            <a:camera prst="obliqueTopLeft"/>
+            <a:lightRig rig="threePt" dir="t"/>
+          </a:scene3d>
+        </p:spPr>
+        <p:txBody>
+          <a:bodyPr wrap="none" rtlCol="0">
+            <a:spAutoFit/>
+          </a:bodyPr>
+          <a:lstStyle/>
+          <a:p>
+            <a:r>
+              <a:rPr lang="en-US" altLang="ko-KR" sz="2800" dirty="0" smtClean="0">
+                <a:solidFill>
+                  <a:srgbClr val="455A83"/>
+                </a:solidFill>
+                <a:latin typeface="a고딕19" panose="02020600000000000000" pitchFamily="18" charset="-127"/>
+                <a:ea typeface="a고딕19" panose="02020600000000000000" pitchFamily="18" charset="-127"/>
+              </a:rPr>
+              <a:t>01</a:t>
+            </a:r>
+            <a:endParaRPr lang="ko-KR" altLang="en-US" sz="2800" dirty="0">
+              <a:solidFill>
+                <a:srgbClr val="455A83"/>
+              </a:solidFill>
+              <a:latin typeface="a고딕19" panose="02020600000000000000" pitchFamily="18" charset="-127"/>
+              <a:ea typeface="a고딕19" panose="02020600000000000000" pitchFamily="18" charset="-127"/>
+            </a:endParaRPr>
+          </a:p>
+        </p:txBody>
+      </p:sp>
+      <p:grpSp>
+        <p:nvGrpSpPr>
+          <p:cNvPr id="31" name="그룹 30"/>
+          <p:cNvGrpSpPr/>
+          <p:nvPr/>
+        </p:nvGrpSpPr>
+        <p:grpSpPr>
+          <a:xfrm>
+            <a:off x="2345111" y="4797317"/>
+            <a:ext cx="1712327" cy="646331"/>
+            <a:chOff x="2345111" y="4811853"/>
+            <a:chExt cx="1712327" cy="646331"/>
+          </a:xfrm>
+        </p:grpSpPr>
+        <p:sp>
+          <p:nvSpPr>
+            <p:cNvPr id="20" name="모서리가 둥근 직사각형 19"/>
+            <p:cNvSpPr/>
+            <p:nvPr/>
+          </p:nvSpPr>
+          <p:spPr>
+            <a:xfrm>
+              <a:off x="2551789" y="5135019"/>
+              <a:ext cx="1296794" cy="265997"/>
+            </a:xfrm>
+            <a:prstGeom prst="roundRect">
+              <a:avLst/>
+            </a:prstGeom>
+            <a:solidFill>
+              <a:srgbClr val="455A83"/>
+            </a:solidFill>
+            <a:ln>
+              <a:noFill/>
+            </a:ln>
+          </p:spPr>
+          <p:style>
+            <a:lnRef idx="2">
+              <a:schemeClr val="accent1">
+                <a:shade val="50000"/>
+              </a:schemeClr>
+            </a:lnRef>
+            <a:fillRef idx="1">
+              <a:schemeClr val="accent1"/>
+            </a:fillRef>
+            <a:effectRef idx="0">
+              <a:schemeClr val="accent1"/>
+            </a:effectRef>
+            <a:fontRef idx="minor">
+              <a:schemeClr val="lt1"/>
+            </a:fontRef>
+          </p:style>
+          <p:txBody>
+            <a:bodyPr rot="0" spcFirstLastPara="0" vertOverflow="overflow" horzOverflow="overflow" vert="horz" wrap="square" lIns="91440" tIns="45720" rIns="91440" bIns="45720" numCol="1" spcCol="0" rtlCol="0" fromWordArt="0" anchor="ctr" anchorCtr="0" forceAA="0" compatLnSpc="1">
+              <a:prstTxWarp prst="textNoShape">
+                <a:avLst/>
+              </a:prstTxWarp>
+              <a:noAutofit/>
+            </a:bodyPr>
+            <a:lstStyle/>
+            <a:p>
+              <a:pPr algn="ctr"/>
+              <a:endParaRPr lang="ko-KR" altLang="en-US"/>
+            </a:p>
+          </p:txBody>
+        </p:sp>
+        <p:sp>
+          <p:nvSpPr>
+            <p:cNvPr id="48" name="TextBox 47"/>
+            <p:cNvSpPr txBox="1"/>
+            <p:nvPr/>
+          </p:nvSpPr>
+          <p:spPr>
+            <a:xfrm>
+              <a:off x="2345111" y="4811853"/>
+              <a:ext cx="1712327" cy="646331"/>
+            </a:xfrm>
+            <a:prstGeom prst="rect">
+              <a:avLst/>
+            </a:prstGeom>
+            <a:noFill/>
+            <a:scene3d>
+              <a:camera prst="obliqueTopLeft"/>
+              <a:lightRig rig="threePt" dir="t"/>
+            </a:scene3d>
+          </p:spPr>
+          <p:txBody>
+            <a:bodyPr wrap="none" rtlCol="0">
+              <a:spAutoFit/>
+            </a:bodyPr>
+            <a:lstStyle/>
+            <a:p>
+              <a:pPr algn="ctr"/>
+              <a:r>
+                <a:rPr lang="ko-KR" altLang="en-US" dirty="0" smtClean="0">
+                  <a:solidFill>
+                    <a:srgbClr val="4D4D4F"/>
+                  </a:solidFill>
+                  <a:latin typeface="나눔스퀘어" panose="020B0600000101010101" pitchFamily="50" charset="-127"/>
+                  <a:ea typeface="나눔스퀘어" panose="020B0600000101010101" pitchFamily="50" charset="-127"/>
+                </a:rPr>
+                <a:t>중요한 포인트에</a:t>
+              </a:r>
+              <a:endParaRPr lang="en-US" altLang="ko-KR" dirty="0" smtClean="0">
+                <a:solidFill>
+                  <a:srgbClr val="4D4D4F"/>
+                </a:solidFill>
+                <a:latin typeface="나눔스퀘어" panose="020B0600000101010101" pitchFamily="50" charset="-127"/>
+                <a:ea typeface="나눔스퀘어" panose="020B0600000101010101" pitchFamily="50" charset="-127"/>
+              </a:endParaRPr>
+            </a:p>
+            <a:p>
+              <a:pPr algn="ctr"/>
+              <a:r>
+                <a:rPr lang="ko-KR" altLang="en-US" b="1" dirty="0" smtClean="0">
+                  <a:solidFill>
+                    <a:schemeClr val="bg1"/>
+                  </a:solidFill>
+                  <a:latin typeface="a고딕15" panose="02020600000000000000" pitchFamily="18" charset="-127"/>
+                  <a:ea typeface="a고딕15" panose="02020600000000000000" pitchFamily="18" charset="-127"/>
+                </a:rPr>
+                <a:t>스포트라이트</a:t>
+              </a:r>
+              <a:endParaRPr lang="en-US" altLang="ko-KR" b="1" dirty="0" smtClean="0">
+                <a:solidFill>
+                  <a:schemeClr val="bg1"/>
+                </a:solidFill>
+                <a:latin typeface="a고딕15" panose="02020600000000000000" pitchFamily="18" charset="-127"/>
+                <a:ea typeface="a고딕15" panose="02020600000000000000" pitchFamily="18" charset="-127"/>
+              </a:endParaRPr>
+            </a:p>
+          </p:txBody>
+        </p:sp>
+      </p:grpSp>
+      <p:pic>
+        <p:nvPicPr>
+          <p:cNvPr id="8" name="그림 7"/>
+          <p:cNvPicPr>
+            <a:picLocks noChangeAspect="1"/>
+          </p:cNvPicPr>
+          <p:nvPr/>
+        </p:nvPicPr>
+        <p:blipFill>
+          <a:blip r:embed="rId2" cstate="print">
+            <a:extLst>
+              <a:ext uri="{28A0092B-C50C-407E-A947-70E740481C1C}">
+                <a14:useLocalDpi xmlns:a14="http://schemas.microsoft.com/office/drawing/2010/main" val="0"/>
+              </a:ext>
+            </a:extLst>
+          </a:blip>
+          <a:stretch>
+            <a:fillRect/>
+          </a:stretch>
+        </p:blipFill>
+        <p:spPr>
+          <a:xfrm>
+            <a:off x="2697482" y="3644063"/>
+            <a:ext cx="876558" cy="876558"/>
+          </a:xfrm>
+          <a:prstGeom prst="rect">
+            <a:avLst/>
+          </a:prstGeom>
+          <a:scene3d>
+            <a:camera prst="obliqueTopLeft"/>
+            <a:lightRig rig="threePt" dir="t"/>
+          </a:scene3d>
+        </p:spPr>
+      </p:pic>
+      <p:sp>
+        <p:nvSpPr>
+          <p:cNvPr id="42" name="TextBox 41"/>
+          <p:cNvSpPr txBox="1"/>
+          <p:nvPr/>
+        </p:nvSpPr>
+        <p:spPr>
+          <a:xfrm>
+            <a:off x="5027558" y="4797317"/>
+            <a:ext cx="1712328" cy="646331"/>
+          </a:xfrm>
+          <a:prstGeom prst="rect">
+            <a:avLst/>
+          </a:prstGeom>
+          <a:noFill/>
+          <a:scene3d>
+            <a:camera prst="obliqueTopLeft"/>
+            <a:lightRig rig="threePt" dir="t"/>
+          </a:scene3d>
+        </p:spPr>
+        <p:txBody>
+          <a:bodyPr wrap="none" rtlCol="0">
+            <a:spAutoFit/>
+          </a:bodyPr>
+          <a:lstStyle/>
+          <a:p>
+            <a:pPr algn="ctr"/>
+            <a:r>
+              <a:rPr lang="ko-KR" altLang="en-US" dirty="0" smtClean="0">
+                <a:solidFill>
+                  <a:srgbClr val="4D4D4F"/>
+                </a:solidFill>
+                <a:latin typeface="나눔스퀘어" panose="020B0600000101010101" pitchFamily="50" charset="-127"/>
+                <a:ea typeface="나눔스퀘어" panose="020B0600000101010101" pitchFamily="50" charset="-127"/>
+              </a:rPr>
+              <a:t>시간을 지배하는</a:t>
+            </a:r>
+            <a:endParaRPr lang="en-US" altLang="ko-KR" dirty="0" smtClean="0">
+              <a:solidFill>
+                <a:srgbClr val="4D4D4F"/>
+              </a:solidFill>
+              <a:latin typeface="나눔스퀘어" panose="020B0600000101010101" pitchFamily="50" charset="-127"/>
+              <a:ea typeface="나눔스퀘어" panose="020B0600000101010101" pitchFamily="50" charset="-127"/>
+            </a:endParaRPr>
+          </a:p>
+          <a:p>
+            <a:pPr algn="ctr"/>
+            <a:r>
+              <a:rPr lang="ko-KR" altLang="en-US" dirty="0">
+                <a:solidFill>
+                  <a:srgbClr val="455A83"/>
+                </a:solidFill>
+                <a:latin typeface="a고딕15" panose="02020600000000000000" pitchFamily="18" charset="-127"/>
+                <a:ea typeface="a고딕15" panose="02020600000000000000" pitchFamily="18" charset="-127"/>
+              </a:rPr>
+              <a:t>여유로움</a:t>
+            </a:r>
+            <a:endParaRPr lang="en-US" altLang="ko-KR" dirty="0">
+              <a:solidFill>
+                <a:srgbClr val="455A83"/>
+              </a:solidFill>
+              <a:latin typeface="a고딕15" panose="02020600000000000000" pitchFamily="18" charset="-127"/>
+              <a:ea typeface="a고딕15" panose="02020600000000000000" pitchFamily="18" charset="-127"/>
+            </a:endParaRPr>
+          </a:p>
+        </p:txBody>
+      </p:sp>
+      <p:pic>
+        <p:nvPicPr>
+          <p:cNvPr id="9" name="그림 8"/>
+          <p:cNvPicPr>
+            <a:picLocks noChangeAspect="1"/>
+          </p:cNvPicPr>
+          <p:nvPr/>
+        </p:nvPicPr>
+        <p:blipFill>
+          <a:blip r:embed="rId3" cstate="print">
+            <a:extLst>
+              <a:ext uri="{28A0092B-C50C-407E-A947-70E740481C1C}">
+                <a14:useLocalDpi xmlns:a14="http://schemas.microsoft.com/office/drawing/2010/main" val="0"/>
+              </a:ext>
+            </a:extLst>
+          </a:blip>
+          <a:stretch>
+            <a:fillRect/>
+          </a:stretch>
+        </p:blipFill>
+        <p:spPr>
+          <a:xfrm>
+            <a:off x="5444578" y="3653593"/>
+            <a:ext cx="878288" cy="878288"/>
+          </a:xfrm>
+          <a:prstGeom prst="rect">
+            <a:avLst/>
+          </a:prstGeom>
+          <a:scene3d>
+            <a:camera prst="obliqueTopLeft"/>
+            <a:lightRig rig="threePt" dir="t"/>
+          </a:scene3d>
+        </p:spPr>
+      </p:pic>
+      <p:grpSp>
+        <p:nvGrpSpPr>
+          <p:cNvPr id="30" name="그룹 29"/>
+          <p:cNvGrpSpPr/>
+          <p:nvPr/>
+        </p:nvGrpSpPr>
+        <p:grpSpPr>
+          <a:xfrm>
+            <a:off x="3009713" y="2632854"/>
+            <a:ext cx="3060453" cy="396895"/>
+            <a:chOff x="3041774" y="2440426"/>
+            <a:chExt cx="3060453" cy="396895"/>
+          </a:xfrm>
+        </p:grpSpPr>
+        <p:sp>
+          <p:nvSpPr>
+            <p:cNvPr id="18" name="직사각형 17"/>
+            <p:cNvSpPr/>
+            <p:nvPr/>
+          </p:nvSpPr>
+          <p:spPr>
+            <a:xfrm>
+              <a:off x="3041775" y="2440426"/>
+              <a:ext cx="3060452" cy="396895"/>
+            </a:xfrm>
+            <a:prstGeom prst="rect">
+              <a:avLst/>
+            </a:prstGeom>
+            <a:solidFill>
+              <a:srgbClr val="455A83"/>
+            </a:solidFill>
+            <a:ln>
+              <a:noFill/>
+            </a:ln>
+            <a:scene3d>
+              <a:camera prst="obliqueTopLeft"/>
+              <a:lightRig rig="threePt" dir="t"/>
+            </a:scene3d>
+          </p:spPr>
+          <p:style>
+            <a:lnRef idx="2">
+              <a:schemeClr val="accent1">
+                <a:shade val="50000"/>
+              </a:schemeClr>
+            </a:lnRef>
+            <a:fillRef idx="1">
+              <a:schemeClr val="accent1"/>
+            </a:fillRef>
+            <a:effectRef idx="0">
+              <a:schemeClr val="accent1"/>
+            </a:effectRef>
+            <a:fontRef idx="minor">
+              <a:schemeClr val="lt1"/>
+            </a:fontRef>
+          </p:style>
+          <p:txBody>
+            <a:bodyPr rtlCol="0" anchor="ctr"/>
+            <a:lstStyle/>
+            <a:p>
+              <a:pPr algn="ctr"/>
+              <a:endParaRPr lang="ko-KR" altLang="en-US"/>
+            </a:p>
+          </p:txBody>
+        </p:sp>
+        <p:sp>
+          <p:nvSpPr>
+            <p:cNvPr id="21" name="TextBox 20"/>
+            <p:cNvSpPr txBox="1"/>
+            <p:nvPr/>
+          </p:nvSpPr>
+          <p:spPr>
+            <a:xfrm>
+              <a:off x="3041774" y="2461794"/>
+              <a:ext cx="3060453" cy="369332"/>
+            </a:xfrm>
+            <a:prstGeom prst="rect">
+              <a:avLst/>
+            </a:prstGeom>
+            <a:noFill/>
+            <a:scene3d>
+              <a:camera prst="obliqueTopLeft"/>
+              <a:lightRig rig="threePt" dir="t"/>
+            </a:scene3d>
+          </p:spPr>
+          <p:txBody>
+            <a:bodyPr wrap="none" rtlCol="0">
+              <a:spAutoFit/>
+            </a:bodyPr>
+            <a:lstStyle/>
+            <a:p>
+              <a:pPr algn="ctr"/>
+              <a:r>
+                <a:rPr lang="ko-KR" altLang="en-US" dirty="0" smtClean="0">
+                  <a:solidFill>
+                    <a:schemeClr val="bg1"/>
+                  </a:solidFill>
+                  <a:latin typeface="나눔스퀘어" panose="020B0600000101010101" pitchFamily="50" charset="-127"/>
+                  <a:ea typeface="나눔스퀘어" panose="020B0600000101010101" pitchFamily="50" charset="-127"/>
+                </a:rPr>
+                <a:t>일러스트는 </a:t>
+              </a:r>
+              <a:r>
+                <a:rPr lang="en-US" altLang="ko-KR" dirty="0" smtClean="0">
+                  <a:solidFill>
+                    <a:schemeClr val="bg1"/>
+                  </a:solidFill>
+                  <a:latin typeface="나눔스퀘어" panose="020B0600000101010101" pitchFamily="50" charset="-127"/>
+                  <a:ea typeface="나눔스퀘어" panose="020B0600000101010101" pitchFamily="50" charset="-127"/>
+                </a:rPr>
+                <a:t>flaticon.com </a:t>
+              </a:r>
+              <a:r>
+                <a:rPr lang="ko-KR" altLang="en-US" dirty="0" smtClean="0">
+                  <a:solidFill>
+                    <a:schemeClr val="bg1"/>
+                  </a:solidFill>
+                  <a:latin typeface="나눔스퀘어" panose="020B0600000101010101" pitchFamily="50" charset="-127"/>
+                  <a:ea typeface="나눔스퀘어" panose="020B0600000101010101" pitchFamily="50" charset="-127"/>
+                </a:rPr>
+                <a:t>활용</a:t>
+              </a:r>
+              <a:endParaRPr lang="en-US" altLang="ko-KR" dirty="0">
+                <a:solidFill>
+                  <a:schemeClr val="bg1"/>
+                </a:solidFill>
+                <a:latin typeface="a고딕15" panose="02020600000000000000" pitchFamily="18" charset="-127"/>
+                <a:ea typeface="a고딕15" panose="02020600000000000000" pitchFamily="18" charset="-127"/>
+              </a:endParaRPr>
+            </a:p>
+          </p:txBody>
+        </p:sp>
+      </p:grpSp>
+      <p:sp>
+        <p:nvSpPr>
+          <p:cNvPr id="10" name="직사각형 9"/>
+          <p:cNvSpPr/>
+          <p:nvPr/>
+        </p:nvSpPr>
+        <p:spPr>
+          <a:xfrm>
+            <a:off x="-1706880" y="932040"/>
+            <a:ext cx="920620" cy="261610"/>
+          </a:xfrm>
+          <a:prstGeom prst="rect">
+            <a:avLst/>
+          </a:prstGeom>
+          <a:solidFill>
+            <a:srgbClr val="FDC085"/>
+          </a:solidFill>
+          <a:ln>
+            <a:noFill/>
+          </a:ln>
+        </p:spPr>
+        <p:style>
+          <a:lnRef idx="2">
+            <a:schemeClr val="accent1">
+              <a:shade val="50000"/>
+            </a:schemeClr>
+          </a:lnRef>
+          <a:fillRef idx="1">
+            <a:schemeClr val="accent1"/>
+          </a:fillRef>
+          <a:effectRef idx="0">
+            <a:schemeClr val="accent1"/>
+          </a:effectRef>
+          <a:fontRef idx="minor">
+            <a:schemeClr val="lt1"/>
+          </a:fontRef>
+        </p:style>
+        <p:txBody>
+          <a:bodyPr rtlCol="0" anchor="ctr"/>
+          <a:lstStyle/>
+          <a:p>
+            <a:pPr algn="ctr"/>
+            <a:endParaRPr lang="ko-KR" altLang="en-US"/>
+          </a:p>
+        </p:txBody>
+      </p:sp>
+      <p:sp>
+        <p:nvSpPr>
+          <p:cNvPr id="23" name="직사각형 22"/>
+          <p:cNvSpPr/>
+          <p:nvPr/>
+        </p:nvSpPr>
+        <p:spPr>
+          <a:xfrm>
+            <a:off x="-1706880" y="1193650"/>
+            <a:ext cx="920620" cy="261610"/>
+          </a:xfrm>
+          <a:prstGeom prst="rect">
+            <a:avLst/>
+          </a:prstGeom>
+          <a:solidFill>
+            <a:srgbClr val="EA426C"/>
+          </a:solidFill>
+          <a:ln>
+            <a:noFill/>
+          </a:ln>
+        </p:spPr>
+        <p:style>
+          <a:lnRef idx="2">
+            <a:schemeClr val="accent1">
+              <a:shade val="50000"/>
+            </a:schemeClr>
+          </a:lnRef>
+          <a:fillRef idx="1">
+            <a:schemeClr val="accent1"/>
+          </a:fillRef>
+          <a:effectRef idx="0">
+            <a:schemeClr val="accent1"/>
+          </a:effectRef>
+          <a:fontRef idx="minor">
+            <a:schemeClr val="lt1"/>
+          </a:fontRef>
+        </p:style>
+        <p:txBody>
+          <a:bodyPr rtlCol="0" anchor="ctr"/>
+          <a:lstStyle/>
+          <a:p>
+            <a:pPr algn="ctr"/>
+            <a:endParaRPr lang="ko-KR" altLang="en-US"/>
+          </a:p>
+        </p:txBody>
+      </p:sp>
+      <p:sp>
+        <p:nvSpPr>
+          <p:cNvPr id="24" name="직사각형 23"/>
+          <p:cNvSpPr/>
+          <p:nvPr/>
+        </p:nvSpPr>
+        <p:spPr>
+          <a:xfrm>
+            <a:off x="-1706880" y="1455260"/>
+            <a:ext cx="920620" cy="261610"/>
+          </a:xfrm>
+          <a:prstGeom prst="rect">
+            <a:avLst/>
+          </a:prstGeom>
+          <a:solidFill>
+            <a:srgbClr val="F86666"/>
+          </a:solidFill>
+          <a:ln>
+            <a:noFill/>
+          </a:ln>
+        </p:spPr>
+        <p:style>
+          <a:lnRef idx="2">
+            <a:schemeClr val="accent1">
+              <a:shade val="50000"/>
+            </a:schemeClr>
+          </a:lnRef>
+          <a:fillRef idx="1">
+            <a:schemeClr val="accent1"/>
+          </a:fillRef>
+          <a:effectRef idx="0">
+            <a:schemeClr val="accent1"/>
+          </a:effectRef>
+          <a:fontRef idx="minor">
+            <a:schemeClr val="lt1"/>
+          </a:fontRef>
+        </p:style>
+        <p:txBody>
+          <a:bodyPr rtlCol="0" anchor="ctr"/>
+          <a:lstStyle/>
+          <a:p>
+            <a:pPr algn="ctr"/>
+            <a:endParaRPr lang="ko-KR" altLang="en-US"/>
+          </a:p>
+        </p:txBody>
+      </p:sp>
+      <p:sp>
+        <p:nvSpPr>
+          <p:cNvPr id="25" name="직사각형 24"/>
+          <p:cNvSpPr/>
+          <p:nvPr/>
+        </p:nvSpPr>
+        <p:spPr>
+          <a:xfrm>
+            <a:off x="-1706880" y="1695431"/>
+            <a:ext cx="920620" cy="261610"/>
+          </a:xfrm>
+          <a:prstGeom prst="rect">
+            <a:avLst/>
+          </a:prstGeom>
+          <a:solidFill>
+            <a:srgbClr val="7BC4CD"/>
+          </a:solidFill>
+          <a:ln>
+            <a:noFill/>
+          </a:ln>
+        </p:spPr>
+        <p:style>
+          <a:lnRef idx="2">
+            <a:schemeClr val="accent1">
+              <a:shade val="50000"/>
+            </a:schemeClr>
+          </a:lnRef>
+          <a:fillRef idx="1">
+            <a:schemeClr val="accent1"/>
+          </a:fillRef>
+          <a:effectRef idx="0">
+            <a:schemeClr val="accent1"/>
+          </a:effectRef>
+          <a:fontRef idx="minor">
+            <a:schemeClr val="lt1"/>
+          </a:fontRef>
+        </p:style>
+        <p:txBody>
+          <a:bodyPr rtlCol="0" anchor="ctr"/>
+          <a:lstStyle/>
+          <a:p>
+            <a:pPr algn="ctr"/>
+            <a:endParaRPr lang="ko-KR" altLang="en-US"/>
+          </a:p>
+        </p:txBody>
+      </p:sp>
+      <p:sp>
+        <p:nvSpPr>
+          <p:cNvPr id="26" name="직사각형 25"/>
+          <p:cNvSpPr/>
+          <p:nvPr/>
+        </p:nvSpPr>
+        <p:spPr>
+          <a:xfrm>
+            <a:off x="-1706880" y="1939237"/>
+            <a:ext cx="920620" cy="261610"/>
+          </a:xfrm>
+          <a:prstGeom prst="rect">
+            <a:avLst/>
+          </a:prstGeom>
+          <a:solidFill>
+            <a:srgbClr val="455A83"/>
+          </a:solidFill>
+          <a:ln>
+            <a:noFill/>
+          </a:ln>
+        </p:spPr>
+        <p:style>
+          <a:lnRef idx="2">
+            <a:schemeClr val="accent1">
+              <a:shade val="50000"/>
+            </a:schemeClr>
+          </a:lnRef>
+          <a:fillRef idx="1">
+            <a:schemeClr val="accent1"/>
+          </a:fillRef>
+          <a:effectRef idx="0">
+            <a:schemeClr val="accent1"/>
+          </a:effectRef>
+          <a:fontRef idx="minor">
+            <a:schemeClr val="lt1"/>
+          </a:fontRef>
+        </p:style>
+        <p:txBody>
+          <a:bodyPr rtlCol="0" anchor="ctr"/>
+          <a:lstStyle/>
+          <a:p>
+            <a:pPr algn="ctr"/>
+            <a:endParaRPr lang="ko-KR" altLang="en-US"/>
+          </a:p>
+        </p:txBody>
+      </p:sp>
+    </p:spTree>
+    <p:extLst>
+      <p:ext uri="{BB962C8B-B14F-4D97-AF65-F5344CB8AC3E}">
+        <p14:creationId xmlns:p14="http://schemas.microsoft.com/office/powerpoint/2010/main" val="2684349080"/>
+      </p:ext>
+    </p:extLst>
+  </p:cSld>
+  <p:clrMapOvr>
+    <a:masterClrMapping/>
+  </p:clrMapOvr>
+  <p:timing>
+    <p:tnLst>
+      <p:par>
+        <p:cTn id="1" dur="indefinite" restart="never" nodeType="tmRoot"/>
+      </p:par>
+    </p:tnLst>
+  </p:timing>
+</p:sld>
+</file>
+
+<file path=ppt/slides/slide12.xml><?xml version="1.0" encoding="utf-8"?>
+<p:sld xmlns:a="http://schemas.openxmlformats.org/drawingml/2006/main" xmlns:r="http://schemas.openxmlformats.org/officeDocument/2006/relationships" xmlns:p="http://schemas.openxmlformats.org/presentationml/2006/main">
+  <p:cSld>
+    <p:bg>
+      <p:bgPr>
+        <a:solidFill>
+          <a:srgbClr val="FEFAEF"/>
+        </a:solidFill>
+        <a:effectLst/>
+      </p:bgPr>
+    </p:bg>
+    <p:spTree>
+      <p:nvGrpSpPr>
+        <p:cNvPr id="1" name=""/>
+        <p:cNvGrpSpPr/>
+        <p:nvPr/>
+      </p:nvGrpSpPr>
+      <p:grpSpPr>
+        <a:xfrm>
+          <a:off x="0" y="0"/>
+          <a:ext cx="0" cy="0"/>
+          <a:chOff x="0" y="0"/>
+          <a:chExt cx="0" cy="0"/>
+        </a:xfrm>
+      </p:grpSpPr>
+      <p:sp>
+        <p:nvSpPr>
+          <p:cNvPr id="13" name="TextBox 12"/>
+          <p:cNvSpPr txBox="1"/>
+          <p:nvPr/>
+        </p:nvSpPr>
+        <p:spPr>
+          <a:xfrm>
+            <a:off x="53768" y="60304"/>
+            <a:ext cx="834011" cy="338554"/>
+          </a:xfrm>
+          <a:prstGeom prst="rect">
+            <a:avLst/>
+          </a:prstGeom>
+          <a:noFill/>
+          <a:scene3d>
+            <a:camera prst="obliqueTopLeft"/>
+            <a:lightRig rig="threePt" dir="t"/>
+          </a:scene3d>
+        </p:spPr>
+        <p:txBody>
+          <a:bodyPr wrap="none" rtlCol="0">
+            <a:spAutoFit/>
+          </a:bodyPr>
+          <a:lstStyle/>
+          <a:p>
+            <a:r>
+              <a:rPr lang="en-US" altLang="ko-KR" sz="1600" dirty="0" smtClean="0">
+                <a:solidFill>
+                  <a:srgbClr val="4D4D4F"/>
+                </a:solidFill>
+                <a:latin typeface="a고딕19" panose="02020600000000000000" pitchFamily="18" charset="-127"/>
+                <a:ea typeface="a고딕19" panose="02020600000000000000" pitchFamily="18" charset="-127"/>
+              </a:rPr>
+              <a:t>Slide 2</a:t>
+            </a:r>
+            <a:endParaRPr lang="ko-KR" altLang="en-US" sz="1600" dirty="0">
+              <a:solidFill>
+                <a:srgbClr val="4D4D4F"/>
+              </a:solidFill>
+              <a:latin typeface="a고딕19" panose="02020600000000000000" pitchFamily="18" charset="-127"/>
+              <a:ea typeface="a고딕19" panose="02020600000000000000" pitchFamily="18" charset="-127"/>
+            </a:endParaRPr>
+          </a:p>
+        </p:txBody>
+      </p:sp>
+      <p:grpSp>
+        <p:nvGrpSpPr>
+          <p:cNvPr id="24" name="그룹 23"/>
+          <p:cNvGrpSpPr/>
+          <p:nvPr/>
+        </p:nvGrpSpPr>
+        <p:grpSpPr>
+          <a:xfrm>
+            <a:off x="2275538" y="1561677"/>
+            <a:ext cx="4592924" cy="461665"/>
+            <a:chOff x="1869177" y="1561677"/>
+            <a:chExt cx="4592924" cy="461665"/>
+          </a:xfrm>
+        </p:grpSpPr>
+        <p:sp>
+          <p:nvSpPr>
+            <p:cNvPr id="2" name="모서리가 둥근 직사각형 1"/>
+            <p:cNvSpPr/>
+            <p:nvPr/>
+          </p:nvSpPr>
+          <p:spPr>
+            <a:xfrm>
+              <a:off x="2949032" y="1631181"/>
+              <a:ext cx="1750866" cy="331229"/>
+            </a:xfrm>
+            <a:prstGeom prst="roundRect">
+              <a:avLst/>
+            </a:prstGeom>
+            <a:solidFill>
+              <a:srgbClr val="455A83"/>
+            </a:solidFill>
+            <a:ln>
+              <a:noFill/>
+            </a:ln>
+          </p:spPr>
+          <p:style>
+            <a:lnRef idx="2">
+              <a:schemeClr val="accent1">
+                <a:shade val="50000"/>
+              </a:schemeClr>
+            </a:lnRef>
+            <a:fillRef idx="1">
+              <a:schemeClr val="accent1"/>
+            </a:fillRef>
+            <a:effectRef idx="0">
+              <a:schemeClr val="accent1"/>
+            </a:effectRef>
+            <a:fontRef idx="minor">
+              <a:schemeClr val="lt1"/>
+            </a:fontRef>
+          </p:style>
+          <p:txBody>
+            <a:bodyPr rot="0" spcFirstLastPara="0" vertOverflow="overflow" horzOverflow="overflow" vert="horz" wrap="square" lIns="91440" tIns="45720" rIns="91440" bIns="45720" numCol="1" spcCol="0" rtlCol="0" fromWordArt="0" anchor="ctr" anchorCtr="0" forceAA="0" compatLnSpc="1">
+              <a:prstTxWarp prst="textNoShape">
+                <a:avLst/>
+              </a:prstTxWarp>
+              <a:noAutofit/>
+            </a:bodyPr>
+            <a:lstStyle/>
+            <a:p>
+              <a:pPr algn="ctr"/>
+              <a:endParaRPr lang="ko-KR" altLang="en-US"/>
+            </a:p>
+          </p:txBody>
+        </p:sp>
+        <p:sp>
+          <p:nvSpPr>
+            <p:cNvPr id="15" name="TextBox 14"/>
+            <p:cNvSpPr txBox="1"/>
+            <p:nvPr/>
+          </p:nvSpPr>
+          <p:spPr>
+            <a:xfrm>
+              <a:off x="1869177" y="1561677"/>
+              <a:ext cx="4592924" cy="461665"/>
+            </a:xfrm>
+            <a:prstGeom prst="rect">
+              <a:avLst/>
+            </a:prstGeom>
+            <a:noFill/>
+            <a:scene3d>
+              <a:camera prst="obliqueTopLeft"/>
+              <a:lightRig rig="threePt" dir="t"/>
+            </a:scene3d>
+          </p:spPr>
+          <p:txBody>
+            <a:bodyPr wrap="none" rtlCol="0">
+              <a:spAutoFit/>
+            </a:bodyPr>
+            <a:lstStyle/>
+            <a:p>
+              <a:r>
+                <a:rPr lang="ko-KR" altLang="en-US" sz="2400" dirty="0" smtClean="0">
+                  <a:solidFill>
+                    <a:srgbClr val="4D4D4F"/>
+                  </a:solidFill>
+                  <a:latin typeface="a고딕13" panose="02020600000000000000" pitchFamily="18" charset="-127"/>
+                  <a:ea typeface="a고딕13" panose="02020600000000000000" pitchFamily="18" charset="-127"/>
+                </a:rPr>
+                <a:t>첫번째</a:t>
+              </a:r>
+              <a:r>
+                <a:rPr lang="en-US" altLang="ko-KR" sz="2400" dirty="0" smtClean="0">
+                  <a:solidFill>
+                    <a:srgbClr val="4D4D4F"/>
+                  </a:solidFill>
+                  <a:latin typeface="a고딕13" panose="02020600000000000000" pitchFamily="18" charset="-127"/>
+                  <a:ea typeface="a고딕13" panose="02020600000000000000" pitchFamily="18" charset="-127"/>
+                </a:rPr>
+                <a:t>,</a:t>
+              </a:r>
+              <a:r>
+                <a:rPr lang="ko-KR" altLang="en-US" sz="2400" dirty="0" smtClean="0">
+                  <a:solidFill>
+                    <a:srgbClr val="4D4D4F"/>
+                  </a:solidFill>
+                  <a:latin typeface="a고딕13" panose="02020600000000000000" pitchFamily="18" charset="-127"/>
+                  <a:ea typeface="a고딕13" panose="02020600000000000000" pitchFamily="18" charset="-127"/>
+                </a:rPr>
+                <a:t>  </a:t>
+              </a:r>
+              <a:r>
+                <a:rPr lang="ko-KR" altLang="en-US" sz="2400" dirty="0" smtClean="0">
+                  <a:solidFill>
+                    <a:schemeClr val="bg1"/>
+                  </a:solidFill>
+                  <a:latin typeface="a고딕15" panose="02020600000000000000" pitchFamily="18" charset="-127"/>
+                  <a:ea typeface="a고딕15" panose="02020600000000000000" pitchFamily="18" charset="-127"/>
+                </a:rPr>
+                <a:t>스포트라이트</a:t>
+              </a:r>
+              <a:r>
+                <a:rPr lang="ko-KR" altLang="en-US" sz="2400" dirty="0" smtClean="0">
+                  <a:solidFill>
+                    <a:srgbClr val="4D4D4F"/>
+                  </a:solidFill>
+                  <a:latin typeface="a고딕15" panose="02020600000000000000" pitchFamily="18" charset="-127"/>
+                  <a:ea typeface="a고딕15" panose="02020600000000000000" pitchFamily="18" charset="-127"/>
+                </a:rPr>
+                <a:t>  </a:t>
+              </a:r>
+              <a:r>
+                <a:rPr lang="ko-KR" altLang="en-US" sz="2400" dirty="0" smtClean="0">
+                  <a:solidFill>
+                    <a:srgbClr val="4D4D4F"/>
+                  </a:solidFill>
+                  <a:latin typeface="a고딕13" panose="02020600000000000000" pitchFamily="18" charset="-127"/>
+                  <a:ea typeface="a고딕13" panose="02020600000000000000" pitchFamily="18" charset="-127"/>
+                </a:rPr>
+                <a:t>는 사실 쉬워</a:t>
+              </a:r>
+              <a:endParaRPr lang="ko-KR" altLang="en-US" sz="2400" dirty="0">
+                <a:solidFill>
+                  <a:srgbClr val="4D4D4F"/>
+                </a:solidFill>
+                <a:latin typeface="a고딕13" panose="02020600000000000000" pitchFamily="18" charset="-127"/>
+                <a:ea typeface="a고딕13" panose="02020600000000000000" pitchFamily="18" charset="-127"/>
+              </a:endParaRPr>
+            </a:p>
+          </p:txBody>
+        </p:sp>
+      </p:grpSp>
+      <p:cxnSp>
+        <p:nvCxnSpPr>
+          <p:cNvPr id="16" name="직선 연결선 15"/>
+          <p:cNvCxnSpPr/>
+          <p:nvPr/>
+        </p:nvCxnSpPr>
+        <p:spPr>
+          <a:xfrm>
+            <a:off x="2504566" y="1489469"/>
+            <a:ext cx="4134868" cy="0"/>
+          </a:xfrm>
+          <a:prstGeom prst="line">
+            <a:avLst/>
+          </a:prstGeom>
+          <a:ln w="12700">
+            <a:solidFill>
+              <a:srgbClr val="515153"/>
+            </a:solidFill>
+          </a:ln>
+          <a:scene3d>
+            <a:camera prst="obliqueTopLeft"/>
+            <a:lightRig rig="threePt" dir="t"/>
+          </a:scene3d>
+        </p:spPr>
+        <p:style>
+          <a:lnRef idx="1">
+            <a:schemeClr val="accent1"/>
+          </a:lnRef>
+          <a:fillRef idx="0">
+            <a:schemeClr val="accent1"/>
+          </a:fillRef>
+          <a:effectRef idx="0">
+            <a:schemeClr val="accent1"/>
+          </a:effectRef>
+          <a:fontRef idx="minor">
+            <a:schemeClr val="tx1"/>
+          </a:fontRef>
+        </p:style>
+      </p:cxnSp>
+      <p:sp>
+        <p:nvSpPr>
+          <p:cNvPr id="17" name="TextBox 16"/>
+          <p:cNvSpPr txBox="1"/>
+          <p:nvPr/>
+        </p:nvSpPr>
+        <p:spPr>
+          <a:xfrm>
+            <a:off x="4279292" y="932040"/>
+            <a:ext cx="585417" cy="523220"/>
+          </a:xfrm>
+          <a:prstGeom prst="rect">
+            <a:avLst/>
+          </a:prstGeom>
+          <a:noFill/>
+          <a:scene3d>
+            <a:camera prst="obliqueTopLeft"/>
+            <a:lightRig rig="threePt" dir="t"/>
+          </a:scene3d>
+        </p:spPr>
+        <p:txBody>
+          <a:bodyPr wrap="none" rtlCol="0">
+            <a:spAutoFit/>
+          </a:bodyPr>
+          <a:lstStyle/>
+          <a:p>
+            <a:r>
+              <a:rPr lang="en-US" altLang="ko-KR" sz="2800" dirty="0">
+                <a:solidFill>
+                  <a:srgbClr val="455A83"/>
+                </a:solidFill>
+                <a:latin typeface="a고딕19" panose="02020600000000000000" pitchFamily="18" charset="-127"/>
+                <a:ea typeface="a고딕19" panose="02020600000000000000" pitchFamily="18" charset="-127"/>
+              </a:rPr>
+              <a:t>02</a:t>
+            </a:r>
+            <a:endParaRPr lang="ko-KR" altLang="en-US" sz="2800" dirty="0">
+              <a:solidFill>
+                <a:srgbClr val="455A83"/>
+              </a:solidFill>
+              <a:latin typeface="a고딕19" panose="02020600000000000000" pitchFamily="18" charset="-127"/>
+              <a:ea typeface="a고딕19" panose="02020600000000000000" pitchFamily="18" charset="-127"/>
+            </a:endParaRPr>
+          </a:p>
+        </p:txBody>
+      </p:sp>
+      <p:sp>
+        <p:nvSpPr>
+          <p:cNvPr id="3" name="모서리가 둥근 직사각형 2"/>
+          <p:cNvSpPr/>
+          <p:nvPr/>
+        </p:nvSpPr>
+        <p:spPr>
+          <a:xfrm>
+            <a:off x="6121746" y="3129798"/>
+            <a:ext cx="1587261" cy="325045"/>
+          </a:xfrm>
+          <a:prstGeom prst="roundRect">
+            <a:avLst/>
+          </a:prstGeom>
+          <a:solidFill>
+            <a:srgbClr val="F76688"/>
+          </a:solidFill>
+          <a:ln>
+            <a:noFill/>
+          </a:ln>
+        </p:spPr>
+        <p:style>
+          <a:lnRef idx="2">
+            <a:schemeClr val="accent1">
+              <a:shade val="50000"/>
+            </a:schemeClr>
+          </a:lnRef>
+          <a:fillRef idx="1">
+            <a:schemeClr val="accent1"/>
+          </a:fillRef>
+          <a:effectRef idx="0">
+            <a:schemeClr val="accent1"/>
+          </a:effectRef>
+          <a:fontRef idx="minor">
+            <a:schemeClr val="lt1"/>
+          </a:fontRef>
+        </p:style>
+        <p:txBody>
+          <a:bodyPr rot="0" spcFirstLastPara="0" vertOverflow="overflow" horzOverflow="overflow" vert="horz" wrap="square" lIns="91440" tIns="45720" rIns="91440" bIns="45720" numCol="1" spcCol="0" rtlCol="0" fromWordArt="0" anchor="ctr" anchorCtr="0" forceAA="0" compatLnSpc="1">
+            <a:prstTxWarp prst="textNoShape">
+              <a:avLst/>
+            </a:prstTxWarp>
+            <a:noAutofit/>
+          </a:bodyPr>
+          <a:lstStyle/>
+          <a:p>
+            <a:pPr algn="ctr"/>
+            <a:endParaRPr lang="ko-KR" altLang="en-US"/>
+          </a:p>
+        </p:txBody>
+      </p:sp>
+      <p:sp>
+        <p:nvSpPr>
+          <p:cNvPr id="48" name="TextBox 47"/>
+          <p:cNvSpPr txBox="1"/>
+          <p:nvPr/>
+        </p:nvSpPr>
+        <p:spPr>
+          <a:xfrm>
+            <a:off x="6097166" y="3107654"/>
+            <a:ext cx="1677062" cy="369332"/>
+          </a:xfrm>
+          <a:prstGeom prst="rect">
+            <a:avLst/>
+          </a:prstGeom>
+          <a:noFill/>
+          <a:scene3d>
+            <a:camera prst="obliqueTopLeft"/>
+            <a:lightRig rig="threePt" dir="t"/>
+          </a:scene3d>
+        </p:spPr>
+        <p:txBody>
+          <a:bodyPr wrap="none" rtlCol="0">
+            <a:spAutoFit/>
+          </a:bodyPr>
+          <a:lstStyle/>
+          <a:p>
+            <a:r>
+              <a:rPr lang="ko-KR" altLang="en-US" dirty="0" smtClean="0">
+                <a:solidFill>
+                  <a:schemeClr val="bg1"/>
+                </a:solidFill>
+                <a:latin typeface="a고딕15" panose="02020600000000000000" pitchFamily="18" charset="-127"/>
+                <a:ea typeface="a고딕15" panose="02020600000000000000" pitchFamily="18" charset="-127"/>
+              </a:rPr>
+              <a:t>색감으로 조진다</a:t>
+            </a:r>
+            <a:endParaRPr lang="en-US" altLang="ko-KR" dirty="0" smtClean="0">
+              <a:solidFill>
+                <a:schemeClr val="bg1"/>
+              </a:solidFill>
+              <a:latin typeface="a고딕15" panose="02020600000000000000" pitchFamily="18" charset="-127"/>
+              <a:ea typeface="a고딕15" panose="02020600000000000000" pitchFamily="18" charset="-127"/>
+            </a:endParaRPr>
+          </a:p>
+        </p:txBody>
+      </p:sp>
+      <p:sp>
+        <p:nvSpPr>
+          <p:cNvPr id="21" name="TextBox 20"/>
+          <p:cNvSpPr txBox="1"/>
+          <p:nvPr/>
+        </p:nvSpPr>
+        <p:spPr>
+          <a:xfrm>
+            <a:off x="4060233" y="3553470"/>
+            <a:ext cx="3764487" cy="1077218"/>
+          </a:xfrm>
+          <a:prstGeom prst="rect">
+            <a:avLst/>
+          </a:prstGeom>
+          <a:noFill/>
+          <a:scene3d>
+            <a:camera prst="obliqueTopLeft"/>
+            <a:lightRig rig="threePt" dir="t"/>
+          </a:scene3d>
+        </p:spPr>
+        <p:txBody>
+          <a:bodyPr wrap="square" rtlCol="0">
+            <a:spAutoFit/>
+          </a:bodyPr>
+          <a:lstStyle/>
+          <a:p>
+            <a:pPr algn="r"/>
+            <a:r>
+              <a:rPr lang="ko-KR" altLang="en-US" sz="1600" dirty="0" smtClean="0">
+                <a:solidFill>
+                  <a:srgbClr val="4D4D4F"/>
+                </a:solidFill>
+                <a:latin typeface="a고딕15" panose="02020600000000000000" pitchFamily="18" charset="-127"/>
+                <a:ea typeface="a고딕15" panose="02020600000000000000" pitchFamily="18" charset="-127"/>
+              </a:rPr>
+              <a:t>그래프에 활용하면 효과 최강 </a:t>
+            </a:r>
+            <a:r>
+              <a:rPr lang="en-US" altLang="ko-KR" sz="1600" dirty="0" smtClean="0">
+                <a:solidFill>
+                  <a:srgbClr val="4D4D4F"/>
+                </a:solidFill>
+                <a:latin typeface="a고딕15" panose="02020600000000000000" pitchFamily="18" charset="-127"/>
+                <a:ea typeface="a고딕15" panose="02020600000000000000" pitchFamily="18" charset="-127"/>
+              </a:rPr>
+              <a:t>!</a:t>
+            </a:r>
+            <a:endParaRPr lang="en-US" altLang="ko-KR" sz="1600" dirty="0" smtClean="0">
+              <a:solidFill>
+                <a:srgbClr val="4D4D4F"/>
+              </a:solidFill>
+              <a:latin typeface="나눔스퀘어" panose="020B0600000101010101" pitchFamily="50" charset="-127"/>
+              <a:ea typeface="나눔스퀘어" panose="020B0600000101010101" pitchFamily="50" charset="-127"/>
+            </a:endParaRPr>
+          </a:p>
+          <a:p>
+            <a:pPr algn="r"/>
+            <a:r>
+              <a:rPr lang="ko-KR" altLang="en-US" sz="1600" dirty="0" smtClean="0">
+                <a:solidFill>
+                  <a:srgbClr val="4D4D4F"/>
+                </a:solidFill>
+                <a:latin typeface="나눔스퀘어" panose="020B0600000101010101" pitchFamily="50" charset="-127"/>
+                <a:ea typeface="나눔스퀘어" panose="020B0600000101010101" pitchFamily="50" charset="-127"/>
+              </a:rPr>
+              <a:t>내가 이렇게 글을 </a:t>
+            </a:r>
+            <a:r>
+              <a:rPr lang="ko-KR" altLang="en-US" sz="1600" dirty="0" err="1" smtClean="0">
+                <a:solidFill>
+                  <a:srgbClr val="4D4D4F"/>
+                </a:solidFill>
+                <a:latin typeface="나눔스퀘어" panose="020B0600000101010101" pitchFamily="50" charset="-127"/>
+                <a:ea typeface="나눔스퀘어" panose="020B0600000101010101" pitchFamily="50" charset="-127"/>
+              </a:rPr>
+              <a:t>주구장창써도</a:t>
+            </a:r>
+            <a:endParaRPr lang="en-US" altLang="ko-KR" sz="1600" dirty="0" smtClean="0">
+              <a:solidFill>
+                <a:srgbClr val="4D4D4F"/>
+              </a:solidFill>
+              <a:latin typeface="나눔스퀘어" panose="020B0600000101010101" pitchFamily="50" charset="-127"/>
+              <a:ea typeface="나눔스퀘어" panose="020B0600000101010101" pitchFamily="50" charset="-127"/>
+            </a:endParaRPr>
+          </a:p>
+          <a:p>
+            <a:pPr algn="r"/>
+            <a:r>
+              <a:rPr lang="ko-KR" altLang="en-US" sz="1600" dirty="0" smtClean="0">
+                <a:solidFill>
+                  <a:srgbClr val="4D4D4F"/>
+                </a:solidFill>
+                <a:latin typeface="나눔스퀘어" panose="020B0600000101010101" pitchFamily="50" charset="-127"/>
+                <a:ea typeface="나눔스퀘어" panose="020B0600000101010101" pitchFamily="50" charset="-127"/>
+              </a:rPr>
+              <a:t>결국</a:t>
+            </a:r>
+            <a:endParaRPr lang="en-US" altLang="ko-KR" sz="1600" dirty="0" smtClean="0">
+              <a:solidFill>
+                <a:srgbClr val="4D4D4F"/>
+              </a:solidFill>
+              <a:latin typeface="나눔스퀘어" panose="020B0600000101010101" pitchFamily="50" charset="-127"/>
+              <a:ea typeface="나눔스퀘어" panose="020B0600000101010101" pitchFamily="50" charset="-127"/>
+            </a:endParaRPr>
+          </a:p>
+          <a:p>
+            <a:pPr algn="r"/>
+            <a:r>
+              <a:rPr lang="ko-KR" altLang="en-US" sz="1600" dirty="0" smtClean="0">
+                <a:solidFill>
+                  <a:srgbClr val="4D4D4F"/>
+                </a:solidFill>
+                <a:latin typeface="나눔스퀘어" panose="020B0600000101010101" pitchFamily="50" charset="-127"/>
+                <a:ea typeface="나눔스퀘어" panose="020B0600000101010101" pitchFamily="50" charset="-127"/>
+              </a:rPr>
+              <a:t>왼쪽 분홍색 막대만 </a:t>
+            </a:r>
+            <a:r>
+              <a:rPr lang="en-US" altLang="ko-KR" sz="1600" b="1" dirty="0" smtClean="0">
+                <a:solidFill>
+                  <a:srgbClr val="F76688"/>
+                </a:solidFill>
+                <a:latin typeface="a고딕15" panose="02020600000000000000" pitchFamily="18" charset="-127"/>
+                <a:ea typeface="a고딕15" panose="02020600000000000000" pitchFamily="18" charset="-127"/>
+              </a:rPr>
+              <a:t>Spotlight</a:t>
+            </a:r>
+            <a:r>
+              <a:rPr lang="ko-KR" altLang="en-US" sz="1600" dirty="0" smtClean="0">
+                <a:solidFill>
+                  <a:srgbClr val="4D4D4F"/>
+                </a:solidFill>
+                <a:latin typeface="나눔스퀘어" panose="020B0600000101010101" pitchFamily="50" charset="-127"/>
+                <a:ea typeface="나눔스퀘어" panose="020B0600000101010101" pitchFamily="50" charset="-127"/>
+              </a:rPr>
+              <a:t> </a:t>
+            </a:r>
+            <a:r>
+              <a:rPr lang="ko-KR" altLang="en-US" sz="1600" dirty="0" err="1" smtClean="0">
+                <a:solidFill>
+                  <a:srgbClr val="4D4D4F"/>
+                </a:solidFill>
+                <a:latin typeface="나눔스퀘어" panose="020B0600000101010101" pitchFamily="50" charset="-127"/>
+                <a:ea typeface="나눔스퀘어" panose="020B0600000101010101" pitchFamily="50" charset="-127"/>
+              </a:rPr>
+              <a:t>될꺼임</a:t>
+            </a:r>
+            <a:endParaRPr lang="ko-KR" altLang="en-US" sz="1600" dirty="0" smtClean="0">
+              <a:solidFill>
+                <a:srgbClr val="4D4D4F"/>
+              </a:solidFill>
+              <a:latin typeface="나눔스퀘어" panose="020B0600000101010101" pitchFamily="50" charset="-127"/>
+              <a:ea typeface="나눔스퀘어" panose="020B0600000101010101" pitchFamily="50" charset="-127"/>
+            </a:endParaRPr>
+          </a:p>
+        </p:txBody>
+      </p:sp>
+      <p:sp>
+        <p:nvSpPr>
+          <p:cNvPr id="58" name="TextBox 57"/>
+          <p:cNvSpPr txBox="1"/>
+          <p:nvPr/>
+        </p:nvSpPr>
+        <p:spPr>
+          <a:xfrm>
+            <a:off x="4335943" y="5106165"/>
+            <a:ext cx="3488777" cy="430887"/>
+          </a:xfrm>
+          <a:prstGeom prst="rect">
+            <a:avLst/>
+          </a:prstGeom>
+          <a:noFill/>
+          <a:scene3d>
+            <a:camera prst="obliqueTopLeft"/>
+            <a:lightRig rig="threePt" dir="t"/>
+          </a:scene3d>
+        </p:spPr>
+        <p:txBody>
+          <a:bodyPr wrap="square" rtlCol="0">
+            <a:spAutoFit/>
+          </a:bodyPr>
+          <a:lstStyle/>
+          <a:p>
+            <a:pPr algn="r"/>
+            <a:r>
+              <a:rPr lang="ko-KR" altLang="en-US" sz="1100" dirty="0" smtClean="0">
+                <a:solidFill>
+                  <a:srgbClr val="4D4D4F"/>
+                </a:solidFill>
+                <a:latin typeface="a고딕15" panose="02020600000000000000" pitchFamily="18" charset="-127"/>
+                <a:ea typeface="a고딕15" panose="02020600000000000000" pitchFamily="18" charset="-127"/>
+              </a:rPr>
+              <a:t>그래프 출처는 이쯤에 작게</a:t>
+            </a:r>
+            <a:endParaRPr lang="en-US" altLang="ko-KR" sz="1100" dirty="0" smtClean="0">
+              <a:solidFill>
+                <a:srgbClr val="4D4D4F"/>
+              </a:solidFill>
+              <a:latin typeface="a고딕15" panose="02020600000000000000" pitchFamily="18" charset="-127"/>
+              <a:ea typeface="a고딕15" panose="02020600000000000000" pitchFamily="18" charset="-127"/>
+            </a:endParaRPr>
+          </a:p>
+          <a:p>
+            <a:pPr algn="r"/>
+            <a:r>
+              <a:rPr lang="en-US" altLang="ko-KR" sz="1100" dirty="0" smtClean="0">
+                <a:solidFill>
+                  <a:srgbClr val="4D4D4F"/>
+                </a:solidFill>
+                <a:latin typeface="a고딕15" panose="02020600000000000000" pitchFamily="18" charset="-127"/>
+                <a:ea typeface="a고딕15" panose="02020600000000000000" pitchFamily="18" charset="-127"/>
+              </a:rPr>
+              <a:t>&lt;</a:t>
+            </a:r>
+            <a:r>
+              <a:rPr lang="ko-KR" altLang="en-US" sz="1100" dirty="0" smtClean="0">
+                <a:solidFill>
+                  <a:srgbClr val="4D4D4F"/>
+                </a:solidFill>
+                <a:latin typeface="a고딕15" panose="02020600000000000000" pitchFamily="18" charset="-127"/>
+                <a:ea typeface="a고딕15" panose="02020600000000000000" pitchFamily="18" charset="-127"/>
+              </a:rPr>
+              <a:t>그리고 여기는 작은 </a:t>
+            </a:r>
+            <a:r>
+              <a:rPr lang="ko-KR" altLang="en-US" sz="1100" dirty="0" err="1" smtClean="0">
+                <a:solidFill>
+                  <a:srgbClr val="4D4D4F"/>
+                </a:solidFill>
+                <a:latin typeface="a고딕15" panose="02020600000000000000" pitchFamily="18" charset="-127"/>
+                <a:ea typeface="a고딕15" panose="02020600000000000000" pitchFamily="18" charset="-127"/>
+              </a:rPr>
+              <a:t>설명정도</a:t>
+            </a:r>
+            <a:r>
+              <a:rPr lang="en-US" altLang="ko-KR" sz="1100" dirty="0" smtClean="0">
+                <a:solidFill>
+                  <a:srgbClr val="4D4D4F"/>
+                </a:solidFill>
+                <a:latin typeface="a고딕15" panose="02020600000000000000" pitchFamily="18" charset="-127"/>
+                <a:ea typeface="a고딕15" panose="02020600000000000000" pitchFamily="18" charset="-127"/>
+              </a:rPr>
+              <a:t>&gt;</a:t>
+            </a:r>
+            <a:endParaRPr lang="en-US" altLang="ko-KR" sz="1100" dirty="0">
+              <a:solidFill>
+                <a:srgbClr val="4D4D4F"/>
+              </a:solidFill>
+              <a:latin typeface="나눔스퀘어" panose="020B0600000101010101" pitchFamily="50" charset="-127"/>
+              <a:ea typeface="나눔스퀘어" panose="020B0600000101010101" pitchFamily="50" charset="-127"/>
+            </a:endParaRPr>
+          </a:p>
+        </p:txBody>
+      </p:sp>
+      <p:sp>
+        <p:nvSpPr>
+          <p:cNvPr id="40" name="직사각형 39"/>
+          <p:cNvSpPr/>
+          <p:nvPr/>
+        </p:nvSpPr>
+        <p:spPr>
+          <a:xfrm>
+            <a:off x="3247319" y="2832791"/>
+            <a:ext cx="295582" cy="2759185"/>
+          </a:xfrm>
+          <a:prstGeom prst="rect">
+            <a:avLst/>
+          </a:prstGeom>
+          <a:solidFill>
+            <a:srgbClr val="ED6182"/>
+          </a:solidFill>
+          <a:ln>
+            <a:noFill/>
+          </a:ln>
+          <a:effectLst>
+            <a:outerShdw blurRad="50800" dist="38100" algn="l" rotWithShape="0">
+              <a:prstClr val="black">
+                <a:alpha val="40000"/>
+              </a:prstClr>
+            </a:outerShdw>
+          </a:effectLst>
+          <a:scene3d>
+            <a:camera prst="obliqueTopLeft"/>
+            <a:lightRig rig="threePt" dir="t"/>
+          </a:scene3d>
+        </p:spPr>
+        <p:style>
+          <a:lnRef idx="2">
+            <a:schemeClr val="accent1">
+              <a:shade val="50000"/>
+            </a:schemeClr>
+          </a:lnRef>
+          <a:fillRef idx="1">
+            <a:schemeClr val="accent1"/>
+          </a:fillRef>
+          <a:effectRef idx="0">
+            <a:schemeClr val="accent1"/>
+          </a:effectRef>
+          <a:fontRef idx="minor">
+            <a:schemeClr val="lt1"/>
+          </a:fontRef>
+        </p:style>
+        <p:txBody>
+          <a:bodyPr rtlCol="0" anchor="ctr"/>
+          <a:lstStyle/>
+          <a:p>
+            <a:pPr algn="ctr"/>
+            <a:endParaRPr lang="ko-KR" altLang="en-US"/>
+          </a:p>
+        </p:txBody>
+      </p:sp>
+      <p:sp>
+        <p:nvSpPr>
+          <p:cNvPr id="57" name="TextBox 56"/>
+          <p:cNvSpPr txBox="1"/>
+          <p:nvPr/>
+        </p:nvSpPr>
+        <p:spPr>
+          <a:xfrm>
+            <a:off x="2833005" y="2451633"/>
+            <a:ext cx="1147359" cy="369332"/>
+          </a:xfrm>
+          <a:prstGeom prst="rect">
+            <a:avLst/>
+          </a:prstGeom>
+          <a:noFill/>
+          <a:scene3d>
+            <a:camera prst="obliqueTopLeft"/>
+            <a:lightRig rig="threePt" dir="t"/>
+          </a:scene3d>
+        </p:spPr>
+        <p:txBody>
+          <a:bodyPr wrap="square" rtlCol="0">
+            <a:spAutoFit/>
+          </a:bodyPr>
+          <a:lstStyle/>
+          <a:p>
+            <a:pPr algn="ctr"/>
+            <a:r>
+              <a:rPr lang="en-US" altLang="ko-KR" spc="-150" dirty="0">
+                <a:solidFill>
+                  <a:srgbClr val="F76688"/>
+                </a:solidFill>
+                <a:latin typeface="a고딕19" panose="02020600000000000000" pitchFamily="18" charset="-127"/>
+                <a:ea typeface="a고딕19" panose="02020600000000000000" pitchFamily="18" charset="-127"/>
+              </a:rPr>
+              <a:t>40%</a:t>
+            </a:r>
+          </a:p>
+        </p:txBody>
+      </p:sp>
+      <p:cxnSp>
+        <p:nvCxnSpPr>
+          <p:cNvPr id="30" name="직선 연결선 29"/>
+          <p:cNvCxnSpPr/>
+          <p:nvPr/>
+        </p:nvCxnSpPr>
+        <p:spPr>
+          <a:xfrm>
+            <a:off x="1427902" y="5591975"/>
+            <a:ext cx="6396818" cy="0"/>
+          </a:xfrm>
+          <a:prstGeom prst="line">
+            <a:avLst/>
+          </a:prstGeom>
+          <a:ln w="12700">
+            <a:solidFill>
+              <a:schemeClr val="tx1">
+                <a:lumMod val="50000"/>
+                <a:lumOff val="50000"/>
+              </a:schemeClr>
+            </a:solidFill>
+          </a:ln>
+          <a:scene3d>
+            <a:camera prst="obliqueTopLeft"/>
+            <a:lightRig rig="threePt" dir="t"/>
+          </a:scene3d>
+        </p:spPr>
+        <p:style>
+          <a:lnRef idx="1">
+            <a:schemeClr val="accent1"/>
+          </a:lnRef>
+          <a:fillRef idx="0">
+            <a:schemeClr val="accent1"/>
+          </a:fillRef>
+          <a:effectRef idx="0">
+            <a:schemeClr val="accent1"/>
+          </a:effectRef>
+          <a:fontRef idx="minor">
+            <a:schemeClr val="tx1"/>
+          </a:fontRef>
+        </p:style>
+      </p:cxnSp>
+      <p:sp>
+        <p:nvSpPr>
+          <p:cNvPr id="29" name="직사각형 28"/>
+          <p:cNvSpPr/>
+          <p:nvPr/>
+        </p:nvSpPr>
+        <p:spPr>
+          <a:xfrm>
+            <a:off x="-1706880" y="932040"/>
+            <a:ext cx="920620" cy="261610"/>
+          </a:xfrm>
+          <a:prstGeom prst="rect">
+            <a:avLst/>
+          </a:prstGeom>
+          <a:solidFill>
+            <a:srgbClr val="FDC085"/>
+          </a:solidFill>
+          <a:ln>
+            <a:noFill/>
+          </a:ln>
+        </p:spPr>
+        <p:style>
+          <a:lnRef idx="2">
+            <a:schemeClr val="accent1">
+              <a:shade val="50000"/>
+            </a:schemeClr>
+          </a:lnRef>
+          <a:fillRef idx="1">
+            <a:schemeClr val="accent1"/>
+          </a:fillRef>
+          <a:effectRef idx="0">
+            <a:schemeClr val="accent1"/>
+          </a:effectRef>
+          <a:fontRef idx="minor">
+            <a:schemeClr val="lt1"/>
+          </a:fontRef>
+        </p:style>
+        <p:txBody>
+          <a:bodyPr rtlCol="0" anchor="ctr"/>
+          <a:lstStyle/>
+          <a:p>
+            <a:pPr algn="ctr"/>
+            <a:endParaRPr lang="ko-KR" altLang="en-US"/>
+          </a:p>
+        </p:txBody>
+      </p:sp>
+      <p:sp>
+        <p:nvSpPr>
+          <p:cNvPr id="31" name="직사각형 30"/>
+          <p:cNvSpPr/>
+          <p:nvPr/>
+        </p:nvSpPr>
+        <p:spPr>
+          <a:xfrm>
+            <a:off x="-1706880" y="1193650"/>
+            <a:ext cx="920620" cy="261610"/>
+          </a:xfrm>
+          <a:prstGeom prst="rect">
+            <a:avLst/>
+          </a:prstGeom>
+          <a:solidFill>
+            <a:srgbClr val="EA426C"/>
+          </a:solidFill>
+          <a:ln>
+            <a:noFill/>
+          </a:ln>
+        </p:spPr>
+        <p:style>
+          <a:lnRef idx="2">
+            <a:schemeClr val="accent1">
+              <a:shade val="50000"/>
+            </a:schemeClr>
+          </a:lnRef>
+          <a:fillRef idx="1">
+            <a:schemeClr val="accent1"/>
+          </a:fillRef>
+          <a:effectRef idx="0">
+            <a:schemeClr val="accent1"/>
+          </a:effectRef>
+          <a:fontRef idx="minor">
+            <a:schemeClr val="lt1"/>
+          </a:fontRef>
+        </p:style>
+        <p:txBody>
+          <a:bodyPr rtlCol="0" anchor="ctr"/>
+          <a:lstStyle/>
+          <a:p>
+            <a:pPr algn="ctr"/>
+            <a:endParaRPr lang="ko-KR" altLang="en-US"/>
+          </a:p>
+        </p:txBody>
+      </p:sp>
+      <p:sp>
+        <p:nvSpPr>
+          <p:cNvPr id="33" name="직사각형 32"/>
+          <p:cNvSpPr/>
+          <p:nvPr/>
+        </p:nvSpPr>
+        <p:spPr>
+          <a:xfrm>
+            <a:off x="-1706880" y="1455260"/>
+            <a:ext cx="920620" cy="261610"/>
+          </a:xfrm>
+          <a:prstGeom prst="rect">
+            <a:avLst/>
+          </a:prstGeom>
+          <a:solidFill>
+            <a:srgbClr val="F86666"/>
+          </a:solidFill>
+          <a:ln>
+            <a:noFill/>
+          </a:ln>
+        </p:spPr>
+        <p:style>
+          <a:lnRef idx="2">
+            <a:schemeClr val="accent1">
+              <a:shade val="50000"/>
+            </a:schemeClr>
+          </a:lnRef>
+          <a:fillRef idx="1">
+            <a:schemeClr val="accent1"/>
+          </a:fillRef>
+          <a:effectRef idx="0">
+            <a:schemeClr val="accent1"/>
+          </a:effectRef>
+          <a:fontRef idx="minor">
+            <a:schemeClr val="lt1"/>
+          </a:fontRef>
+        </p:style>
+        <p:txBody>
+          <a:bodyPr rtlCol="0" anchor="ctr"/>
+          <a:lstStyle/>
+          <a:p>
+            <a:pPr algn="ctr"/>
+            <a:endParaRPr lang="ko-KR" altLang="en-US"/>
+          </a:p>
+        </p:txBody>
+      </p:sp>
+      <p:sp>
+        <p:nvSpPr>
+          <p:cNvPr id="34" name="직사각형 33"/>
+          <p:cNvSpPr/>
+          <p:nvPr/>
+        </p:nvSpPr>
+        <p:spPr>
+          <a:xfrm>
+            <a:off x="-1706880" y="1695431"/>
+            <a:ext cx="920620" cy="261610"/>
+          </a:xfrm>
+          <a:prstGeom prst="rect">
+            <a:avLst/>
+          </a:prstGeom>
+          <a:solidFill>
+            <a:srgbClr val="7BC4CD"/>
+          </a:solidFill>
+          <a:ln>
+            <a:noFill/>
+          </a:ln>
+        </p:spPr>
+        <p:style>
+          <a:lnRef idx="2">
+            <a:schemeClr val="accent1">
+              <a:shade val="50000"/>
+            </a:schemeClr>
+          </a:lnRef>
+          <a:fillRef idx="1">
+            <a:schemeClr val="accent1"/>
+          </a:fillRef>
+          <a:effectRef idx="0">
+            <a:schemeClr val="accent1"/>
+          </a:effectRef>
+          <a:fontRef idx="minor">
+            <a:schemeClr val="lt1"/>
+          </a:fontRef>
+        </p:style>
+        <p:txBody>
+          <a:bodyPr rtlCol="0" anchor="ctr"/>
+          <a:lstStyle/>
+          <a:p>
+            <a:pPr algn="ctr"/>
+            <a:endParaRPr lang="ko-KR" altLang="en-US"/>
+          </a:p>
+        </p:txBody>
+      </p:sp>
+      <p:sp>
+        <p:nvSpPr>
+          <p:cNvPr id="35" name="직사각형 34"/>
+          <p:cNvSpPr/>
+          <p:nvPr/>
+        </p:nvSpPr>
+        <p:spPr>
+          <a:xfrm>
+            <a:off x="-1706880" y="1939237"/>
+            <a:ext cx="920620" cy="261610"/>
+          </a:xfrm>
+          <a:prstGeom prst="rect">
+            <a:avLst/>
+          </a:prstGeom>
+          <a:solidFill>
+            <a:srgbClr val="455A83"/>
+          </a:solidFill>
+          <a:ln>
+            <a:noFill/>
+          </a:ln>
+        </p:spPr>
+        <p:style>
+          <a:lnRef idx="2">
+            <a:schemeClr val="accent1">
+              <a:shade val="50000"/>
+            </a:schemeClr>
+          </a:lnRef>
+          <a:fillRef idx="1">
+            <a:schemeClr val="accent1"/>
+          </a:fillRef>
+          <a:effectRef idx="0">
+            <a:schemeClr val="accent1"/>
+          </a:effectRef>
+          <a:fontRef idx="minor">
+            <a:schemeClr val="lt1"/>
+          </a:fontRef>
+        </p:style>
+        <p:txBody>
+          <a:bodyPr rtlCol="0" anchor="ctr"/>
+          <a:lstStyle/>
+          <a:p>
+            <a:pPr algn="ctr"/>
+            <a:endParaRPr lang="ko-KR" altLang="en-US"/>
+          </a:p>
+        </p:txBody>
+      </p:sp>
+      <p:grpSp>
+        <p:nvGrpSpPr>
+          <p:cNvPr id="9" name="그룹 8"/>
+          <p:cNvGrpSpPr/>
+          <p:nvPr/>
+        </p:nvGrpSpPr>
+        <p:grpSpPr>
+          <a:xfrm>
+            <a:off x="1416281" y="4509852"/>
+            <a:ext cx="681250" cy="1484507"/>
+            <a:chOff x="1416281" y="4509852"/>
+            <a:chExt cx="681250" cy="1484507"/>
+          </a:xfrm>
+        </p:grpSpPr>
+        <p:sp>
+          <p:nvSpPr>
+            <p:cNvPr id="32" name="직사각형 31"/>
+            <p:cNvSpPr/>
+            <p:nvPr/>
+          </p:nvSpPr>
+          <p:spPr>
+            <a:xfrm>
+              <a:off x="1609115" y="4848109"/>
+              <a:ext cx="295582" cy="743866"/>
+            </a:xfrm>
+            <a:prstGeom prst="rect">
+              <a:avLst/>
+            </a:prstGeom>
+            <a:solidFill>
+              <a:srgbClr val="455A83"/>
+            </a:solidFill>
+            <a:ln>
+              <a:solidFill>
+                <a:schemeClr val="tx1">
+                  <a:alpha val="0"/>
+                </a:schemeClr>
+              </a:solidFill>
+            </a:ln>
+            <a:effectLst>
+              <a:outerShdw blurRad="50800" dist="38100" algn="l" rotWithShape="0">
+                <a:prstClr val="black">
+                  <a:alpha val="40000"/>
+                </a:prstClr>
+              </a:outerShdw>
+            </a:effectLst>
+            <a:scene3d>
+              <a:camera prst="obliqueTopLeft"/>
+              <a:lightRig rig="threePt" dir="t"/>
+            </a:scene3d>
+          </p:spPr>
+          <p:style>
+            <a:lnRef idx="2">
+              <a:schemeClr val="accent1">
+                <a:shade val="50000"/>
+              </a:schemeClr>
+            </a:lnRef>
+            <a:fillRef idx="1">
+              <a:schemeClr val="accent1"/>
+            </a:fillRef>
+            <a:effectRef idx="0">
+              <a:schemeClr val="accent1"/>
+            </a:effectRef>
+            <a:fontRef idx="minor">
+              <a:schemeClr val="lt1"/>
+            </a:fontRef>
+          </p:style>
+          <p:txBody>
+            <a:bodyPr rtlCol="0" anchor="ctr"/>
+            <a:lstStyle/>
+            <a:p>
+              <a:pPr algn="ctr"/>
+              <a:endParaRPr lang="ko-KR" altLang="en-US"/>
+            </a:p>
+          </p:txBody>
+        </p:sp>
+        <p:sp>
+          <p:nvSpPr>
+            <p:cNvPr id="49" name="TextBox 48"/>
+            <p:cNvSpPr txBox="1"/>
+            <p:nvPr/>
+          </p:nvSpPr>
+          <p:spPr>
+            <a:xfrm>
+              <a:off x="1416281" y="4509852"/>
+              <a:ext cx="681250" cy="338554"/>
+            </a:xfrm>
+            <a:prstGeom prst="rect">
+              <a:avLst/>
+            </a:prstGeom>
+            <a:noFill/>
+            <a:scene3d>
+              <a:camera prst="obliqueTopLeft"/>
+              <a:lightRig rig="threePt" dir="t"/>
+            </a:scene3d>
+          </p:spPr>
+          <p:txBody>
+            <a:bodyPr wrap="square" rtlCol="0">
+              <a:spAutoFit/>
+            </a:bodyPr>
+            <a:lstStyle/>
+            <a:p>
+              <a:pPr algn="ctr"/>
+              <a:r>
+                <a:rPr lang="en-US" altLang="ko-KR" sz="1600" spc="-150" dirty="0" smtClean="0">
+                  <a:solidFill>
+                    <a:srgbClr val="4D4D4F"/>
+                  </a:solidFill>
+                  <a:latin typeface="a고딕15" panose="02020600000000000000" pitchFamily="18" charset="-127"/>
+                  <a:ea typeface="a고딕15" panose="02020600000000000000" pitchFamily="18" charset="-127"/>
+                </a:rPr>
+                <a:t>10%</a:t>
+              </a:r>
+              <a:endParaRPr lang="en-US" altLang="ko-KR" sz="1600" spc="-150" dirty="0">
+                <a:solidFill>
+                  <a:srgbClr val="4D4D4F"/>
+                </a:solidFill>
+                <a:latin typeface="나눔스퀘어" panose="020B0600000101010101" pitchFamily="50" charset="-127"/>
+                <a:ea typeface="나눔스퀘어" panose="020B0600000101010101" pitchFamily="50" charset="-127"/>
+              </a:endParaRPr>
+            </a:p>
+          </p:txBody>
+        </p:sp>
+        <p:sp>
+          <p:nvSpPr>
+            <p:cNvPr id="65" name="TextBox 64"/>
+            <p:cNvSpPr txBox="1"/>
+            <p:nvPr/>
+          </p:nvSpPr>
+          <p:spPr>
+            <a:xfrm>
+              <a:off x="1603005" y="5625027"/>
+              <a:ext cx="301692" cy="369332"/>
+            </a:xfrm>
+            <a:prstGeom prst="rect">
+              <a:avLst/>
+            </a:prstGeom>
+            <a:noFill/>
+            <a:scene3d>
+              <a:camera prst="obliqueTopLeft"/>
+              <a:lightRig rig="threePt" dir="t"/>
+            </a:scene3d>
+          </p:spPr>
+          <p:txBody>
+            <a:bodyPr wrap="square" rtlCol="0">
+              <a:spAutoFit/>
+            </a:bodyPr>
+            <a:lstStyle/>
+            <a:p>
+              <a:r>
+                <a:rPr lang="en-US" altLang="ko-KR" dirty="0">
+                  <a:solidFill>
+                    <a:srgbClr val="455A83"/>
+                  </a:solidFill>
+                  <a:latin typeface="a고딕19" panose="02020600000000000000" pitchFamily="18" charset="-127"/>
+                  <a:ea typeface="a고딕19" panose="02020600000000000000" pitchFamily="18" charset="-127"/>
+                </a:rPr>
+                <a:t>A</a:t>
+              </a:r>
+              <a:endParaRPr lang="ko-KR" altLang="en-US" dirty="0">
+                <a:solidFill>
+                  <a:srgbClr val="455A83"/>
+                </a:solidFill>
+                <a:latin typeface="a고딕19" panose="02020600000000000000" pitchFamily="18" charset="-127"/>
+                <a:ea typeface="a고딕19" panose="02020600000000000000" pitchFamily="18" charset="-127"/>
+              </a:endParaRPr>
+            </a:p>
+          </p:txBody>
+        </p:sp>
+      </p:grpSp>
+      <p:grpSp>
+        <p:nvGrpSpPr>
+          <p:cNvPr id="10" name="그룹 9"/>
+          <p:cNvGrpSpPr/>
+          <p:nvPr/>
+        </p:nvGrpSpPr>
+        <p:grpSpPr>
+          <a:xfrm>
+            <a:off x="1881043" y="3157694"/>
+            <a:ext cx="681250" cy="2836665"/>
+            <a:chOff x="1962349" y="3157694"/>
+            <a:chExt cx="681250" cy="2836665"/>
+          </a:xfrm>
+        </p:grpSpPr>
+        <p:sp>
+          <p:nvSpPr>
+            <p:cNvPr id="38" name="직사각형 37"/>
+            <p:cNvSpPr/>
+            <p:nvPr/>
+          </p:nvSpPr>
+          <p:spPr>
+            <a:xfrm>
+              <a:off x="2155183" y="3528504"/>
+              <a:ext cx="295582" cy="2063472"/>
+            </a:xfrm>
+            <a:prstGeom prst="rect">
+              <a:avLst/>
+            </a:prstGeom>
+            <a:solidFill>
+              <a:srgbClr val="455A83"/>
+            </a:solidFill>
+            <a:ln>
+              <a:noFill/>
+            </a:ln>
+            <a:effectLst>
+              <a:outerShdw blurRad="50800" dist="38100" algn="l" rotWithShape="0">
+                <a:prstClr val="black">
+                  <a:alpha val="40000"/>
+                </a:prstClr>
+              </a:outerShdw>
+            </a:effectLst>
+            <a:scene3d>
+              <a:camera prst="obliqueTopLeft"/>
+              <a:lightRig rig="threePt" dir="t"/>
+            </a:scene3d>
+          </p:spPr>
+          <p:style>
+            <a:lnRef idx="2">
+              <a:schemeClr val="accent1">
+                <a:shade val="50000"/>
+              </a:schemeClr>
+            </a:lnRef>
+            <a:fillRef idx="1">
+              <a:schemeClr val="accent1"/>
+            </a:fillRef>
+            <a:effectRef idx="0">
+              <a:schemeClr val="accent1"/>
+            </a:effectRef>
+            <a:fontRef idx="minor">
+              <a:schemeClr val="lt1"/>
+            </a:fontRef>
+          </p:style>
+          <p:txBody>
+            <a:bodyPr rtlCol="0" anchor="ctr"/>
+            <a:lstStyle/>
+            <a:p>
+              <a:pPr algn="ctr"/>
+              <a:endParaRPr lang="ko-KR" altLang="en-US"/>
+            </a:p>
+          </p:txBody>
+        </p:sp>
+        <p:sp>
+          <p:nvSpPr>
+            <p:cNvPr id="53" name="TextBox 52"/>
+            <p:cNvSpPr txBox="1"/>
+            <p:nvPr/>
+          </p:nvSpPr>
+          <p:spPr>
+            <a:xfrm>
+              <a:off x="1962349" y="3157694"/>
+              <a:ext cx="681250" cy="338554"/>
+            </a:xfrm>
+            <a:prstGeom prst="rect">
+              <a:avLst/>
+            </a:prstGeom>
+            <a:noFill/>
+            <a:scene3d>
+              <a:camera prst="obliqueTopLeft"/>
+              <a:lightRig rig="threePt" dir="t"/>
+            </a:scene3d>
+          </p:spPr>
+          <p:txBody>
+            <a:bodyPr wrap="square" rtlCol="0">
+              <a:spAutoFit/>
+            </a:bodyPr>
+            <a:lstStyle/>
+            <a:p>
+              <a:pPr algn="ctr"/>
+              <a:r>
+                <a:rPr lang="en-US" altLang="ko-KR" sz="1600" spc="-150" dirty="0" smtClean="0">
+                  <a:solidFill>
+                    <a:srgbClr val="4D4D4F"/>
+                  </a:solidFill>
+                  <a:latin typeface="a고딕15" panose="02020600000000000000" pitchFamily="18" charset="-127"/>
+                  <a:ea typeface="a고딕15" panose="02020600000000000000" pitchFamily="18" charset="-127"/>
+                </a:rPr>
+                <a:t>35%</a:t>
+              </a:r>
+              <a:endParaRPr lang="en-US" altLang="ko-KR" sz="1600" spc="-150" dirty="0">
+                <a:solidFill>
+                  <a:srgbClr val="4D4D4F"/>
+                </a:solidFill>
+                <a:latin typeface="나눔스퀘어" panose="020B0600000101010101" pitchFamily="50" charset="-127"/>
+                <a:ea typeface="나눔스퀘어" panose="020B0600000101010101" pitchFamily="50" charset="-127"/>
+              </a:endParaRPr>
+            </a:p>
+          </p:txBody>
+        </p:sp>
+        <p:sp>
+          <p:nvSpPr>
+            <p:cNvPr id="66" name="TextBox 65"/>
+            <p:cNvSpPr txBox="1"/>
+            <p:nvPr/>
+          </p:nvSpPr>
+          <p:spPr>
+            <a:xfrm>
+              <a:off x="2149073" y="5625027"/>
+              <a:ext cx="301692" cy="369332"/>
+            </a:xfrm>
+            <a:prstGeom prst="rect">
+              <a:avLst/>
+            </a:prstGeom>
+            <a:noFill/>
+            <a:scene3d>
+              <a:camera prst="obliqueTopLeft"/>
+              <a:lightRig rig="threePt" dir="t"/>
+            </a:scene3d>
+          </p:spPr>
+          <p:txBody>
+            <a:bodyPr wrap="square" rtlCol="0">
+              <a:spAutoFit/>
+            </a:bodyPr>
+            <a:lstStyle/>
+            <a:p>
+              <a:r>
+                <a:rPr lang="en-US" altLang="ko-KR" dirty="0" smtClean="0">
+                  <a:solidFill>
+                    <a:srgbClr val="455A83"/>
+                  </a:solidFill>
+                  <a:latin typeface="a고딕19" panose="02020600000000000000" pitchFamily="18" charset="-127"/>
+                  <a:ea typeface="a고딕19" panose="02020600000000000000" pitchFamily="18" charset="-127"/>
+                </a:rPr>
+                <a:t>B</a:t>
+              </a:r>
+              <a:endParaRPr lang="ko-KR" altLang="en-US" dirty="0">
+                <a:solidFill>
+                  <a:srgbClr val="455A83"/>
+                </a:solidFill>
+                <a:latin typeface="a고딕19" panose="02020600000000000000" pitchFamily="18" charset="-127"/>
+                <a:ea typeface="a고딕19" panose="02020600000000000000" pitchFamily="18" charset="-127"/>
+              </a:endParaRPr>
+            </a:p>
+          </p:txBody>
+        </p:sp>
+      </p:grpSp>
+      <p:grpSp>
+        <p:nvGrpSpPr>
+          <p:cNvPr id="12" name="그룹 11"/>
+          <p:cNvGrpSpPr/>
+          <p:nvPr/>
+        </p:nvGrpSpPr>
+        <p:grpSpPr>
+          <a:xfrm>
+            <a:off x="2345805" y="4052710"/>
+            <a:ext cx="681250" cy="1941649"/>
+            <a:chOff x="2508417" y="4052710"/>
+            <a:chExt cx="681250" cy="1941649"/>
+          </a:xfrm>
+        </p:grpSpPr>
+        <p:sp>
+          <p:nvSpPr>
+            <p:cNvPr id="39" name="직사각형 38"/>
+            <p:cNvSpPr/>
+            <p:nvPr/>
+          </p:nvSpPr>
+          <p:spPr>
+            <a:xfrm>
+              <a:off x="2701251" y="4378038"/>
+              <a:ext cx="295582" cy="1213937"/>
+            </a:xfrm>
+            <a:prstGeom prst="rect">
+              <a:avLst/>
+            </a:prstGeom>
+            <a:solidFill>
+              <a:srgbClr val="455A83"/>
+            </a:solidFill>
+            <a:ln>
+              <a:noFill/>
+            </a:ln>
+            <a:effectLst>
+              <a:outerShdw blurRad="50800" dist="38100" algn="l" rotWithShape="0">
+                <a:prstClr val="black">
+                  <a:alpha val="40000"/>
+                </a:prstClr>
+              </a:outerShdw>
+            </a:effectLst>
+            <a:scene3d>
+              <a:camera prst="obliqueTopLeft"/>
+              <a:lightRig rig="threePt" dir="t"/>
+            </a:scene3d>
+          </p:spPr>
+          <p:style>
+            <a:lnRef idx="2">
+              <a:schemeClr val="accent1">
+                <a:shade val="50000"/>
+              </a:schemeClr>
+            </a:lnRef>
+            <a:fillRef idx="1">
+              <a:schemeClr val="accent1"/>
+            </a:fillRef>
+            <a:effectRef idx="0">
+              <a:schemeClr val="accent1"/>
+            </a:effectRef>
+            <a:fontRef idx="minor">
+              <a:schemeClr val="lt1"/>
+            </a:fontRef>
+          </p:style>
+          <p:txBody>
+            <a:bodyPr rtlCol="0" anchor="ctr"/>
+            <a:lstStyle/>
+            <a:p>
+              <a:pPr algn="ctr"/>
+              <a:endParaRPr lang="ko-KR" altLang="en-US"/>
+            </a:p>
+          </p:txBody>
+        </p:sp>
+        <p:sp>
+          <p:nvSpPr>
+            <p:cNvPr id="55" name="TextBox 54"/>
+            <p:cNvSpPr txBox="1"/>
+            <p:nvPr/>
+          </p:nvSpPr>
+          <p:spPr>
+            <a:xfrm>
+              <a:off x="2508417" y="4052710"/>
+              <a:ext cx="681250" cy="338554"/>
+            </a:xfrm>
+            <a:prstGeom prst="rect">
+              <a:avLst/>
+            </a:prstGeom>
+            <a:noFill/>
+            <a:scene3d>
+              <a:camera prst="obliqueTopLeft"/>
+              <a:lightRig rig="threePt" dir="t"/>
+            </a:scene3d>
+          </p:spPr>
+          <p:txBody>
+            <a:bodyPr wrap="square" rtlCol="0">
+              <a:spAutoFit/>
+            </a:bodyPr>
+            <a:lstStyle/>
+            <a:p>
+              <a:pPr algn="ctr"/>
+              <a:r>
+                <a:rPr lang="en-US" altLang="ko-KR" sz="1600" spc="-150" dirty="0" smtClean="0">
+                  <a:solidFill>
+                    <a:srgbClr val="4D4D4F"/>
+                  </a:solidFill>
+                  <a:latin typeface="a고딕15" panose="02020600000000000000" pitchFamily="18" charset="-127"/>
+                  <a:ea typeface="a고딕15" panose="02020600000000000000" pitchFamily="18" charset="-127"/>
+                </a:rPr>
+                <a:t>15%</a:t>
+              </a:r>
+              <a:endParaRPr lang="en-US" altLang="ko-KR" sz="1600" spc="-150" dirty="0">
+                <a:solidFill>
+                  <a:srgbClr val="4D4D4F"/>
+                </a:solidFill>
+                <a:latin typeface="나눔스퀘어" panose="020B0600000101010101" pitchFamily="50" charset="-127"/>
+                <a:ea typeface="나눔스퀘어" panose="020B0600000101010101" pitchFamily="50" charset="-127"/>
+              </a:endParaRPr>
+            </a:p>
+          </p:txBody>
+        </p:sp>
+        <p:sp>
+          <p:nvSpPr>
+            <p:cNvPr id="67" name="TextBox 66"/>
+            <p:cNvSpPr txBox="1"/>
+            <p:nvPr/>
+          </p:nvSpPr>
+          <p:spPr>
+            <a:xfrm>
+              <a:off x="2698196" y="5625027"/>
+              <a:ext cx="301692" cy="369332"/>
+            </a:xfrm>
+            <a:prstGeom prst="rect">
+              <a:avLst/>
+            </a:prstGeom>
+            <a:noFill/>
+            <a:scene3d>
+              <a:camera prst="obliqueTopLeft"/>
+              <a:lightRig rig="threePt" dir="t"/>
+            </a:scene3d>
+          </p:spPr>
+          <p:txBody>
+            <a:bodyPr wrap="square" rtlCol="0">
+              <a:spAutoFit/>
+            </a:bodyPr>
+            <a:lstStyle/>
+            <a:p>
+              <a:r>
+                <a:rPr lang="en-US" altLang="ko-KR" dirty="0" smtClean="0">
+                  <a:solidFill>
+                    <a:srgbClr val="455A83"/>
+                  </a:solidFill>
+                  <a:latin typeface="a고딕19" panose="02020600000000000000" pitchFamily="18" charset="-127"/>
+                  <a:ea typeface="a고딕19" panose="02020600000000000000" pitchFamily="18" charset="-127"/>
+                </a:rPr>
+                <a:t>C</a:t>
+              </a:r>
+              <a:endParaRPr lang="ko-KR" altLang="en-US" dirty="0">
+                <a:solidFill>
+                  <a:srgbClr val="455A83"/>
+                </a:solidFill>
+                <a:latin typeface="a고딕19" panose="02020600000000000000" pitchFamily="18" charset="-127"/>
+                <a:ea typeface="a고딕19" panose="02020600000000000000" pitchFamily="18" charset="-127"/>
+              </a:endParaRPr>
+            </a:p>
+          </p:txBody>
+        </p:sp>
+      </p:grpSp>
+      <p:sp>
+        <p:nvSpPr>
+          <p:cNvPr id="68" name="TextBox 67"/>
+          <p:cNvSpPr txBox="1"/>
+          <p:nvPr/>
+        </p:nvSpPr>
+        <p:spPr>
+          <a:xfrm>
+            <a:off x="2890697" y="5625027"/>
+            <a:ext cx="1031974" cy="369332"/>
+          </a:xfrm>
+          <a:prstGeom prst="rect">
+            <a:avLst/>
+          </a:prstGeom>
+          <a:noFill/>
+          <a:scene3d>
+            <a:camera prst="obliqueTopLeft"/>
+            <a:lightRig rig="threePt" dir="t"/>
+          </a:scene3d>
+        </p:spPr>
+        <p:txBody>
+          <a:bodyPr wrap="square" rtlCol="0">
+            <a:spAutoFit/>
+          </a:bodyPr>
+          <a:lstStyle/>
+          <a:p>
+            <a:pPr algn="ctr"/>
+            <a:r>
+              <a:rPr lang="en-US" altLang="ko-KR" dirty="0" smtClean="0">
+                <a:solidFill>
+                  <a:srgbClr val="F76688"/>
+                </a:solidFill>
+                <a:latin typeface="a고딕19" panose="02020600000000000000" pitchFamily="18" charset="-127"/>
+                <a:ea typeface="a고딕19" panose="02020600000000000000" pitchFamily="18" charset="-127"/>
+              </a:rPr>
+              <a:t>D</a:t>
+            </a:r>
+            <a:endParaRPr lang="ko-KR" altLang="en-US" dirty="0">
+              <a:solidFill>
+                <a:srgbClr val="F76688"/>
+              </a:solidFill>
+              <a:latin typeface="a고딕19" panose="02020600000000000000" pitchFamily="18" charset="-127"/>
+              <a:ea typeface="a고딕19" panose="02020600000000000000" pitchFamily="18" charset="-127"/>
+            </a:endParaRPr>
+          </a:p>
+        </p:txBody>
+      </p:sp>
+      <p:cxnSp>
+        <p:nvCxnSpPr>
+          <p:cNvPr id="19" name="직선 연결선 18"/>
+          <p:cNvCxnSpPr/>
+          <p:nvPr/>
+        </p:nvCxnSpPr>
+        <p:spPr>
+          <a:xfrm>
+            <a:off x="3027055" y="2451633"/>
+            <a:ext cx="0" cy="3564560"/>
+          </a:xfrm>
+          <a:prstGeom prst="line">
+            <a:avLst/>
+          </a:prstGeom>
+          <a:ln w="15875">
+            <a:solidFill>
+              <a:srgbClr val="455A83"/>
+            </a:solidFill>
+            <a:prstDash val="dash"/>
+          </a:ln>
+        </p:spPr>
+        <p:style>
+          <a:lnRef idx="1">
+            <a:schemeClr val="accent1"/>
+          </a:lnRef>
+          <a:fillRef idx="0">
+            <a:schemeClr val="accent1"/>
+          </a:fillRef>
+          <a:effectRef idx="0">
+            <a:schemeClr val="accent1"/>
+          </a:effectRef>
+          <a:fontRef idx="minor">
+            <a:schemeClr val="tx1"/>
+          </a:fontRef>
+        </p:style>
+      </p:cxnSp>
+    </p:spTree>
+    <p:extLst>
+      <p:ext uri="{BB962C8B-B14F-4D97-AF65-F5344CB8AC3E}">
+        <p14:creationId xmlns:p14="http://schemas.microsoft.com/office/powerpoint/2010/main" val="1166714682"/>
+      </p:ext>
+    </p:extLst>
+  </p:cSld>
+  <p:clrMapOvr>
+    <a:masterClrMapping/>
+  </p:clrMapOvr>
+  <p:timing>
+    <p:tnLst>
+      <p:par>
+        <p:cTn id="1" dur="indefinite" restart="never" nodeType="tmRoot"/>
+      </p:par>
+    </p:tnLst>
+  </p:timing>
+</p:sld>
+</file>
+
+<file path=ppt/slides/slide13.xml><?xml version="1.0" encoding="utf-8"?>
+<p:sld xmlns:a="http://schemas.openxmlformats.org/drawingml/2006/main" xmlns:r="http://schemas.openxmlformats.org/officeDocument/2006/relationships" xmlns:p="http://schemas.openxmlformats.org/presentationml/2006/main">
+  <p:cSld>
+    <p:bg>
+      <p:bgPr>
+        <a:solidFill>
+          <a:srgbClr val="FEFAEF"/>
+        </a:solidFill>
+        <a:effectLst/>
+      </p:bgPr>
+    </p:bg>
+    <p:spTree>
+      <p:nvGrpSpPr>
+        <p:cNvPr id="1" name=""/>
+        <p:cNvGrpSpPr/>
+        <p:nvPr/>
+      </p:nvGrpSpPr>
+      <p:grpSpPr>
+        <a:xfrm>
+          <a:off x="0" y="0"/>
+          <a:ext cx="0" cy="0"/>
+          <a:chOff x="0" y="0"/>
+          <a:chExt cx="0" cy="0"/>
+        </a:xfrm>
+      </p:grpSpPr>
+      <p:sp>
+        <p:nvSpPr>
+          <p:cNvPr id="13" name="TextBox 12"/>
+          <p:cNvSpPr txBox="1"/>
+          <p:nvPr/>
+        </p:nvSpPr>
+        <p:spPr>
+          <a:xfrm>
+            <a:off x="53768" y="60304"/>
+            <a:ext cx="834011" cy="338554"/>
+          </a:xfrm>
+          <a:prstGeom prst="rect">
+            <a:avLst/>
+          </a:prstGeom>
+          <a:noFill/>
+          <a:scene3d>
+            <a:camera prst="obliqueTopLeft"/>
+            <a:lightRig rig="threePt" dir="t"/>
+          </a:scene3d>
+        </p:spPr>
+        <p:txBody>
+          <a:bodyPr wrap="none" rtlCol="0">
+            <a:spAutoFit/>
+          </a:bodyPr>
+          <a:lstStyle/>
+          <a:p>
+            <a:r>
+              <a:rPr lang="en-US" altLang="ko-KR" sz="1600" dirty="0" smtClean="0">
+                <a:solidFill>
+                  <a:srgbClr val="4D4D4F"/>
+                </a:solidFill>
+                <a:latin typeface="a고딕19" panose="02020600000000000000" pitchFamily="18" charset="-127"/>
+                <a:ea typeface="a고딕19" panose="02020600000000000000" pitchFamily="18" charset="-127"/>
+              </a:rPr>
+              <a:t>Slide </a:t>
+            </a:r>
+            <a:r>
+              <a:rPr lang="en-US" altLang="ko-KR" sz="1600" dirty="0">
+                <a:solidFill>
+                  <a:srgbClr val="4D4D4F"/>
+                </a:solidFill>
+                <a:latin typeface="a고딕19" panose="02020600000000000000" pitchFamily="18" charset="-127"/>
+                <a:ea typeface="a고딕19" panose="02020600000000000000" pitchFamily="18" charset="-127"/>
+              </a:rPr>
+              <a:t>3</a:t>
+            </a:r>
+            <a:endParaRPr lang="ko-KR" altLang="en-US" sz="1600" dirty="0">
+              <a:solidFill>
+                <a:srgbClr val="4D4D4F"/>
+              </a:solidFill>
+              <a:latin typeface="a고딕19" panose="02020600000000000000" pitchFamily="18" charset="-127"/>
+              <a:ea typeface="a고딕19" panose="02020600000000000000" pitchFamily="18" charset="-127"/>
+            </a:endParaRPr>
+          </a:p>
+        </p:txBody>
+      </p:sp>
+      <p:sp>
+        <p:nvSpPr>
+          <p:cNvPr id="15" name="TextBox 14"/>
+          <p:cNvSpPr txBox="1"/>
+          <p:nvPr/>
+        </p:nvSpPr>
+        <p:spPr>
+          <a:xfrm>
+            <a:off x="1455602" y="1564345"/>
+            <a:ext cx="6412333" cy="523220"/>
+          </a:xfrm>
+          <a:prstGeom prst="rect">
+            <a:avLst/>
+          </a:prstGeom>
+          <a:noFill/>
+          <a:scene3d>
+            <a:camera prst="obliqueTopLeft"/>
+            <a:lightRig rig="threePt" dir="t"/>
+          </a:scene3d>
+        </p:spPr>
+        <p:txBody>
+          <a:bodyPr wrap="none" rtlCol="0">
+            <a:spAutoFit/>
+          </a:bodyPr>
+          <a:lstStyle/>
+          <a:p>
+            <a:r>
+              <a:rPr lang="ko-KR" altLang="en-US" sz="2400" dirty="0" smtClean="0">
+                <a:solidFill>
+                  <a:srgbClr val="4D4D4F"/>
+                </a:solidFill>
+                <a:latin typeface="a고딕13" panose="02020600000000000000" pitchFamily="18" charset="-127"/>
+                <a:ea typeface="a고딕13" panose="02020600000000000000" pitchFamily="18" charset="-127"/>
+              </a:rPr>
+              <a:t>시선을 </a:t>
+            </a:r>
+            <a:r>
+              <a:rPr lang="ko-KR" altLang="en-US" sz="2400" dirty="0">
+                <a:solidFill>
+                  <a:srgbClr val="4D4D4F"/>
+                </a:solidFill>
+                <a:latin typeface="a고딕13" panose="02020600000000000000" pitchFamily="18" charset="-127"/>
+                <a:ea typeface="a고딕13" panose="02020600000000000000" pitchFamily="18" charset="-127"/>
+              </a:rPr>
+              <a:t>스포트라이트</a:t>
+            </a:r>
+            <a:r>
+              <a:rPr lang="ko-KR" altLang="en-US" sz="2400" dirty="0" smtClean="0">
+                <a:solidFill>
+                  <a:srgbClr val="4D4D4F"/>
+                </a:solidFill>
+                <a:latin typeface="a고딕13" panose="02020600000000000000" pitchFamily="18" charset="-127"/>
+                <a:ea typeface="a고딕13" panose="02020600000000000000" pitchFamily="18" charset="-127"/>
+              </a:rPr>
+              <a:t> 시켰다면 </a:t>
+            </a:r>
+            <a:r>
+              <a:rPr lang="ko-KR" altLang="en-US" sz="2800" dirty="0">
+                <a:solidFill>
+                  <a:srgbClr val="455A83"/>
+                </a:solidFill>
+                <a:latin typeface="a고딕19" panose="02020600000000000000" pitchFamily="18" charset="-127"/>
+                <a:ea typeface="a고딕19" panose="02020600000000000000" pitchFamily="18" charset="-127"/>
+              </a:rPr>
+              <a:t>시간관리</a:t>
+            </a:r>
+            <a:r>
+              <a:rPr lang="ko-KR" altLang="en-US" sz="2400" dirty="0" smtClean="0">
+                <a:solidFill>
+                  <a:srgbClr val="4D4D4F"/>
+                </a:solidFill>
+                <a:latin typeface="a고딕13" panose="02020600000000000000" pitchFamily="18" charset="-127"/>
+                <a:ea typeface="a고딕13" panose="02020600000000000000" pitchFamily="18" charset="-127"/>
+              </a:rPr>
+              <a:t>가 중요해</a:t>
+            </a:r>
+            <a:endParaRPr lang="ko-KR" altLang="en-US" sz="2400" dirty="0">
+              <a:solidFill>
+                <a:srgbClr val="4D4D4F"/>
+              </a:solidFill>
+              <a:latin typeface="a고딕13" panose="02020600000000000000" pitchFamily="18" charset="-127"/>
+              <a:ea typeface="a고딕13" panose="02020600000000000000" pitchFamily="18" charset="-127"/>
+            </a:endParaRPr>
+          </a:p>
+        </p:txBody>
+      </p:sp>
+      <p:cxnSp>
+        <p:nvCxnSpPr>
+          <p:cNvPr id="16" name="직선 연결선 15"/>
+          <p:cNvCxnSpPr/>
+          <p:nvPr/>
+        </p:nvCxnSpPr>
+        <p:spPr>
+          <a:xfrm>
+            <a:off x="2504566" y="1489469"/>
+            <a:ext cx="4134868" cy="0"/>
+          </a:xfrm>
+          <a:prstGeom prst="line">
+            <a:avLst/>
+          </a:prstGeom>
+          <a:ln w="12700">
+            <a:solidFill>
+              <a:srgbClr val="515153"/>
+            </a:solidFill>
+          </a:ln>
+          <a:scene3d>
+            <a:camera prst="obliqueTopLeft"/>
+            <a:lightRig rig="threePt" dir="t"/>
+          </a:scene3d>
+        </p:spPr>
+        <p:style>
+          <a:lnRef idx="1">
+            <a:schemeClr val="accent1"/>
+          </a:lnRef>
+          <a:fillRef idx="0">
+            <a:schemeClr val="accent1"/>
+          </a:fillRef>
+          <a:effectRef idx="0">
+            <a:schemeClr val="accent1"/>
+          </a:effectRef>
+          <a:fontRef idx="minor">
+            <a:schemeClr val="tx1"/>
+          </a:fontRef>
+        </p:style>
+      </p:cxnSp>
+      <p:sp>
+        <p:nvSpPr>
+          <p:cNvPr id="17" name="TextBox 16"/>
+          <p:cNvSpPr txBox="1"/>
+          <p:nvPr/>
+        </p:nvSpPr>
+        <p:spPr>
+          <a:xfrm>
+            <a:off x="4279292" y="932040"/>
+            <a:ext cx="585417" cy="523220"/>
+          </a:xfrm>
+          <a:prstGeom prst="rect">
+            <a:avLst/>
+          </a:prstGeom>
+          <a:noFill/>
+          <a:scene3d>
+            <a:camera prst="obliqueTopLeft"/>
+            <a:lightRig rig="threePt" dir="t"/>
+          </a:scene3d>
+        </p:spPr>
+        <p:txBody>
+          <a:bodyPr wrap="none" rtlCol="0">
+            <a:spAutoFit/>
+          </a:bodyPr>
+          <a:lstStyle/>
+          <a:p>
+            <a:r>
+              <a:rPr lang="en-US" altLang="ko-KR" sz="2800" dirty="0">
+                <a:solidFill>
+                  <a:srgbClr val="455A83"/>
+                </a:solidFill>
+                <a:latin typeface="a고딕19" panose="02020600000000000000" pitchFamily="18" charset="-127"/>
+                <a:ea typeface="a고딕19" panose="02020600000000000000" pitchFamily="18" charset="-127"/>
+              </a:rPr>
+              <a:t>03</a:t>
+            </a:r>
+            <a:endParaRPr lang="ko-KR" altLang="en-US" sz="2800" dirty="0">
+              <a:solidFill>
+                <a:srgbClr val="455A83"/>
+              </a:solidFill>
+              <a:latin typeface="a고딕19" panose="02020600000000000000" pitchFamily="18" charset="-127"/>
+              <a:ea typeface="a고딕19" panose="02020600000000000000" pitchFamily="18" charset="-127"/>
+            </a:endParaRPr>
+          </a:p>
+        </p:txBody>
+      </p:sp>
+      <p:sp>
+        <p:nvSpPr>
+          <p:cNvPr id="37" name="TextBox 36"/>
+          <p:cNvSpPr txBox="1"/>
+          <p:nvPr/>
+        </p:nvSpPr>
+        <p:spPr>
+          <a:xfrm>
+            <a:off x="1373295" y="2884052"/>
+            <a:ext cx="6397410" cy="830997"/>
+          </a:xfrm>
+          <a:prstGeom prst="rect">
+            <a:avLst/>
+          </a:prstGeom>
+          <a:noFill/>
+          <a:scene3d>
+            <a:camera prst="obliqueTopLeft"/>
+            <a:lightRig rig="threePt" dir="t"/>
+          </a:scene3d>
+        </p:spPr>
+        <p:txBody>
+          <a:bodyPr wrap="square" rtlCol="0">
+            <a:spAutoFit/>
+          </a:bodyPr>
+          <a:lstStyle/>
+          <a:p>
+            <a:pPr algn="ctr"/>
+            <a:r>
+              <a:rPr lang="ko-KR" altLang="en-US" sz="1600" dirty="0" smtClean="0">
+                <a:solidFill>
+                  <a:srgbClr val="4D4D4F"/>
+                </a:solidFill>
+                <a:latin typeface="나눔스퀘어" panose="020B0600000101010101" pitchFamily="50" charset="-127"/>
+                <a:ea typeface="나눔스퀘어" panose="020B0600000101010101" pitchFamily="50" charset="-127"/>
+              </a:rPr>
+              <a:t>만약 발표를 </a:t>
+            </a:r>
+            <a:r>
+              <a:rPr lang="en-US" altLang="ko-KR" sz="1600" dirty="0" smtClean="0">
+                <a:solidFill>
+                  <a:srgbClr val="4D4D4F"/>
+                </a:solidFill>
+                <a:latin typeface="나눔스퀘어" panose="020B0600000101010101" pitchFamily="50" charset="-127"/>
+                <a:ea typeface="나눔스퀘어" panose="020B0600000101010101" pitchFamily="50" charset="-127"/>
+              </a:rPr>
+              <a:t>5</a:t>
+            </a:r>
+            <a:r>
+              <a:rPr lang="ko-KR" altLang="en-US" sz="1600" dirty="0" smtClean="0">
+                <a:solidFill>
+                  <a:srgbClr val="4D4D4F"/>
+                </a:solidFill>
+                <a:latin typeface="나눔스퀘어" panose="020B0600000101010101" pitchFamily="50" charset="-127"/>
+                <a:ea typeface="나눔스퀘어" panose="020B0600000101010101" pitchFamily="50" charset="-127"/>
+              </a:rPr>
+              <a:t>분간 해야한다면</a:t>
+            </a:r>
+            <a:endParaRPr lang="en-US" altLang="ko-KR" sz="1600" dirty="0" smtClean="0">
+              <a:solidFill>
+                <a:srgbClr val="4D4D4F"/>
+              </a:solidFill>
+              <a:latin typeface="나눔스퀘어" panose="020B0600000101010101" pitchFamily="50" charset="-127"/>
+              <a:ea typeface="나눔스퀘어" panose="020B0600000101010101" pitchFamily="50" charset="-127"/>
+            </a:endParaRPr>
+          </a:p>
+          <a:p>
+            <a:pPr algn="ctr"/>
+            <a:r>
+              <a:rPr lang="en-US" altLang="ko-KR" sz="1600" dirty="0" smtClean="0">
+                <a:solidFill>
+                  <a:srgbClr val="4D4D4F"/>
+                </a:solidFill>
+                <a:latin typeface="a고딕15" panose="02020600000000000000" pitchFamily="18" charset="-127"/>
+                <a:ea typeface="a고딕15" panose="02020600000000000000" pitchFamily="18" charset="-127"/>
+              </a:rPr>
+              <a:t>1</a:t>
+            </a:r>
+            <a:r>
+              <a:rPr lang="ko-KR" altLang="en-US" sz="1600" dirty="0" err="1" smtClean="0">
+                <a:solidFill>
+                  <a:srgbClr val="4D4D4F"/>
+                </a:solidFill>
+                <a:latin typeface="a고딕15" panose="02020600000000000000" pitchFamily="18" charset="-127"/>
+                <a:ea typeface="a고딕15" panose="02020600000000000000" pitchFamily="18" charset="-127"/>
+              </a:rPr>
+              <a:t>분단위로</a:t>
+            </a:r>
+            <a:r>
+              <a:rPr lang="ko-KR" altLang="en-US" sz="1600" dirty="0" smtClean="0">
+                <a:solidFill>
+                  <a:srgbClr val="4D4D4F"/>
+                </a:solidFill>
+                <a:latin typeface="a고딕15" panose="02020600000000000000" pitchFamily="18" charset="-127"/>
+                <a:ea typeface="a고딕15" panose="02020600000000000000" pitchFamily="18" charset="-127"/>
+              </a:rPr>
+              <a:t> 폰 진동을 </a:t>
+            </a:r>
+            <a:r>
+              <a:rPr lang="ko-KR" altLang="en-US" sz="1600" dirty="0" err="1" smtClean="0">
+                <a:solidFill>
+                  <a:srgbClr val="4D4D4F"/>
+                </a:solidFill>
+                <a:latin typeface="a고딕15" panose="02020600000000000000" pitchFamily="18" charset="-127"/>
+                <a:ea typeface="a고딕15" panose="02020600000000000000" pitchFamily="18" charset="-127"/>
+              </a:rPr>
+              <a:t>설정해놔</a:t>
+            </a:r>
+            <a:r>
+              <a:rPr lang="en-US" altLang="ko-KR" sz="1600" dirty="0" smtClean="0">
+                <a:solidFill>
+                  <a:srgbClr val="4D4D4F"/>
+                </a:solidFill>
+                <a:latin typeface="나눔스퀘어" panose="020B0600000101010101" pitchFamily="50" charset="-127"/>
+                <a:ea typeface="나눔스퀘어" panose="020B0600000101010101" pitchFamily="50" charset="-127"/>
+              </a:rPr>
+              <a:t>. </a:t>
+            </a:r>
+            <a:r>
+              <a:rPr lang="ko-KR" altLang="en-US" sz="1600" dirty="0" smtClean="0">
+                <a:solidFill>
+                  <a:srgbClr val="4D4D4F"/>
+                </a:solidFill>
+                <a:latin typeface="나눔스퀘어" panose="020B0600000101010101" pitchFamily="50" charset="-127"/>
+                <a:ea typeface="나눔스퀘어" panose="020B0600000101010101" pitchFamily="50" charset="-127"/>
+              </a:rPr>
+              <a:t>그리고 주머니에 넣어 </a:t>
+            </a:r>
+            <a:r>
+              <a:rPr lang="en-US" altLang="ko-KR" sz="1600" dirty="0">
+                <a:solidFill>
+                  <a:srgbClr val="4D4D4F"/>
+                </a:solidFill>
+                <a:latin typeface="나눔스퀘어" panose="020B0600000101010101" pitchFamily="50" charset="-127"/>
+                <a:ea typeface="나눔스퀘어" panose="020B0600000101010101" pitchFamily="50" charset="-127"/>
+              </a:rPr>
+              <a:t>!</a:t>
+            </a:r>
+          </a:p>
+          <a:p>
+            <a:pPr algn="ctr"/>
+            <a:r>
+              <a:rPr lang="ko-KR" altLang="en-US" sz="1600" dirty="0" smtClean="0">
+                <a:solidFill>
+                  <a:srgbClr val="4D4D4F"/>
+                </a:solidFill>
+                <a:latin typeface="a고딕15" panose="02020600000000000000" pitchFamily="18" charset="-127"/>
+                <a:ea typeface="a고딕15" panose="02020600000000000000" pitchFamily="18" charset="-127"/>
+              </a:rPr>
+              <a:t>교수님도 </a:t>
+            </a:r>
+            <a:r>
+              <a:rPr lang="ko-KR" altLang="en-US" sz="1600" dirty="0" err="1" smtClean="0">
+                <a:solidFill>
+                  <a:srgbClr val="4D4D4F"/>
+                </a:solidFill>
+                <a:latin typeface="a고딕15" panose="02020600000000000000" pitchFamily="18" charset="-127"/>
+                <a:ea typeface="a고딕15" panose="02020600000000000000" pitchFamily="18" charset="-127"/>
+              </a:rPr>
+              <a:t>모를꺼야</a:t>
+            </a:r>
+            <a:r>
+              <a:rPr lang="ko-KR" altLang="en-US" sz="1600" dirty="0" smtClean="0">
+                <a:solidFill>
+                  <a:srgbClr val="4D4D4F"/>
+                </a:solidFill>
+                <a:latin typeface="a고딕15" panose="02020600000000000000" pitchFamily="18" charset="-127"/>
+                <a:ea typeface="a고딕15" panose="02020600000000000000" pitchFamily="18" charset="-127"/>
+              </a:rPr>
+              <a:t> </a:t>
+            </a:r>
+            <a:r>
+              <a:rPr lang="ko-KR" altLang="en-US" sz="1600" dirty="0">
+                <a:solidFill>
+                  <a:srgbClr val="4D4D4F"/>
+                </a:solidFill>
+                <a:latin typeface="a고딕15" panose="02020600000000000000" pitchFamily="18" charset="-127"/>
+                <a:ea typeface="a고딕15" panose="02020600000000000000" pitchFamily="18" charset="-127"/>
+              </a:rPr>
+              <a:t>너</a:t>
+            </a:r>
+            <a:r>
+              <a:rPr lang="ko-KR" altLang="en-US" sz="1600" dirty="0" smtClean="0">
+                <a:solidFill>
+                  <a:srgbClr val="4D4D4F"/>
+                </a:solidFill>
+                <a:latin typeface="a고딕15" panose="02020600000000000000" pitchFamily="18" charset="-127"/>
+                <a:ea typeface="a고딕15" panose="02020600000000000000" pitchFamily="18" charset="-127"/>
+              </a:rPr>
+              <a:t>가 주머니속에서 시간을 체크한다는 사실</a:t>
+            </a:r>
+            <a:endParaRPr lang="en-US" altLang="ko-KR" sz="1600" dirty="0">
+              <a:solidFill>
+                <a:srgbClr val="4D4D4F"/>
+              </a:solidFill>
+              <a:latin typeface="a고딕15" panose="02020600000000000000" pitchFamily="18" charset="-127"/>
+              <a:ea typeface="a고딕15" panose="02020600000000000000" pitchFamily="18" charset="-127"/>
+            </a:endParaRPr>
+          </a:p>
+        </p:txBody>
+      </p:sp>
+      <p:pic>
+        <p:nvPicPr>
+          <p:cNvPr id="3" name="그림 2"/>
+          <p:cNvPicPr>
+            <a:picLocks noChangeAspect="1"/>
+          </p:cNvPicPr>
+          <p:nvPr/>
+        </p:nvPicPr>
+        <p:blipFill>
+          <a:blip r:embed="rId2" cstate="print">
+            <a:extLst>
+              <a:ext uri="{28A0092B-C50C-407E-A947-70E740481C1C}">
+                <a14:useLocalDpi xmlns:a14="http://schemas.microsoft.com/office/drawing/2010/main" val="0"/>
+              </a:ext>
+            </a:extLst>
+          </a:blip>
+          <a:stretch>
+            <a:fillRect/>
+          </a:stretch>
+        </p:blipFill>
+        <p:spPr>
+          <a:xfrm>
+            <a:off x="1373145" y="4350697"/>
+            <a:ext cx="981477" cy="981476"/>
+          </a:xfrm>
+          <a:prstGeom prst="rect">
+            <a:avLst/>
+          </a:prstGeom>
+          <a:effectLst>
+            <a:outerShdw blurRad="50800" dist="38100" dir="2700000" algn="tl" rotWithShape="0">
+              <a:prstClr val="black">
+                <a:alpha val="40000"/>
+              </a:prstClr>
+            </a:outerShdw>
+          </a:effectLst>
+          <a:scene3d>
+            <a:camera prst="obliqueTopLeft"/>
+            <a:lightRig rig="threePt" dir="t"/>
+          </a:scene3d>
+        </p:spPr>
+      </p:pic>
+      <p:pic>
+        <p:nvPicPr>
+          <p:cNvPr id="69" name="그림 68"/>
+          <p:cNvPicPr>
+            <a:picLocks noChangeAspect="1"/>
+          </p:cNvPicPr>
+          <p:nvPr/>
+        </p:nvPicPr>
+        <p:blipFill>
+          <a:blip r:embed="rId3" cstate="print">
+            <a:extLst>
+              <a:ext uri="{28A0092B-C50C-407E-A947-70E740481C1C}">
+                <a14:useLocalDpi xmlns:a14="http://schemas.microsoft.com/office/drawing/2010/main" val="0"/>
+              </a:ext>
+            </a:extLst>
+          </a:blip>
+          <a:stretch>
+            <a:fillRect/>
+          </a:stretch>
+        </p:blipFill>
+        <p:spPr>
+          <a:xfrm>
+            <a:off x="3281320" y="4348471"/>
+            <a:ext cx="983703" cy="983703"/>
+          </a:xfrm>
+          <a:prstGeom prst="rect">
+            <a:avLst/>
+          </a:prstGeom>
+        </p:spPr>
+      </p:pic>
+      <p:sp>
+        <p:nvSpPr>
+          <p:cNvPr id="70" name="덧셈 기호 69"/>
+          <p:cNvSpPr/>
+          <p:nvPr/>
+        </p:nvSpPr>
+        <p:spPr>
+          <a:xfrm>
+            <a:off x="2487568" y="4509921"/>
+            <a:ext cx="660804" cy="660804"/>
+          </a:xfrm>
+          <a:prstGeom prst="mathPlus">
+            <a:avLst>
+              <a:gd name="adj1" fmla="val 14631"/>
+            </a:avLst>
+          </a:prstGeom>
+          <a:solidFill>
+            <a:srgbClr val="575651"/>
+          </a:solidFill>
+          <a:ln>
+            <a:noFill/>
+          </a:ln>
+        </p:spPr>
+        <p:style>
+          <a:lnRef idx="2">
+            <a:schemeClr val="accent1">
+              <a:shade val="50000"/>
+            </a:schemeClr>
+          </a:lnRef>
+          <a:fillRef idx="1">
+            <a:schemeClr val="accent1"/>
+          </a:fillRef>
+          <a:effectRef idx="0">
+            <a:schemeClr val="accent1"/>
+          </a:effectRef>
+          <a:fontRef idx="minor">
+            <a:schemeClr val="lt1"/>
+          </a:fontRef>
+        </p:style>
+        <p:txBody>
+          <a:bodyPr rtlCol="0" anchor="ctr"/>
+          <a:lstStyle/>
+          <a:p>
+            <a:pPr algn="ctr"/>
+            <a:endParaRPr lang="ko-KR" altLang="en-US"/>
+          </a:p>
+        </p:txBody>
+      </p:sp>
+      <p:sp>
+        <p:nvSpPr>
+          <p:cNvPr id="73" name="등호 72"/>
+          <p:cNvSpPr/>
+          <p:nvPr/>
+        </p:nvSpPr>
+        <p:spPr>
+          <a:xfrm>
+            <a:off x="4520528" y="4509921"/>
+            <a:ext cx="660804" cy="660804"/>
+          </a:xfrm>
+          <a:prstGeom prst="mathEqual">
+            <a:avLst/>
+          </a:prstGeom>
+          <a:solidFill>
+            <a:srgbClr val="575651"/>
+          </a:solidFill>
+          <a:ln>
+            <a:noFill/>
+          </a:ln>
+        </p:spPr>
+        <p:style>
+          <a:lnRef idx="2">
+            <a:schemeClr val="accent1">
+              <a:shade val="50000"/>
+            </a:schemeClr>
+          </a:lnRef>
+          <a:fillRef idx="1">
+            <a:schemeClr val="accent1"/>
+          </a:fillRef>
+          <a:effectRef idx="0">
+            <a:schemeClr val="accent1"/>
+          </a:effectRef>
+          <a:fontRef idx="minor">
+            <a:schemeClr val="lt1"/>
+          </a:fontRef>
+        </p:style>
+        <p:txBody>
+          <a:bodyPr rtlCol="0" anchor="ctr"/>
+          <a:lstStyle/>
+          <a:p>
+            <a:pPr algn="ctr"/>
+            <a:endParaRPr lang="ko-KR" altLang="en-US"/>
+          </a:p>
+        </p:txBody>
+      </p:sp>
+      <p:grpSp>
+        <p:nvGrpSpPr>
+          <p:cNvPr id="87" name="그룹 86"/>
+          <p:cNvGrpSpPr/>
+          <p:nvPr/>
+        </p:nvGrpSpPr>
+        <p:grpSpPr>
+          <a:xfrm>
+            <a:off x="5370607" y="4378448"/>
+            <a:ext cx="2365450" cy="1031436"/>
+            <a:chOff x="5559350" y="4170104"/>
+            <a:chExt cx="2365450" cy="1031436"/>
+          </a:xfrm>
+        </p:grpSpPr>
+        <p:sp>
+          <p:nvSpPr>
+            <p:cNvPr id="86" name="직사각형 85"/>
+            <p:cNvSpPr/>
+            <p:nvPr/>
+          </p:nvSpPr>
+          <p:spPr>
+            <a:xfrm>
+              <a:off x="5908264" y="4563918"/>
+              <a:ext cx="1666240" cy="559911"/>
+            </a:xfrm>
+            <a:prstGeom prst="rect">
+              <a:avLst/>
+            </a:prstGeom>
+            <a:noFill/>
+            <a:ln w="25400">
+              <a:solidFill>
+                <a:schemeClr val="tx1">
+                  <a:lumMod val="50000"/>
+                  <a:lumOff val="50000"/>
+                </a:schemeClr>
+              </a:solidFill>
+            </a:ln>
+          </p:spPr>
+          <p:style>
+            <a:lnRef idx="2">
+              <a:schemeClr val="accent1">
+                <a:shade val="50000"/>
+              </a:schemeClr>
+            </a:lnRef>
+            <a:fillRef idx="1">
+              <a:schemeClr val="accent1"/>
+            </a:fillRef>
+            <a:effectRef idx="0">
+              <a:schemeClr val="accent1"/>
+            </a:effectRef>
+            <a:fontRef idx="minor">
+              <a:schemeClr val="lt1"/>
+            </a:fontRef>
+          </p:style>
+          <p:txBody>
+            <a:bodyPr rtlCol="0" anchor="ctr"/>
+            <a:lstStyle/>
+            <a:p>
+              <a:pPr algn="ctr"/>
+              <a:endParaRPr lang="ko-KR" altLang="en-US"/>
+            </a:p>
+          </p:txBody>
+        </p:sp>
+        <p:sp>
+          <p:nvSpPr>
+            <p:cNvPr id="83" name="직사각형 82"/>
+            <p:cNvSpPr/>
+            <p:nvPr/>
+          </p:nvSpPr>
+          <p:spPr>
+            <a:xfrm>
+              <a:off x="5908264" y="4230510"/>
+              <a:ext cx="1666240" cy="463965"/>
+            </a:xfrm>
+            <a:prstGeom prst="rect">
+              <a:avLst/>
+            </a:prstGeom>
+            <a:solidFill>
+              <a:srgbClr val="455A83"/>
+            </a:solidFill>
+            <a:ln w="25400">
+              <a:solidFill>
+                <a:srgbClr val="455A83"/>
+              </a:solidFill>
+            </a:ln>
+          </p:spPr>
+          <p:style>
+            <a:lnRef idx="2">
+              <a:schemeClr val="accent1">
+                <a:shade val="50000"/>
+              </a:schemeClr>
+            </a:lnRef>
+            <a:fillRef idx="1">
+              <a:schemeClr val="accent1"/>
+            </a:fillRef>
+            <a:effectRef idx="0">
+              <a:schemeClr val="accent1"/>
+            </a:effectRef>
+            <a:fontRef idx="minor">
+              <a:schemeClr val="lt1"/>
+            </a:fontRef>
+          </p:style>
+          <p:txBody>
+            <a:bodyPr rtlCol="0" anchor="ctr"/>
+            <a:lstStyle/>
+            <a:p>
+              <a:pPr algn="ctr"/>
+              <a:endParaRPr lang="ko-KR" altLang="en-US"/>
+            </a:p>
+          </p:txBody>
+        </p:sp>
+        <p:sp>
+          <p:nvSpPr>
+            <p:cNvPr id="82" name="TextBox 81"/>
+            <p:cNvSpPr txBox="1"/>
+            <p:nvPr/>
+          </p:nvSpPr>
+          <p:spPr>
+            <a:xfrm>
+              <a:off x="6003237" y="4170104"/>
+              <a:ext cx="1466514" cy="584775"/>
+            </a:xfrm>
+            <a:prstGeom prst="rect">
+              <a:avLst/>
+            </a:prstGeom>
+            <a:noFill/>
+            <a:scene3d>
+              <a:camera prst="obliqueTopLeft"/>
+              <a:lightRig rig="threePt" dir="t"/>
+            </a:scene3d>
+          </p:spPr>
+          <p:txBody>
+            <a:bodyPr wrap="square" rtlCol="0">
+              <a:spAutoFit/>
+            </a:bodyPr>
+            <a:lstStyle/>
+            <a:p>
+              <a:pPr algn="ctr"/>
+              <a:r>
+                <a:rPr lang="en-US" altLang="ko-KR" sz="3200" dirty="0" smtClean="0">
+                  <a:solidFill>
+                    <a:schemeClr val="bg1"/>
+                  </a:solidFill>
+                  <a:latin typeface="a고딕15" panose="02020600000000000000" pitchFamily="18" charset="-127"/>
+                  <a:ea typeface="a고딕15" panose="02020600000000000000" pitchFamily="18" charset="-127"/>
+                </a:rPr>
+                <a:t>T I M E</a:t>
+              </a:r>
+              <a:endParaRPr lang="en-US" altLang="ko-KR" sz="3200" dirty="0">
+                <a:solidFill>
+                  <a:schemeClr val="bg1"/>
+                </a:solidFill>
+                <a:latin typeface="a고딕15" panose="02020600000000000000" pitchFamily="18" charset="-127"/>
+                <a:ea typeface="a고딕15" panose="02020600000000000000" pitchFamily="18" charset="-127"/>
+              </a:endParaRPr>
+            </a:p>
+          </p:txBody>
+        </p:sp>
+        <p:sp>
+          <p:nvSpPr>
+            <p:cNvPr id="81" name="TextBox 80"/>
+            <p:cNvSpPr txBox="1"/>
+            <p:nvPr/>
+          </p:nvSpPr>
+          <p:spPr>
+            <a:xfrm>
+              <a:off x="5559350" y="4616765"/>
+              <a:ext cx="2365450" cy="584775"/>
+            </a:xfrm>
+            <a:prstGeom prst="rect">
+              <a:avLst/>
+            </a:prstGeom>
+            <a:noFill/>
+            <a:scene3d>
+              <a:camera prst="obliqueTopLeft"/>
+              <a:lightRig rig="threePt" dir="t"/>
+            </a:scene3d>
+          </p:spPr>
+          <p:txBody>
+            <a:bodyPr wrap="square" rtlCol="0">
+              <a:spAutoFit/>
+            </a:bodyPr>
+            <a:lstStyle/>
+            <a:p>
+              <a:pPr algn="ctr"/>
+              <a:r>
+                <a:rPr lang="en-US" altLang="ko-KR" sz="3200" dirty="0" smtClean="0">
+                  <a:solidFill>
+                    <a:srgbClr val="4D4D4F"/>
+                  </a:solidFill>
+                  <a:latin typeface="a고딕15" panose="02020600000000000000" pitchFamily="18" charset="-127"/>
+                  <a:ea typeface="a고딕15" panose="02020600000000000000" pitchFamily="18" charset="-127"/>
+                </a:rPr>
+                <a:t>MASTER</a:t>
+              </a:r>
+              <a:endParaRPr lang="en-US" altLang="ko-KR" sz="3200" dirty="0">
+                <a:solidFill>
+                  <a:srgbClr val="4D4D4F"/>
+                </a:solidFill>
+                <a:latin typeface="a고딕15" panose="02020600000000000000" pitchFamily="18" charset="-127"/>
+                <a:ea typeface="a고딕15" panose="02020600000000000000" pitchFamily="18" charset="-127"/>
+              </a:endParaRPr>
+            </a:p>
+          </p:txBody>
+        </p:sp>
+      </p:grpSp>
+      <p:sp>
+        <p:nvSpPr>
+          <p:cNvPr id="31" name="모서리가 둥근 직사각형 30"/>
+          <p:cNvSpPr/>
+          <p:nvPr/>
+        </p:nvSpPr>
+        <p:spPr>
+          <a:xfrm>
+            <a:off x="3836937" y="2441408"/>
+            <a:ext cx="1470126" cy="325045"/>
+          </a:xfrm>
+          <a:prstGeom prst="roundRect">
+            <a:avLst/>
+          </a:prstGeom>
+          <a:solidFill>
+            <a:srgbClr val="455A83"/>
+          </a:solidFill>
+          <a:ln>
+            <a:noFill/>
+          </a:ln>
+        </p:spPr>
+        <p:style>
+          <a:lnRef idx="2">
+            <a:schemeClr val="accent1">
+              <a:shade val="50000"/>
+            </a:schemeClr>
+          </a:lnRef>
+          <a:fillRef idx="1">
+            <a:schemeClr val="accent1"/>
+          </a:fillRef>
+          <a:effectRef idx="0">
+            <a:schemeClr val="accent1"/>
+          </a:effectRef>
+          <a:fontRef idx="minor">
+            <a:schemeClr val="lt1"/>
+          </a:fontRef>
+        </p:style>
+        <p:txBody>
+          <a:bodyPr rot="0" spcFirstLastPara="0" vertOverflow="overflow" horzOverflow="overflow" vert="horz" wrap="square" lIns="91440" tIns="45720" rIns="91440" bIns="45720" numCol="1" spcCol="0" rtlCol="0" fromWordArt="0" anchor="ctr" anchorCtr="0" forceAA="0" compatLnSpc="1">
+            <a:prstTxWarp prst="textNoShape">
+              <a:avLst/>
+            </a:prstTxWarp>
+            <a:noAutofit/>
+          </a:bodyPr>
+          <a:lstStyle/>
+          <a:p>
+            <a:pPr algn="ctr"/>
+            <a:endParaRPr lang="ko-KR" altLang="en-US"/>
+          </a:p>
+        </p:txBody>
+      </p:sp>
+      <p:sp>
+        <p:nvSpPr>
+          <p:cNvPr id="32" name="TextBox 31"/>
+          <p:cNvSpPr txBox="1"/>
+          <p:nvPr/>
+        </p:nvSpPr>
+        <p:spPr>
+          <a:xfrm>
+            <a:off x="3835260" y="2408354"/>
+            <a:ext cx="1473480" cy="369332"/>
+          </a:xfrm>
+          <a:prstGeom prst="rect">
+            <a:avLst/>
+          </a:prstGeom>
+          <a:noFill/>
+          <a:scene3d>
+            <a:camera prst="obliqueTopLeft"/>
+            <a:lightRig rig="threePt" dir="t"/>
+          </a:scene3d>
+        </p:spPr>
+        <p:txBody>
+          <a:bodyPr wrap="none" rtlCol="0">
+            <a:spAutoFit/>
+          </a:bodyPr>
+          <a:lstStyle/>
+          <a:p>
+            <a:pPr algn="ctr"/>
+            <a:r>
+              <a:rPr lang="ko-KR" altLang="en-US" dirty="0" smtClean="0">
+                <a:solidFill>
+                  <a:schemeClr val="bg1"/>
+                </a:solidFill>
+                <a:latin typeface="a고딕15" panose="02020600000000000000" pitchFamily="18" charset="-127"/>
+                <a:ea typeface="a고딕15" panose="02020600000000000000" pitchFamily="18" charset="-127"/>
+              </a:rPr>
+              <a:t>폰을 활용한다</a:t>
+            </a:r>
+            <a:endParaRPr lang="en-US" altLang="ko-KR" dirty="0" smtClean="0">
+              <a:solidFill>
+                <a:schemeClr val="bg1"/>
+              </a:solidFill>
+              <a:latin typeface="a고딕15" panose="02020600000000000000" pitchFamily="18" charset="-127"/>
+              <a:ea typeface="a고딕15" panose="02020600000000000000" pitchFamily="18" charset="-127"/>
+            </a:endParaRPr>
+          </a:p>
+        </p:txBody>
+      </p:sp>
+      <p:sp>
+        <p:nvSpPr>
+          <p:cNvPr id="34" name="직사각형 33"/>
+          <p:cNvSpPr/>
+          <p:nvPr/>
+        </p:nvSpPr>
+        <p:spPr>
+          <a:xfrm>
+            <a:off x="-1310607" y="2406528"/>
+            <a:ext cx="920620" cy="261610"/>
+          </a:xfrm>
+          <a:prstGeom prst="rect">
+            <a:avLst/>
+          </a:prstGeom>
+          <a:solidFill>
+            <a:srgbClr val="FDC085"/>
+          </a:solidFill>
+          <a:ln>
+            <a:noFill/>
+          </a:ln>
+        </p:spPr>
+        <p:style>
+          <a:lnRef idx="2">
+            <a:schemeClr val="accent1">
+              <a:shade val="50000"/>
+            </a:schemeClr>
+          </a:lnRef>
+          <a:fillRef idx="1">
+            <a:schemeClr val="accent1"/>
+          </a:fillRef>
+          <a:effectRef idx="0">
+            <a:schemeClr val="accent1"/>
+          </a:effectRef>
+          <a:fontRef idx="minor">
+            <a:schemeClr val="lt1"/>
+          </a:fontRef>
+        </p:style>
+        <p:txBody>
+          <a:bodyPr rtlCol="0" anchor="ctr"/>
+          <a:lstStyle/>
+          <a:p>
+            <a:pPr algn="ctr"/>
+            <a:endParaRPr lang="ko-KR" altLang="en-US"/>
+          </a:p>
+        </p:txBody>
+      </p:sp>
+      <p:sp>
+        <p:nvSpPr>
+          <p:cNvPr id="35" name="직사각형 34"/>
+          <p:cNvSpPr/>
+          <p:nvPr/>
+        </p:nvSpPr>
+        <p:spPr>
+          <a:xfrm>
+            <a:off x="-1310607" y="2668138"/>
+            <a:ext cx="920620" cy="261610"/>
+          </a:xfrm>
+          <a:prstGeom prst="rect">
+            <a:avLst/>
+          </a:prstGeom>
+          <a:solidFill>
+            <a:srgbClr val="EA426C"/>
+          </a:solidFill>
+          <a:ln>
+            <a:noFill/>
+          </a:ln>
+        </p:spPr>
+        <p:style>
+          <a:lnRef idx="2">
+            <a:schemeClr val="accent1">
+              <a:shade val="50000"/>
+            </a:schemeClr>
+          </a:lnRef>
+          <a:fillRef idx="1">
+            <a:schemeClr val="accent1"/>
+          </a:fillRef>
+          <a:effectRef idx="0">
+            <a:schemeClr val="accent1"/>
+          </a:effectRef>
+          <a:fontRef idx="minor">
+            <a:schemeClr val="lt1"/>
+          </a:fontRef>
+        </p:style>
+        <p:txBody>
+          <a:bodyPr rtlCol="0" anchor="ctr"/>
+          <a:lstStyle/>
+          <a:p>
+            <a:pPr algn="ctr"/>
+            <a:endParaRPr lang="ko-KR" altLang="en-US"/>
+          </a:p>
+        </p:txBody>
+      </p:sp>
+      <p:sp>
+        <p:nvSpPr>
+          <p:cNvPr id="38" name="직사각형 37"/>
+          <p:cNvSpPr/>
+          <p:nvPr/>
+        </p:nvSpPr>
+        <p:spPr>
+          <a:xfrm>
+            <a:off x="-1310607" y="2929748"/>
+            <a:ext cx="920620" cy="261610"/>
+          </a:xfrm>
+          <a:prstGeom prst="rect">
+            <a:avLst/>
+          </a:prstGeom>
+          <a:solidFill>
+            <a:srgbClr val="F86666"/>
+          </a:solidFill>
+          <a:ln>
+            <a:noFill/>
+          </a:ln>
+        </p:spPr>
+        <p:style>
+          <a:lnRef idx="2">
+            <a:schemeClr val="accent1">
+              <a:shade val="50000"/>
+            </a:schemeClr>
+          </a:lnRef>
+          <a:fillRef idx="1">
+            <a:schemeClr val="accent1"/>
+          </a:fillRef>
+          <a:effectRef idx="0">
+            <a:schemeClr val="accent1"/>
+          </a:effectRef>
+          <a:fontRef idx="minor">
+            <a:schemeClr val="lt1"/>
+          </a:fontRef>
+        </p:style>
+        <p:txBody>
+          <a:bodyPr rtlCol="0" anchor="ctr"/>
+          <a:lstStyle/>
+          <a:p>
+            <a:pPr algn="ctr"/>
+            <a:endParaRPr lang="ko-KR" altLang="en-US"/>
+          </a:p>
+        </p:txBody>
+      </p:sp>
+      <p:sp>
+        <p:nvSpPr>
+          <p:cNvPr id="39" name="직사각형 38"/>
+          <p:cNvSpPr/>
+          <p:nvPr/>
+        </p:nvSpPr>
+        <p:spPr>
+          <a:xfrm>
+            <a:off x="-1310607" y="3169919"/>
+            <a:ext cx="920620" cy="261610"/>
+          </a:xfrm>
+          <a:prstGeom prst="rect">
+            <a:avLst/>
+          </a:prstGeom>
+          <a:solidFill>
+            <a:srgbClr val="7BC4CD"/>
+          </a:solidFill>
+          <a:ln>
+            <a:noFill/>
+          </a:ln>
+        </p:spPr>
+        <p:style>
+          <a:lnRef idx="2">
+            <a:schemeClr val="accent1">
+              <a:shade val="50000"/>
+            </a:schemeClr>
+          </a:lnRef>
+          <a:fillRef idx="1">
+            <a:schemeClr val="accent1"/>
+          </a:fillRef>
+          <a:effectRef idx="0">
+            <a:schemeClr val="accent1"/>
+          </a:effectRef>
+          <a:fontRef idx="minor">
+            <a:schemeClr val="lt1"/>
+          </a:fontRef>
+        </p:style>
+        <p:txBody>
+          <a:bodyPr rtlCol="0" anchor="ctr"/>
+          <a:lstStyle/>
+          <a:p>
+            <a:pPr algn="ctr"/>
+            <a:endParaRPr lang="ko-KR" altLang="en-US"/>
+          </a:p>
+        </p:txBody>
+      </p:sp>
+      <p:sp>
+        <p:nvSpPr>
+          <p:cNvPr id="40" name="직사각형 39"/>
+          <p:cNvSpPr/>
+          <p:nvPr/>
+        </p:nvSpPr>
+        <p:spPr>
+          <a:xfrm>
+            <a:off x="-1310607" y="3413725"/>
+            <a:ext cx="920620" cy="261610"/>
+          </a:xfrm>
+          <a:prstGeom prst="rect">
+            <a:avLst/>
+          </a:prstGeom>
+          <a:solidFill>
+            <a:srgbClr val="455A83"/>
+          </a:solidFill>
+          <a:ln>
+            <a:noFill/>
+          </a:ln>
+        </p:spPr>
+        <p:style>
+          <a:lnRef idx="2">
+            <a:schemeClr val="accent1">
+              <a:shade val="50000"/>
+            </a:schemeClr>
+          </a:lnRef>
+          <a:fillRef idx="1">
+            <a:schemeClr val="accent1"/>
+          </a:fillRef>
+          <a:effectRef idx="0">
+            <a:schemeClr val="accent1"/>
+          </a:effectRef>
+          <a:fontRef idx="minor">
+            <a:schemeClr val="lt1"/>
+          </a:fontRef>
+        </p:style>
+        <p:txBody>
+          <a:bodyPr rtlCol="0" anchor="ctr"/>
+          <a:lstStyle/>
+          <a:p>
+            <a:pPr algn="ctr"/>
+            <a:endParaRPr lang="ko-KR" altLang="en-US"/>
+          </a:p>
+        </p:txBody>
+      </p:sp>
+    </p:spTree>
+    <p:extLst>
+      <p:ext uri="{BB962C8B-B14F-4D97-AF65-F5344CB8AC3E}">
+        <p14:creationId xmlns:p14="http://schemas.microsoft.com/office/powerpoint/2010/main" val="1742088984"/>
+      </p:ext>
+    </p:extLst>
+  </p:cSld>
+  <p:clrMapOvr>
+    <a:masterClrMapping/>
+  </p:clrMapOvr>
+  <p:timing>
+    <p:tnLst>
+      <p:par>
+        <p:cTn id="1" dur="indefinite" restart="never" nodeType="tmRoot"/>
+      </p:par>
+    </p:tnLst>
+  </p:timing>
+</p:sld>
+</file>
+
+<file path=ppt/slides/slide14.xml><?xml version="1.0" encoding="utf-8"?>
+<p:sld xmlns:a="http://schemas.openxmlformats.org/drawingml/2006/main" xmlns:r="http://schemas.openxmlformats.org/officeDocument/2006/relationships" xmlns:p="http://schemas.openxmlformats.org/presentationml/2006/main">
+  <p:cSld>
+    <p:bg>
+      <p:bgPr>
+        <a:solidFill>
+          <a:srgbClr val="FEFAEF"/>
+        </a:solidFill>
+        <a:effectLst/>
+      </p:bgPr>
+    </p:bg>
+    <p:spTree>
+      <p:nvGrpSpPr>
+        <p:cNvPr id="1" name=""/>
+        <p:cNvGrpSpPr/>
+        <p:nvPr/>
+      </p:nvGrpSpPr>
+      <p:grpSpPr>
+        <a:xfrm>
+          <a:off x="0" y="0"/>
+          <a:ext cx="0" cy="0"/>
+          <a:chOff x="0" y="0"/>
+          <a:chExt cx="0" cy="0"/>
+        </a:xfrm>
+      </p:grpSpPr>
+      <p:sp>
+        <p:nvSpPr>
+          <p:cNvPr id="13" name="TextBox 12"/>
+          <p:cNvSpPr txBox="1"/>
+          <p:nvPr/>
+        </p:nvSpPr>
+        <p:spPr>
+          <a:xfrm>
+            <a:off x="53768" y="60304"/>
             <a:ext cx="834011" cy="338554"/>
           </a:xfrm>
           <a:prstGeom prst="rect">
@@ -10387,7 +15035,7 @@
 </p:sld>
 </file>
 
-<file path=ppt/slides/slide11.xml><?xml version="1.0" encoding="utf-8"?>
+<file path=ppt/slides/slide15.xml><?xml version="1.0" encoding="utf-8"?>
 <p:sld xmlns:a="http://schemas.openxmlformats.org/drawingml/2006/main" xmlns:r="http://schemas.openxmlformats.org/officeDocument/2006/relationships" xmlns:p="http://schemas.openxmlformats.org/presentationml/2006/main">
   <p:cSld>
     <p:bg>
@@ -12854,8 +17502,8 @@
         </p:nvSpPr>
         <p:spPr>
           <a:xfrm>
-            <a:off x="2914992" y="1957041"/>
-            <a:ext cx="3943935" cy="307777"/>
+            <a:off x="2874352" y="2114950"/>
+            <a:ext cx="3943935" cy="338554"/>
           </a:xfrm>
           <a:prstGeom prst="rect">
             <a:avLst/>
@@ -12873,13 +17521,13 @@
           <a:lstStyle/>
           <a:p>
             <a:r>
-              <a:rPr lang="en-US" altLang="ko-KR" sz="1400" spc="450" dirty="0" smtClean="0">
+              <a:rPr lang="en-US" altLang="ko-KR" sz="1600" spc="450" dirty="0" smtClean="0">
                 <a:latin typeface="나눔스퀘어 Light" panose="020B0600000101010101" pitchFamily="50" charset="-127"/>
                 <a:ea typeface="나눔스퀘어 Light" panose="020B0600000101010101" pitchFamily="50" charset="-127"/>
               </a:rPr>
               <a:t>01</a:t>
             </a:r>
-            <a:endParaRPr lang="ko-KR" altLang="en-US" sz="1400" spc="450" dirty="0" smtClean="0">
+            <a:endParaRPr lang="ko-KR" altLang="en-US" sz="1600" spc="450" dirty="0" smtClean="0">
               <a:latin typeface="나눔스퀘어 Light" panose="020B0600000101010101" pitchFamily="50" charset="-127"/>
               <a:ea typeface="나눔스퀘어 Light" panose="020B0600000101010101" pitchFamily="50" charset="-127"/>
             </a:endParaRPr>
@@ -12894,8 +17542,8 @@
         </p:nvSpPr>
         <p:spPr>
           <a:xfrm>
-            <a:off x="3668687" y="1957041"/>
-            <a:ext cx="3190240" cy="307777"/>
+            <a:off x="3628047" y="2114950"/>
+            <a:ext cx="3190240" cy="338554"/>
           </a:xfrm>
           <a:prstGeom prst="rect">
             <a:avLst/>
@@ -12913,7 +17561,7 @@
           <a:lstStyle/>
           <a:p>
             <a:r>
-              <a:rPr lang="ko-KR" altLang="en-US" sz="1400" spc="450" dirty="0" smtClean="0">
+              <a:rPr lang="ko-KR" altLang="en-US" sz="1600" spc="450" dirty="0" smtClean="0">
                 <a:latin typeface="나눔스퀘어 Light" panose="020B0600000101010101" pitchFamily="50" charset="-127"/>
                 <a:ea typeface="나눔스퀘어 Light" panose="020B0600000101010101" pitchFamily="50" charset="-127"/>
               </a:rPr>
@@ -12930,8 +17578,8 @@
         </p:nvSpPr>
         <p:spPr>
           <a:xfrm>
-            <a:off x="2914992" y="2534672"/>
-            <a:ext cx="3943935" cy="307777"/>
+            <a:off x="2874352" y="2778478"/>
+            <a:ext cx="3943935" cy="338554"/>
           </a:xfrm>
           <a:prstGeom prst="rect">
             <a:avLst/>
@@ -12949,13 +17597,13 @@
           <a:lstStyle/>
           <a:p>
             <a:r>
-              <a:rPr lang="en-US" altLang="ko-KR" sz="1400" spc="450" dirty="0" smtClean="0">
+              <a:rPr lang="en-US" altLang="ko-KR" sz="1600" spc="450" dirty="0" smtClean="0">
                 <a:latin typeface="나눔스퀘어 Light" panose="020B0600000101010101" pitchFamily="50" charset="-127"/>
                 <a:ea typeface="나눔스퀘어 Light" panose="020B0600000101010101" pitchFamily="50" charset="-127"/>
               </a:rPr>
               <a:t>02</a:t>
             </a:r>
-            <a:endParaRPr lang="ko-KR" altLang="en-US" sz="1400" spc="450" dirty="0" smtClean="0">
+            <a:endParaRPr lang="ko-KR" altLang="en-US" sz="1600" spc="450" dirty="0" smtClean="0">
               <a:latin typeface="나눔스퀘어 Light" panose="020B0600000101010101" pitchFamily="50" charset="-127"/>
               <a:ea typeface="나눔스퀘어 Light" panose="020B0600000101010101" pitchFamily="50" charset="-127"/>
             </a:endParaRPr>
@@ -12970,8 +17618,8 @@
         </p:nvSpPr>
         <p:spPr>
           <a:xfrm>
-            <a:off x="3668687" y="2515841"/>
-            <a:ext cx="3190240" cy="307777"/>
+            <a:off x="3628047" y="2759647"/>
+            <a:ext cx="3190240" cy="338554"/>
           </a:xfrm>
           <a:prstGeom prst="rect">
             <a:avLst/>
@@ -12989,7 +17637,7 @@
           <a:lstStyle/>
           <a:p>
             <a:r>
-              <a:rPr lang="ko-KR" altLang="en-US" sz="1400" spc="450" dirty="0" smtClean="0">
+              <a:rPr lang="ko-KR" altLang="en-US" sz="1600" spc="450" dirty="0" smtClean="0">
                 <a:latin typeface="나눔스퀘어 Light" panose="020B0600000101010101" pitchFamily="50" charset="-127"/>
                 <a:ea typeface="나눔스퀘어 Light" panose="020B0600000101010101" pitchFamily="50" charset="-127"/>
               </a:rPr>
@@ -13006,8 +17654,8 @@
         </p:nvSpPr>
         <p:spPr>
           <a:xfrm>
-            <a:off x="2914992" y="3112563"/>
-            <a:ext cx="3943935" cy="307777"/>
+            <a:off x="2874352" y="3442006"/>
+            <a:ext cx="3943935" cy="338554"/>
           </a:xfrm>
           <a:prstGeom prst="rect">
             <a:avLst/>
@@ -13025,13 +17673,13 @@
           <a:lstStyle/>
           <a:p>
             <a:r>
-              <a:rPr lang="en-US" altLang="ko-KR" sz="1400" spc="450" dirty="0" smtClean="0">
+              <a:rPr lang="en-US" altLang="ko-KR" sz="1600" spc="450" dirty="0" smtClean="0">
                 <a:latin typeface="나눔스퀘어 Light" panose="020B0600000101010101" pitchFamily="50" charset="-127"/>
                 <a:ea typeface="나눔스퀘어 Light" panose="020B0600000101010101" pitchFamily="50" charset="-127"/>
               </a:rPr>
               <a:t>03</a:t>
             </a:r>
-            <a:endParaRPr lang="ko-KR" altLang="en-US" sz="1400" spc="450" dirty="0" smtClean="0">
+            <a:endParaRPr lang="ko-KR" altLang="en-US" sz="1600" spc="450" dirty="0" smtClean="0">
               <a:latin typeface="나눔스퀘어 Light" panose="020B0600000101010101" pitchFamily="50" charset="-127"/>
               <a:ea typeface="나눔스퀘어 Light" panose="020B0600000101010101" pitchFamily="50" charset="-127"/>
             </a:endParaRPr>
@@ -13046,8 +17694,8 @@
         </p:nvSpPr>
         <p:spPr>
           <a:xfrm>
-            <a:off x="3668687" y="3112563"/>
-            <a:ext cx="3190240" cy="307777"/>
+            <a:off x="3628047" y="3442006"/>
+            <a:ext cx="3190240" cy="338554"/>
           </a:xfrm>
           <a:prstGeom prst="rect">
             <a:avLst/>
@@ -13065,16 +17713,26 @@
           <a:lstStyle/>
           <a:p>
             <a:r>
-              <a:rPr lang="ko-KR" altLang="en-US" sz="1400" spc="450" dirty="0" smtClean="0">
+              <a:rPr lang="ko-KR" altLang="en-US" sz="1600" spc="450" dirty="0" smtClean="0">
                 <a:latin typeface="나눔스퀘어 Light" panose="020B0600000101010101" pitchFamily="50" charset="-127"/>
                 <a:ea typeface="나눔스퀘어 Light" panose="020B0600000101010101" pitchFamily="50" charset="-127"/>
               </a:rPr>
-              <a:t>시스템 설계도</a:t>
-            </a:r>
-            <a:endParaRPr lang="ko-KR" altLang="en-US" sz="1400" spc="450" dirty="0" smtClean="0">
-              <a:latin typeface="나눔스퀘어 Light" panose="020B0600000101010101" pitchFamily="50" charset="-127"/>
-              <a:ea typeface="나눔스퀘어 Light" panose="020B0600000101010101" pitchFamily="50" charset="-127"/>
-            </a:endParaRPr>
+              <a:t>하드웨어</a:t>
+            </a:r>
+            <a:r>
+              <a:rPr lang="ko-KR" altLang="en-US" sz="1600" spc="450" dirty="0" smtClean="0">
+                <a:latin typeface="나눔스퀘어 Light" panose="020B0600000101010101" pitchFamily="50" charset="-127"/>
+                <a:ea typeface="나눔스퀘어 Light" panose="020B0600000101010101" pitchFamily="50" charset="-127"/>
+              </a:rPr>
+              <a:t> </a:t>
+            </a:r>
+            <a:r>
+              <a:rPr lang="ko-KR" altLang="en-US" sz="1600" spc="450" dirty="0" smtClean="0">
+                <a:latin typeface="나눔스퀘어 Light" panose="020B0600000101010101" pitchFamily="50" charset="-127"/>
+                <a:ea typeface="나눔스퀘어 Light" panose="020B0600000101010101" pitchFamily="50" charset="-127"/>
+              </a:rPr>
+              <a:t>설계도</a:t>
+            </a:r>
           </a:p>
         </p:txBody>
       </p:sp>
@@ -13086,8 +17744,8 @@
         </p:nvSpPr>
         <p:spPr>
           <a:xfrm>
-            <a:off x="2914992" y="3690194"/>
-            <a:ext cx="3943935" cy="307777"/>
+            <a:off x="2874352" y="4105534"/>
+            <a:ext cx="3943935" cy="338554"/>
           </a:xfrm>
           <a:prstGeom prst="rect">
             <a:avLst/>
@@ -13105,13 +17763,13 @@
           <a:lstStyle/>
           <a:p>
             <a:r>
-              <a:rPr lang="en-US" altLang="ko-KR" sz="1400" spc="450" dirty="0" smtClean="0">
+              <a:rPr lang="en-US" altLang="ko-KR" sz="1600" spc="450" dirty="0" smtClean="0">
                 <a:latin typeface="나눔스퀘어 Light" panose="020B0600000101010101" pitchFamily="50" charset="-127"/>
                 <a:ea typeface="나눔스퀘어 Light" panose="020B0600000101010101" pitchFamily="50" charset="-127"/>
               </a:rPr>
               <a:t>04</a:t>
             </a:r>
-            <a:endParaRPr lang="ko-KR" altLang="en-US" sz="1400" spc="450" dirty="0" smtClean="0">
+            <a:endParaRPr lang="ko-KR" altLang="en-US" sz="1600" spc="450" dirty="0" smtClean="0">
               <a:latin typeface="나눔스퀘어 Light" panose="020B0600000101010101" pitchFamily="50" charset="-127"/>
               <a:ea typeface="나눔스퀘어 Light" panose="020B0600000101010101" pitchFamily="50" charset="-127"/>
             </a:endParaRPr>
@@ -13126,8 +17784,8 @@
         </p:nvSpPr>
         <p:spPr>
           <a:xfrm>
-            <a:off x="3668687" y="3690194"/>
-            <a:ext cx="3190240" cy="307777"/>
+            <a:off x="3628047" y="4105534"/>
+            <a:ext cx="3190240" cy="338554"/>
           </a:xfrm>
           <a:prstGeom prst="rect">
             <a:avLst/>
@@ -13145,20 +17803,13 @@
           <a:lstStyle/>
           <a:p>
             <a:r>
-              <a:rPr lang="ko-KR" altLang="en-US" sz="1400" spc="450" dirty="0" smtClean="0">
+              <a:rPr lang="ko-KR" altLang="en-US" sz="1600" spc="450" dirty="0" smtClean="0">
                 <a:latin typeface="나눔스퀘어 Light" panose="020B0600000101010101" pitchFamily="50" charset="-127"/>
                 <a:ea typeface="나눔스퀘어 Light" panose="020B0600000101010101" pitchFamily="50" charset="-127"/>
               </a:rPr>
-              <a:t>기술 및 </a:t>
-            </a:r>
-            <a:r>
-              <a:rPr lang="ko-KR" altLang="en-US" sz="1400" spc="450" dirty="0" err="1" smtClean="0">
-                <a:latin typeface="나눔스퀘어 Light" panose="020B0600000101010101" pitchFamily="50" charset="-127"/>
-                <a:ea typeface="나눔스퀘어 Light" panose="020B0600000101010101" pitchFamily="50" charset="-127"/>
-              </a:rPr>
-              <a:t>개발툴</a:t>
-            </a:r>
-            <a:endParaRPr lang="ko-KR" altLang="en-US" sz="1400" spc="450" dirty="0" smtClean="0">
+              <a:t>소프트웨어 설계도</a:t>
+            </a:r>
+            <a:endParaRPr lang="ko-KR" altLang="en-US" sz="1600" spc="450" dirty="0" smtClean="0">
               <a:latin typeface="나눔스퀘어 Light" panose="020B0600000101010101" pitchFamily="50" charset="-127"/>
               <a:ea typeface="나눔스퀘어 Light" panose="020B0600000101010101" pitchFamily="50" charset="-127"/>
             </a:endParaRPr>
@@ -13173,8 +17824,8 @@
         </p:nvSpPr>
         <p:spPr>
           <a:xfrm>
-            <a:off x="2914992" y="4267825"/>
-            <a:ext cx="3943935" cy="307777"/>
+            <a:off x="2874352" y="4769062"/>
+            <a:ext cx="3943935" cy="338554"/>
           </a:xfrm>
           <a:prstGeom prst="rect">
             <a:avLst/>
@@ -13192,13 +17843,13 @@
           <a:lstStyle/>
           <a:p>
             <a:r>
-              <a:rPr lang="en-US" altLang="ko-KR" sz="1400" spc="450" dirty="0" smtClean="0">
+              <a:rPr lang="en-US" altLang="ko-KR" sz="1600" spc="450" dirty="0" smtClean="0">
                 <a:latin typeface="나눔스퀘어 Light" panose="020B0600000101010101" pitchFamily="50" charset="-127"/>
                 <a:ea typeface="나눔스퀘어 Light" panose="020B0600000101010101" pitchFamily="50" charset="-127"/>
               </a:rPr>
               <a:t>05</a:t>
             </a:r>
-            <a:endParaRPr lang="ko-KR" altLang="en-US" sz="1400" spc="450" dirty="0" smtClean="0">
+            <a:endParaRPr lang="ko-KR" altLang="en-US" sz="1600" spc="450" dirty="0" smtClean="0">
               <a:latin typeface="나눔스퀘어 Light" panose="020B0600000101010101" pitchFamily="50" charset="-127"/>
               <a:ea typeface="나눔스퀘어 Light" panose="020B0600000101010101" pitchFamily="50" charset="-127"/>
             </a:endParaRPr>
@@ -13213,8 +17864,8 @@
         </p:nvSpPr>
         <p:spPr>
           <a:xfrm>
-            <a:off x="3668687" y="4267825"/>
-            <a:ext cx="3190240" cy="307777"/>
+            <a:off x="3628047" y="4769062"/>
+            <a:ext cx="3190240" cy="338554"/>
           </a:xfrm>
           <a:prstGeom prst="rect">
             <a:avLst/>
@@ -13232,20 +17883,13 @@
           <a:lstStyle/>
           <a:p>
             <a:r>
-              <a:rPr lang="en-US" altLang="ko-KR" sz="1400" spc="450" dirty="0" smtClean="0">
+              <a:rPr lang="ko-KR" altLang="en-US" sz="1600" spc="450" dirty="0" smtClean="0">
                 <a:latin typeface="나눔스퀘어 Light" panose="020B0600000101010101" pitchFamily="50" charset="-127"/>
                 <a:ea typeface="나눔스퀘어 Light" panose="020B0600000101010101" pitchFamily="50" charset="-127"/>
               </a:rPr>
-              <a:t>UI </a:t>
-            </a:r>
-            <a:r>
-              <a:rPr lang="ko-KR" altLang="en-US" sz="1400" spc="450" dirty="0" err="1" smtClean="0">
-                <a:latin typeface="나눔스퀘어 Light" panose="020B0600000101010101" pitchFamily="50" charset="-127"/>
-                <a:ea typeface="나눔스퀘어 Light" panose="020B0600000101010101" pitchFamily="50" charset="-127"/>
-              </a:rPr>
-              <a:t>프로토타입</a:t>
-            </a:r>
-            <a:endParaRPr lang="ko-KR" altLang="en-US" sz="1400" spc="450" dirty="0" smtClean="0">
+              <a:t>개발 일정</a:t>
+            </a:r>
+            <a:endParaRPr lang="ko-KR" altLang="en-US" sz="1600" spc="450" dirty="0" smtClean="0">
               <a:latin typeface="나눔스퀘어 Light" panose="020B0600000101010101" pitchFamily="50" charset="-127"/>
               <a:ea typeface="나눔스퀘어 Light" panose="020B0600000101010101" pitchFamily="50" charset="-127"/>
             </a:endParaRPr>
@@ -13260,8 +17904,8 @@
         </p:nvSpPr>
         <p:spPr>
           <a:xfrm>
-            <a:off x="2914992" y="4845456"/>
-            <a:ext cx="3943935" cy="307777"/>
+            <a:off x="2874352" y="5432590"/>
+            <a:ext cx="3943935" cy="338554"/>
           </a:xfrm>
           <a:prstGeom prst="rect">
             <a:avLst/>
@@ -13279,13 +17923,13 @@
           <a:lstStyle/>
           <a:p>
             <a:r>
-              <a:rPr lang="en-US" altLang="ko-KR" sz="1400" spc="450" dirty="0" smtClean="0">
+              <a:rPr lang="en-US" altLang="ko-KR" sz="1600" spc="450" dirty="0" smtClean="0">
                 <a:latin typeface="나눔스퀘어 Light" panose="020B0600000101010101" pitchFamily="50" charset="-127"/>
                 <a:ea typeface="나눔스퀘어 Light" panose="020B0600000101010101" pitchFamily="50" charset="-127"/>
               </a:rPr>
               <a:t>06</a:t>
             </a:r>
-            <a:endParaRPr lang="ko-KR" altLang="en-US" sz="1400" spc="450" dirty="0" smtClean="0">
+            <a:endParaRPr lang="ko-KR" altLang="en-US" sz="1600" spc="450" dirty="0" smtClean="0">
               <a:latin typeface="나눔스퀘어 Light" panose="020B0600000101010101" pitchFamily="50" charset="-127"/>
               <a:ea typeface="나눔스퀘어 Light" panose="020B0600000101010101" pitchFamily="50" charset="-127"/>
             </a:endParaRPr>
@@ -13300,8 +17944,8 @@
         </p:nvSpPr>
         <p:spPr>
           <a:xfrm>
-            <a:off x="3668687" y="4845456"/>
-            <a:ext cx="3190240" cy="307777"/>
+            <a:off x="3628047" y="5432590"/>
+            <a:ext cx="3190240" cy="338554"/>
           </a:xfrm>
           <a:prstGeom prst="rect">
             <a:avLst/>
@@ -13319,12 +17963,16 @@
           <a:lstStyle/>
           <a:p>
             <a:r>
-              <a:rPr lang="ko-KR" altLang="en-US" sz="1400" spc="450" dirty="0" smtClean="0">
+              <a:rPr lang="ko-KR" altLang="en-US" sz="1600" spc="450" dirty="0" smtClean="0">
                 <a:latin typeface="나눔스퀘어 Light" panose="020B0600000101010101" pitchFamily="50" charset="-127"/>
                 <a:ea typeface="나눔스퀘어 Light" panose="020B0600000101010101" pitchFamily="50" charset="-127"/>
               </a:rPr>
-              <a:t>개발 일정</a:t>
-            </a:r>
+              <a:t>기대 효과</a:t>
+            </a:r>
+            <a:endParaRPr lang="ko-KR" altLang="en-US" sz="1600" spc="450" dirty="0" smtClean="0">
+              <a:latin typeface="나눔스퀘어 Light" panose="020B0600000101010101" pitchFamily="50" charset="-127"/>
+              <a:ea typeface="나눔스퀘어 Light" panose="020B0600000101010101" pitchFamily="50" charset="-127"/>
+            </a:endParaRPr>
           </a:p>
         </p:txBody>
       </p:sp>
@@ -13381,82 +18029,6 @@
               <a:latin typeface="a고딕19" panose="02020600000000000000" pitchFamily="18" charset="-127"/>
               <a:ea typeface="a고딕19" panose="02020600000000000000" pitchFamily="18" charset="-127"/>
             </a:endParaRPr>
-          </a:p>
-        </p:txBody>
-      </p:sp>
-      <p:sp>
-        <p:nvSpPr>
-          <p:cNvPr id="75" name="TextBox 74"/>
-          <p:cNvSpPr txBox="1"/>
-          <p:nvPr/>
-        </p:nvSpPr>
-        <p:spPr>
-          <a:xfrm>
-            <a:off x="2914992" y="5423087"/>
-            <a:ext cx="3943935" cy="307777"/>
-          </a:xfrm>
-          <a:prstGeom prst="rect">
-            <a:avLst/>
-          </a:prstGeom>
-          <a:noFill/>
-          <a:scene3d>
-            <a:camera prst="obliqueBottomLeft"/>
-            <a:lightRig rig="threePt" dir="t"/>
-          </a:scene3d>
-        </p:spPr>
-        <p:txBody>
-          <a:bodyPr wrap="square" rtlCol="0">
-            <a:spAutoFit/>
-          </a:bodyPr>
-          <a:lstStyle/>
-          <a:p>
-            <a:r>
-              <a:rPr lang="en-US" altLang="ko-KR" sz="1400" spc="450" dirty="0" smtClean="0">
-                <a:latin typeface="나눔스퀘어 Light" panose="020B0600000101010101" pitchFamily="50" charset="-127"/>
-                <a:ea typeface="나눔스퀘어 Light" panose="020B0600000101010101" pitchFamily="50" charset="-127"/>
-              </a:rPr>
-              <a:t>07</a:t>
-            </a:r>
-            <a:endParaRPr lang="ko-KR" altLang="en-US" sz="1400" spc="450" dirty="0" smtClean="0">
-              <a:latin typeface="나눔스퀘어 Light" panose="020B0600000101010101" pitchFamily="50" charset="-127"/>
-              <a:ea typeface="나눔스퀘어 Light" panose="020B0600000101010101" pitchFamily="50" charset="-127"/>
-            </a:endParaRPr>
-          </a:p>
-        </p:txBody>
-      </p:sp>
-      <p:sp>
-        <p:nvSpPr>
-          <p:cNvPr id="76" name="TextBox 75"/>
-          <p:cNvSpPr txBox="1"/>
-          <p:nvPr/>
-        </p:nvSpPr>
-        <p:spPr>
-          <a:xfrm>
-            <a:off x="3668687" y="5423087"/>
-            <a:ext cx="3190240" cy="307777"/>
-          </a:xfrm>
-          <a:prstGeom prst="rect">
-            <a:avLst/>
-          </a:prstGeom>
-          <a:noFill/>
-          <a:scene3d>
-            <a:camera prst="obliqueBottomLeft"/>
-            <a:lightRig rig="threePt" dir="t"/>
-          </a:scene3d>
-        </p:spPr>
-        <p:txBody>
-          <a:bodyPr wrap="square" rtlCol="0">
-            <a:spAutoFit/>
-          </a:bodyPr>
-          <a:lstStyle/>
-          <a:p>
-            <a:r>
-              <a:rPr lang="ko-KR" altLang="en-US" sz="1400" spc="450" dirty="0" smtClean="0">
-                <a:latin typeface="나눔스퀘어 Light" panose="020B0600000101010101" pitchFamily="50" charset="-127"/>
-                <a:ea typeface="나눔스퀘어 Light" panose="020B0600000101010101" pitchFamily="50" charset="-127"/>
-              </a:rPr>
-              <a:t>기대 효과</a:t>
-            </a:r>
           </a:p>
         </p:txBody>
       </p:sp>
@@ -13624,14 +18196,14 @@
       </p:grpSpPr>
       <p:sp>
         <p:nvSpPr>
-          <p:cNvPr id="13" name="TextBox 12"/>
+          <p:cNvPr id="15" name="TextBox 14"/>
           <p:cNvSpPr txBox="1"/>
           <p:nvPr/>
         </p:nvSpPr>
         <p:spPr>
           <a:xfrm>
-            <a:off x="53768" y="60304"/>
-            <a:ext cx="742511" cy="338554"/>
+            <a:off x="0" y="1555884"/>
+            <a:ext cx="9144000" cy="523220"/>
           </a:xfrm>
           <a:prstGeom prst="rect">
             <a:avLst/>
@@ -13643,41 +18215,62 @@
           </a:scene3d>
         </p:spPr>
         <p:txBody>
-          <a:bodyPr wrap="none" rtlCol="0">
+          <a:bodyPr wrap="square" rtlCol="0">
             <a:spAutoFit/>
           </a:bodyPr>
           <a:lstStyle/>
           <a:p>
-            <a:r>
-              <a:rPr lang="en-US" altLang="ko-KR" sz="1600" dirty="0" smtClean="0">
+            <a:pPr algn="ctr"/>
+            <a:r>
+              <a:rPr lang="ko-KR" altLang="en-US" sz="2800" dirty="0" smtClean="0">
                 <a:solidFill>
                   <a:srgbClr val="455A83"/>
                 </a:solidFill>
-                <a:latin typeface="a고딕19" panose="02020600000000000000" pitchFamily="18" charset="-127"/>
+                <a:latin typeface="a고딕13" panose="02020600000000000000" pitchFamily="18" charset="-127"/>
+                <a:ea typeface="a고딕13" panose="02020600000000000000" pitchFamily="18" charset="-127"/>
+              </a:rPr>
+              <a:t>개발 </a:t>
+            </a:r>
+            <a:r>
+              <a:rPr lang="ko-KR" altLang="en-US" sz="2800" dirty="0">
+                <a:solidFill>
+                  <a:srgbClr val="455A83"/>
+                </a:solidFill>
+                <a:latin typeface="a고딕13" panose="02020600000000000000" pitchFamily="18" charset="-127"/>
                 <a:ea typeface="a고딕19" panose="02020600000000000000" pitchFamily="18" charset="-127"/>
               </a:rPr>
-              <a:t>Slide 2</a:t>
-            </a:r>
-            <a:endParaRPr lang="ko-KR" altLang="en-US" sz="1600" dirty="0">
+              <a:t>배경</a:t>
+            </a:r>
+            <a:r>
+              <a:rPr lang="ko-KR" altLang="en-US" sz="2400" dirty="0" smtClean="0">
+                <a:solidFill>
+                  <a:srgbClr val="4D4D4F"/>
+                </a:solidFill>
+                <a:latin typeface="a고딕13" panose="02020600000000000000" pitchFamily="18" charset="-127"/>
+                <a:ea typeface="a고딕13" panose="02020600000000000000" pitchFamily="18" charset="-127"/>
+              </a:rPr>
+              <a:t> 및 목표</a:t>
+            </a:r>
+            <a:endParaRPr lang="ko-KR" altLang="en-US" sz="2400" dirty="0">
               <a:solidFill>
-                <a:srgbClr val="455A83"/>
+                <a:srgbClr val="4D4D4F"/>
               </a:solidFill>
-              <a:latin typeface="a고딕19" panose="02020600000000000000" pitchFamily="18" charset="-127"/>
-              <a:ea typeface="a고딕19" panose="02020600000000000000" pitchFamily="18" charset="-127"/>
+              <a:latin typeface="a고딕13" panose="02020600000000000000" pitchFamily="18" charset="-127"/>
+              <a:ea typeface="a고딕13" panose="02020600000000000000" pitchFamily="18" charset="-127"/>
             </a:endParaRPr>
           </a:p>
         </p:txBody>
       </p:sp>
       <p:sp>
         <p:nvSpPr>
-          <p:cNvPr id="15" name="TextBox 14"/>
+          <p:cNvPr id="13" name="TextBox 12"/>
           <p:cNvSpPr txBox="1"/>
           <p:nvPr/>
         </p:nvSpPr>
         <p:spPr>
           <a:xfrm>
-            <a:off x="0" y="1555884"/>
-            <a:ext cx="9144000" cy="523220"/>
+            <a:off x="53768" y="60304"/>
+            <a:ext cx="742511" cy="338554"/>
           </a:xfrm>
           <a:prstGeom prst="rect">
             <a:avLst/>
@@ -13689,38 +18282,27 @@
           </a:scene3d>
         </p:spPr>
         <p:txBody>
-          <a:bodyPr wrap="square" rtlCol="0">
+          <a:bodyPr wrap="none" rtlCol="0">
             <a:spAutoFit/>
           </a:bodyPr>
           <a:lstStyle/>
           <a:p>
-            <a:pPr algn="ctr"/>
-            <a:r>
-              <a:rPr lang="ko-KR" altLang="en-US" sz="2400" dirty="0" smtClean="0">
-                <a:solidFill>
-                  <a:srgbClr val="4D4D4F"/>
-                </a:solidFill>
-                <a:latin typeface="a고딕13" panose="02020600000000000000" pitchFamily="18" charset="-127"/>
-                <a:ea typeface="a고딕13" panose="02020600000000000000" pitchFamily="18" charset="-127"/>
-              </a:rPr>
-              <a:t>개발 배경 및 </a:t>
-            </a:r>
-            <a:r>
-              <a:rPr lang="ko-KR" altLang="en-US" sz="2800" dirty="0" smtClean="0">
+            <a:r>
+              <a:rPr lang="en-US" altLang="ko-KR" sz="1600" dirty="0" smtClean="0">
                 <a:solidFill>
                   <a:srgbClr val="455A83"/>
                 </a:solidFill>
-                <a:latin typeface="a고딕13" panose="02020600000000000000" pitchFamily="18" charset="-127"/>
+                <a:latin typeface="a고딕19" panose="02020600000000000000" pitchFamily="18" charset="-127"/>
                 <a:ea typeface="a고딕19" panose="02020600000000000000" pitchFamily="18" charset="-127"/>
               </a:rPr>
-              <a:t>목표</a:t>
-            </a:r>
-            <a:endParaRPr lang="ko-KR" altLang="en-US" sz="2400" dirty="0">
+              <a:t>Slide 2</a:t>
+            </a:r>
+            <a:endParaRPr lang="ko-KR" altLang="en-US" sz="1600" dirty="0">
               <a:solidFill>
-                <a:srgbClr val="4D4D4F"/>
+                <a:srgbClr val="455A83"/>
               </a:solidFill>
-              <a:latin typeface="a고딕13" panose="02020600000000000000" pitchFamily="18" charset="-127"/>
-              <a:ea typeface="a고딕13" panose="02020600000000000000" pitchFamily="18" charset="-127"/>
+              <a:latin typeface="a고딕19" panose="02020600000000000000" pitchFamily="18" charset="-127"/>
+              <a:ea typeface="a고딕19" panose="02020600000000000000" pitchFamily="18" charset="-127"/>
             </a:endParaRPr>
           </a:p>
         </p:txBody>
@@ -14056,7 +18638,7 @@
         </p:blipFill>
         <p:spPr>
           <a:xfrm>
-            <a:off x="168958" y="2796068"/>
+            <a:off x="138177" y="2548805"/>
             <a:ext cx="6470476" cy="1037300"/>
           </a:xfrm>
           <a:prstGeom prst="rect">
@@ -14080,7 +18662,7 @@
         </p:blipFill>
         <p:spPr>
           <a:xfrm>
-            <a:off x="2336926" y="4027234"/>
+            <a:off x="2619945" y="3606575"/>
             <a:ext cx="6363530" cy="963517"/>
           </a:xfrm>
           <a:prstGeom prst="rect">
@@ -14112,24 +18694,111 @@
           </a:prstGeom>
         </p:spPr>
       </p:pic>
+      <p:grpSp>
+        <p:nvGrpSpPr>
+          <p:cNvPr id="4" name="그룹 3"/>
+          <p:cNvGrpSpPr/>
+          <p:nvPr/>
+        </p:nvGrpSpPr>
+        <p:grpSpPr>
+          <a:xfrm>
+            <a:off x="53768" y="4486476"/>
+            <a:ext cx="7469021" cy="1522871"/>
+            <a:chOff x="53768" y="4486476"/>
+            <a:chExt cx="7469021" cy="1522871"/>
+          </a:xfrm>
+        </p:grpSpPr>
+        <p:pic>
+          <p:nvPicPr>
+            <p:cNvPr id="37" name="그림 36"/>
+            <p:cNvPicPr>
+              <a:picLocks noChangeAspect="1"/>
+            </p:cNvPicPr>
+            <p:nvPr/>
+          </p:nvPicPr>
+          <p:blipFill>
+            <a:blip r:embed="rId6"/>
+            <a:stretch>
+              <a:fillRect/>
+            </a:stretch>
+          </p:blipFill>
+          <p:spPr>
+            <a:xfrm>
+              <a:off x="53768" y="4486476"/>
+              <a:ext cx="7469021" cy="1522871"/>
+            </a:xfrm>
+            <a:prstGeom prst="rect">
+              <a:avLst/>
+            </a:prstGeom>
+          </p:spPr>
+        </p:pic>
+        <p:sp>
+          <p:nvSpPr>
+            <p:cNvPr id="3" name="직사각형 2"/>
+            <p:cNvSpPr/>
+            <p:nvPr/>
+          </p:nvSpPr>
+          <p:spPr>
+            <a:xfrm>
+              <a:off x="138177" y="4597258"/>
+              <a:ext cx="440943" cy="523382"/>
+            </a:xfrm>
+            <a:prstGeom prst="rect">
+              <a:avLst/>
+            </a:prstGeom>
+            <a:solidFill>
+              <a:schemeClr val="bg1"/>
+            </a:solidFill>
+            <a:ln>
+              <a:solidFill>
+                <a:schemeClr val="bg1"/>
+              </a:solidFill>
+            </a:ln>
+          </p:spPr>
+          <p:style>
+            <a:lnRef idx="2">
+              <a:schemeClr val="accent1">
+                <a:shade val="50000"/>
+              </a:schemeClr>
+            </a:lnRef>
+            <a:fillRef idx="1">
+              <a:schemeClr val="accent1"/>
+            </a:fillRef>
+            <a:effectRef idx="0">
+              <a:schemeClr val="accent1"/>
+            </a:effectRef>
+            <a:fontRef idx="minor">
+              <a:schemeClr val="lt1"/>
+            </a:fontRef>
+          </p:style>
+          <p:txBody>
+            <a:bodyPr rtlCol="0" anchor="ctr"/>
+            <a:lstStyle/>
+            <a:p>
+              <a:pPr algn="ctr"/>
+              <a:endParaRPr lang="ko-KR" altLang="en-US"/>
+            </a:p>
+          </p:txBody>
+        </p:sp>
+      </p:grpSp>
       <p:pic>
         <p:nvPicPr>
-          <p:cNvPr id="37" name="그림 36"/>
+          <p:cNvPr id="2" name="그림 1"/>
           <p:cNvPicPr>
             <a:picLocks noChangeAspect="1"/>
           </p:cNvPicPr>
           <p:nvPr/>
         </p:nvPicPr>
         <p:blipFill>
-          <a:blip r:embed="rId6"/>
+          <a:blip r:embed="rId7"/>
           <a:stretch>
             <a:fillRect/>
           </a:stretch>
         </p:blipFill>
         <p:spPr>
           <a:xfrm>
-            <a:off x="544780" y="4876206"/>
-            <a:ext cx="7469021" cy="1522871"/>
+            <a:off x="2053906" y="5477159"/>
+            <a:ext cx="6929569" cy="1156082"/>
           </a:xfrm>
           <a:prstGeom prst="rect">
             <a:avLst/>
@@ -14271,7 +18940,7 @@
                                           </p:stCondLst>
                                         </p:cTn>
                                         <p:tgtEl>
-                                          <p:spTgt spid="36"/>
+                                          <p:spTgt spid="2"/>
                                         </p:tgtEl>
                                         <p:attrNameLst>
                                           <p:attrName>style.visibility</p:attrName>
@@ -14285,7 +18954,7 @@
                                       <p:cBhvr additive="base">
                                         <p:cTn id="13" dur="500" fill="hold"/>
                                         <p:tgtEl>
-                                          <p:spTgt spid="36"/>
+                                          <p:spTgt spid="2"/>
                                         </p:tgtEl>
                                         <p:attrNameLst>
                                           <p:attrName>ppt_x</p:attrName>
@@ -14308,7 +18977,7 @@
                                       <p:cBhvr additive="base">
                                         <p:cTn id="14" dur="500" fill="hold"/>
                                         <p:tgtEl>
-                                          <p:spTgt spid="36"/>
+                                          <p:spTgt spid="2"/>
                                         </p:tgtEl>
                                         <p:attrNameLst>
                                           <p:attrName>ppt_y</p:attrName>
@@ -14349,7 +19018,7 @@
                             </p:stCondLst>
                             <p:childTnLst>
                               <p:par>
-                                <p:cTn id="17" presetID="2" presetClass="entr" presetSubtype="8" fill="hold" nodeType="clickEffect">
+                                <p:cTn id="17" presetID="2" presetClass="entr" presetSubtype="2" fill="hold" nodeType="clickEffect">
                                   <p:stCondLst>
                                     <p:cond delay="0"/>
                                   </p:stCondLst>
@@ -14362,7 +19031,7 @@
                                           </p:stCondLst>
                                         </p:cTn>
                                         <p:tgtEl>
-                                          <p:spTgt spid="37"/>
+                                          <p:spTgt spid="36"/>
                                         </p:tgtEl>
                                         <p:attrNameLst>
                                           <p:attrName>style.visibility</p:attrName>
@@ -14376,7 +19045,7 @@
                                       <p:cBhvr additive="base">
                                         <p:cTn id="19" dur="500" fill="hold"/>
                                         <p:tgtEl>
-                                          <p:spTgt spid="37"/>
+                                          <p:spTgt spid="36"/>
                                         </p:tgtEl>
                                         <p:attrNameLst>
                                           <p:attrName>ppt_x</p:attrName>
@@ -14385,7 +19054,7 @@
                                       <p:tavLst>
                                         <p:tav tm="0">
                                           <p:val>
-                                            <p:strVal val="0-#ppt_w/2"/>
+                                            <p:strVal val="1+#ppt_w/2"/>
                                           </p:val>
                                         </p:tav>
                                         <p:tav tm="100000">
@@ -14399,7 +19068,7 @@
                                       <p:cBhvr additive="base">
                                         <p:cTn id="20" dur="500" fill="hold"/>
                                         <p:tgtEl>
-                                          <p:spTgt spid="37"/>
+                                          <p:spTgt spid="36"/>
                                         </p:tgtEl>
                                         <p:attrNameLst>
                                           <p:attrName>ppt_y</p:attrName>
@@ -14440,7 +19109,7 @@
                             </p:stCondLst>
                             <p:childTnLst>
                               <p:par>
-                                <p:cTn id="23" presetID="2" presetClass="entr" presetSubtype="2" fill="hold" nodeType="clickEffect">
+                                <p:cTn id="23" presetID="2" presetClass="entr" presetSubtype="8" fill="hold" nodeType="clickEffect">
                                   <p:stCondLst>
                                     <p:cond delay="0"/>
                                   </p:stCondLst>
@@ -14448,6 +19117,97 @@
                                     <p:set>
                                       <p:cBhvr>
                                         <p:cTn id="24" dur="1" fill="hold">
+                                          <p:stCondLst>
+                                            <p:cond delay="0"/>
+                                          </p:stCondLst>
+                                        </p:cTn>
+                                        <p:tgtEl>
+                                          <p:spTgt spid="4"/>
+                                        </p:tgtEl>
+                                        <p:attrNameLst>
+                                          <p:attrName>style.visibility</p:attrName>
+                                        </p:attrNameLst>
+                                      </p:cBhvr>
+                                      <p:to>
+                                        <p:strVal val="visible"/>
+                                      </p:to>
+                                    </p:set>
+                                    <p:anim calcmode="lin" valueType="num">
+                                      <p:cBhvr additive="base">
+                                        <p:cTn id="25" dur="500" fill="hold"/>
+                                        <p:tgtEl>
+                                          <p:spTgt spid="4"/>
+                                        </p:tgtEl>
+                                        <p:attrNameLst>
+                                          <p:attrName>ppt_x</p:attrName>
+                                        </p:attrNameLst>
+                                      </p:cBhvr>
+                                      <p:tavLst>
+                                        <p:tav tm="0">
+                                          <p:val>
+                                            <p:strVal val="0-#ppt_w/2"/>
+                                          </p:val>
+                                        </p:tav>
+                                        <p:tav tm="100000">
+                                          <p:val>
+                                            <p:strVal val="#ppt_x"/>
+                                          </p:val>
+                                        </p:tav>
+                                      </p:tavLst>
+                                    </p:anim>
+                                    <p:anim calcmode="lin" valueType="num">
+                                      <p:cBhvr additive="base">
+                                        <p:cTn id="26" dur="500" fill="hold"/>
+                                        <p:tgtEl>
+                                          <p:spTgt spid="4"/>
+                                        </p:tgtEl>
+                                        <p:attrNameLst>
+                                          <p:attrName>ppt_y</p:attrName>
+                                        </p:attrNameLst>
+                                      </p:cBhvr>
+                                      <p:tavLst>
+                                        <p:tav tm="0">
+                                          <p:val>
+                                            <p:strVal val="#ppt_y"/>
+                                          </p:val>
+                                        </p:tav>
+                                        <p:tav tm="100000">
+                                          <p:val>
+                                            <p:strVal val="#ppt_y"/>
+                                          </p:val>
+                                        </p:tav>
+                                      </p:tavLst>
+                                    </p:anim>
+                                  </p:childTnLst>
+                                </p:cTn>
+                              </p:par>
+                            </p:childTnLst>
+                          </p:cTn>
+                        </p:par>
+                      </p:childTnLst>
+                    </p:cTn>
+                  </p:par>
+                  <p:par>
+                    <p:cTn id="27" fill="hold">
+                      <p:stCondLst>
+                        <p:cond delay="indefinite"/>
+                      </p:stCondLst>
+                      <p:childTnLst>
+                        <p:par>
+                          <p:cTn id="28" fill="hold">
+                            <p:stCondLst>
+                              <p:cond delay="0"/>
+                            </p:stCondLst>
+                            <p:childTnLst>
+                              <p:par>
+                                <p:cTn id="29" presetID="2" presetClass="entr" presetSubtype="2" fill="hold" nodeType="clickEffect">
+                                  <p:stCondLst>
+                                    <p:cond delay="0"/>
+                                  </p:stCondLst>
+                                  <p:childTnLst>
+                                    <p:set>
+                                      <p:cBhvr>
+                                        <p:cTn id="30" dur="1" fill="hold">
                                           <p:stCondLst>
                                             <p:cond delay="0"/>
                                           </p:stCondLst>
@@ -14465,7 +19225,7 @@
                                     </p:set>
                                     <p:anim calcmode="lin" valueType="num">
                                       <p:cBhvr additive="base">
-                                        <p:cTn id="25" dur="500" fill="hold"/>
+                                        <p:cTn id="31" dur="500" fill="hold"/>
                                         <p:tgtEl>
                                           <p:spTgt spid="38"/>
                                         </p:tgtEl>
@@ -14488,7 +19248,7 @@
                                     </p:anim>
                                     <p:anim calcmode="lin" valueType="num">
                                       <p:cBhvr additive="base">
-                                        <p:cTn id="26" dur="500" fill="hold"/>
+                                        <p:cTn id="32" dur="500" fill="hold"/>
                                         <p:tgtEl>
                                           <p:spTgt spid="38"/>
                                         </p:tgtEl>
@@ -14602,15 +19362,18 @@
                 <a:latin typeface="a고딕19" panose="02020600000000000000" pitchFamily="18" charset="-127"/>
                 <a:ea typeface="a고딕19" panose="02020600000000000000" pitchFamily="18" charset="-127"/>
               </a:rPr>
-              <a:t>Slide 2</a:t>
-            </a:r>
-            <a:endParaRPr lang="ko-KR" altLang="en-US" sz="1600" dirty="0">
-              <a:solidFill>
-                <a:srgbClr val="455A83"/>
-              </a:solidFill>
-              <a:latin typeface="a고딕19" panose="02020600000000000000" pitchFamily="18" charset="-127"/>
-              <a:ea typeface="a고딕19" panose="02020600000000000000" pitchFamily="18" charset="-127"/>
-            </a:endParaRPr>
+              <a:t>Slide </a:t>
+            </a:r>
+            <a:r>
+              <a:rPr lang="en-US" altLang="ko-KR" sz="1600" dirty="0" smtClean="0">
+                <a:solidFill>
+                  <a:srgbClr val="455A83"/>
+                </a:solidFill>
+                <a:latin typeface="a고딕19" panose="02020600000000000000" pitchFamily="18" charset="-127"/>
+                <a:ea typeface="a고딕19" panose="02020600000000000000" pitchFamily="18" charset="-127"/>
+              </a:rPr>
+              <a:t>3</a:t>
+            </a:r>
           </a:p>
         </p:txBody>
       </p:sp>
@@ -14642,6 +19405,16 @@
           <a:p>
             <a:pPr algn="ctr"/>
             <a:r>
+              <a:rPr lang="ko-KR" altLang="en-US" sz="2800" dirty="0" smtClean="0">
+                <a:solidFill>
+                  <a:srgbClr val="455A83"/>
+                </a:solidFill>
+                <a:latin typeface="a고딕13" panose="02020600000000000000" pitchFamily="18" charset="-127"/>
+                <a:ea typeface="a고딕13" panose="02020600000000000000" pitchFamily="18" charset="-127"/>
+              </a:rPr>
+              <a:t>개발 배경</a:t>
+            </a:r>
+            <a:r>
               <a:rPr lang="ko-KR" altLang="en-US" sz="2400" dirty="0" smtClean="0">
                 <a:solidFill>
                   <a:srgbClr val="4D4D4F"/>
@@ -14649,17 +19422,7 @@
                 <a:latin typeface="a고딕13" panose="02020600000000000000" pitchFamily="18" charset="-127"/>
                 <a:ea typeface="a고딕13" panose="02020600000000000000" pitchFamily="18" charset="-127"/>
               </a:rPr>
-              <a:t>개발 배경 및 </a:t>
-            </a:r>
-            <a:r>
-              <a:rPr lang="ko-KR" altLang="en-US" sz="2800" dirty="0" smtClean="0">
-                <a:solidFill>
-                  <a:srgbClr val="455A83"/>
-                </a:solidFill>
-                <a:latin typeface="a고딕13" panose="02020600000000000000" pitchFamily="18" charset="-127"/>
-                <a:ea typeface="a고딕19" panose="02020600000000000000" pitchFamily="18" charset="-127"/>
-              </a:rPr>
-              <a:t>목표</a:t>
+              <a:t> 및 목표</a:t>
             </a:r>
             <a:endParaRPr lang="ko-KR" altLang="en-US" sz="2400" dirty="0">
               <a:solidFill>
@@ -15147,13 +19910,6 @@
                 </a:rPr>
                 <a:t>6.5%</a:t>
               </a:r>
-              <a:endParaRPr lang="en-US" altLang="ko-KR" sz="1200" spc="-150" dirty="0" smtClean="0">
-                <a:solidFill>
-                  <a:srgbClr val="455A83"/>
-                </a:solidFill>
-                <a:latin typeface="나눔스퀘어" panose="020B0600000101010101" pitchFamily="50" charset="-127"/>
-                <a:ea typeface="나눔스퀘어" panose="020B0600000101010101" pitchFamily="50" charset="-127"/>
-              </a:endParaRPr>
             </a:p>
           </p:txBody>
         </p:sp>
@@ -15309,13 +20065,6 @@
                 </a:rPr>
                 <a:t>40.4%</a:t>
               </a:r>
-              <a:endParaRPr lang="en-US" altLang="ko-KR" sz="1200" spc="-150" dirty="0" smtClean="0">
-                <a:solidFill>
-                  <a:srgbClr val="92D050"/>
-                </a:solidFill>
-                <a:latin typeface="나눔스퀘어" panose="020B0600000101010101" pitchFamily="50" charset="-127"/>
-                <a:ea typeface="나눔스퀘어" panose="020B0600000101010101" pitchFamily="50" charset="-127"/>
-              </a:endParaRPr>
             </a:p>
           </p:txBody>
         </p:sp>
@@ -15471,13 +20220,6 @@
                 </a:rPr>
                 <a:t>25.6%</a:t>
               </a:r>
-              <a:endParaRPr lang="en-US" altLang="ko-KR" sz="1200" spc="-150" dirty="0" smtClean="0">
-                <a:solidFill>
-                  <a:srgbClr val="7BC4CD"/>
-                </a:solidFill>
-                <a:latin typeface="나눔스퀘어" panose="020B0600000101010101" pitchFamily="50" charset="-127"/>
-                <a:ea typeface="나눔스퀘어" panose="020B0600000101010101" pitchFamily="50" charset="-127"/>
-              </a:endParaRPr>
             </a:p>
           </p:txBody>
         </p:sp>
@@ -15668,13 +20410,6 @@
                 </a:rPr>
                 <a:t>25.9%</a:t>
               </a:r>
-              <a:endParaRPr lang="en-US" altLang="ko-KR" sz="1200" spc="-150" dirty="0" smtClean="0">
-                <a:solidFill>
-                  <a:srgbClr val="F65036"/>
-                </a:solidFill>
-                <a:latin typeface="나눔스퀘어" panose="020B0600000101010101" pitchFamily="50" charset="-127"/>
-                <a:ea typeface="나눔스퀘어" panose="020B0600000101010101" pitchFamily="50" charset="-127"/>
-              </a:endParaRPr>
             </a:p>
           </p:txBody>
         </p:sp>
@@ -16073,7 +20808,17 @@
                 <a:latin typeface="a고딕19" panose="02020600000000000000" pitchFamily="18" charset="-127"/>
                 <a:ea typeface="a고딕19" panose="02020600000000000000" pitchFamily="18" charset="-127"/>
               </a:rPr>
-              <a:t>Slide 2</a:t>
+              <a:t>Slide </a:t>
+            </a:r>
+            <a:r>
+              <a:rPr lang="en-US" altLang="ko-KR" sz="1600" dirty="0" smtClean="0">
+                <a:solidFill>
+                  <a:srgbClr val="455A83"/>
+                </a:solidFill>
+                <a:latin typeface="a고딕19" panose="02020600000000000000" pitchFamily="18" charset="-127"/>
+                <a:ea typeface="a고딕19" panose="02020600000000000000" pitchFamily="18" charset="-127"/>
+              </a:rPr>
+              <a:t>4</a:t>
             </a:r>
             <a:endParaRPr lang="ko-KR" altLang="en-US" sz="1600" dirty="0">
               <a:solidFill>
@@ -18146,7 +22891,7 @@
           <p:nvPr/>
         </p:nvPicPr>
         <p:blipFill>
-          <a:blip r:embed="rId2">
+          <a:blip r:embed="rId3">
             <a:extLst>
               <a:ext uri="{28A0092B-C50C-407E-A947-70E740481C1C}">
                 <a14:useLocalDpi xmlns:a14="http://schemas.microsoft.com/office/drawing/2010/main" val="0"/>
@@ -18246,7 +22991,17 @@
                 <a:latin typeface="a고딕19" panose="02020600000000000000" pitchFamily="18" charset="-127"/>
                 <a:ea typeface="a고딕19" panose="02020600000000000000" pitchFamily="18" charset="-127"/>
               </a:rPr>
-              <a:t>Slide 2</a:t>
+              <a:t>Slide </a:t>
+            </a:r>
+            <a:r>
+              <a:rPr lang="en-US" altLang="ko-KR" sz="1600" dirty="0" smtClean="0">
+                <a:solidFill>
+                  <a:srgbClr val="455A83"/>
+                </a:solidFill>
+                <a:latin typeface="a고딕19" panose="02020600000000000000" pitchFamily="18" charset="-127"/>
+                <a:ea typeface="a고딕19" panose="02020600000000000000" pitchFamily="18" charset="-127"/>
+              </a:rPr>
+              <a:t>5</a:t>
             </a:r>
             <a:endParaRPr lang="ko-KR" altLang="en-US" sz="1600" dirty="0">
               <a:solidFill>
@@ -18786,7 +23541,7 @@
         <p:spPr>
           <a:xfrm>
             <a:off x="2860090" y="4430810"/>
-            <a:ext cx="3407629" cy="583688"/>
+            <a:ext cx="3407629" cy="461665"/>
           </a:xfrm>
           <a:prstGeom prst="rect">
             <a:avLst/>
@@ -18805,16 +23560,6 @@
           <a:p>
             <a:pPr algn="ctr"/>
             <a:r>
-              <a:rPr lang="ko-KR" altLang="en-US" sz="1200" spc="-150" dirty="0" err="1" smtClean="0">
-                <a:solidFill>
-                  <a:schemeClr val="bg1"/>
-                </a:solidFill>
-                <a:latin typeface="나눔스퀘어" panose="020B0600000101010101" pitchFamily="50" charset="-127"/>
-                <a:ea typeface="나눔스퀘어" panose="020B0600000101010101" pitchFamily="50" charset="-127"/>
-              </a:rPr>
-              <a:t>디주얼에서</a:t>
-            </a:r>
-            <a:r>
               <a:rPr lang="ko-KR" altLang="en-US" sz="1200" spc="-150" dirty="0" smtClean="0">
                 <a:solidFill>
                   <a:schemeClr val="bg1"/>
@@ -18822,7 +23567,7 @@
                 <a:latin typeface="나눔스퀘어" panose="020B0600000101010101" pitchFamily="50" charset="-127"/>
                 <a:ea typeface="나눔스퀘어" panose="020B0600000101010101" pitchFamily="50" charset="-127"/>
               </a:rPr>
-              <a:t> 발견된 화석도</a:t>
+              <a:t>신재생 에너지 활용 및 개인간 전력 거래를 통해</a:t>
             </a:r>
             <a:endParaRPr lang="en-US" altLang="ko-KR" sz="1200" spc="-150" dirty="0" smtClean="0">
               <a:solidFill>
@@ -18842,27 +23587,7 @@
                 <a:latin typeface="나눔스퀘어" panose="020B0600000101010101" pitchFamily="50" charset="-127"/>
                 <a:ea typeface="나눔스퀘어" panose="020B0600000101010101" pitchFamily="50" charset="-127"/>
               </a:rPr>
-              <a:t>아직 </a:t>
-            </a:r>
-            <a:r>
-              <a:rPr lang="en-US" altLang="ko-KR" sz="1200" spc="-150" dirty="0" smtClean="0">
-                <a:solidFill>
-                  <a:schemeClr val="bg1"/>
-                </a:solidFill>
-                <a:latin typeface="나눔스퀘어" panose="020B0600000101010101" pitchFamily="50" charset="-127"/>
-                <a:ea typeface="나눔스퀘어" panose="020B0600000101010101" pitchFamily="50" charset="-127"/>
-              </a:rPr>
-              <a:t>20</a:t>
-            </a:r>
-            <a:r>
-              <a:rPr lang="ko-KR" altLang="en-US" sz="1200" spc="-150" dirty="0" err="1" smtClean="0">
-                <a:solidFill>
-                  <a:schemeClr val="bg1"/>
-                </a:solidFill>
-                <a:latin typeface="나눔스퀘어" panose="020B0600000101010101" pitchFamily="50" charset="-127"/>
-                <a:ea typeface="나눔스퀘어" panose="020B0600000101010101" pitchFamily="50" charset="-127"/>
-              </a:rPr>
-              <a:t>대라구요</a:t>
+              <a:t>전력의 시장화</a:t>
             </a:r>
             <a:endParaRPr lang="en-US" altLang="ko-KR" sz="1200" spc="-150" dirty="0" smtClean="0">
               <a:solidFill>
@@ -18872,26 +23597,6 @@
               <a:ea typeface="나눔스퀘어" panose="020B0600000101010101" pitchFamily="50" charset="-127"/>
             </a:endParaRPr>
           </a:p>
-          <a:p>
-            <a:pPr algn="ctr"/>
-            <a:r>
-              <a:rPr lang="ko-KR" altLang="en-US" sz="1200" spc="-150" dirty="0" smtClean="0">
-                <a:solidFill>
-                  <a:schemeClr val="bg1"/>
-                </a:solidFill>
-                <a:latin typeface="나눔스퀘어" panose="020B0600000101010101" pitchFamily="50" charset="-127"/>
-                <a:ea typeface="나눔스퀘어" panose="020B0600000101010101" pitchFamily="50" charset="-127"/>
-              </a:rPr>
-              <a:t>갓 잡아서 아주 신선해요</a:t>
-            </a:r>
-            <a:endParaRPr lang="en-US" altLang="ko-KR" sz="1200" spc="-150" dirty="0" smtClean="0">
-              <a:solidFill>
-                <a:schemeClr val="bg1"/>
-              </a:solidFill>
-              <a:latin typeface="나눔스퀘어" panose="020B0600000101010101" pitchFamily="50" charset="-127"/>
-              <a:ea typeface="나눔스퀘어" panose="020B0600000101010101" pitchFamily="50" charset="-127"/>
-            </a:endParaRPr>
-          </a:p>
         </p:txBody>
       </p:sp>
       <p:sp>
@@ -18903,7 +23608,7 @@
         <p:spPr>
           <a:xfrm>
             <a:off x="2860090" y="4069479"/>
-            <a:ext cx="3407629" cy="361331"/>
+            <a:ext cx="3407629" cy="400110"/>
           </a:xfrm>
           <a:prstGeom prst="rect">
             <a:avLst/>
@@ -18929,7 +23634,7 @@
                 <a:latin typeface="나눔스퀘어 ExtraBold" panose="020B0600000101010101" pitchFamily="50" charset="-127"/>
                 <a:ea typeface="나눔스퀘어 ExtraBold" panose="020B0600000101010101" pitchFamily="50" charset="-127"/>
               </a:rPr>
-              <a:t>2</a:t>
+              <a:t>P2P </a:t>
             </a:r>
             <a:r>
               <a:rPr lang="ko-KR" altLang="en-US" sz="2000" b="1" spc="-150" dirty="0" smtClean="0">
@@ -18939,8 +23644,15 @@
                 <a:latin typeface="나눔스퀘어 ExtraBold" panose="020B0600000101010101" pitchFamily="50" charset="-127"/>
                 <a:ea typeface="나눔스퀘어 ExtraBold" panose="020B0600000101010101" pitchFamily="50" charset="-127"/>
               </a:rPr>
-              <a:t>번입니다</a:t>
-            </a:r>
+              <a:t>전력거래</a:t>
+            </a:r>
+            <a:endParaRPr lang="ko-KR" altLang="en-US" sz="2000" b="1" spc="-150" dirty="0" smtClean="0">
+              <a:solidFill>
+                <a:schemeClr val="bg1"/>
+              </a:solidFill>
+              <a:latin typeface="나눔스퀘어 ExtraBold" panose="020B0600000101010101" pitchFamily="50" charset="-127"/>
+              <a:ea typeface="나눔스퀘어 ExtraBold" panose="020B0600000101010101" pitchFamily="50" charset="-127"/>
+            </a:endParaRPr>
           </a:p>
         </p:txBody>
       </p:sp>
@@ -18953,7 +23665,7 @@
         <p:spPr>
           <a:xfrm>
             <a:off x="5784524" y="4430810"/>
-            <a:ext cx="2667839" cy="416920"/>
+            <a:ext cx="2667839" cy="461665"/>
           </a:xfrm>
           <a:prstGeom prst="rect">
             <a:avLst/>
@@ -18971,6 +23683,151 @@
           <a:lstStyle/>
           <a:p>
             <a:pPr algn="ctr"/>
+            <a:r>
+              <a:rPr lang="ko-KR" altLang="en-US" sz="1200" spc="-150" dirty="0" smtClean="0">
+                <a:solidFill>
+                  <a:schemeClr val="tx1">
+                    <a:lumMod val="75000"/>
+                    <a:lumOff val="25000"/>
+                  </a:schemeClr>
+                </a:solidFill>
+                <a:latin typeface="나눔스퀘어" panose="020B0600000101010101" pitchFamily="50" charset="-127"/>
+                <a:ea typeface="나눔스퀘어" panose="020B0600000101010101" pitchFamily="50" charset="-127"/>
+              </a:rPr>
+              <a:t>전기 예산을 설정하고</a:t>
+            </a:r>
+            <a:endParaRPr lang="en-US" altLang="ko-KR" sz="1200" spc="-150" dirty="0" smtClean="0">
+              <a:solidFill>
+                <a:schemeClr val="tx1">
+                  <a:lumMod val="75000"/>
+                  <a:lumOff val="25000"/>
+                </a:schemeClr>
+              </a:solidFill>
+              <a:latin typeface="나눔스퀘어" panose="020B0600000101010101" pitchFamily="50" charset="-127"/>
+              <a:ea typeface="나눔스퀘어" panose="020B0600000101010101" pitchFamily="50" charset="-127"/>
+            </a:endParaRPr>
+          </a:p>
+          <a:p>
+            <a:pPr algn="ctr"/>
+            <a:r>
+              <a:rPr lang="ko-KR" altLang="en-US" sz="1200" spc="-150" dirty="0" smtClean="0">
+                <a:solidFill>
+                  <a:schemeClr val="tx1">
+                    <a:lumMod val="75000"/>
+                    <a:lumOff val="25000"/>
+                  </a:schemeClr>
+                </a:solidFill>
+                <a:latin typeface="나눔스퀘어" panose="020B0600000101010101" pitchFamily="50" charset="-127"/>
+                <a:ea typeface="나눔스퀘어" panose="020B0600000101010101" pitchFamily="50" charset="-127"/>
+              </a:rPr>
+              <a:t>전기사용량을 확인</a:t>
+            </a:r>
+            <a:endParaRPr lang="en-US" altLang="ko-KR" sz="1200" spc="-150" dirty="0" smtClean="0">
+              <a:solidFill>
+                <a:schemeClr val="tx1">
+                  <a:lumMod val="75000"/>
+                  <a:lumOff val="25000"/>
+                </a:schemeClr>
+              </a:solidFill>
+              <a:latin typeface="나눔스퀘어" panose="020B0600000101010101" pitchFamily="50" charset="-127"/>
+              <a:ea typeface="나눔스퀘어" panose="020B0600000101010101" pitchFamily="50" charset="-127"/>
+            </a:endParaRPr>
+          </a:p>
+        </p:txBody>
+      </p:sp>
+      <p:sp>
+        <p:nvSpPr>
+          <p:cNvPr id="34" name="TextBox 33"/>
+          <p:cNvSpPr txBox="1"/>
+          <p:nvPr/>
+        </p:nvSpPr>
+        <p:spPr>
+          <a:xfrm>
+            <a:off x="5784524" y="4069479"/>
+            <a:ext cx="2667839" cy="400110"/>
+          </a:xfrm>
+          <a:prstGeom prst="rect">
+            <a:avLst/>
+          </a:prstGeom>
+          <a:noFill/>
+          <a:scene3d>
+            <a:camera prst="obliqueBottomLeft"/>
+            <a:lightRig rig="threePt" dir="t"/>
+          </a:scene3d>
+        </p:spPr>
+        <p:txBody>
+          <a:bodyPr wrap="square" rtlCol="0">
+            <a:spAutoFit/>
+          </a:bodyPr>
+          <a:lstStyle/>
+          <a:p>
+            <a:pPr algn="ctr"/>
+            <a:r>
+              <a:rPr lang="ko-KR" altLang="en-US" sz="2000" b="1" spc="-150" dirty="0" smtClean="0">
+                <a:solidFill>
+                  <a:schemeClr val="tx1">
+                    <a:lumMod val="75000"/>
+                    <a:lumOff val="25000"/>
+                  </a:schemeClr>
+                </a:solidFill>
+                <a:latin typeface="나눔스퀘어 ExtraBold" panose="020B0600000101010101" pitchFamily="50" charset="-127"/>
+                <a:ea typeface="나눔스퀘어 ExtraBold" panose="020B0600000101010101" pitchFamily="50" charset="-127"/>
+              </a:rPr>
+              <a:t>전기사용량 확인</a:t>
+            </a:r>
+            <a:endParaRPr lang="ko-KR" altLang="en-US" sz="2000" b="1" spc="-150" dirty="0" smtClean="0">
+              <a:solidFill>
+                <a:schemeClr val="tx1">
+                  <a:lumMod val="75000"/>
+                  <a:lumOff val="25000"/>
+                </a:schemeClr>
+              </a:solidFill>
+              <a:latin typeface="나눔스퀘어 ExtraBold" panose="020B0600000101010101" pitchFamily="50" charset="-127"/>
+              <a:ea typeface="나눔스퀘어 ExtraBold" panose="020B0600000101010101" pitchFamily="50" charset="-127"/>
+            </a:endParaRPr>
+          </a:p>
+        </p:txBody>
+      </p:sp>
+      <p:sp>
+        <p:nvSpPr>
+          <p:cNvPr id="35" name="TextBox 34"/>
+          <p:cNvSpPr txBox="1"/>
+          <p:nvPr/>
+        </p:nvSpPr>
+        <p:spPr>
+          <a:xfrm>
+            <a:off x="691636" y="4430810"/>
+            <a:ext cx="2667839" cy="461665"/>
+          </a:xfrm>
+          <a:prstGeom prst="rect">
+            <a:avLst/>
+          </a:prstGeom>
+          <a:noFill/>
+          <a:scene3d>
+            <a:camera prst="obliqueBottomLeft"/>
+            <a:lightRig rig="threePt" dir="t"/>
+          </a:scene3d>
+        </p:spPr>
+        <p:txBody>
+          <a:bodyPr wrap="square" rtlCol="0">
+            <a:spAutoFit/>
+          </a:bodyPr>
+          <a:lstStyle/>
+          <a:p>
+            <a:pPr algn="ctr"/>
+            <a:r>
+              <a:rPr lang="ko-KR" altLang="en-US" sz="1200" spc="-150" dirty="0" smtClean="0">
+                <a:solidFill>
+                  <a:schemeClr val="tx1">
+                    <a:lumMod val="75000"/>
+                    <a:lumOff val="25000"/>
+                  </a:schemeClr>
+                </a:solidFill>
+                <a:latin typeface="나눔스퀘어" panose="020B0600000101010101" pitchFamily="50" charset="-127"/>
+                <a:ea typeface="나눔스퀘어" panose="020B0600000101010101" pitchFamily="50" charset="-127"/>
+              </a:rPr>
+              <a:t>전자기기 </a:t>
+            </a:r>
             <a:r>
               <a:rPr lang="ko-KR" altLang="en-US" sz="1200" spc="-150" dirty="0" err="1" smtClean="0">
                 <a:solidFill>
@@ -18982,7 +23839,7 @@
                 <a:latin typeface="나눔스퀘어" panose="020B0600000101010101" pitchFamily="50" charset="-127"/>
                 <a:ea typeface="나눔스퀘어" panose="020B0600000101010101" pitchFamily="50" charset="-127"/>
               </a:rPr>
-              <a:t>디주얼에서</a:t>
+              <a:t>커스터마이징</a:t>
             </a:r>
             <a:r>
               <a:rPr lang="ko-KR" altLang="en-US" sz="1200" spc="-150" dirty="0" smtClean="0">
@@ -18995,7 +23852,7 @@
                 <a:latin typeface="나눔스퀘어" panose="020B0600000101010101" pitchFamily="50" charset="-127"/>
                 <a:ea typeface="나눔스퀘어" panose="020B0600000101010101" pitchFamily="50" charset="-127"/>
               </a:rPr>
-              <a:t> 발견된 화석도</a:t>
+              <a:t> 및</a:t>
             </a:r>
             <a:endParaRPr lang="en-US" altLang="ko-KR" sz="1200" spc="-150" dirty="0" smtClean="0">
               <a:solidFill>
@@ -19021,7 +23878,7 @@
                 <a:latin typeface="나눔스퀘어" panose="020B0600000101010101" pitchFamily="50" charset="-127"/>
                 <a:ea typeface="나눔스퀘어" panose="020B0600000101010101" pitchFamily="50" charset="-127"/>
               </a:rPr>
-              <a:t>아직 </a:t>
+              <a:t>전원 </a:t>
             </a:r>
             <a:r>
               <a:rPr lang="en-US" altLang="ko-KR" sz="1200" spc="-150" dirty="0" smtClean="0">
@@ -19034,10 +23891,10 @@
                 <a:latin typeface="나눔스퀘어" panose="020B0600000101010101" pitchFamily="50" charset="-127"/>
                 <a:ea typeface="나눔스퀘어" panose="020B0600000101010101" pitchFamily="50" charset="-127"/>
               </a:rPr>
-              <a:t>20</a:t>
-            </a:r>
-            <a:r>
-              <a:rPr lang="ko-KR" altLang="en-US" sz="1200" spc="-150" dirty="0" err="1" smtClean="0">
+              <a:t>On/Off</a:t>
+            </a:r>
+            <a:r>
+              <a:rPr lang="ko-KR" altLang="en-US" sz="1200" spc="-150" dirty="0" smtClean="0">
                 <a:solidFill>
                   <a:schemeClr val="tx1">
                     <a:lumMod val="75000"/>
@@ -19047,7 +23904,7 @@
                 <a:latin typeface="나눔스퀘어" panose="020B0600000101010101" pitchFamily="50" charset="-127"/>
                 <a:ea typeface="나눔스퀘어" panose="020B0600000101010101" pitchFamily="50" charset="-127"/>
               </a:rPr>
-              <a:t>대라구요</a:t>
+              <a:t>기능 제공</a:t>
             </a:r>
             <a:endParaRPr lang="en-US" altLang="ko-KR" sz="1200" spc="-150" dirty="0" smtClean="0">
               <a:solidFill>
@@ -19064,14 +23921,14 @@
       </p:sp>
       <p:sp>
         <p:nvSpPr>
-          <p:cNvPr id="34" name="TextBox 33"/>
+          <p:cNvPr id="36" name="TextBox 35"/>
           <p:cNvSpPr txBox="1"/>
           <p:nvPr/>
         </p:nvSpPr>
         <p:spPr>
           <a:xfrm>
-            <a:off x="5784524" y="4069479"/>
-            <a:ext cx="2667839" cy="361331"/>
+            <a:off x="691636" y="4069479"/>
+            <a:ext cx="2667839" cy="400110"/>
           </a:xfrm>
           <a:prstGeom prst="rect">
             <a:avLst/>
@@ -19089,19 +23946,6 @@
           <a:lstStyle/>
           <a:p>
             <a:pPr algn="ctr"/>
-            <a:r>
-              <a:rPr lang="en-US" altLang="ko-KR" sz="2000" b="1" spc="-150" dirty="0" smtClean="0">
-                <a:solidFill>
-                  <a:schemeClr val="tx1">
-                    <a:lumMod val="75000"/>
-                    <a:lumOff val="25000"/>
-                  </a:schemeClr>
-                </a:solidFill>
-                <a:latin typeface="나눔스퀘어 ExtraBold" panose="020B0600000101010101" pitchFamily="50" charset="-127"/>
-                <a:ea typeface="나눔스퀘어 ExtraBold" panose="020B0600000101010101" pitchFamily="50" charset="-127"/>
-              </a:rPr>
-              <a:t>3</a:t>
-            </a:r>
             <a:r>
               <a:rPr lang="ko-KR" altLang="en-US" sz="2000" b="1" spc="-150" dirty="0" smtClean="0">
                 <a:solidFill>
@@ -19113,182 +23957,18 @@
                 <a:latin typeface="나눔스퀘어 ExtraBold" panose="020B0600000101010101" pitchFamily="50" charset="-127"/>
                 <a:ea typeface="나눔스퀘어 ExtraBold" panose="020B0600000101010101" pitchFamily="50" charset="-127"/>
               </a:rPr>
-              <a:t>번입니다</a:t>
-            </a:r>
-          </a:p>
-        </p:txBody>
-      </p:sp>
-      <p:sp>
-        <p:nvSpPr>
-          <p:cNvPr id="35" name="TextBox 34"/>
-          <p:cNvSpPr txBox="1"/>
-          <p:nvPr/>
-        </p:nvSpPr>
-        <p:spPr>
-          <a:xfrm>
-            <a:off x="691636" y="4430810"/>
-            <a:ext cx="2667839" cy="416920"/>
-          </a:xfrm>
-          <a:prstGeom prst="rect">
-            <a:avLst/>
-          </a:prstGeom>
-          <a:noFill/>
-          <a:scene3d>
-            <a:camera prst="obliqueBottomLeft"/>
-            <a:lightRig rig="threePt" dir="t"/>
-          </a:scene3d>
-        </p:spPr>
-        <p:txBody>
-          <a:bodyPr wrap="square" rtlCol="0">
-            <a:spAutoFit/>
-          </a:bodyPr>
-          <a:lstStyle/>
-          <a:p>
-            <a:pPr algn="ctr"/>
-            <a:r>
-              <a:rPr lang="ko-KR" altLang="en-US" sz="1200" spc="-150" dirty="0" err="1" smtClean="0">
-                <a:solidFill>
-                  <a:schemeClr val="tx1">
-                    <a:lumMod val="75000"/>
-                    <a:lumOff val="25000"/>
-                  </a:schemeClr>
-                </a:solidFill>
-                <a:latin typeface="나눔스퀘어" panose="020B0600000101010101" pitchFamily="50" charset="-127"/>
-                <a:ea typeface="나눔스퀘어" panose="020B0600000101010101" pitchFamily="50" charset="-127"/>
-              </a:rPr>
-              <a:t>디주얼에서</a:t>
-            </a:r>
-            <a:r>
-              <a:rPr lang="ko-KR" altLang="en-US" sz="1200" spc="-150" dirty="0" smtClean="0">
-                <a:solidFill>
-                  <a:schemeClr val="tx1">
-                    <a:lumMod val="75000"/>
-                    <a:lumOff val="25000"/>
-                  </a:schemeClr>
-                </a:solidFill>
-                <a:latin typeface="나눔스퀘어" panose="020B0600000101010101" pitchFamily="50" charset="-127"/>
-                <a:ea typeface="나눔스퀘어" panose="020B0600000101010101" pitchFamily="50" charset="-127"/>
-              </a:rPr>
-              <a:t> 발견된 화석도</a:t>
-            </a:r>
-            <a:endParaRPr lang="en-US" altLang="ko-KR" sz="1200" spc="-150" dirty="0" smtClean="0">
+              <a:t>원격 전원 제어</a:t>
+            </a:r>
+            <a:endParaRPr lang="ko-KR" altLang="en-US" sz="2000" b="1" spc="-150" dirty="0" smtClean="0">
               <a:solidFill>
                 <a:schemeClr val="tx1">
                   <a:lumMod val="75000"/>
                   <a:lumOff val="25000"/>
                 </a:schemeClr>
               </a:solidFill>
-              <a:latin typeface="나눔스퀘어" panose="020B0600000101010101" pitchFamily="50" charset="-127"/>
-              <a:ea typeface="나눔스퀘어" panose="020B0600000101010101" pitchFamily="50" charset="-127"/>
+              <a:latin typeface="나눔스퀘어 ExtraBold" panose="020B0600000101010101" pitchFamily="50" charset="-127"/>
+              <a:ea typeface="나눔스퀘어 ExtraBold" panose="020B0600000101010101" pitchFamily="50" charset="-127"/>
             </a:endParaRPr>
-          </a:p>
-          <a:p>
-            <a:pPr algn="ctr"/>
-            <a:r>
-              <a:rPr lang="ko-KR" altLang="en-US" sz="1200" spc="-150" dirty="0" smtClean="0">
-                <a:solidFill>
-                  <a:schemeClr val="tx1">
-                    <a:lumMod val="75000"/>
-                    <a:lumOff val="25000"/>
-                  </a:schemeClr>
-                </a:solidFill>
-                <a:latin typeface="나눔스퀘어" panose="020B0600000101010101" pitchFamily="50" charset="-127"/>
-                <a:ea typeface="나눔스퀘어" panose="020B0600000101010101" pitchFamily="50" charset="-127"/>
-              </a:rPr>
-              <a:t>아직 </a:t>
-            </a:r>
-            <a:r>
-              <a:rPr lang="en-US" altLang="ko-KR" sz="1200" spc="-150" dirty="0" smtClean="0">
-                <a:solidFill>
-                  <a:schemeClr val="tx1">
-                    <a:lumMod val="75000"/>
-                    <a:lumOff val="25000"/>
-                  </a:schemeClr>
-                </a:solidFill>
-                <a:latin typeface="나눔스퀘어" panose="020B0600000101010101" pitchFamily="50" charset="-127"/>
-                <a:ea typeface="나눔스퀘어" panose="020B0600000101010101" pitchFamily="50" charset="-127"/>
-              </a:rPr>
-              <a:t>20</a:t>
-            </a:r>
-            <a:r>
-              <a:rPr lang="ko-KR" altLang="en-US" sz="1200" spc="-150" dirty="0" err="1" smtClean="0">
-                <a:solidFill>
-                  <a:schemeClr val="tx1">
-                    <a:lumMod val="75000"/>
-                    <a:lumOff val="25000"/>
-                  </a:schemeClr>
-                </a:solidFill>
-                <a:latin typeface="나눔스퀘어" panose="020B0600000101010101" pitchFamily="50" charset="-127"/>
-                <a:ea typeface="나눔스퀘어" panose="020B0600000101010101" pitchFamily="50" charset="-127"/>
-              </a:rPr>
-              <a:t>대라구요</a:t>
-            </a:r>
-            <a:endParaRPr lang="en-US" altLang="ko-KR" sz="1200" spc="-150" dirty="0" smtClean="0">
-              <a:solidFill>
-                <a:schemeClr val="tx1">
-                  <a:lumMod val="75000"/>
-                  <a:lumOff val="25000"/>
-                </a:schemeClr>
-              </a:solidFill>
-              <a:latin typeface="나눔스퀘어" panose="020B0600000101010101" pitchFamily="50" charset="-127"/>
-              <a:ea typeface="나눔스퀘어" panose="020B0600000101010101" pitchFamily="50" charset="-127"/>
-            </a:endParaRPr>
-          </a:p>
-        </p:txBody>
-      </p:sp>
-      <p:sp>
-        <p:nvSpPr>
-          <p:cNvPr id="36" name="TextBox 35"/>
-          <p:cNvSpPr txBox="1"/>
-          <p:nvPr/>
-        </p:nvSpPr>
-        <p:spPr>
-          <a:xfrm>
-            <a:off x="691636" y="4069479"/>
-            <a:ext cx="2667839" cy="361331"/>
-          </a:xfrm>
-          <a:prstGeom prst="rect">
-            <a:avLst/>
-          </a:prstGeom>
-          <a:noFill/>
-          <a:scene3d>
-            <a:camera prst="obliqueBottomLeft"/>
-            <a:lightRig rig="threePt" dir="t"/>
-          </a:scene3d>
-        </p:spPr>
-        <p:txBody>
-          <a:bodyPr wrap="square" rtlCol="0">
-            <a:spAutoFit/>
-          </a:bodyPr>
-          <a:lstStyle/>
-          <a:p>
-            <a:pPr algn="ctr"/>
-            <a:r>
-              <a:rPr lang="en-US" altLang="ko-KR" sz="2000" b="1" spc="-150" dirty="0" smtClean="0">
-                <a:solidFill>
-                  <a:schemeClr val="tx1">
-                    <a:lumMod val="75000"/>
-                    <a:lumOff val="25000"/>
-                  </a:schemeClr>
-                </a:solidFill>
-                <a:latin typeface="나눔스퀘어 ExtraBold" panose="020B0600000101010101" pitchFamily="50" charset="-127"/>
-                <a:ea typeface="나눔스퀘어 ExtraBold" panose="020B0600000101010101" pitchFamily="50" charset="-127"/>
-              </a:rPr>
-              <a:t>1</a:t>
-            </a:r>
-            <a:r>
-              <a:rPr lang="ko-KR" altLang="en-US" sz="2000" b="1" spc="-150" dirty="0" smtClean="0">
-                <a:solidFill>
-                  <a:schemeClr val="tx1">
-                    <a:lumMod val="75000"/>
-                    <a:lumOff val="25000"/>
-                  </a:schemeClr>
-                </a:solidFill>
-                <a:latin typeface="나눔스퀘어 ExtraBold" panose="020B0600000101010101" pitchFamily="50" charset="-127"/>
-                <a:ea typeface="나눔스퀘어 ExtraBold" panose="020B0600000101010101" pitchFamily="50" charset="-127"/>
-              </a:rPr>
-              <a:t>번입니다</a:t>
-            </a:r>
           </a:p>
         </p:txBody>
       </p:sp>
@@ -19301,7 +23981,7 @@
           <p:nvPr/>
         </p:nvPicPr>
         <p:blipFill>
-          <a:blip r:embed="rId2" cstate="print">
+          <a:blip r:embed="rId3" cstate="print">
             <a:extLst>
               <a:ext uri="{28A0092B-C50C-407E-A947-70E740481C1C}">
                 <a14:useLocalDpi xmlns:a14="http://schemas.microsoft.com/office/drawing/2010/main" val="0"/>
@@ -19475,7 +24155,7 @@
           <p:nvPr/>
         </p:nvPicPr>
         <p:blipFill>
-          <a:blip r:embed="rId3" cstate="print">
+          <a:blip r:embed="rId4" cstate="print">
             <a:extLst>
               <a:ext uri="{28A0092B-C50C-407E-A947-70E740481C1C}">
                 <a14:useLocalDpi xmlns:a14="http://schemas.microsoft.com/office/drawing/2010/main" val="0"/>
@@ -19505,7 +24185,7 @@
           <p:nvPr/>
         </p:nvPicPr>
         <p:blipFill>
-          <a:blip r:embed="rId3" cstate="print">
+          <a:blip r:embed="rId4" cstate="print">
             <a:extLst>
               <a:ext uri="{28A0092B-C50C-407E-A947-70E740481C1C}">
                 <a14:useLocalDpi xmlns:a14="http://schemas.microsoft.com/office/drawing/2010/main" val="0"/>
@@ -19580,7 +24260,7 @@
         <p:spPr>
           <a:xfrm>
             <a:off x="53768" y="60304"/>
-            <a:ext cx="834011" cy="338554"/>
+            <a:ext cx="742511" cy="338554"/>
           </a:xfrm>
           <a:prstGeom prst="rect">
             <a:avLst/>
@@ -19605,7 +24285,17 @@
                 <a:latin typeface="a고딕19" panose="02020600000000000000" pitchFamily="18" charset="-127"/>
                 <a:ea typeface="a고딕19" panose="02020600000000000000" pitchFamily="18" charset="-127"/>
               </a:rPr>
-              <a:t>Slide 1</a:t>
+              <a:t>Slide </a:t>
+            </a:r>
+            <a:r>
+              <a:rPr lang="en-US" altLang="ko-KR" sz="1600" dirty="0">
+                <a:solidFill>
+                  <a:srgbClr val="455A83"/>
+                </a:solidFill>
+                <a:latin typeface="a고딕19" panose="02020600000000000000" pitchFamily="18" charset="-127"/>
+                <a:ea typeface="a고딕19" panose="02020600000000000000" pitchFamily="18" charset="-127"/>
+              </a:rPr>
+              <a:t>6</a:t>
             </a:r>
             <a:endParaRPr lang="ko-KR" altLang="en-US" sz="1600" dirty="0">
               <a:solidFill>
@@ -19625,8 +24315,8 @@
         </p:nvSpPr>
         <p:spPr>
           <a:xfrm>
-            <a:off x="1934900" y="1555884"/>
-            <a:ext cx="5274201" cy="523220"/>
+            <a:off x="0" y="853425"/>
+            <a:ext cx="9144000" cy="523220"/>
           </a:xfrm>
           <a:prstGeom prst="rect">
             <a:avLst/>
@@ -19638,11 +24328,22 @@
           </a:scene3d>
         </p:spPr>
         <p:txBody>
-          <a:bodyPr wrap="none" rtlCol="0">
+          <a:bodyPr wrap="square" rtlCol="0">
             <a:spAutoFit/>
           </a:bodyPr>
           <a:lstStyle/>
           <a:p>
+            <a:pPr algn="ctr"/>
+            <a:r>
+              <a:rPr lang="ko-KR" altLang="en-US" sz="2800" dirty="0" smtClean="0">
+                <a:solidFill>
+                  <a:srgbClr val="455A83"/>
+                </a:solidFill>
+                <a:latin typeface="a고딕13" panose="02020600000000000000" pitchFamily="18" charset="-127"/>
+                <a:ea typeface="a고딕13" panose="02020600000000000000" pitchFamily="18" charset="-127"/>
+              </a:rPr>
+              <a:t>하드웨어</a:t>
+            </a:r>
             <a:r>
               <a:rPr lang="ko-KR" altLang="en-US" sz="2400" dirty="0" smtClean="0">
                 <a:solidFill>
@@ -19651,41 +24352,11 @@
                 <a:latin typeface="a고딕13" panose="02020600000000000000" pitchFamily="18" charset="-127"/>
                 <a:ea typeface="a고딕13" panose="02020600000000000000" pitchFamily="18" charset="-127"/>
               </a:rPr>
-              <a:t>간지나는 발표의 핵심은 딱 </a:t>
-            </a:r>
-            <a:r>
-              <a:rPr lang="en-US" altLang="ko-KR" sz="2800" dirty="0" smtClean="0">
-                <a:solidFill>
-                  <a:srgbClr val="455A83"/>
-                </a:solidFill>
-                <a:latin typeface="a고딕19" panose="02020600000000000000" pitchFamily="18" charset="-127"/>
-                <a:ea typeface="a고딕19" panose="02020600000000000000" pitchFamily="18" charset="-127"/>
-              </a:rPr>
-              <a:t>2</a:t>
-            </a:r>
-            <a:r>
-              <a:rPr lang="ko-KR" altLang="en-US" sz="2800" dirty="0" smtClean="0">
-                <a:solidFill>
-                  <a:srgbClr val="455A83"/>
-                </a:solidFill>
-                <a:latin typeface="a고딕19" panose="02020600000000000000" pitchFamily="18" charset="-127"/>
-                <a:ea typeface="a고딕19" panose="02020600000000000000" pitchFamily="18" charset="-127"/>
-              </a:rPr>
-              <a:t>가지 </a:t>
-            </a:r>
-            <a:r>
-              <a:rPr lang="ko-KR" altLang="en-US" sz="2400" dirty="0" smtClean="0">
-                <a:solidFill>
-                  <a:srgbClr val="4D4D4F"/>
-                </a:solidFill>
-                <a:latin typeface="a고딕13" panose="02020600000000000000" pitchFamily="18" charset="-127"/>
-                <a:ea typeface="a고딕13" panose="02020600000000000000" pitchFamily="18" charset="-127"/>
-              </a:rPr>
-              <a:t>정도야</a:t>
-            </a:r>
-            <a:endParaRPr lang="ko-KR" altLang="en-US" sz="2400" dirty="0">
+              <a:t> 설계도</a:t>
+            </a:r>
+            <a:endParaRPr lang="ko-KR" altLang="en-US" sz="2800" dirty="0">
               <a:solidFill>
-                <a:srgbClr val="4D4D4F"/>
+                <a:srgbClr val="FDC085"/>
               </a:solidFill>
               <a:latin typeface="a고딕13" panose="02020600000000000000" pitchFamily="18" charset="-127"/>
               <a:ea typeface="a고딕13" panose="02020600000000000000" pitchFamily="18" charset="-127"/>
@@ -19701,7 +24372,7 @@
         </p:nvCxnSpPr>
         <p:spPr>
           <a:xfrm>
-            <a:off x="2504566" y="1489469"/>
+            <a:off x="2504566" y="787010"/>
             <a:ext cx="4134868" cy="0"/>
           </a:xfrm>
           <a:prstGeom prst="line">
@@ -19740,8 +24411,8 @@
         </p:nvSpPr>
         <p:spPr>
           <a:xfrm>
-            <a:off x="4279291" y="932040"/>
-            <a:ext cx="585418" cy="523220"/>
+            <a:off x="4279291" y="229581"/>
+            <a:ext cx="537327" cy="523220"/>
           </a:xfrm>
           <a:prstGeom prst="rect">
             <a:avLst/>
@@ -19766,7 +24437,7 @@
                 <a:latin typeface="a고딕19" panose="02020600000000000000" pitchFamily="18" charset="-127"/>
                 <a:ea typeface="a고딕19" panose="02020600000000000000" pitchFamily="18" charset="-127"/>
               </a:rPr>
-              <a:t>01</a:t>
+              <a:t>03</a:t>
             </a:r>
             <a:endParaRPr lang="ko-KR" altLang="en-US" sz="2800" dirty="0">
               <a:solidFill>
@@ -19778,406 +24449,6 @@
           </a:p>
         </p:txBody>
       </p:sp>
-      <p:grpSp>
-        <p:nvGrpSpPr>
-          <p:cNvPr id="31" name="그룹 30"/>
-          <p:cNvGrpSpPr/>
-          <p:nvPr/>
-        </p:nvGrpSpPr>
-        <p:grpSpPr>
-          <a:xfrm>
-            <a:off x="2345111" y="4797317"/>
-            <a:ext cx="1712327" cy="646331"/>
-            <a:chOff x="2345111" y="4811853"/>
-            <a:chExt cx="1712327" cy="646331"/>
-          </a:xfrm>
-        </p:grpSpPr>
-        <p:sp>
-          <p:nvSpPr>
-            <p:cNvPr id="20" name="모서리가 둥근 직사각형 19"/>
-            <p:cNvSpPr/>
-            <p:nvPr/>
-          </p:nvSpPr>
-          <p:spPr>
-            <a:xfrm>
-              <a:off x="2551789" y="5135019"/>
-              <a:ext cx="1296794" cy="265997"/>
-            </a:xfrm>
-            <a:prstGeom prst="roundRect">
-              <a:avLst/>
-            </a:prstGeom>
-            <a:solidFill>
-              <a:srgbClr val="455A83"/>
-            </a:solidFill>
-            <a:ln>
-              <a:noFill/>
-            </a:ln>
-          </p:spPr>
-          <p:style>
-            <a:lnRef idx="2">
-              <a:schemeClr val="accent1">
-                <a:shade val="50000"/>
-              </a:schemeClr>
-            </a:lnRef>
-            <a:fillRef idx="1">
-              <a:schemeClr val="accent1"/>
-            </a:fillRef>
-            <a:effectRef idx="0">
-              <a:schemeClr val="accent1"/>
-            </a:effectRef>
-            <a:fontRef idx="minor">
-              <a:schemeClr val="lt1"/>
-            </a:fontRef>
-          </p:style>
-          <p:txBody>
-            <a:bodyPr rot="0" spcFirstLastPara="0" vertOverflow="overflow" horzOverflow="overflow" vert="horz" wrap="square" lIns="91440" tIns="45720" rIns="91440" bIns="45720" numCol="1" spcCol="0" rtlCol="0" fromWordArt="0" anchor="ctr" anchorCtr="0" forceAA="0" compatLnSpc="1">
-              <a:prstTxWarp prst="textNoShape">
-                <a:avLst/>
-              </a:prstTxWarp>
-              <a:noAutofit/>
-            </a:bodyPr>
-            <a:lstStyle/>
-            <a:p>
-              <a:pPr algn="ctr"/>
-              <a:endParaRPr lang="ko-KR" altLang="en-US"/>
-            </a:p>
-          </p:txBody>
-        </p:sp>
-        <p:sp>
-          <p:nvSpPr>
-            <p:cNvPr id="48" name="TextBox 47"/>
-            <p:cNvSpPr txBox="1"/>
-            <p:nvPr/>
-          </p:nvSpPr>
-          <p:spPr>
-            <a:xfrm>
-              <a:off x="2345111" y="4811853"/>
-              <a:ext cx="1712327" cy="646331"/>
-            </a:xfrm>
-            <a:prstGeom prst="rect">
-              <a:avLst/>
-            </a:prstGeom>
-            <a:noFill/>
-            <a:scene3d>
-              <a:camera prst="obliqueTopLeft"/>
-              <a:lightRig rig="threePt" dir="t"/>
-            </a:scene3d>
-          </p:spPr>
-          <p:txBody>
-            <a:bodyPr wrap="none" rtlCol="0">
-              <a:spAutoFit/>
-            </a:bodyPr>
-            <a:lstStyle/>
-            <a:p>
-              <a:pPr algn="ctr"/>
-              <a:r>
-                <a:rPr lang="ko-KR" altLang="en-US" dirty="0" smtClean="0">
-                  <a:solidFill>
-                    <a:srgbClr val="4D4D4F"/>
-                  </a:solidFill>
-                  <a:latin typeface="나눔스퀘어" panose="020B0600000101010101" pitchFamily="50" charset="-127"/>
-                  <a:ea typeface="나눔스퀘어" panose="020B0600000101010101" pitchFamily="50" charset="-127"/>
-                </a:rPr>
-                <a:t>중요한 포인트에</a:t>
-              </a:r>
-              <a:endParaRPr lang="en-US" altLang="ko-KR" dirty="0" smtClean="0">
-                <a:solidFill>
-                  <a:srgbClr val="4D4D4F"/>
-                </a:solidFill>
-                <a:latin typeface="나눔스퀘어" panose="020B0600000101010101" pitchFamily="50" charset="-127"/>
-                <a:ea typeface="나눔스퀘어" panose="020B0600000101010101" pitchFamily="50" charset="-127"/>
-              </a:endParaRPr>
-            </a:p>
-            <a:p>
-              <a:pPr algn="ctr"/>
-              <a:r>
-                <a:rPr lang="ko-KR" altLang="en-US" b="1" dirty="0" smtClean="0">
-                  <a:solidFill>
-                    <a:schemeClr val="bg1"/>
-                  </a:solidFill>
-                  <a:latin typeface="a고딕15" panose="02020600000000000000" pitchFamily="18" charset="-127"/>
-                  <a:ea typeface="a고딕15" panose="02020600000000000000" pitchFamily="18" charset="-127"/>
-                </a:rPr>
-                <a:t>스포트라이트</a:t>
-              </a:r>
-              <a:endParaRPr lang="en-US" altLang="ko-KR" b="1" dirty="0" smtClean="0">
-                <a:solidFill>
-                  <a:schemeClr val="bg1"/>
-                </a:solidFill>
-                <a:latin typeface="a고딕15" panose="02020600000000000000" pitchFamily="18" charset="-127"/>
-                <a:ea typeface="a고딕15" panose="02020600000000000000" pitchFamily="18" charset="-127"/>
-              </a:endParaRPr>
-            </a:p>
-          </p:txBody>
-        </p:sp>
-      </p:grpSp>
-      <p:pic>
-        <p:nvPicPr>
-          <p:cNvPr id="8" name="그림 7"/>
-          <p:cNvPicPr>
-            <a:picLocks noChangeAspect="1"/>
-          </p:cNvPicPr>
-          <p:nvPr/>
-        </p:nvPicPr>
-        <p:blipFill>
-          <a:blip r:embed="rId2" cstate="print">
-            <a:extLst>
-              <a:ext uri="{28A0092B-C50C-407E-A947-70E740481C1C}">
-                <a14:useLocalDpi xmlns:a14="http://schemas.microsoft.com/office/drawing/2010/main" val="0"/>
-              </a:ext>
-            </a:extLst>
-          </a:blip>
-          <a:stretch>
-            <a:fillRect/>
-          </a:stretch>
-        </p:blipFill>
-        <p:spPr>
-          <a:xfrm>
-            <a:off x="2697482" y="3644063"/>
-            <a:ext cx="876558" cy="876558"/>
-          </a:xfrm>
-          <a:prstGeom prst="rect">
-            <a:avLst/>
-          </a:prstGeom>
-          <a:scene3d>
-            <a:camera prst="obliqueTopLeft"/>
-            <a:lightRig rig="threePt" dir="t"/>
-          </a:scene3d>
-        </p:spPr>
-      </p:pic>
-      <p:sp>
-        <p:nvSpPr>
-          <p:cNvPr id="42" name="TextBox 41"/>
-          <p:cNvSpPr txBox="1"/>
-          <p:nvPr/>
-        </p:nvSpPr>
-        <p:spPr>
-          <a:xfrm>
-            <a:off x="5027558" y="4797317"/>
-            <a:ext cx="1712328" cy="646331"/>
-          </a:xfrm>
-          <a:prstGeom prst="rect">
-            <a:avLst/>
-          </a:prstGeom>
-          <a:noFill/>
-          <a:scene3d>
-            <a:camera prst="obliqueTopLeft"/>
-            <a:lightRig rig="threePt" dir="t"/>
-          </a:scene3d>
-        </p:spPr>
-        <p:txBody>
-          <a:bodyPr wrap="none" rtlCol="0">
-            <a:spAutoFit/>
-          </a:bodyPr>
-          <a:lstStyle/>
-          <a:p>
-            <a:pPr algn="ctr"/>
-            <a:r>
-              <a:rPr lang="ko-KR" altLang="en-US" dirty="0" smtClean="0">
-                <a:solidFill>
-                  <a:srgbClr val="4D4D4F"/>
-                </a:solidFill>
-                <a:latin typeface="나눔스퀘어" panose="020B0600000101010101" pitchFamily="50" charset="-127"/>
-                <a:ea typeface="나눔스퀘어" panose="020B0600000101010101" pitchFamily="50" charset="-127"/>
-              </a:rPr>
-              <a:t>시간을 지배하는</a:t>
-            </a:r>
-            <a:endParaRPr lang="en-US" altLang="ko-KR" dirty="0" smtClean="0">
-              <a:solidFill>
-                <a:srgbClr val="4D4D4F"/>
-              </a:solidFill>
-              <a:latin typeface="나눔스퀘어" panose="020B0600000101010101" pitchFamily="50" charset="-127"/>
-              <a:ea typeface="나눔스퀘어" panose="020B0600000101010101" pitchFamily="50" charset="-127"/>
-            </a:endParaRPr>
-          </a:p>
-          <a:p>
-            <a:pPr algn="ctr"/>
-            <a:r>
-              <a:rPr lang="ko-KR" altLang="en-US" dirty="0">
-                <a:solidFill>
-                  <a:srgbClr val="455A83"/>
-                </a:solidFill>
-                <a:latin typeface="a고딕15" panose="02020600000000000000" pitchFamily="18" charset="-127"/>
-                <a:ea typeface="a고딕15" panose="02020600000000000000" pitchFamily="18" charset="-127"/>
-              </a:rPr>
-              <a:t>여유로움</a:t>
-            </a:r>
-            <a:endParaRPr lang="en-US" altLang="ko-KR" dirty="0">
-              <a:solidFill>
-                <a:srgbClr val="455A83"/>
-              </a:solidFill>
-              <a:latin typeface="a고딕15" panose="02020600000000000000" pitchFamily="18" charset="-127"/>
-              <a:ea typeface="a고딕15" panose="02020600000000000000" pitchFamily="18" charset="-127"/>
-            </a:endParaRPr>
-          </a:p>
-        </p:txBody>
-      </p:sp>
-      <p:pic>
-        <p:nvPicPr>
-          <p:cNvPr id="9" name="그림 8"/>
-          <p:cNvPicPr>
-            <a:picLocks noChangeAspect="1"/>
-          </p:cNvPicPr>
-          <p:nvPr/>
-        </p:nvPicPr>
-        <p:blipFill>
-          <a:blip r:embed="rId3" cstate="print">
-            <a:extLst>
-              <a:ext uri="{28A0092B-C50C-407E-A947-70E740481C1C}">
-                <a14:useLocalDpi xmlns:a14="http://schemas.microsoft.com/office/drawing/2010/main" val="0"/>
-              </a:ext>
-            </a:extLst>
-          </a:blip>
-          <a:stretch>
-            <a:fillRect/>
-          </a:stretch>
-        </p:blipFill>
-        <p:spPr>
-          <a:xfrm>
-            <a:off x="5444578" y="3653593"/>
-            <a:ext cx="878288" cy="878288"/>
-          </a:xfrm>
-          <a:prstGeom prst="rect">
-            <a:avLst/>
-          </a:prstGeom>
-          <a:scene3d>
-            <a:camera prst="obliqueTopLeft"/>
-            <a:lightRig rig="threePt" dir="t"/>
-          </a:scene3d>
-        </p:spPr>
-      </p:pic>
-      <p:grpSp>
-        <p:nvGrpSpPr>
-          <p:cNvPr id="30" name="그룹 29"/>
-          <p:cNvGrpSpPr/>
-          <p:nvPr/>
-        </p:nvGrpSpPr>
-        <p:grpSpPr>
-          <a:xfrm>
-            <a:off x="3009713" y="2632854"/>
-            <a:ext cx="3060453" cy="396895"/>
-            <a:chOff x="3041774" y="2440426"/>
-            <a:chExt cx="3060453" cy="396895"/>
-          </a:xfrm>
-        </p:grpSpPr>
-        <p:sp>
-          <p:nvSpPr>
-            <p:cNvPr id="18" name="직사각형 17"/>
-            <p:cNvSpPr/>
-            <p:nvPr/>
-          </p:nvSpPr>
-          <p:spPr>
-            <a:xfrm>
-              <a:off x="3041775" y="2440426"/>
-              <a:ext cx="3060452" cy="396895"/>
-            </a:xfrm>
-            <a:prstGeom prst="rect">
-              <a:avLst/>
-            </a:prstGeom>
-            <a:solidFill>
-              <a:srgbClr val="455A83"/>
-            </a:solidFill>
-            <a:ln>
-              <a:noFill/>
-            </a:ln>
-            <a:scene3d>
-              <a:camera prst="obliqueTopLeft"/>
-              <a:lightRig rig="threePt" dir="t"/>
-            </a:scene3d>
-          </p:spPr>
-          <p:style>
-            <a:lnRef idx="2">
-              <a:schemeClr val="accent1">
-                <a:shade val="50000"/>
-              </a:schemeClr>
-            </a:lnRef>
-            <a:fillRef idx="1">
-              <a:schemeClr val="accent1"/>
-            </a:fillRef>
-            <a:effectRef idx="0">
-              <a:schemeClr val="accent1"/>
-            </a:effectRef>
-            <a:fontRef idx="minor">
-              <a:schemeClr val="lt1"/>
-            </a:fontRef>
-          </p:style>
-          <p:txBody>
-            <a:bodyPr rtlCol="0" anchor="ctr"/>
-            <a:lstStyle/>
-            <a:p>
-              <a:pPr algn="ctr"/>
-              <a:endParaRPr lang="ko-KR" altLang="en-US"/>
-            </a:p>
-          </p:txBody>
-        </p:sp>
-        <p:sp>
-          <p:nvSpPr>
-            <p:cNvPr id="21" name="TextBox 20"/>
-            <p:cNvSpPr txBox="1"/>
-            <p:nvPr/>
-          </p:nvSpPr>
-          <p:spPr>
-            <a:xfrm>
-              <a:off x="3041774" y="2461794"/>
-              <a:ext cx="3060453" cy="369332"/>
-            </a:xfrm>
-            <a:prstGeom prst="rect">
-              <a:avLst/>
-            </a:prstGeom>
-            <a:noFill/>
-            <a:scene3d>
-              <a:camera prst="obliqueTopLeft"/>
-              <a:lightRig rig="threePt" dir="t"/>
-            </a:scene3d>
-          </p:spPr>
-          <p:txBody>
-            <a:bodyPr wrap="none" rtlCol="0">
-              <a:spAutoFit/>
-            </a:bodyPr>
-            <a:lstStyle/>
-            <a:p>
-              <a:pPr algn="ctr"/>
-              <a:r>
-                <a:rPr lang="ko-KR" altLang="en-US" dirty="0" smtClean="0">
-                  <a:solidFill>
-                    <a:schemeClr val="bg1"/>
-                  </a:solidFill>
-                  <a:latin typeface="나눔스퀘어" panose="020B0600000101010101" pitchFamily="50" charset="-127"/>
-                  <a:ea typeface="나눔스퀘어" panose="020B0600000101010101" pitchFamily="50" charset="-127"/>
-                </a:rPr>
-                <a:t>일러스트는 </a:t>
-              </a:r>
-              <a:r>
-                <a:rPr lang="en-US" altLang="ko-KR" dirty="0" smtClean="0">
-                  <a:solidFill>
-                    <a:schemeClr val="bg1"/>
-                  </a:solidFill>
-                  <a:latin typeface="나눔스퀘어" panose="020B0600000101010101" pitchFamily="50" charset="-127"/>
-                  <a:ea typeface="나눔스퀘어" panose="020B0600000101010101" pitchFamily="50" charset="-127"/>
-                </a:rPr>
-                <a:t>flaticon.com </a:t>
-              </a:r>
-              <a:r>
-                <a:rPr lang="ko-KR" altLang="en-US" dirty="0" smtClean="0">
-                  <a:solidFill>
-                    <a:schemeClr val="bg1"/>
-                  </a:solidFill>
-                  <a:latin typeface="나눔스퀘어" panose="020B0600000101010101" pitchFamily="50" charset="-127"/>
-                  <a:ea typeface="나눔스퀘어" panose="020B0600000101010101" pitchFamily="50" charset="-127"/>
-                </a:rPr>
-                <a:t>활용</a:t>
-              </a:r>
-              <a:endParaRPr lang="en-US" altLang="ko-KR" dirty="0">
-                <a:solidFill>
-                  <a:schemeClr val="bg1"/>
-                </a:solidFill>
-                <a:latin typeface="a고딕15" panose="02020600000000000000" pitchFamily="18" charset="-127"/>
-                <a:ea typeface="a고딕15" panose="02020600000000000000" pitchFamily="18" charset="-127"/>
-              </a:endParaRPr>
-            </a:p>
-          </p:txBody>
-        </p:sp>
-      </p:grpSp>
       <p:sp>
         <p:nvSpPr>
           <p:cNvPr id="10" name="직사각형 9"/>
@@ -20408,10 +24679,40 @@
           </a:p>
         </p:txBody>
       </p:sp>
+      <p:pic>
+        <p:nvPicPr>
+          <p:cNvPr id="2" name="그림 1"/>
+          <p:cNvPicPr>
+            <a:picLocks noChangeAspect="1"/>
+          </p:cNvPicPr>
+          <p:nvPr/>
+        </p:nvPicPr>
+        <p:blipFill>
+          <a:blip r:embed="rId3" cstate="print">
+            <a:extLst>
+              <a:ext uri="{28A0092B-C50C-407E-A947-70E740481C1C}">
+                <a14:useLocalDpi xmlns:a14="http://schemas.microsoft.com/office/drawing/2010/main" val="0"/>
+              </a:ext>
+            </a:extLst>
+          </a:blip>
+          <a:stretch>
+            <a:fillRect/>
+          </a:stretch>
+        </p:blipFill>
+        <p:spPr>
+          <a:xfrm>
+            <a:off x="772219" y="1455260"/>
+            <a:ext cx="7551470" cy="5325759"/>
+          </a:xfrm>
+          <a:prstGeom prst="rect">
+            <a:avLst/>
+          </a:prstGeom>
+        </p:spPr>
+      </p:pic>
     </p:spTree>
     <p:extLst>
       <p:ext uri="{BB962C8B-B14F-4D97-AF65-F5344CB8AC3E}">
-        <p14:creationId xmlns:p14="http://schemas.microsoft.com/office/powerpoint/2010/main" val="2684349080"/>
+        <p14:creationId xmlns:p14="http://schemas.microsoft.com/office/powerpoint/2010/main" val="1852518625"/>
       </p:ext>
     </p:extLst>
   </p:cSld>
@@ -20462,7 +24763,7 @@
         <p:spPr>
           <a:xfrm>
             <a:off x="53768" y="60304"/>
-            <a:ext cx="834011" cy="338554"/>
+            <a:ext cx="742511" cy="338554"/>
           </a:xfrm>
           <a:prstGeom prst="rect">
             <a:avLst/>
@@ -20482,16 +24783,26 @@
             <a:r>
               <a:rPr lang="en-US" altLang="ko-KR" sz="1600" dirty="0" smtClean="0">
                 <a:solidFill>
-                  <a:srgbClr val="4D4D4F"/>
+                  <a:srgbClr val="455A83"/>
                 </a:solidFill>
                 <a:latin typeface="a고딕19" panose="02020600000000000000" pitchFamily="18" charset="-127"/>
                 <a:ea typeface="a고딕19" panose="02020600000000000000" pitchFamily="18" charset="-127"/>
               </a:rPr>
-              <a:t>Slide 2</a:t>
+              <a:t>Slide </a:t>
+            </a:r>
+            <a:r>
+              <a:rPr lang="en-US" altLang="ko-KR" sz="1600" dirty="0" smtClean="0">
+                <a:solidFill>
+                  <a:srgbClr val="455A83"/>
+                </a:solidFill>
+                <a:latin typeface="a고딕19" panose="02020600000000000000" pitchFamily="18" charset="-127"/>
+                <a:ea typeface="a고딕19" panose="02020600000000000000" pitchFamily="18" charset="-127"/>
+              </a:rPr>
+              <a:t>7</a:t>
             </a:r>
             <a:endParaRPr lang="ko-KR" altLang="en-US" sz="1600" dirty="0">
               <a:solidFill>
-                <a:srgbClr val="4D4D4F"/>
+                <a:srgbClr val="455A83"/>
               </a:solidFill>
               <a:latin typeface="a고딕19" panose="02020600000000000000" pitchFamily="18" charset="-127"/>
               <a:ea typeface="a고딕19" panose="02020600000000000000" pitchFamily="18" charset="-127"/>
@@ -20499,168 +24810,73 @@
           </a:p>
         </p:txBody>
       </p:sp>
-      <p:grpSp>
-        <p:nvGrpSpPr>
-          <p:cNvPr id="24" name="그룹 23"/>
-          <p:cNvGrpSpPr/>
+      <p:sp>
+        <p:nvSpPr>
+          <p:cNvPr id="15" name="TextBox 14"/>
+          <p:cNvSpPr txBox="1"/>
           <p:nvPr/>
-        </p:nvGrpSpPr>
-        <p:grpSpPr>
+        </p:nvSpPr>
+        <p:spPr>
           <a:xfrm>
-            <a:off x="2275538" y="1561677"/>
-            <a:ext cx="4592924" cy="461665"/>
-            <a:chOff x="1869177" y="1561677"/>
-            <a:chExt cx="4592924" cy="461665"/>
-          </a:xfrm>
-        </p:grpSpPr>
-        <p:sp>
-          <p:nvSpPr>
-            <p:cNvPr id="2" name="모서리가 둥근 직사각형 1"/>
-            <p:cNvSpPr/>
-            <p:nvPr/>
-          </p:nvSpPr>
-          <p:spPr>
-            <a:xfrm>
-              <a:off x="2949032" y="1631181"/>
-              <a:ext cx="1750866" cy="331229"/>
-            </a:xfrm>
-            <a:prstGeom prst="roundRect">
-              <a:avLst/>
-            </a:prstGeom>
-            <a:solidFill>
-              <a:srgbClr val="455A83"/>
-            </a:solidFill>
-            <a:ln>
-              <a:noFill/>
-            </a:ln>
-          </p:spPr>
-          <p:style>
-            <a:lnRef idx="2">
-              <a:schemeClr val="accent1">
-                <a:shade val="50000"/>
-              </a:schemeClr>
-            </a:lnRef>
-            <a:fillRef idx="1">
-              <a:schemeClr val="accent1"/>
-            </a:fillRef>
-            <a:effectRef idx="0">
-              <a:schemeClr val="accent1"/>
-            </a:effectRef>
-            <a:fontRef idx="minor">
-              <a:schemeClr val="lt1"/>
-            </a:fontRef>
-          </p:style>
-          <p:txBody>
-            <a:bodyPr rot="0" spcFirstLastPara="0" vertOverflow="overflow" horzOverflow="overflow" vert="horz" wrap="square" lIns="91440" tIns="45720" rIns="91440" bIns="45720" numCol="1" spcCol="0" rtlCol="0" fromWordArt="0" anchor="ctr" anchorCtr="0" forceAA="0" compatLnSpc="1">
-              <a:prstTxWarp prst="textNoShape">
-                <a:avLst/>
-              </a:prstTxWarp>
-              <a:noAutofit/>
-            </a:bodyPr>
-            <a:lstStyle/>
-            <a:p>
-              <a:pPr algn="ctr"/>
-              <a:endParaRPr lang="ko-KR" altLang="en-US"/>
-            </a:p>
-          </p:txBody>
-        </p:sp>
-        <p:sp>
-          <p:nvSpPr>
-            <p:cNvPr id="15" name="TextBox 14"/>
-            <p:cNvSpPr txBox="1"/>
-            <p:nvPr/>
-          </p:nvSpPr>
-          <p:spPr>
-            <a:xfrm>
-              <a:off x="1869177" y="1561677"/>
-              <a:ext cx="4592924" cy="461665"/>
-            </a:xfrm>
-            <a:prstGeom prst="rect">
-              <a:avLst/>
-            </a:prstGeom>
-            <a:noFill/>
-            <a:scene3d>
-              <a:camera prst="obliqueTopLeft"/>
-              <a:lightRig rig="threePt" dir="t"/>
-            </a:scene3d>
-          </p:spPr>
-          <p:txBody>
-            <a:bodyPr wrap="none" rtlCol="0">
-              <a:spAutoFit/>
-            </a:bodyPr>
-            <a:lstStyle/>
-            <a:p>
-              <a:r>
-                <a:rPr lang="ko-KR" altLang="en-US" sz="2400" dirty="0" smtClean="0">
-                  <a:solidFill>
-                    <a:srgbClr val="4D4D4F"/>
-                  </a:solidFill>
-                  <a:latin typeface="a고딕13" panose="02020600000000000000" pitchFamily="18" charset="-127"/>
-                  <a:ea typeface="a고딕13" panose="02020600000000000000" pitchFamily="18" charset="-127"/>
-                </a:rPr>
-                <a:t>첫번째</a:t>
-              </a:r>
-              <a:r>
-                <a:rPr lang="en-US" altLang="ko-KR" sz="2400" dirty="0" smtClean="0">
-                  <a:solidFill>
-                    <a:srgbClr val="4D4D4F"/>
-                  </a:solidFill>
-                  <a:latin typeface="a고딕13" panose="02020600000000000000" pitchFamily="18" charset="-127"/>
-                  <a:ea typeface="a고딕13" panose="02020600000000000000" pitchFamily="18" charset="-127"/>
-                </a:rPr>
-                <a:t>,</a:t>
-              </a:r>
-              <a:r>
-                <a:rPr lang="ko-KR" altLang="en-US" sz="2400" dirty="0" smtClean="0">
-                  <a:solidFill>
-                    <a:srgbClr val="4D4D4F"/>
-                  </a:solidFill>
-                  <a:latin typeface="a고딕13" panose="02020600000000000000" pitchFamily="18" charset="-127"/>
-                  <a:ea typeface="a고딕13" panose="02020600000000000000" pitchFamily="18" charset="-127"/>
-                </a:rPr>
-                <a:t>  </a:t>
-              </a:r>
-              <a:r>
-                <a:rPr lang="ko-KR" altLang="en-US" sz="2400" dirty="0" smtClean="0">
-                  <a:solidFill>
-                    <a:schemeClr val="bg1"/>
-                  </a:solidFill>
-                  <a:latin typeface="a고딕15" panose="02020600000000000000" pitchFamily="18" charset="-127"/>
-                  <a:ea typeface="a고딕15" panose="02020600000000000000" pitchFamily="18" charset="-127"/>
-                </a:rPr>
-                <a:t>스포트라이트</a:t>
-              </a:r>
-              <a:r>
-                <a:rPr lang="ko-KR" altLang="en-US" sz="2400" dirty="0" smtClean="0">
-                  <a:solidFill>
-                    <a:srgbClr val="4D4D4F"/>
-                  </a:solidFill>
-                  <a:latin typeface="a고딕15" panose="02020600000000000000" pitchFamily="18" charset="-127"/>
-                  <a:ea typeface="a고딕15" panose="02020600000000000000" pitchFamily="18" charset="-127"/>
-                </a:rPr>
-                <a:t>  </a:t>
-              </a:r>
-              <a:r>
-                <a:rPr lang="ko-KR" altLang="en-US" sz="2400" dirty="0" smtClean="0">
-                  <a:solidFill>
-                    <a:srgbClr val="4D4D4F"/>
-                  </a:solidFill>
-                  <a:latin typeface="a고딕13" panose="02020600000000000000" pitchFamily="18" charset="-127"/>
-                  <a:ea typeface="a고딕13" panose="02020600000000000000" pitchFamily="18" charset="-127"/>
-                </a:rPr>
-                <a:t>는 사실 쉬워</a:t>
-              </a:r>
-              <a:endParaRPr lang="ko-KR" altLang="en-US" sz="2400" dirty="0">
+            <a:off x="0" y="853425"/>
+            <a:ext cx="9144000" cy="523220"/>
+          </a:xfrm>
+          <a:prstGeom prst="rect">
+            <a:avLst/>
+          </a:prstGeom>
+          <a:noFill/>
+          <a:scene3d>
+            <a:camera prst="obliqueTopLeft"/>
+            <a:lightRig rig="threePt" dir="t"/>
+          </a:scene3d>
+        </p:spPr>
+        <p:txBody>
+          <a:bodyPr wrap="square" rtlCol="0">
+            <a:spAutoFit/>
+          </a:bodyPr>
+          <a:lstStyle/>
+          <a:p>
+            <a:pPr algn="ctr"/>
+            <a:r>
+              <a:rPr lang="ko-KR" altLang="en-US" sz="2800" dirty="0">
+                <a:solidFill>
+                  <a:srgbClr val="455A83"/>
+                </a:solidFill>
+                <a:latin typeface="a고딕13" panose="02020600000000000000" pitchFamily="18" charset="-127"/>
+                <a:ea typeface="a고딕19" panose="02020600000000000000" pitchFamily="18" charset="-127"/>
+              </a:rPr>
+              <a:t>소프트웨어</a:t>
+            </a:r>
+            <a:r>
+              <a:rPr lang="ko-KR" altLang="en-US" sz="2400" dirty="0">
+                <a:solidFill>
+                  <a:srgbClr val="455A83"/>
+                </a:solidFill>
+                <a:latin typeface="a고딕13" panose="02020600000000000000" pitchFamily="18" charset="-127"/>
+                <a:ea typeface="a고딕19" panose="02020600000000000000" pitchFamily="18" charset="-127"/>
+              </a:rPr>
+              <a:t> </a:t>
+            </a:r>
+            <a:r>
+              <a:rPr lang="ko-KR" altLang="en-US" sz="2400" dirty="0" smtClean="0">
                 <a:solidFill>
                   <a:srgbClr val="4D4D4F"/>
                 </a:solidFill>
                 <a:latin typeface="a고딕13" panose="02020600000000000000" pitchFamily="18" charset="-127"/>
                 <a:ea typeface="a고딕13" panose="02020600000000000000" pitchFamily="18" charset="-127"/>
-              </a:endParaRPr>
-            </a:p>
-          </p:txBody>
-        </p:sp>
-      </p:grpSp>
+              </a:rPr>
+              <a:t>설계도</a:t>
+            </a:r>
+            <a:endParaRPr lang="ko-KR" altLang="en-US" sz="2800" dirty="0">
+              <a:solidFill>
+                <a:srgbClr val="455A83"/>
+              </a:solidFill>
+              <a:latin typeface="a고딕13" panose="02020600000000000000" pitchFamily="18" charset="-127"/>
+              <a:ea typeface="a고딕13" panose="02020600000000000000" pitchFamily="18" charset="-127"/>
+            </a:endParaRPr>
+          </a:p>
+        </p:txBody>
+      </p:sp>
       <p:cxnSp>
         <p:nvCxnSpPr>
           <p:cNvPr id="16" name="직선 연결선 15"/>
@@ -20669,7 +24885,7 @@
         </p:nvCxnSpPr>
         <p:spPr>
           <a:xfrm>
-            <a:off x="2504566" y="1489469"/>
+            <a:off x="2504566" y="787010"/>
             <a:ext cx="4134868" cy="0"/>
           </a:xfrm>
           <a:prstGeom prst="line">
@@ -20708,8 +24924,8 @@
         </p:nvSpPr>
         <p:spPr>
           <a:xfrm>
-            <a:off x="4279292" y="932040"/>
-            <a:ext cx="585417" cy="523220"/>
+            <a:off x="4279291" y="229581"/>
+            <a:ext cx="537327" cy="523220"/>
           </a:xfrm>
           <a:prstGeom prst="rect">
             <a:avLst/>
@@ -20727,14 +24943,14 @@
           <a:lstStyle/>
           <a:p>
             <a:r>
-              <a:rPr lang="en-US" altLang="ko-KR" sz="2800" dirty="0">
+              <a:rPr lang="en-US" altLang="ko-KR" sz="2800" dirty="0" smtClean="0">
                 <a:solidFill>
                   <a:srgbClr val="455A83"/>
                 </a:solidFill>
                 <a:latin typeface="a고딕19" panose="02020600000000000000" pitchFamily="18" charset="-127"/>
                 <a:ea typeface="a고딕19" panose="02020600000000000000" pitchFamily="18" charset="-127"/>
               </a:rPr>
-              <a:t>02</a:t>
+              <a:t>04</a:t>
             </a:r>
             <a:endParaRPr lang="ko-KR" altLang="en-US" sz="2800" dirty="0">
               <a:solidFill>
@@ -20748,497 +24964,7 @@
       </p:sp>
       <p:sp>
         <p:nvSpPr>
-          <p:cNvPr id="3" name="모서리가 둥근 직사각형 2"/>
-          <p:cNvSpPr/>
-          <p:nvPr/>
-        </p:nvSpPr>
-        <p:spPr>
-          <a:xfrm>
-            <a:off x="6121746" y="3129798"/>
-            <a:ext cx="1587261" cy="325045"/>
-          </a:xfrm>
-          <a:prstGeom prst="roundRect">
-            <a:avLst/>
-          </a:prstGeom>
-          <a:solidFill>
-            <a:srgbClr val="F76688"/>
-          </a:solidFill>
-          <a:ln>
-            <a:noFill/>
-          </a:ln>
-        </p:spPr>
-        <p:style>
-          <a:lnRef idx="2">
-            <a:schemeClr val="accent1">
-              <a:shade val="50000"/>
-            </a:schemeClr>
-          </a:lnRef>
-          <a:fillRef idx="1">
-            <a:schemeClr val="accent1"/>
-          </a:fillRef>
-          <a:effectRef idx="0">
-            <a:schemeClr val="accent1"/>
-          </a:effectRef>
-          <a:fontRef idx="minor">
-            <a:schemeClr val="lt1"/>
-          </a:fontRef>
-        </p:style>
-        <p:txBody>
-          <a:bodyPr rot="0" spcFirstLastPara="0" vertOverflow="overflow" horzOverflow="overflow" vert="horz" wrap="square" lIns="91440" tIns="45720" rIns="91440" bIns="45720" numCol="1" spcCol="0" rtlCol="0" fromWordArt="0" anchor="ctr" anchorCtr="0" forceAA="0" compatLnSpc="1">
-            <a:prstTxWarp prst="textNoShape">
-              <a:avLst/>
-            </a:prstTxWarp>
-            <a:noAutofit/>
-          </a:bodyPr>
-          <a:lstStyle/>
-          <a:p>
-            <a:pPr algn="ctr"/>
-            <a:endParaRPr lang="ko-KR" altLang="en-US"/>
-          </a:p>
-        </p:txBody>
-      </p:sp>
-      <p:sp>
-        <p:nvSpPr>
-          <p:cNvPr id="48" name="TextBox 47"/>
-          <p:cNvSpPr txBox="1"/>
-          <p:nvPr/>
-        </p:nvSpPr>
-        <p:spPr>
-          <a:xfrm>
-            <a:off x="6097166" y="3107654"/>
-            <a:ext cx="1677062" cy="369332"/>
-          </a:xfrm>
-          <a:prstGeom prst="rect">
-            <a:avLst/>
-          </a:prstGeom>
-          <a:noFill/>
-          <a:scene3d>
-            <a:camera prst="obliqueTopLeft"/>
-            <a:lightRig rig="threePt" dir="t"/>
-          </a:scene3d>
-        </p:spPr>
-        <p:txBody>
-          <a:bodyPr wrap="none" rtlCol="0">
-            <a:spAutoFit/>
-          </a:bodyPr>
-          <a:lstStyle/>
-          <a:p>
-            <a:r>
-              <a:rPr lang="ko-KR" altLang="en-US" dirty="0" smtClean="0">
-                <a:solidFill>
-                  <a:schemeClr val="bg1"/>
-                </a:solidFill>
-                <a:latin typeface="a고딕15" panose="02020600000000000000" pitchFamily="18" charset="-127"/>
-                <a:ea typeface="a고딕15" panose="02020600000000000000" pitchFamily="18" charset="-127"/>
-              </a:rPr>
-              <a:t>색감으로 조진다</a:t>
-            </a:r>
-            <a:endParaRPr lang="en-US" altLang="ko-KR" dirty="0" smtClean="0">
-              <a:solidFill>
-                <a:schemeClr val="bg1"/>
-              </a:solidFill>
-              <a:latin typeface="a고딕15" panose="02020600000000000000" pitchFamily="18" charset="-127"/>
-              <a:ea typeface="a고딕15" panose="02020600000000000000" pitchFamily="18" charset="-127"/>
-            </a:endParaRPr>
-          </a:p>
-        </p:txBody>
-      </p:sp>
-      <p:sp>
-        <p:nvSpPr>
-          <p:cNvPr id="21" name="TextBox 20"/>
-          <p:cNvSpPr txBox="1"/>
-          <p:nvPr/>
-        </p:nvSpPr>
-        <p:spPr>
-          <a:xfrm>
-            <a:off x="4060233" y="3553470"/>
-            <a:ext cx="3764487" cy="1077218"/>
-          </a:xfrm>
-          <a:prstGeom prst="rect">
-            <a:avLst/>
-          </a:prstGeom>
-          <a:noFill/>
-          <a:scene3d>
-            <a:camera prst="obliqueTopLeft"/>
-            <a:lightRig rig="threePt" dir="t"/>
-          </a:scene3d>
-        </p:spPr>
-        <p:txBody>
-          <a:bodyPr wrap="square" rtlCol="0">
-            <a:spAutoFit/>
-          </a:bodyPr>
-          <a:lstStyle/>
-          <a:p>
-            <a:pPr algn="r"/>
-            <a:r>
-              <a:rPr lang="ko-KR" altLang="en-US" sz="1600" dirty="0" smtClean="0">
-                <a:solidFill>
-                  <a:srgbClr val="4D4D4F"/>
-                </a:solidFill>
-                <a:latin typeface="a고딕15" panose="02020600000000000000" pitchFamily="18" charset="-127"/>
-                <a:ea typeface="a고딕15" panose="02020600000000000000" pitchFamily="18" charset="-127"/>
-              </a:rPr>
-              <a:t>그래프에 활용하면 효과 최강 </a:t>
-            </a:r>
-            <a:r>
-              <a:rPr lang="en-US" altLang="ko-KR" sz="1600" dirty="0" smtClean="0">
-                <a:solidFill>
-                  <a:srgbClr val="4D4D4F"/>
-                </a:solidFill>
-                <a:latin typeface="a고딕15" panose="02020600000000000000" pitchFamily="18" charset="-127"/>
-                <a:ea typeface="a고딕15" panose="02020600000000000000" pitchFamily="18" charset="-127"/>
-              </a:rPr>
-              <a:t>!</a:t>
-            </a:r>
-            <a:endParaRPr lang="en-US" altLang="ko-KR" sz="1600" dirty="0" smtClean="0">
-              <a:solidFill>
-                <a:srgbClr val="4D4D4F"/>
-              </a:solidFill>
-              <a:latin typeface="나눔스퀘어" panose="020B0600000101010101" pitchFamily="50" charset="-127"/>
-              <a:ea typeface="나눔스퀘어" panose="020B0600000101010101" pitchFamily="50" charset="-127"/>
-            </a:endParaRPr>
-          </a:p>
-          <a:p>
-            <a:pPr algn="r"/>
-            <a:r>
-              <a:rPr lang="ko-KR" altLang="en-US" sz="1600" dirty="0" smtClean="0">
-                <a:solidFill>
-                  <a:srgbClr val="4D4D4F"/>
-                </a:solidFill>
-                <a:latin typeface="나눔스퀘어" panose="020B0600000101010101" pitchFamily="50" charset="-127"/>
-                <a:ea typeface="나눔스퀘어" panose="020B0600000101010101" pitchFamily="50" charset="-127"/>
-              </a:rPr>
-              <a:t>내가 이렇게 글을 </a:t>
-            </a:r>
-            <a:r>
-              <a:rPr lang="ko-KR" altLang="en-US" sz="1600" dirty="0" err="1" smtClean="0">
-                <a:solidFill>
-                  <a:srgbClr val="4D4D4F"/>
-                </a:solidFill>
-                <a:latin typeface="나눔스퀘어" panose="020B0600000101010101" pitchFamily="50" charset="-127"/>
-                <a:ea typeface="나눔스퀘어" panose="020B0600000101010101" pitchFamily="50" charset="-127"/>
-              </a:rPr>
-              <a:t>주구장창써도</a:t>
-            </a:r>
-            <a:endParaRPr lang="en-US" altLang="ko-KR" sz="1600" dirty="0" smtClean="0">
-              <a:solidFill>
-                <a:srgbClr val="4D4D4F"/>
-              </a:solidFill>
-              <a:latin typeface="나눔스퀘어" panose="020B0600000101010101" pitchFamily="50" charset="-127"/>
-              <a:ea typeface="나눔스퀘어" panose="020B0600000101010101" pitchFamily="50" charset="-127"/>
-            </a:endParaRPr>
-          </a:p>
-          <a:p>
-            <a:pPr algn="r"/>
-            <a:r>
-              <a:rPr lang="ko-KR" altLang="en-US" sz="1600" dirty="0" smtClean="0">
-                <a:solidFill>
-                  <a:srgbClr val="4D4D4F"/>
-                </a:solidFill>
-                <a:latin typeface="나눔스퀘어" panose="020B0600000101010101" pitchFamily="50" charset="-127"/>
-                <a:ea typeface="나눔스퀘어" panose="020B0600000101010101" pitchFamily="50" charset="-127"/>
-              </a:rPr>
-              <a:t>결국</a:t>
-            </a:r>
-            <a:endParaRPr lang="en-US" altLang="ko-KR" sz="1600" dirty="0" smtClean="0">
-              <a:solidFill>
-                <a:srgbClr val="4D4D4F"/>
-              </a:solidFill>
-              <a:latin typeface="나눔스퀘어" panose="020B0600000101010101" pitchFamily="50" charset="-127"/>
-              <a:ea typeface="나눔스퀘어" panose="020B0600000101010101" pitchFamily="50" charset="-127"/>
-            </a:endParaRPr>
-          </a:p>
-          <a:p>
-            <a:pPr algn="r"/>
-            <a:r>
-              <a:rPr lang="ko-KR" altLang="en-US" sz="1600" dirty="0" smtClean="0">
-                <a:solidFill>
-                  <a:srgbClr val="4D4D4F"/>
-                </a:solidFill>
-                <a:latin typeface="나눔스퀘어" panose="020B0600000101010101" pitchFamily="50" charset="-127"/>
-                <a:ea typeface="나눔스퀘어" panose="020B0600000101010101" pitchFamily="50" charset="-127"/>
-              </a:rPr>
-              <a:t>왼쪽 분홍색 막대만 </a:t>
-            </a:r>
-            <a:r>
-              <a:rPr lang="en-US" altLang="ko-KR" sz="1600" b="1" dirty="0" smtClean="0">
-                <a:solidFill>
-                  <a:srgbClr val="F76688"/>
-                </a:solidFill>
-                <a:latin typeface="a고딕15" panose="02020600000000000000" pitchFamily="18" charset="-127"/>
-                <a:ea typeface="a고딕15" panose="02020600000000000000" pitchFamily="18" charset="-127"/>
-              </a:rPr>
-              <a:t>Spotlight</a:t>
-            </a:r>
-            <a:r>
-              <a:rPr lang="ko-KR" altLang="en-US" sz="1600" dirty="0" smtClean="0">
-                <a:solidFill>
-                  <a:srgbClr val="4D4D4F"/>
-                </a:solidFill>
-                <a:latin typeface="나눔스퀘어" panose="020B0600000101010101" pitchFamily="50" charset="-127"/>
-                <a:ea typeface="나눔스퀘어" panose="020B0600000101010101" pitchFamily="50" charset="-127"/>
-              </a:rPr>
-              <a:t> </a:t>
-            </a:r>
-            <a:r>
-              <a:rPr lang="ko-KR" altLang="en-US" sz="1600" dirty="0" err="1" smtClean="0">
-                <a:solidFill>
-                  <a:srgbClr val="4D4D4F"/>
-                </a:solidFill>
-                <a:latin typeface="나눔스퀘어" panose="020B0600000101010101" pitchFamily="50" charset="-127"/>
-                <a:ea typeface="나눔스퀘어" panose="020B0600000101010101" pitchFamily="50" charset="-127"/>
-              </a:rPr>
-              <a:t>될꺼임</a:t>
-            </a:r>
-            <a:endParaRPr lang="ko-KR" altLang="en-US" sz="1600" dirty="0" smtClean="0">
-              <a:solidFill>
-                <a:srgbClr val="4D4D4F"/>
-              </a:solidFill>
-              <a:latin typeface="나눔스퀘어" panose="020B0600000101010101" pitchFamily="50" charset="-127"/>
-              <a:ea typeface="나눔스퀘어" panose="020B0600000101010101" pitchFamily="50" charset="-127"/>
-            </a:endParaRPr>
-          </a:p>
-        </p:txBody>
-      </p:sp>
-      <p:sp>
-        <p:nvSpPr>
-          <p:cNvPr id="58" name="TextBox 57"/>
-          <p:cNvSpPr txBox="1"/>
-          <p:nvPr/>
-        </p:nvSpPr>
-        <p:spPr>
-          <a:xfrm>
-            <a:off x="4335943" y="5106165"/>
-            <a:ext cx="3488777" cy="430887"/>
-          </a:xfrm>
-          <a:prstGeom prst="rect">
-            <a:avLst/>
-          </a:prstGeom>
-          <a:noFill/>
-          <a:scene3d>
-            <a:camera prst="obliqueTopLeft"/>
-            <a:lightRig rig="threePt" dir="t"/>
-          </a:scene3d>
-        </p:spPr>
-        <p:txBody>
-          <a:bodyPr wrap="square" rtlCol="0">
-            <a:spAutoFit/>
-          </a:bodyPr>
-          <a:lstStyle/>
-          <a:p>
-            <a:pPr algn="r"/>
-            <a:r>
-              <a:rPr lang="ko-KR" altLang="en-US" sz="1100" dirty="0" smtClean="0">
-                <a:solidFill>
-                  <a:srgbClr val="4D4D4F"/>
-                </a:solidFill>
-                <a:latin typeface="a고딕15" panose="02020600000000000000" pitchFamily="18" charset="-127"/>
-                <a:ea typeface="a고딕15" panose="02020600000000000000" pitchFamily="18" charset="-127"/>
-              </a:rPr>
-              <a:t>그래프 출처는 이쯤에 작게</a:t>
-            </a:r>
-            <a:endParaRPr lang="en-US" altLang="ko-KR" sz="1100" dirty="0" smtClean="0">
-              <a:solidFill>
-                <a:srgbClr val="4D4D4F"/>
-              </a:solidFill>
-              <a:latin typeface="a고딕15" panose="02020600000000000000" pitchFamily="18" charset="-127"/>
-              <a:ea typeface="a고딕15" panose="02020600000000000000" pitchFamily="18" charset="-127"/>
-            </a:endParaRPr>
-          </a:p>
-          <a:p>
-            <a:pPr algn="r"/>
-            <a:r>
-              <a:rPr lang="en-US" altLang="ko-KR" sz="1100" dirty="0" smtClean="0">
-                <a:solidFill>
-                  <a:srgbClr val="4D4D4F"/>
-                </a:solidFill>
-                <a:latin typeface="a고딕15" panose="02020600000000000000" pitchFamily="18" charset="-127"/>
-                <a:ea typeface="a고딕15" panose="02020600000000000000" pitchFamily="18" charset="-127"/>
-              </a:rPr>
-              <a:t>&lt;</a:t>
-            </a:r>
-            <a:r>
-              <a:rPr lang="ko-KR" altLang="en-US" sz="1100" dirty="0" smtClean="0">
-                <a:solidFill>
-                  <a:srgbClr val="4D4D4F"/>
-                </a:solidFill>
-                <a:latin typeface="a고딕15" panose="02020600000000000000" pitchFamily="18" charset="-127"/>
-                <a:ea typeface="a고딕15" panose="02020600000000000000" pitchFamily="18" charset="-127"/>
-              </a:rPr>
-              <a:t>그리고 여기는 작은 </a:t>
-            </a:r>
-            <a:r>
-              <a:rPr lang="ko-KR" altLang="en-US" sz="1100" dirty="0" err="1" smtClean="0">
-                <a:solidFill>
-                  <a:srgbClr val="4D4D4F"/>
-                </a:solidFill>
-                <a:latin typeface="a고딕15" panose="02020600000000000000" pitchFamily="18" charset="-127"/>
-                <a:ea typeface="a고딕15" panose="02020600000000000000" pitchFamily="18" charset="-127"/>
-              </a:rPr>
-              <a:t>설명정도</a:t>
-            </a:r>
-            <a:r>
-              <a:rPr lang="en-US" altLang="ko-KR" sz="1100" dirty="0" smtClean="0">
-                <a:solidFill>
-                  <a:srgbClr val="4D4D4F"/>
-                </a:solidFill>
-                <a:latin typeface="a고딕15" panose="02020600000000000000" pitchFamily="18" charset="-127"/>
-                <a:ea typeface="a고딕15" panose="02020600000000000000" pitchFamily="18" charset="-127"/>
-              </a:rPr>
-              <a:t>&gt;</a:t>
-            </a:r>
-            <a:endParaRPr lang="en-US" altLang="ko-KR" sz="1100" dirty="0">
-              <a:solidFill>
-                <a:srgbClr val="4D4D4F"/>
-              </a:solidFill>
-              <a:latin typeface="나눔스퀘어" panose="020B0600000101010101" pitchFamily="50" charset="-127"/>
-              <a:ea typeface="나눔스퀘어" panose="020B0600000101010101" pitchFamily="50" charset="-127"/>
-            </a:endParaRPr>
-          </a:p>
-        </p:txBody>
-      </p:sp>
-      <p:sp>
-        <p:nvSpPr>
-          <p:cNvPr id="40" name="직사각형 39"/>
-          <p:cNvSpPr/>
-          <p:nvPr/>
-        </p:nvSpPr>
-        <p:spPr>
-          <a:xfrm>
-            <a:off x="3247319" y="2832791"/>
-            <a:ext cx="295582" cy="2759185"/>
-          </a:xfrm>
-          <a:prstGeom prst="rect">
-            <a:avLst/>
-          </a:prstGeom>
-          <a:solidFill>
-            <a:srgbClr val="ED6182"/>
-          </a:solidFill>
-          <a:ln>
-            <a:noFill/>
-          </a:ln>
-          <a:effectLst>
-            <a:outerShdw blurRad="50800" dist="38100" algn="l" rotWithShape="0">
-              <a:prstClr val="black">
-                <a:alpha val="40000"/>
-              </a:prstClr>
-            </a:outerShdw>
-          </a:effectLst>
-          <a:scene3d>
-            <a:camera prst="obliqueTopLeft"/>
-            <a:lightRig rig="threePt" dir="t"/>
-          </a:scene3d>
-        </p:spPr>
-        <p:style>
-          <a:lnRef idx="2">
-            <a:schemeClr val="accent1">
-              <a:shade val="50000"/>
-            </a:schemeClr>
-          </a:lnRef>
-          <a:fillRef idx="1">
-            <a:schemeClr val="accent1"/>
-          </a:fillRef>
-          <a:effectRef idx="0">
-            <a:schemeClr val="accent1"/>
-          </a:effectRef>
-          <a:fontRef idx="minor">
-            <a:schemeClr val="lt1"/>
-          </a:fontRef>
-        </p:style>
-        <p:txBody>
-          <a:bodyPr rtlCol="0" anchor="ctr"/>
-          <a:lstStyle/>
-          <a:p>
-            <a:pPr algn="ctr"/>
-            <a:endParaRPr lang="ko-KR" altLang="en-US"/>
-          </a:p>
-        </p:txBody>
-      </p:sp>
-      <p:sp>
-        <p:nvSpPr>
-          <p:cNvPr id="57" name="TextBox 56"/>
-          <p:cNvSpPr txBox="1"/>
-          <p:nvPr/>
-        </p:nvSpPr>
-        <p:spPr>
-          <a:xfrm>
-            <a:off x="2833005" y="2451633"/>
-            <a:ext cx="1147359" cy="369332"/>
-          </a:xfrm>
-          <a:prstGeom prst="rect">
-            <a:avLst/>
-          </a:prstGeom>
-          <a:noFill/>
-          <a:scene3d>
-            <a:camera prst="obliqueTopLeft"/>
-            <a:lightRig rig="threePt" dir="t"/>
-          </a:scene3d>
-        </p:spPr>
-        <p:txBody>
-          <a:bodyPr wrap="square" rtlCol="0">
-            <a:spAutoFit/>
-          </a:bodyPr>
-          <a:lstStyle/>
-          <a:p>
-            <a:pPr algn="ctr"/>
-            <a:r>
-              <a:rPr lang="en-US" altLang="ko-KR" spc="-150" dirty="0">
-                <a:solidFill>
-                  <a:srgbClr val="F76688"/>
-                </a:solidFill>
-                <a:latin typeface="a고딕19" panose="02020600000000000000" pitchFamily="18" charset="-127"/>
-                <a:ea typeface="a고딕19" panose="02020600000000000000" pitchFamily="18" charset="-127"/>
-              </a:rPr>
-              <a:t>40%</a:t>
-            </a:r>
-          </a:p>
-        </p:txBody>
-      </p:sp>
-      <p:cxnSp>
-        <p:nvCxnSpPr>
-          <p:cNvPr id="30" name="직선 연결선 29"/>
-          <p:cNvCxnSpPr/>
-          <p:nvPr/>
-        </p:nvCxnSpPr>
-        <p:spPr>
-          <a:xfrm>
-            <a:off x="1427902" y="5591975"/>
-            <a:ext cx="6396818" cy="0"/>
-          </a:xfrm>
-          <a:prstGeom prst="line">
-            <a:avLst/>
-          </a:prstGeom>
-          <a:ln w="12700">
-            <a:solidFill>
-              <a:schemeClr val="tx1">
-                <a:lumMod val="50000"/>
-                <a:lumOff val="50000"/>
-              </a:schemeClr>
-            </a:solidFill>
-          </a:ln>
-          <a:scene3d>
-            <a:camera prst="obliqueTopLeft"/>
-            <a:lightRig rig="threePt" dir="t"/>
-          </a:scene3d>
-        </p:spPr>
-        <p:style>
-          <a:lnRef idx="1">
-            <a:schemeClr val="accent1"/>
-          </a:lnRef>
-          <a:fillRef idx="0">
-            <a:schemeClr val="accent1"/>
-          </a:fillRef>
-          <a:effectRef idx="0">
-            <a:schemeClr val="accent1"/>
-          </a:effectRef>
-          <a:fontRef idx="minor">
-            <a:schemeClr val="tx1"/>
-          </a:fontRef>
-        </p:style>
-      </p:cxnSp>
-      <p:sp>
-        <p:nvSpPr>
-          <p:cNvPr id="29" name="직사각형 28"/>
+          <p:cNvPr id="10" name="직사각형 9"/>
           <p:cNvSpPr/>
           <p:nvPr/>
         </p:nvSpPr>
@@ -21284,7 +25010,7 @@
       </p:sp>
       <p:sp>
         <p:nvSpPr>
-          <p:cNvPr id="31" name="직사각형 30"/>
+          <p:cNvPr id="23" name="직사각형 22"/>
           <p:cNvSpPr/>
           <p:nvPr/>
         </p:nvSpPr>
@@ -21330,7 +25056,7 @@
       </p:sp>
       <p:sp>
         <p:nvSpPr>
-          <p:cNvPr id="33" name="직사각형 32"/>
+          <p:cNvPr id="24" name="직사각형 23"/>
           <p:cNvSpPr/>
           <p:nvPr/>
         </p:nvSpPr>
@@ -21376,7 +25102,7 @@
       </p:sp>
       <p:sp>
         <p:nvSpPr>
-          <p:cNvPr id="34" name="직사각형 33"/>
+          <p:cNvPr id="25" name="직사각형 24"/>
           <p:cNvSpPr/>
           <p:nvPr/>
         </p:nvSpPr>
@@ -21422,7 +25148,7 @@
       </p:sp>
       <p:sp>
         <p:nvSpPr>
-          <p:cNvPr id="35" name="직사각형 34"/>
+          <p:cNvPr id="26" name="직사각형 25"/>
           <p:cNvSpPr/>
           <p:nvPr/>
         </p:nvSpPr>
@@ -21466,592 +25192,39 @@
           </a:p>
         </p:txBody>
       </p:sp>
-      <p:grpSp>
-        <p:nvGrpSpPr>
-          <p:cNvPr id="9" name="그룹 8"/>
-          <p:cNvGrpSpPr/>
+      <p:pic>
+        <p:nvPicPr>
+          <p:cNvPr id="3" name="그림 2"/>
+          <p:cNvPicPr>
+            <a:picLocks noChangeAspect="1"/>
+          </p:cNvPicPr>
           <p:nvPr/>
-        </p:nvGrpSpPr>
-        <p:grpSpPr>
-          <a:xfrm>
-            <a:off x="1416281" y="4509852"/>
-            <a:ext cx="681250" cy="1484507"/>
-            <a:chOff x="1416281" y="4509852"/>
-            <a:chExt cx="681250" cy="1484507"/>
-          </a:xfrm>
-        </p:grpSpPr>
-        <p:sp>
-          <p:nvSpPr>
-            <p:cNvPr id="32" name="직사각형 31"/>
-            <p:cNvSpPr/>
-            <p:nvPr/>
-          </p:nvSpPr>
-          <p:spPr>
-            <a:xfrm>
-              <a:off x="1609115" y="4848109"/>
-              <a:ext cx="295582" cy="743866"/>
-            </a:xfrm>
-            <a:prstGeom prst="rect">
-              <a:avLst/>
-            </a:prstGeom>
-            <a:solidFill>
-              <a:srgbClr val="455A83"/>
-            </a:solidFill>
-            <a:ln>
-              <a:solidFill>
-                <a:schemeClr val="tx1">
-                  <a:alpha val="0"/>
-                </a:schemeClr>
-              </a:solidFill>
-            </a:ln>
-            <a:effectLst>
-              <a:outerShdw blurRad="50800" dist="38100" algn="l" rotWithShape="0">
-                <a:prstClr val="black">
-                  <a:alpha val="40000"/>
-                </a:prstClr>
-              </a:outerShdw>
-            </a:effectLst>
-            <a:scene3d>
-              <a:camera prst="obliqueTopLeft"/>
-              <a:lightRig rig="threePt" dir="t"/>
-            </a:scene3d>
-          </p:spPr>
-          <p:style>
-            <a:lnRef idx="2">
-              <a:schemeClr val="accent1">
-                <a:shade val="50000"/>
-              </a:schemeClr>
-            </a:lnRef>
-            <a:fillRef idx="1">
-              <a:schemeClr val="accent1"/>
-            </a:fillRef>
-            <a:effectRef idx="0">
-              <a:schemeClr val="accent1"/>
-            </a:effectRef>
-            <a:fontRef idx="minor">
-              <a:schemeClr val="lt1"/>
-            </a:fontRef>
-          </p:style>
-          <p:txBody>
-            <a:bodyPr rtlCol="0" anchor="ctr"/>
-            <a:lstStyle/>
-            <a:p>
-              <a:pPr algn="ctr"/>
-              <a:endParaRPr lang="ko-KR" altLang="en-US"/>
-            </a:p>
-          </p:txBody>
-        </p:sp>
-        <p:sp>
-          <p:nvSpPr>
-            <p:cNvPr id="49" name="TextBox 48"/>
-            <p:cNvSpPr txBox="1"/>
-            <p:nvPr/>
-          </p:nvSpPr>
-          <p:spPr>
-            <a:xfrm>
-              <a:off x="1416281" y="4509852"/>
-              <a:ext cx="681250" cy="338554"/>
-            </a:xfrm>
-            <a:prstGeom prst="rect">
-              <a:avLst/>
-            </a:prstGeom>
-            <a:noFill/>
-            <a:scene3d>
-              <a:camera prst="obliqueTopLeft"/>
-              <a:lightRig rig="threePt" dir="t"/>
-            </a:scene3d>
-          </p:spPr>
-          <p:txBody>
-            <a:bodyPr wrap="square" rtlCol="0">
-              <a:spAutoFit/>
-            </a:bodyPr>
-            <a:lstStyle/>
-            <a:p>
-              <a:pPr algn="ctr"/>
-              <a:r>
-                <a:rPr lang="en-US" altLang="ko-KR" sz="1600" spc="-150" dirty="0" smtClean="0">
-                  <a:solidFill>
-                    <a:srgbClr val="4D4D4F"/>
-                  </a:solidFill>
-                  <a:latin typeface="a고딕15" panose="02020600000000000000" pitchFamily="18" charset="-127"/>
-                  <a:ea typeface="a고딕15" panose="02020600000000000000" pitchFamily="18" charset="-127"/>
-                </a:rPr>
-                <a:t>10%</a:t>
-              </a:r>
-              <a:endParaRPr lang="en-US" altLang="ko-KR" sz="1600" spc="-150" dirty="0">
-                <a:solidFill>
-                  <a:srgbClr val="4D4D4F"/>
-                </a:solidFill>
-                <a:latin typeface="나눔스퀘어" panose="020B0600000101010101" pitchFamily="50" charset="-127"/>
-                <a:ea typeface="나눔스퀘어" panose="020B0600000101010101" pitchFamily="50" charset="-127"/>
-              </a:endParaRPr>
-            </a:p>
-          </p:txBody>
-        </p:sp>
-        <p:sp>
-          <p:nvSpPr>
-            <p:cNvPr id="65" name="TextBox 64"/>
-            <p:cNvSpPr txBox="1"/>
-            <p:nvPr/>
-          </p:nvSpPr>
-          <p:spPr>
-            <a:xfrm>
-              <a:off x="1603005" y="5625027"/>
-              <a:ext cx="301692" cy="369332"/>
-            </a:xfrm>
-            <a:prstGeom prst="rect">
-              <a:avLst/>
-            </a:prstGeom>
-            <a:noFill/>
-            <a:scene3d>
-              <a:camera prst="obliqueTopLeft"/>
-              <a:lightRig rig="threePt" dir="t"/>
-            </a:scene3d>
-          </p:spPr>
-          <p:txBody>
-            <a:bodyPr wrap="square" rtlCol="0">
-              <a:spAutoFit/>
-            </a:bodyPr>
-            <a:lstStyle/>
-            <a:p>
-              <a:r>
-                <a:rPr lang="en-US" altLang="ko-KR" dirty="0">
-                  <a:solidFill>
-                    <a:srgbClr val="455A83"/>
-                  </a:solidFill>
-                  <a:latin typeface="a고딕19" panose="02020600000000000000" pitchFamily="18" charset="-127"/>
-                  <a:ea typeface="a고딕19" panose="02020600000000000000" pitchFamily="18" charset="-127"/>
-                </a:rPr>
-                <a:t>A</a:t>
-              </a:r>
-              <a:endParaRPr lang="ko-KR" altLang="en-US" dirty="0">
-                <a:solidFill>
-                  <a:srgbClr val="455A83"/>
-                </a:solidFill>
-                <a:latin typeface="a고딕19" panose="02020600000000000000" pitchFamily="18" charset="-127"/>
-                <a:ea typeface="a고딕19" panose="02020600000000000000" pitchFamily="18" charset="-127"/>
-              </a:endParaRPr>
-            </a:p>
-          </p:txBody>
-        </p:sp>
-      </p:grpSp>
-      <p:grpSp>
-        <p:nvGrpSpPr>
-          <p:cNvPr id="10" name="그룹 9"/>
-          <p:cNvGrpSpPr/>
-          <p:nvPr/>
-        </p:nvGrpSpPr>
-        <p:grpSpPr>
-          <a:xfrm>
-            <a:off x="1881043" y="3157694"/>
-            <a:ext cx="681250" cy="2836665"/>
-            <a:chOff x="1962349" y="3157694"/>
-            <a:chExt cx="681250" cy="2836665"/>
-          </a:xfrm>
-        </p:grpSpPr>
-        <p:sp>
-          <p:nvSpPr>
-            <p:cNvPr id="38" name="직사각형 37"/>
-            <p:cNvSpPr/>
-            <p:nvPr/>
-          </p:nvSpPr>
-          <p:spPr>
-            <a:xfrm>
-              <a:off x="2155183" y="3528504"/>
-              <a:ext cx="295582" cy="2063472"/>
-            </a:xfrm>
-            <a:prstGeom prst="rect">
-              <a:avLst/>
-            </a:prstGeom>
-            <a:solidFill>
-              <a:srgbClr val="455A83"/>
-            </a:solidFill>
-            <a:ln>
-              <a:noFill/>
-            </a:ln>
-            <a:effectLst>
-              <a:outerShdw blurRad="50800" dist="38100" algn="l" rotWithShape="0">
-                <a:prstClr val="black">
-                  <a:alpha val="40000"/>
-                </a:prstClr>
-              </a:outerShdw>
-            </a:effectLst>
-            <a:scene3d>
-              <a:camera prst="obliqueTopLeft"/>
-              <a:lightRig rig="threePt" dir="t"/>
-            </a:scene3d>
-          </p:spPr>
-          <p:style>
-            <a:lnRef idx="2">
-              <a:schemeClr val="accent1">
-                <a:shade val="50000"/>
-              </a:schemeClr>
-            </a:lnRef>
-            <a:fillRef idx="1">
-              <a:schemeClr val="accent1"/>
-            </a:fillRef>
-            <a:effectRef idx="0">
-              <a:schemeClr val="accent1"/>
-            </a:effectRef>
-            <a:fontRef idx="minor">
-              <a:schemeClr val="lt1"/>
-            </a:fontRef>
-          </p:style>
-          <p:txBody>
-            <a:bodyPr rtlCol="0" anchor="ctr"/>
-            <a:lstStyle/>
-            <a:p>
-              <a:pPr algn="ctr"/>
-              <a:endParaRPr lang="ko-KR" altLang="en-US"/>
-            </a:p>
-          </p:txBody>
-        </p:sp>
-        <p:sp>
-          <p:nvSpPr>
-            <p:cNvPr id="53" name="TextBox 52"/>
-            <p:cNvSpPr txBox="1"/>
-            <p:nvPr/>
-          </p:nvSpPr>
-          <p:spPr>
-            <a:xfrm>
-              <a:off x="1962349" y="3157694"/>
-              <a:ext cx="681250" cy="338554"/>
-            </a:xfrm>
-            <a:prstGeom prst="rect">
-              <a:avLst/>
-            </a:prstGeom>
-            <a:noFill/>
-            <a:scene3d>
-              <a:camera prst="obliqueTopLeft"/>
-              <a:lightRig rig="threePt" dir="t"/>
-            </a:scene3d>
-          </p:spPr>
-          <p:txBody>
-            <a:bodyPr wrap="square" rtlCol="0">
-              <a:spAutoFit/>
-            </a:bodyPr>
-            <a:lstStyle/>
-            <a:p>
-              <a:pPr algn="ctr"/>
-              <a:r>
-                <a:rPr lang="en-US" altLang="ko-KR" sz="1600" spc="-150" dirty="0" smtClean="0">
-                  <a:solidFill>
-                    <a:srgbClr val="4D4D4F"/>
-                  </a:solidFill>
-                  <a:latin typeface="a고딕15" panose="02020600000000000000" pitchFamily="18" charset="-127"/>
-                  <a:ea typeface="a고딕15" panose="02020600000000000000" pitchFamily="18" charset="-127"/>
-                </a:rPr>
-                <a:t>35%</a:t>
-              </a:r>
-              <a:endParaRPr lang="en-US" altLang="ko-KR" sz="1600" spc="-150" dirty="0">
-                <a:solidFill>
-                  <a:srgbClr val="4D4D4F"/>
-                </a:solidFill>
-                <a:latin typeface="나눔스퀘어" panose="020B0600000101010101" pitchFamily="50" charset="-127"/>
-                <a:ea typeface="나눔스퀘어" panose="020B0600000101010101" pitchFamily="50" charset="-127"/>
-              </a:endParaRPr>
-            </a:p>
-          </p:txBody>
-        </p:sp>
-        <p:sp>
-          <p:nvSpPr>
-            <p:cNvPr id="66" name="TextBox 65"/>
-            <p:cNvSpPr txBox="1"/>
-            <p:nvPr/>
-          </p:nvSpPr>
-          <p:spPr>
-            <a:xfrm>
-              <a:off x="2149073" y="5625027"/>
-              <a:ext cx="301692" cy="369332"/>
-            </a:xfrm>
-            <a:prstGeom prst="rect">
-              <a:avLst/>
-            </a:prstGeom>
-            <a:noFill/>
-            <a:scene3d>
-              <a:camera prst="obliqueTopLeft"/>
-              <a:lightRig rig="threePt" dir="t"/>
-            </a:scene3d>
-          </p:spPr>
-          <p:txBody>
-            <a:bodyPr wrap="square" rtlCol="0">
-              <a:spAutoFit/>
-            </a:bodyPr>
-            <a:lstStyle/>
-            <a:p>
-              <a:r>
-                <a:rPr lang="en-US" altLang="ko-KR" dirty="0" smtClean="0">
-                  <a:solidFill>
-                    <a:srgbClr val="455A83"/>
-                  </a:solidFill>
-                  <a:latin typeface="a고딕19" panose="02020600000000000000" pitchFamily="18" charset="-127"/>
-                  <a:ea typeface="a고딕19" panose="02020600000000000000" pitchFamily="18" charset="-127"/>
-                </a:rPr>
-                <a:t>B</a:t>
-              </a:r>
-              <a:endParaRPr lang="ko-KR" altLang="en-US" dirty="0">
-                <a:solidFill>
-                  <a:srgbClr val="455A83"/>
-                </a:solidFill>
-                <a:latin typeface="a고딕19" panose="02020600000000000000" pitchFamily="18" charset="-127"/>
-                <a:ea typeface="a고딕19" panose="02020600000000000000" pitchFamily="18" charset="-127"/>
-              </a:endParaRPr>
-            </a:p>
-          </p:txBody>
-        </p:sp>
-      </p:grpSp>
-      <p:grpSp>
-        <p:nvGrpSpPr>
-          <p:cNvPr id="12" name="그룹 11"/>
-          <p:cNvGrpSpPr/>
-          <p:nvPr/>
-        </p:nvGrpSpPr>
-        <p:grpSpPr>
-          <a:xfrm>
-            <a:off x="2345805" y="4052710"/>
-            <a:ext cx="681250" cy="1941649"/>
-            <a:chOff x="2508417" y="4052710"/>
-            <a:chExt cx="681250" cy="1941649"/>
-          </a:xfrm>
-        </p:grpSpPr>
-        <p:sp>
-          <p:nvSpPr>
-            <p:cNvPr id="39" name="직사각형 38"/>
-            <p:cNvSpPr/>
-            <p:nvPr/>
-          </p:nvSpPr>
-          <p:spPr>
-            <a:xfrm>
-              <a:off x="2701251" y="4378038"/>
-              <a:ext cx="295582" cy="1213937"/>
-            </a:xfrm>
-            <a:prstGeom prst="rect">
-              <a:avLst/>
-            </a:prstGeom>
-            <a:solidFill>
-              <a:srgbClr val="455A83"/>
-            </a:solidFill>
-            <a:ln>
-              <a:noFill/>
-            </a:ln>
-            <a:effectLst>
-              <a:outerShdw blurRad="50800" dist="38100" algn="l" rotWithShape="0">
-                <a:prstClr val="black">
-                  <a:alpha val="40000"/>
-                </a:prstClr>
-              </a:outerShdw>
-            </a:effectLst>
-            <a:scene3d>
-              <a:camera prst="obliqueTopLeft"/>
-              <a:lightRig rig="threePt" dir="t"/>
-            </a:scene3d>
-          </p:spPr>
-          <p:style>
-            <a:lnRef idx="2">
-              <a:schemeClr val="accent1">
-                <a:shade val="50000"/>
-              </a:schemeClr>
-            </a:lnRef>
-            <a:fillRef idx="1">
-              <a:schemeClr val="accent1"/>
-            </a:fillRef>
-            <a:effectRef idx="0">
-              <a:schemeClr val="accent1"/>
-            </a:effectRef>
-            <a:fontRef idx="minor">
-              <a:schemeClr val="lt1"/>
-            </a:fontRef>
-          </p:style>
-          <p:txBody>
-            <a:bodyPr rtlCol="0" anchor="ctr"/>
-            <a:lstStyle/>
-            <a:p>
-              <a:pPr algn="ctr"/>
-              <a:endParaRPr lang="ko-KR" altLang="en-US"/>
-            </a:p>
-          </p:txBody>
-        </p:sp>
-        <p:sp>
-          <p:nvSpPr>
-            <p:cNvPr id="55" name="TextBox 54"/>
-            <p:cNvSpPr txBox="1"/>
-            <p:nvPr/>
-          </p:nvSpPr>
-          <p:spPr>
-            <a:xfrm>
-              <a:off x="2508417" y="4052710"/>
-              <a:ext cx="681250" cy="338554"/>
-            </a:xfrm>
-            <a:prstGeom prst="rect">
-              <a:avLst/>
-            </a:prstGeom>
-            <a:noFill/>
-            <a:scene3d>
-              <a:camera prst="obliqueTopLeft"/>
-              <a:lightRig rig="threePt" dir="t"/>
-            </a:scene3d>
-          </p:spPr>
-          <p:txBody>
-            <a:bodyPr wrap="square" rtlCol="0">
-              <a:spAutoFit/>
-            </a:bodyPr>
-            <a:lstStyle/>
-            <a:p>
-              <a:pPr algn="ctr"/>
-              <a:r>
-                <a:rPr lang="en-US" altLang="ko-KR" sz="1600" spc="-150" dirty="0" smtClean="0">
-                  <a:solidFill>
-                    <a:srgbClr val="4D4D4F"/>
-                  </a:solidFill>
-                  <a:latin typeface="a고딕15" panose="02020600000000000000" pitchFamily="18" charset="-127"/>
-                  <a:ea typeface="a고딕15" panose="02020600000000000000" pitchFamily="18" charset="-127"/>
-                </a:rPr>
-                <a:t>15%</a:t>
-              </a:r>
-              <a:endParaRPr lang="en-US" altLang="ko-KR" sz="1600" spc="-150" dirty="0">
-                <a:solidFill>
-                  <a:srgbClr val="4D4D4F"/>
-                </a:solidFill>
-                <a:latin typeface="나눔스퀘어" panose="020B0600000101010101" pitchFamily="50" charset="-127"/>
-                <a:ea typeface="나눔스퀘어" panose="020B0600000101010101" pitchFamily="50" charset="-127"/>
-              </a:endParaRPr>
-            </a:p>
-          </p:txBody>
-        </p:sp>
-        <p:sp>
-          <p:nvSpPr>
-            <p:cNvPr id="67" name="TextBox 66"/>
-            <p:cNvSpPr txBox="1"/>
-            <p:nvPr/>
-          </p:nvSpPr>
-          <p:spPr>
-            <a:xfrm>
-              <a:off x="2698196" y="5625027"/>
-              <a:ext cx="301692" cy="369332"/>
-            </a:xfrm>
-            <a:prstGeom prst="rect">
-              <a:avLst/>
-            </a:prstGeom>
-            <a:noFill/>
-            <a:scene3d>
-              <a:camera prst="obliqueTopLeft"/>
-              <a:lightRig rig="threePt" dir="t"/>
-            </a:scene3d>
-          </p:spPr>
-          <p:txBody>
-            <a:bodyPr wrap="square" rtlCol="0">
-              <a:spAutoFit/>
-            </a:bodyPr>
-            <a:lstStyle/>
-            <a:p>
-              <a:r>
-                <a:rPr lang="en-US" altLang="ko-KR" dirty="0" smtClean="0">
-                  <a:solidFill>
-                    <a:srgbClr val="455A83"/>
-                  </a:solidFill>
-                  <a:latin typeface="a고딕19" panose="02020600000000000000" pitchFamily="18" charset="-127"/>
-                  <a:ea typeface="a고딕19" panose="02020600000000000000" pitchFamily="18" charset="-127"/>
-                </a:rPr>
-                <a:t>C</a:t>
-              </a:r>
-              <a:endParaRPr lang="ko-KR" altLang="en-US" dirty="0">
-                <a:solidFill>
-                  <a:srgbClr val="455A83"/>
-                </a:solidFill>
-                <a:latin typeface="a고딕19" panose="02020600000000000000" pitchFamily="18" charset="-127"/>
-                <a:ea typeface="a고딕19" panose="02020600000000000000" pitchFamily="18" charset="-127"/>
-              </a:endParaRPr>
-            </a:p>
-          </p:txBody>
-        </p:sp>
-      </p:grpSp>
-      <p:sp>
-        <p:nvSpPr>
-          <p:cNvPr id="68" name="TextBox 67"/>
-          <p:cNvSpPr txBox="1"/>
-          <p:nvPr/>
-        </p:nvSpPr>
+        </p:nvPicPr>
+        <p:blipFill rotWithShape="1">
+          <a:blip r:embed="rId3" cstate="print">
+            <a:extLst>
+              <a:ext uri="{28A0092B-C50C-407E-A947-70E740481C1C}">
+                <a14:useLocalDpi xmlns:a14="http://schemas.microsoft.com/office/drawing/2010/main" val="0"/>
+              </a:ext>
+            </a:extLst>
+          </a:blip>
+          <a:srcRect l="8084" t="3260" r="2951" b="6665"/>
+          <a:stretch/>
+        </p:blipFill>
         <p:spPr>
           <a:xfrm>
-            <a:off x="2890697" y="5625027"/>
-            <a:ext cx="1031974" cy="369332"/>
+            <a:off x="1222358" y="1455260"/>
+            <a:ext cx="6651191" cy="5306675"/>
           </a:xfrm>
           <a:prstGeom prst="rect">
             <a:avLst/>
           </a:prstGeom>
-          <a:noFill/>
-          <a:scene3d>
-            <a:camera prst="obliqueTopLeft"/>
-            <a:lightRig rig="threePt" dir="t"/>
-          </a:scene3d>
         </p:spPr>
-        <p:txBody>
-          <a:bodyPr wrap="square" rtlCol="0">
-            <a:spAutoFit/>
-          </a:bodyPr>
-          <a:lstStyle/>
-          <a:p>
-            <a:pPr algn="ctr"/>
-            <a:r>
-              <a:rPr lang="en-US" altLang="ko-KR" dirty="0" smtClean="0">
-                <a:solidFill>
-                  <a:srgbClr val="F76688"/>
-                </a:solidFill>
-                <a:latin typeface="a고딕19" panose="02020600000000000000" pitchFamily="18" charset="-127"/>
-                <a:ea typeface="a고딕19" panose="02020600000000000000" pitchFamily="18" charset="-127"/>
-              </a:rPr>
-              <a:t>D</a:t>
-            </a:r>
-            <a:endParaRPr lang="ko-KR" altLang="en-US" dirty="0">
-              <a:solidFill>
-                <a:srgbClr val="F76688"/>
-              </a:solidFill>
-              <a:latin typeface="a고딕19" panose="02020600000000000000" pitchFamily="18" charset="-127"/>
-              <a:ea typeface="a고딕19" panose="02020600000000000000" pitchFamily="18" charset="-127"/>
-            </a:endParaRPr>
-          </a:p>
-        </p:txBody>
-      </p:sp>
-      <p:cxnSp>
-        <p:nvCxnSpPr>
-          <p:cNvPr id="19" name="직선 연결선 18"/>
-          <p:cNvCxnSpPr/>
-          <p:nvPr/>
-        </p:nvCxnSpPr>
-        <p:spPr>
-          <a:xfrm>
-            <a:off x="3027055" y="2451633"/>
-            <a:ext cx="0" cy="3564560"/>
-          </a:xfrm>
-          <a:prstGeom prst="line">
-            <a:avLst/>
-          </a:prstGeom>
-          <a:ln w="15875">
-            <a:solidFill>
-              <a:srgbClr val="455A83"/>
-            </a:solidFill>
-            <a:prstDash val="dash"/>
-          </a:ln>
-        </p:spPr>
-        <p:style>
-          <a:lnRef idx="1">
-            <a:schemeClr val="accent1"/>
-          </a:lnRef>
-          <a:fillRef idx="0">
-            <a:schemeClr val="accent1"/>
-          </a:fillRef>
-          <a:effectRef idx="0">
-            <a:schemeClr val="accent1"/>
-          </a:effectRef>
-          <a:fontRef idx="minor">
-            <a:schemeClr val="tx1"/>
-          </a:fontRef>
-        </p:style>
-      </p:cxnSp>
+      </p:pic>
     </p:spTree>
     <p:extLst>
       <p:ext uri="{BB962C8B-B14F-4D97-AF65-F5344CB8AC3E}">
-        <p14:creationId xmlns:p14="http://schemas.microsoft.com/office/powerpoint/2010/main" val="1166714682"/>
+        <p14:creationId xmlns:p14="http://schemas.microsoft.com/office/powerpoint/2010/main" val="1062061733"/>
       </p:ext>
     </p:extLst>
   </p:cSld>
@@ -22102,7 +25275,7 @@
         <p:spPr>
           <a:xfrm>
             <a:off x="53768" y="60304"/>
-            <a:ext cx="834011" cy="338554"/>
+            <a:ext cx="742511" cy="338554"/>
           </a:xfrm>
           <a:prstGeom prst="rect">
             <a:avLst/>
@@ -22122,7 +25295,7 @@
             <a:r>
               <a:rPr lang="en-US" altLang="ko-KR" sz="1600" dirty="0" smtClean="0">
                 <a:solidFill>
-                  <a:srgbClr val="4D4D4F"/>
+                  <a:srgbClr val="455A83"/>
                 </a:solidFill>
                 <a:latin typeface="a고딕19" panose="02020600000000000000" pitchFamily="18" charset="-127"/>
                 <a:ea typeface="a고딕19" panose="02020600000000000000" pitchFamily="18" charset="-127"/>
@@ -22130,18 +25303,18 @@
               <a:t>Slide </a:t>
             </a:r>
             <a:r>
-              <a:rPr lang="en-US" altLang="ko-KR" sz="1600" dirty="0">
+              <a:rPr lang="en-US" altLang="ko-KR" sz="1600" dirty="0" smtClean="0">
                 <a:solidFill>
-                  <a:srgbClr val="4D4D4F"/>
+                  <a:srgbClr val="455A83"/>
                 </a:solidFill>
                 <a:latin typeface="a고딕19" panose="02020600000000000000" pitchFamily="18" charset="-127"/>
                 <a:ea typeface="a고딕19" panose="02020600000000000000" pitchFamily="18" charset="-127"/>
               </a:rPr>
-              <a:t>3</a:t>
+              <a:t>8</a:t>
             </a:r>
             <a:endParaRPr lang="ko-KR" altLang="en-US" sz="1600" dirty="0">
               <a:solidFill>
-                <a:srgbClr val="4D4D4F"/>
+                <a:srgbClr val="455A83"/>
               </a:solidFill>
               <a:latin typeface="a고딕19" panose="02020600000000000000" pitchFamily="18" charset="-127"/>
               <a:ea typeface="a고딕19" panose="02020600000000000000" pitchFamily="18" charset="-127"/>
@@ -22157,8 +25330,8 @@
         </p:nvSpPr>
         <p:spPr>
           <a:xfrm>
-            <a:off x="1455602" y="1564345"/>
-            <a:ext cx="6412333" cy="523220"/>
+            <a:off x="0" y="853425"/>
+            <a:ext cx="9144000" cy="461665"/>
           </a:xfrm>
           <a:prstGeom prst="rect">
             <a:avLst/>
@@ -22170,11 +25343,12 @@
           </a:scene3d>
         </p:spPr>
         <p:txBody>
-          <a:bodyPr wrap="none" rtlCol="0">
+          <a:bodyPr wrap="square" rtlCol="0">
             <a:spAutoFit/>
           </a:bodyPr>
           <a:lstStyle/>
           <a:p>
+            <a:pPr algn="ctr"/>
             <a:r>
               <a:rPr lang="ko-KR" altLang="en-US" sz="2400" dirty="0" smtClean="0">
                 <a:solidFill>
@@ -22183,51 +25357,11 @@
                 <a:latin typeface="a고딕13" panose="02020600000000000000" pitchFamily="18" charset="-127"/>
                 <a:ea typeface="a고딕13" panose="02020600000000000000" pitchFamily="18" charset="-127"/>
               </a:rPr>
-              <a:t>시선을 </a:t>
-            </a:r>
-            <a:r>
-              <a:rPr lang="ko-KR" altLang="en-US" sz="2400" dirty="0">
-                <a:solidFill>
-                  <a:srgbClr val="4D4D4F"/>
-                </a:solidFill>
-                <a:latin typeface="a고딕13" panose="02020600000000000000" pitchFamily="18" charset="-127"/>
-                <a:ea typeface="a고딕13" panose="02020600000000000000" pitchFamily="18" charset="-127"/>
-              </a:rPr>
-              <a:t>스포트라이트</a:t>
-            </a:r>
-            <a:r>
-              <a:rPr lang="ko-KR" altLang="en-US" sz="2400" dirty="0" smtClean="0">
-                <a:solidFill>
-                  <a:srgbClr val="4D4D4F"/>
-                </a:solidFill>
-                <a:latin typeface="a고딕13" panose="02020600000000000000" pitchFamily="18" charset="-127"/>
-                <a:ea typeface="a고딕13" panose="02020600000000000000" pitchFamily="18" charset="-127"/>
-              </a:rPr>
-              <a:t> 시켰다면 </a:t>
-            </a:r>
-            <a:r>
-              <a:rPr lang="ko-KR" altLang="en-US" sz="2800" dirty="0">
-                <a:solidFill>
-                  <a:srgbClr val="455A83"/>
-                </a:solidFill>
-                <a:latin typeface="a고딕19" panose="02020600000000000000" pitchFamily="18" charset="-127"/>
-                <a:ea typeface="a고딕19" panose="02020600000000000000" pitchFamily="18" charset="-127"/>
-              </a:rPr>
-              <a:t>시간관리</a:t>
-            </a:r>
-            <a:r>
-              <a:rPr lang="ko-KR" altLang="en-US" sz="2400" dirty="0" smtClean="0">
-                <a:solidFill>
-                  <a:srgbClr val="4D4D4F"/>
-                </a:solidFill>
-                <a:latin typeface="a고딕13" panose="02020600000000000000" pitchFamily="18" charset="-127"/>
-                <a:ea typeface="a고딕13" panose="02020600000000000000" pitchFamily="18" charset="-127"/>
-              </a:rPr>
-              <a:t>가 중요해</a:t>
-            </a:r>
-            <a:endParaRPr lang="ko-KR" altLang="en-US" sz="2400" dirty="0">
+              <a:t>개발 일정</a:t>
+            </a:r>
+            <a:endParaRPr lang="ko-KR" altLang="en-US" sz="2800" dirty="0">
               <a:solidFill>
-                <a:srgbClr val="4D4D4F"/>
+                <a:srgbClr val="455A83"/>
               </a:solidFill>
               <a:latin typeface="a고딕13" panose="02020600000000000000" pitchFamily="18" charset="-127"/>
               <a:ea typeface="a고딕13" panose="02020600000000000000" pitchFamily="18" charset="-127"/>
@@ -22243,7 +25377,7 @@
         </p:nvCxnSpPr>
         <p:spPr>
           <a:xfrm>
-            <a:off x="2504566" y="1489469"/>
+            <a:off x="2504566" y="787010"/>
             <a:ext cx="4134868" cy="0"/>
           </a:xfrm>
           <a:prstGeom prst="line">
@@ -22282,8 +25416,8 @@
         </p:nvSpPr>
         <p:spPr>
           <a:xfrm>
-            <a:off x="4279292" y="932040"/>
-            <a:ext cx="585417" cy="523220"/>
+            <a:off x="4279291" y="229581"/>
+            <a:ext cx="537327" cy="523220"/>
           </a:xfrm>
           <a:prstGeom prst="rect">
             <a:avLst/>
@@ -22301,14 +25435,14 @@
           <a:lstStyle/>
           <a:p>
             <a:r>
-              <a:rPr lang="en-US" altLang="ko-KR" sz="2800" dirty="0">
+              <a:rPr lang="en-US" altLang="ko-KR" sz="2800" dirty="0" smtClean="0">
                 <a:solidFill>
                   <a:srgbClr val="455A83"/>
                 </a:solidFill>
                 <a:latin typeface="a고딕19" panose="02020600000000000000" pitchFamily="18" charset="-127"/>
                 <a:ea typeface="a고딕19" panose="02020600000000000000" pitchFamily="18" charset="-127"/>
               </a:rPr>
-              <a:t>03</a:t>
+              <a:t>05</a:t>
             </a:r>
             <a:endParaRPr lang="ko-KR" altLang="en-US" sz="2800" dirty="0">
               <a:solidFill>
@@ -22322,682 +25456,13 @@
       </p:sp>
       <p:sp>
         <p:nvSpPr>
-          <p:cNvPr id="37" name="TextBox 36"/>
-          <p:cNvSpPr txBox="1"/>
+          <p:cNvPr id="10" name="직사각형 9"/>
+          <p:cNvSpPr/>
           <p:nvPr/>
         </p:nvSpPr>
         <p:spPr>
           <a:xfrm>
-            <a:off x="1373295" y="2884052"/>
-            <a:ext cx="6397410" cy="830997"/>
-          </a:xfrm>
-          <a:prstGeom prst="rect">
-            <a:avLst/>
-          </a:prstGeom>
-          <a:noFill/>
-          <a:scene3d>
-            <a:camera prst="obliqueTopLeft"/>
-            <a:lightRig rig="threePt" dir="t"/>
-          </a:scene3d>
-        </p:spPr>
-        <p:txBody>
-          <a:bodyPr wrap="square" rtlCol="0">
-            <a:spAutoFit/>
-          </a:bodyPr>
-          <a:lstStyle/>
-          <a:p>
-            <a:pPr algn="ctr"/>
-            <a:r>
-              <a:rPr lang="ko-KR" altLang="en-US" sz="1600" dirty="0" smtClean="0">
-                <a:solidFill>
-                  <a:srgbClr val="4D4D4F"/>
-                </a:solidFill>
-                <a:latin typeface="나눔스퀘어" panose="020B0600000101010101" pitchFamily="50" charset="-127"/>
-                <a:ea typeface="나눔스퀘어" panose="020B0600000101010101" pitchFamily="50" charset="-127"/>
-              </a:rPr>
-              <a:t>만약 발표를 </a:t>
-            </a:r>
-            <a:r>
-              <a:rPr lang="en-US" altLang="ko-KR" sz="1600" dirty="0" smtClean="0">
-                <a:solidFill>
-                  <a:srgbClr val="4D4D4F"/>
-                </a:solidFill>
-                <a:latin typeface="나눔스퀘어" panose="020B0600000101010101" pitchFamily="50" charset="-127"/>
-                <a:ea typeface="나눔스퀘어" panose="020B0600000101010101" pitchFamily="50" charset="-127"/>
-              </a:rPr>
-              <a:t>5</a:t>
-            </a:r>
-            <a:r>
-              <a:rPr lang="ko-KR" altLang="en-US" sz="1600" dirty="0" smtClean="0">
-                <a:solidFill>
-                  <a:srgbClr val="4D4D4F"/>
-                </a:solidFill>
-                <a:latin typeface="나눔스퀘어" panose="020B0600000101010101" pitchFamily="50" charset="-127"/>
-                <a:ea typeface="나눔스퀘어" panose="020B0600000101010101" pitchFamily="50" charset="-127"/>
-              </a:rPr>
-              <a:t>분간 해야한다면</a:t>
-            </a:r>
-            <a:endParaRPr lang="en-US" altLang="ko-KR" sz="1600" dirty="0" smtClean="0">
-              <a:solidFill>
-                <a:srgbClr val="4D4D4F"/>
-              </a:solidFill>
-              <a:latin typeface="나눔스퀘어" panose="020B0600000101010101" pitchFamily="50" charset="-127"/>
-              <a:ea typeface="나눔스퀘어" panose="020B0600000101010101" pitchFamily="50" charset="-127"/>
-            </a:endParaRPr>
-          </a:p>
-          <a:p>
-            <a:pPr algn="ctr"/>
-            <a:r>
-              <a:rPr lang="en-US" altLang="ko-KR" sz="1600" dirty="0" smtClean="0">
-                <a:solidFill>
-                  <a:srgbClr val="4D4D4F"/>
-                </a:solidFill>
-                <a:latin typeface="a고딕15" panose="02020600000000000000" pitchFamily="18" charset="-127"/>
-                <a:ea typeface="a고딕15" panose="02020600000000000000" pitchFamily="18" charset="-127"/>
-              </a:rPr>
-              <a:t>1</a:t>
-            </a:r>
-            <a:r>
-              <a:rPr lang="ko-KR" altLang="en-US" sz="1600" dirty="0" err="1" smtClean="0">
-                <a:solidFill>
-                  <a:srgbClr val="4D4D4F"/>
-                </a:solidFill>
-                <a:latin typeface="a고딕15" panose="02020600000000000000" pitchFamily="18" charset="-127"/>
-                <a:ea typeface="a고딕15" panose="02020600000000000000" pitchFamily="18" charset="-127"/>
-              </a:rPr>
-              <a:t>분단위로</a:t>
-            </a:r>
-            <a:r>
-              <a:rPr lang="ko-KR" altLang="en-US" sz="1600" dirty="0" smtClean="0">
-                <a:solidFill>
-                  <a:srgbClr val="4D4D4F"/>
-                </a:solidFill>
-                <a:latin typeface="a고딕15" panose="02020600000000000000" pitchFamily="18" charset="-127"/>
-                <a:ea typeface="a고딕15" panose="02020600000000000000" pitchFamily="18" charset="-127"/>
-              </a:rPr>
-              <a:t> 폰 진동을 </a:t>
-            </a:r>
-            <a:r>
-              <a:rPr lang="ko-KR" altLang="en-US" sz="1600" dirty="0" err="1" smtClean="0">
-                <a:solidFill>
-                  <a:srgbClr val="4D4D4F"/>
-                </a:solidFill>
-                <a:latin typeface="a고딕15" panose="02020600000000000000" pitchFamily="18" charset="-127"/>
-                <a:ea typeface="a고딕15" panose="02020600000000000000" pitchFamily="18" charset="-127"/>
-              </a:rPr>
-              <a:t>설정해놔</a:t>
-            </a:r>
-            <a:r>
-              <a:rPr lang="en-US" altLang="ko-KR" sz="1600" dirty="0" smtClean="0">
-                <a:solidFill>
-                  <a:srgbClr val="4D4D4F"/>
-                </a:solidFill>
-                <a:latin typeface="나눔스퀘어" panose="020B0600000101010101" pitchFamily="50" charset="-127"/>
-                <a:ea typeface="나눔스퀘어" panose="020B0600000101010101" pitchFamily="50" charset="-127"/>
-              </a:rPr>
-              <a:t>. </a:t>
-            </a:r>
-            <a:r>
-              <a:rPr lang="ko-KR" altLang="en-US" sz="1600" dirty="0" smtClean="0">
-                <a:solidFill>
-                  <a:srgbClr val="4D4D4F"/>
-                </a:solidFill>
-                <a:latin typeface="나눔스퀘어" panose="020B0600000101010101" pitchFamily="50" charset="-127"/>
-                <a:ea typeface="나눔스퀘어" panose="020B0600000101010101" pitchFamily="50" charset="-127"/>
-              </a:rPr>
-              <a:t>그리고 주머니에 넣어 </a:t>
-            </a:r>
-            <a:r>
-              <a:rPr lang="en-US" altLang="ko-KR" sz="1600" dirty="0">
-                <a:solidFill>
-                  <a:srgbClr val="4D4D4F"/>
-                </a:solidFill>
-                <a:latin typeface="나눔스퀘어" panose="020B0600000101010101" pitchFamily="50" charset="-127"/>
-                <a:ea typeface="나눔스퀘어" panose="020B0600000101010101" pitchFamily="50" charset="-127"/>
-              </a:rPr>
-              <a:t>!</a:t>
-            </a:r>
-          </a:p>
-          <a:p>
-            <a:pPr algn="ctr"/>
-            <a:r>
-              <a:rPr lang="ko-KR" altLang="en-US" sz="1600" dirty="0" smtClean="0">
-                <a:solidFill>
-                  <a:srgbClr val="4D4D4F"/>
-                </a:solidFill>
-                <a:latin typeface="a고딕15" panose="02020600000000000000" pitchFamily="18" charset="-127"/>
-                <a:ea typeface="a고딕15" panose="02020600000000000000" pitchFamily="18" charset="-127"/>
-              </a:rPr>
-              <a:t>교수님도 </a:t>
-            </a:r>
-            <a:r>
-              <a:rPr lang="ko-KR" altLang="en-US" sz="1600" dirty="0" err="1" smtClean="0">
-                <a:solidFill>
-                  <a:srgbClr val="4D4D4F"/>
-                </a:solidFill>
-                <a:latin typeface="a고딕15" panose="02020600000000000000" pitchFamily="18" charset="-127"/>
-                <a:ea typeface="a고딕15" panose="02020600000000000000" pitchFamily="18" charset="-127"/>
-              </a:rPr>
-              <a:t>모를꺼야</a:t>
-            </a:r>
-            <a:r>
-              <a:rPr lang="ko-KR" altLang="en-US" sz="1600" dirty="0" smtClean="0">
-                <a:solidFill>
-                  <a:srgbClr val="4D4D4F"/>
-                </a:solidFill>
-                <a:latin typeface="a고딕15" panose="02020600000000000000" pitchFamily="18" charset="-127"/>
-                <a:ea typeface="a고딕15" panose="02020600000000000000" pitchFamily="18" charset="-127"/>
-              </a:rPr>
-              <a:t> </a:t>
-            </a:r>
-            <a:r>
-              <a:rPr lang="ko-KR" altLang="en-US" sz="1600" dirty="0">
-                <a:solidFill>
-                  <a:srgbClr val="4D4D4F"/>
-                </a:solidFill>
-                <a:latin typeface="a고딕15" panose="02020600000000000000" pitchFamily="18" charset="-127"/>
-                <a:ea typeface="a고딕15" panose="02020600000000000000" pitchFamily="18" charset="-127"/>
-              </a:rPr>
-              <a:t>너</a:t>
-            </a:r>
-            <a:r>
-              <a:rPr lang="ko-KR" altLang="en-US" sz="1600" dirty="0" smtClean="0">
-                <a:solidFill>
-                  <a:srgbClr val="4D4D4F"/>
-                </a:solidFill>
-                <a:latin typeface="a고딕15" panose="02020600000000000000" pitchFamily="18" charset="-127"/>
-                <a:ea typeface="a고딕15" panose="02020600000000000000" pitchFamily="18" charset="-127"/>
-              </a:rPr>
-              <a:t>가 주머니속에서 시간을 체크한다는 사실</a:t>
-            </a:r>
-            <a:endParaRPr lang="en-US" altLang="ko-KR" sz="1600" dirty="0">
-              <a:solidFill>
-                <a:srgbClr val="4D4D4F"/>
-              </a:solidFill>
-              <a:latin typeface="a고딕15" panose="02020600000000000000" pitchFamily="18" charset="-127"/>
-              <a:ea typeface="a고딕15" panose="02020600000000000000" pitchFamily="18" charset="-127"/>
-            </a:endParaRPr>
-          </a:p>
-        </p:txBody>
-      </p:sp>
-      <p:pic>
-        <p:nvPicPr>
-          <p:cNvPr id="3" name="그림 2"/>
-          <p:cNvPicPr>
-            <a:picLocks noChangeAspect="1"/>
-          </p:cNvPicPr>
-          <p:nvPr/>
-        </p:nvPicPr>
-        <p:blipFill>
-          <a:blip r:embed="rId2" cstate="print">
-            <a:extLst>
-              <a:ext uri="{28A0092B-C50C-407E-A947-70E740481C1C}">
-                <a14:useLocalDpi xmlns:a14="http://schemas.microsoft.com/office/drawing/2010/main" val="0"/>
-              </a:ext>
-            </a:extLst>
-          </a:blip>
-          <a:stretch>
-            <a:fillRect/>
-          </a:stretch>
-        </p:blipFill>
-        <p:spPr>
-          <a:xfrm>
-            <a:off x="1373145" y="4350697"/>
-            <a:ext cx="981477" cy="981476"/>
-          </a:xfrm>
-          <a:prstGeom prst="rect">
-            <a:avLst/>
-          </a:prstGeom>
-          <a:effectLst>
-            <a:outerShdw blurRad="50800" dist="38100" dir="2700000" algn="tl" rotWithShape="0">
-              <a:prstClr val="black">
-                <a:alpha val="40000"/>
-              </a:prstClr>
-            </a:outerShdw>
-          </a:effectLst>
-          <a:scene3d>
-            <a:camera prst="obliqueTopLeft"/>
-            <a:lightRig rig="threePt" dir="t"/>
-          </a:scene3d>
-        </p:spPr>
-      </p:pic>
-      <p:pic>
-        <p:nvPicPr>
-          <p:cNvPr id="69" name="그림 68"/>
-          <p:cNvPicPr>
-            <a:picLocks noChangeAspect="1"/>
-          </p:cNvPicPr>
-          <p:nvPr/>
-        </p:nvPicPr>
-        <p:blipFill>
-          <a:blip r:embed="rId3" cstate="print">
-            <a:extLst>
-              <a:ext uri="{28A0092B-C50C-407E-A947-70E740481C1C}">
-                <a14:useLocalDpi xmlns:a14="http://schemas.microsoft.com/office/drawing/2010/main" val="0"/>
-              </a:ext>
-            </a:extLst>
-          </a:blip>
-          <a:stretch>
-            <a:fillRect/>
-          </a:stretch>
-        </p:blipFill>
-        <p:spPr>
-          <a:xfrm>
-            <a:off x="3281320" y="4348471"/>
-            <a:ext cx="983703" cy="983703"/>
-          </a:xfrm>
-          <a:prstGeom prst="rect">
-            <a:avLst/>
-          </a:prstGeom>
-        </p:spPr>
-      </p:pic>
-      <p:sp>
-        <p:nvSpPr>
-          <p:cNvPr id="70" name="덧셈 기호 69"/>
-          <p:cNvSpPr/>
-          <p:nvPr/>
-        </p:nvSpPr>
-        <p:spPr>
-          <a:xfrm>
-            <a:off x="2487568" y="4509921"/>
-            <a:ext cx="660804" cy="660804"/>
-          </a:xfrm>
-          <a:prstGeom prst="mathPlus">
-            <a:avLst>
-              <a:gd name="adj1" fmla="val 14631"/>
-            </a:avLst>
-          </a:prstGeom>
-          <a:solidFill>
-            <a:srgbClr val="575651"/>
-          </a:solidFill>
-          <a:ln>
-            <a:noFill/>
-          </a:ln>
-        </p:spPr>
-        <p:style>
-          <a:lnRef idx="2">
-            <a:schemeClr val="accent1">
-              <a:shade val="50000"/>
-            </a:schemeClr>
-          </a:lnRef>
-          <a:fillRef idx="1">
-            <a:schemeClr val="accent1"/>
-          </a:fillRef>
-          <a:effectRef idx="0">
-            <a:schemeClr val="accent1"/>
-          </a:effectRef>
-          <a:fontRef idx="minor">
-            <a:schemeClr val="lt1"/>
-          </a:fontRef>
-        </p:style>
-        <p:txBody>
-          <a:bodyPr rtlCol="0" anchor="ctr"/>
-          <a:lstStyle/>
-          <a:p>
-            <a:pPr algn="ctr"/>
-            <a:endParaRPr lang="ko-KR" altLang="en-US"/>
-          </a:p>
-        </p:txBody>
-      </p:sp>
-      <p:sp>
-        <p:nvSpPr>
-          <p:cNvPr id="73" name="등호 72"/>
-          <p:cNvSpPr/>
-          <p:nvPr/>
-        </p:nvSpPr>
-        <p:spPr>
-          <a:xfrm>
-            <a:off x="4520528" y="4509921"/>
-            <a:ext cx="660804" cy="660804"/>
-          </a:xfrm>
-          <a:prstGeom prst="mathEqual">
-            <a:avLst/>
-          </a:prstGeom>
-          <a:solidFill>
-            <a:srgbClr val="575651"/>
-          </a:solidFill>
-          <a:ln>
-            <a:noFill/>
-          </a:ln>
-        </p:spPr>
-        <p:style>
-          <a:lnRef idx="2">
-            <a:schemeClr val="accent1">
-              <a:shade val="50000"/>
-            </a:schemeClr>
-          </a:lnRef>
-          <a:fillRef idx="1">
-            <a:schemeClr val="accent1"/>
-          </a:fillRef>
-          <a:effectRef idx="0">
-            <a:schemeClr val="accent1"/>
-          </a:effectRef>
-          <a:fontRef idx="minor">
-            <a:schemeClr val="lt1"/>
-          </a:fontRef>
-        </p:style>
-        <p:txBody>
-          <a:bodyPr rtlCol="0" anchor="ctr"/>
-          <a:lstStyle/>
-          <a:p>
-            <a:pPr algn="ctr"/>
-            <a:endParaRPr lang="ko-KR" altLang="en-US"/>
-          </a:p>
-        </p:txBody>
-      </p:sp>
-      <p:grpSp>
-        <p:nvGrpSpPr>
-          <p:cNvPr id="87" name="그룹 86"/>
-          <p:cNvGrpSpPr/>
-          <p:nvPr/>
-        </p:nvGrpSpPr>
-        <p:grpSpPr>
-          <a:xfrm>
-            <a:off x="5370607" y="4378448"/>
-            <a:ext cx="2365450" cy="1031436"/>
-            <a:chOff x="5559350" y="4170104"/>
-            <a:chExt cx="2365450" cy="1031436"/>
-          </a:xfrm>
-        </p:grpSpPr>
-        <p:sp>
-          <p:nvSpPr>
-            <p:cNvPr id="86" name="직사각형 85"/>
-            <p:cNvSpPr/>
-            <p:nvPr/>
-          </p:nvSpPr>
-          <p:spPr>
-            <a:xfrm>
-              <a:off x="5908264" y="4563918"/>
-              <a:ext cx="1666240" cy="559911"/>
-            </a:xfrm>
-            <a:prstGeom prst="rect">
-              <a:avLst/>
-            </a:prstGeom>
-            <a:noFill/>
-            <a:ln w="25400">
-              <a:solidFill>
-                <a:schemeClr val="tx1">
-                  <a:lumMod val="50000"/>
-                  <a:lumOff val="50000"/>
-                </a:schemeClr>
-              </a:solidFill>
-            </a:ln>
-          </p:spPr>
-          <p:style>
-            <a:lnRef idx="2">
-              <a:schemeClr val="accent1">
-                <a:shade val="50000"/>
-              </a:schemeClr>
-            </a:lnRef>
-            <a:fillRef idx="1">
-              <a:schemeClr val="accent1"/>
-            </a:fillRef>
-            <a:effectRef idx="0">
-              <a:schemeClr val="accent1"/>
-            </a:effectRef>
-            <a:fontRef idx="minor">
-              <a:schemeClr val="lt1"/>
-            </a:fontRef>
-          </p:style>
-          <p:txBody>
-            <a:bodyPr rtlCol="0" anchor="ctr"/>
-            <a:lstStyle/>
-            <a:p>
-              <a:pPr algn="ctr"/>
-              <a:endParaRPr lang="ko-KR" altLang="en-US"/>
-            </a:p>
-          </p:txBody>
-        </p:sp>
-        <p:sp>
-          <p:nvSpPr>
-            <p:cNvPr id="83" name="직사각형 82"/>
-            <p:cNvSpPr/>
-            <p:nvPr/>
-          </p:nvSpPr>
-          <p:spPr>
-            <a:xfrm>
-              <a:off x="5908264" y="4230510"/>
-              <a:ext cx="1666240" cy="463965"/>
-            </a:xfrm>
-            <a:prstGeom prst="rect">
-              <a:avLst/>
-            </a:prstGeom>
-            <a:solidFill>
-              <a:srgbClr val="455A83"/>
-            </a:solidFill>
-            <a:ln w="25400">
-              <a:solidFill>
-                <a:srgbClr val="455A83"/>
-              </a:solidFill>
-            </a:ln>
-          </p:spPr>
-          <p:style>
-            <a:lnRef idx="2">
-              <a:schemeClr val="accent1">
-                <a:shade val="50000"/>
-              </a:schemeClr>
-            </a:lnRef>
-            <a:fillRef idx="1">
-              <a:schemeClr val="accent1"/>
-            </a:fillRef>
-            <a:effectRef idx="0">
-              <a:schemeClr val="accent1"/>
-            </a:effectRef>
-            <a:fontRef idx="minor">
-              <a:schemeClr val="lt1"/>
-            </a:fontRef>
-          </p:style>
-          <p:txBody>
-            <a:bodyPr rtlCol="0" anchor="ctr"/>
-            <a:lstStyle/>
-            <a:p>
-              <a:pPr algn="ctr"/>
-              <a:endParaRPr lang="ko-KR" altLang="en-US"/>
-            </a:p>
-          </p:txBody>
-        </p:sp>
-        <p:sp>
-          <p:nvSpPr>
-            <p:cNvPr id="82" name="TextBox 81"/>
-            <p:cNvSpPr txBox="1"/>
-            <p:nvPr/>
-          </p:nvSpPr>
-          <p:spPr>
-            <a:xfrm>
-              <a:off x="6003237" y="4170104"/>
-              <a:ext cx="1466514" cy="584775"/>
-            </a:xfrm>
-            <a:prstGeom prst="rect">
-              <a:avLst/>
-            </a:prstGeom>
-            <a:noFill/>
-            <a:scene3d>
-              <a:camera prst="obliqueTopLeft"/>
-              <a:lightRig rig="threePt" dir="t"/>
-            </a:scene3d>
-          </p:spPr>
-          <p:txBody>
-            <a:bodyPr wrap="square" rtlCol="0">
-              <a:spAutoFit/>
-            </a:bodyPr>
-            <a:lstStyle/>
-            <a:p>
-              <a:pPr algn="ctr"/>
-              <a:r>
-                <a:rPr lang="en-US" altLang="ko-KR" sz="3200" dirty="0" smtClean="0">
-                  <a:solidFill>
-                    <a:schemeClr val="bg1"/>
-                  </a:solidFill>
-                  <a:latin typeface="a고딕15" panose="02020600000000000000" pitchFamily="18" charset="-127"/>
-                  <a:ea typeface="a고딕15" panose="02020600000000000000" pitchFamily="18" charset="-127"/>
-                </a:rPr>
-                <a:t>T I M E</a:t>
-              </a:r>
-              <a:endParaRPr lang="en-US" altLang="ko-KR" sz="3200" dirty="0">
-                <a:solidFill>
-                  <a:schemeClr val="bg1"/>
-                </a:solidFill>
-                <a:latin typeface="a고딕15" panose="02020600000000000000" pitchFamily="18" charset="-127"/>
-                <a:ea typeface="a고딕15" panose="02020600000000000000" pitchFamily="18" charset="-127"/>
-              </a:endParaRPr>
-            </a:p>
-          </p:txBody>
-        </p:sp>
-        <p:sp>
-          <p:nvSpPr>
-            <p:cNvPr id="81" name="TextBox 80"/>
-            <p:cNvSpPr txBox="1"/>
-            <p:nvPr/>
-          </p:nvSpPr>
-          <p:spPr>
-            <a:xfrm>
-              <a:off x="5559350" y="4616765"/>
-              <a:ext cx="2365450" cy="584775"/>
-            </a:xfrm>
-            <a:prstGeom prst="rect">
-              <a:avLst/>
-            </a:prstGeom>
-            <a:noFill/>
-            <a:scene3d>
-              <a:camera prst="obliqueTopLeft"/>
-              <a:lightRig rig="threePt" dir="t"/>
-            </a:scene3d>
-          </p:spPr>
-          <p:txBody>
-            <a:bodyPr wrap="square" rtlCol="0">
-              <a:spAutoFit/>
-            </a:bodyPr>
-            <a:lstStyle/>
-            <a:p>
-              <a:pPr algn="ctr"/>
-              <a:r>
-                <a:rPr lang="en-US" altLang="ko-KR" sz="3200" dirty="0" smtClean="0">
-                  <a:solidFill>
-                    <a:srgbClr val="4D4D4F"/>
-                  </a:solidFill>
-                  <a:latin typeface="a고딕15" panose="02020600000000000000" pitchFamily="18" charset="-127"/>
-                  <a:ea typeface="a고딕15" panose="02020600000000000000" pitchFamily="18" charset="-127"/>
-                </a:rPr>
-                <a:t>MASTER</a:t>
-              </a:r>
-              <a:endParaRPr lang="en-US" altLang="ko-KR" sz="3200" dirty="0">
-                <a:solidFill>
-                  <a:srgbClr val="4D4D4F"/>
-                </a:solidFill>
-                <a:latin typeface="a고딕15" panose="02020600000000000000" pitchFamily="18" charset="-127"/>
-                <a:ea typeface="a고딕15" panose="02020600000000000000" pitchFamily="18" charset="-127"/>
-              </a:endParaRPr>
-            </a:p>
-          </p:txBody>
-        </p:sp>
-      </p:grpSp>
-      <p:sp>
-        <p:nvSpPr>
-          <p:cNvPr id="31" name="모서리가 둥근 직사각형 30"/>
-          <p:cNvSpPr/>
-          <p:nvPr/>
-        </p:nvSpPr>
-        <p:spPr>
-          <a:xfrm>
-            <a:off x="3836937" y="2441408"/>
-            <a:ext cx="1470126" cy="325045"/>
-          </a:xfrm>
-          <a:prstGeom prst="roundRect">
-            <a:avLst/>
-          </a:prstGeom>
-          <a:solidFill>
-            <a:srgbClr val="455A83"/>
-          </a:solidFill>
-          <a:ln>
-            <a:noFill/>
-          </a:ln>
-        </p:spPr>
-        <p:style>
-          <a:lnRef idx="2">
-            <a:schemeClr val="accent1">
-              <a:shade val="50000"/>
-            </a:schemeClr>
-          </a:lnRef>
-          <a:fillRef idx="1">
-            <a:schemeClr val="accent1"/>
-          </a:fillRef>
-          <a:effectRef idx="0">
-            <a:schemeClr val="accent1"/>
-          </a:effectRef>
-          <a:fontRef idx="minor">
-            <a:schemeClr val="lt1"/>
-          </a:fontRef>
-        </p:style>
-        <p:txBody>
-          <a:bodyPr rot="0" spcFirstLastPara="0" vertOverflow="overflow" horzOverflow="overflow" vert="horz" wrap="square" lIns="91440" tIns="45720" rIns="91440" bIns="45720" numCol="1" spcCol="0" rtlCol="0" fromWordArt="0" anchor="ctr" anchorCtr="0" forceAA="0" compatLnSpc="1">
-            <a:prstTxWarp prst="textNoShape">
-              <a:avLst/>
-            </a:prstTxWarp>
-            <a:noAutofit/>
-          </a:bodyPr>
-          <a:lstStyle/>
-          <a:p>
-            <a:pPr algn="ctr"/>
-            <a:endParaRPr lang="ko-KR" altLang="en-US"/>
-          </a:p>
-        </p:txBody>
-      </p:sp>
-      <p:sp>
-        <p:nvSpPr>
-          <p:cNvPr id="32" name="TextBox 31"/>
-          <p:cNvSpPr txBox="1"/>
-          <p:nvPr/>
-        </p:nvSpPr>
-        <p:spPr>
-          <a:xfrm>
-            <a:off x="3835260" y="2408354"/>
-            <a:ext cx="1473480" cy="369332"/>
-          </a:xfrm>
-          <a:prstGeom prst="rect">
-            <a:avLst/>
-          </a:prstGeom>
-          <a:noFill/>
-          <a:scene3d>
-            <a:camera prst="obliqueTopLeft"/>
-            <a:lightRig rig="threePt" dir="t"/>
-          </a:scene3d>
-        </p:spPr>
-        <p:txBody>
-          <a:bodyPr wrap="none" rtlCol="0">
-            <a:spAutoFit/>
-          </a:bodyPr>
-          <a:lstStyle/>
-          <a:p>
-            <a:pPr algn="ctr"/>
-            <a:r>
-              <a:rPr lang="ko-KR" altLang="en-US" dirty="0" smtClean="0">
-                <a:solidFill>
-                  <a:schemeClr val="bg1"/>
-                </a:solidFill>
-                <a:latin typeface="a고딕15" panose="02020600000000000000" pitchFamily="18" charset="-127"/>
-                <a:ea typeface="a고딕15" panose="02020600000000000000" pitchFamily="18" charset="-127"/>
-              </a:rPr>
-              <a:t>폰을 활용한다</a:t>
-            </a:r>
-            <a:endParaRPr lang="en-US" altLang="ko-KR" dirty="0" smtClean="0">
-              <a:solidFill>
-                <a:schemeClr val="bg1"/>
-              </a:solidFill>
-              <a:latin typeface="a고딕15" panose="02020600000000000000" pitchFamily="18" charset="-127"/>
-              <a:ea typeface="a고딕15" panose="02020600000000000000" pitchFamily="18" charset="-127"/>
-            </a:endParaRPr>
-          </a:p>
-        </p:txBody>
-      </p:sp>
-      <p:sp>
-        <p:nvSpPr>
-          <p:cNvPr id="34" name="직사각형 33"/>
-          <p:cNvSpPr/>
-          <p:nvPr/>
-        </p:nvSpPr>
-        <p:spPr>
-          <a:xfrm>
-            <a:off x="-1310607" y="2406528"/>
+            <a:off x="-1706880" y="932040"/>
             <a:ext cx="920620" cy="261610"/>
           </a:xfrm>
           <a:prstGeom prst="rect">
@@ -23037,13 +25502,13 @@
       </p:sp>
       <p:sp>
         <p:nvSpPr>
-          <p:cNvPr id="35" name="직사각형 34"/>
+          <p:cNvPr id="23" name="직사각형 22"/>
           <p:cNvSpPr/>
           <p:nvPr/>
         </p:nvSpPr>
         <p:spPr>
           <a:xfrm>
-            <a:off x="-1310607" y="2668138"/>
+            <a:off x="-1706880" y="1193650"/>
             <a:ext cx="920620" cy="261610"/>
           </a:xfrm>
           <a:prstGeom prst="rect">
@@ -23083,13 +25548,13 @@
       </p:sp>
       <p:sp>
         <p:nvSpPr>
-          <p:cNvPr id="38" name="직사각형 37"/>
+          <p:cNvPr id="24" name="직사각형 23"/>
           <p:cNvSpPr/>
           <p:nvPr/>
         </p:nvSpPr>
         <p:spPr>
           <a:xfrm>
-            <a:off x="-1310607" y="2929748"/>
+            <a:off x="-1706880" y="1455260"/>
             <a:ext cx="920620" cy="261610"/>
           </a:xfrm>
           <a:prstGeom prst="rect">
@@ -23129,13 +25594,13 @@
       </p:sp>
       <p:sp>
         <p:nvSpPr>
-          <p:cNvPr id="39" name="직사각형 38"/>
+          <p:cNvPr id="25" name="직사각형 24"/>
           <p:cNvSpPr/>
           <p:nvPr/>
         </p:nvSpPr>
         <p:spPr>
           <a:xfrm>
-            <a:off x="-1310607" y="3169919"/>
+            <a:off x="-1706880" y="1695431"/>
             <a:ext cx="920620" cy="261610"/>
           </a:xfrm>
           <a:prstGeom prst="rect">
@@ -23175,13 +25640,13 @@
       </p:sp>
       <p:sp>
         <p:nvSpPr>
-          <p:cNvPr id="40" name="직사각형 39"/>
+          <p:cNvPr id="26" name="직사각형 25"/>
           <p:cNvSpPr/>
           <p:nvPr/>
         </p:nvSpPr>
         <p:spPr>
           <a:xfrm>
-            <a:off x="-1310607" y="3413725"/>
+            <a:off x="-1706880" y="1939237"/>
             <a:ext cx="920620" cy="261610"/>
           </a:xfrm>
           <a:prstGeom prst="rect">
@@ -23222,7 +25687,7 @@
     </p:spTree>
     <p:extLst>
       <p:ext uri="{BB962C8B-B14F-4D97-AF65-F5344CB8AC3E}">
-        <p14:creationId xmlns:p14="http://schemas.microsoft.com/office/powerpoint/2010/main" val="1742088984"/>
+        <p14:creationId xmlns:p14="http://schemas.microsoft.com/office/powerpoint/2010/main" val="1990141252"/>
       </p:ext>
     </p:extLst>
   </p:cSld>

--- a/req_doc/DC 스마트그리드 홈 네트워크 제안서.pptx
+++ b/req_doc/DC 스마트그리드 홈 네트워크 제안서.pptx
@@ -5,7 +5,7 @@
     <p:sldMasterId id="2147483660" r:id="rId1"/>
   </p:sldMasterIdLst>
   <p:notesMasterIdLst>
-    <p:notesMasterId r:id="rId14"/>
+    <p:notesMasterId r:id="rId13"/>
   </p:notesMasterIdLst>
   <p:sldIdLst>
     <p:sldId id="256" r:id="rId2"/>
@@ -17,9 +17,8 @@
     <p:sldId id="296" r:id="rId8"/>
     <p:sldId id="295" r:id="rId9"/>
     <p:sldId id="298" r:id="rId10"/>
-    <p:sldId id="297" r:id="rId11"/>
-    <p:sldId id="303" r:id="rId12"/>
-    <p:sldId id="299" r:id="rId13"/>
+    <p:sldId id="303" r:id="rId11"/>
+    <p:sldId id="299" r:id="rId12"/>
   </p:sldIdLst>
   <p:sldSz cx="9144000" cy="6858000" type="screen4x3"/>
   <p:notesSz cx="6858000" cy="9144000"/>
@@ -220,7 +219,7 @@
           <a:p>
             <a:fld id="{2BB689C8-493B-41FB-8636-D1952CE40144}" type="datetimeFigureOut">
               <a:rPr lang="ko-KR" altLang="en-US" smtClean="0"/>
-              <a:t>2021-03-18</a:t>
+              <a:t>2021-03-19</a:t>
             </a:fld>
             <a:endParaRPr lang="ko-KR" altLang="en-US"/>
           </a:p>
@@ -1713,7 +1712,7 @@
           <a:p>
             <a:fld id="{BEB62D87-B203-42B5-845B-5753985B753F}" type="datetimeFigureOut">
               <a:rPr lang="ko-KR" altLang="en-US" smtClean="0"/>
-              <a:t>2021-03-18</a:t>
+              <a:t>2021-03-19</a:t>
             </a:fld>
             <a:endParaRPr lang="ko-KR" altLang="en-US"/>
           </a:p>
@@ -1883,7 +1882,7 @@
           <a:p>
             <a:fld id="{BEB62D87-B203-42B5-845B-5753985B753F}" type="datetimeFigureOut">
               <a:rPr lang="ko-KR" altLang="en-US" smtClean="0"/>
-              <a:t>2021-03-18</a:t>
+              <a:t>2021-03-19</a:t>
             </a:fld>
             <a:endParaRPr lang="ko-KR" altLang="en-US"/>
           </a:p>
@@ -2063,7 +2062,7 @@
           <a:p>
             <a:fld id="{BEB62D87-B203-42B5-845B-5753985B753F}" type="datetimeFigureOut">
               <a:rPr lang="ko-KR" altLang="en-US" smtClean="0"/>
-              <a:t>2021-03-18</a:t>
+              <a:t>2021-03-19</a:t>
             </a:fld>
             <a:endParaRPr lang="ko-KR" altLang="en-US"/>
           </a:p>
@@ -2233,7 +2232,7 @@
           <a:p>
             <a:fld id="{BEB62D87-B203-42B5-845B-5753985B753F}" type="datetimeFigureOut">
               <a:rPr lang="ko-KR" altLang="en-US" smtClean="0"/>
-              <a:t>2021-03-18</a:t>
+              <a:t>2021-03-19</a:t>
             </a:fld>
             <a:endParaRPr lang="ko-KR" altLang="en-US"/>
           </a:p>
@@ -2477,7 +2476,7 @@
           <a:p>
             <a:fld id="{BEB62D87-B203-42B5-845B-5753985B753F}" type="datetimeFigureOut">
               <a:rPr lang="ko-KR" altLang="en-US" smtClean="0"/>
-              <a:t>2021-03-18</a:t>
+              <a:t>2021-03-19</a:t>
             </a:fld>
             <a:endParaRPr lang="ko-KR" altLang="en-US"/>
           </a:p>
@@ -2709,7 +2708,7 @@
           <a:p>
             <a:fld id="{BEB62D87-B203-42B5-845B-5753985B753F}" type="datetimeFigureOut">
               <a:rPr lang="ko-KR" altLang="en-US" smtClean="0"/>
-              <a:t>2021-03-18</a:t>
+              <a:t>2021-03-19</a:t>
             </a:fld>
             <a:endParaRPr lang="ko-KR" altLang="en-US"/>
           </a:p>
@@ -3076,7 +3075,7 @@
           <a:p>
             <a:fld id="{BEB62D87-B203-42B5-845B-5753985B753F}" type="datetimeFigureOut">
               <a:rPr lang="ko-KR" altLang="en-US" smtClean="0"/>
-              <a:t>2021-03-18</a:t>
+              <a:t>2021-03-19</a:t>
             </a:fld>
             <a:endParaRPr lang="ko-KR" altLang="en-US"/>
           </a:p>
@@ -3194,7 +3193,7 @@
           <a:p>
             <a:fld id="{BEB62D87-B203-42B5-845B-5753985B753F}" type="datetimeFigureOut">
               <a:rPr lang="ko-KR" altLang="en-US" smtClean="0"/>
-              <a:t>2021-03-18</a:t>
+              <a:t>2021-03-19</a:t>
             </a:fld>
             <a:endParaRPr lang="ko-KR" altLang="en-US"/>
           </a:p>
@@ -3289,7 +3288,7 @@
           <a:p>
             <a:fld id="{BEB62D87-B203-42B5-845B-5753985B753F}" type="datetimeFigureOut">
               <a:rPr lang="ko-KR" altLang="en-US" smtClean="0"/>
-              <a:t>2021-03-18</a:t>
+              <a:t>2021-03-19</a:t>
             </a:fld>
             <a:endParaRPr lang="ko-KR" altLang="en-US"/>
           </a:p>
@@ -3566,7 +3565,7 @@
           <a:p>
             <a:fld id="{BEB62D87-B203-42B5-845B-5753985B753F}" type="datetimeFigureOut">
               <a:rPr lang="ko-KR" altLang="en-US" smtClean="0"/>
-              <a:t>2021-03-18</a:t>
+              <a:t>2021-03-19</a:t>
             </a:fld>
             <a:endParaRPr lang="ko-KR" altLang="en-US"/>
           </a:p>
@@ -3823,7 +3822,7 @@
           <a:p>
             <a:fld id="{BEB62D87-B203-42B5-845B-5753985B753F}" type="datetimeFigureOut">
               <a:rPr lang="ko-KR" altLang="en-US" smtClean="0"/>
-              <a:t>2021-03-18</a:t>
+              <a:t>2021-03-19</a:t>
             </a:fld>
             <a:endParaRPr lang="ko-KR" altLang="en-US"/>
           </a:p>
@@ -4036,7 +4035,7 @@
           <a:p>
             <a:fld id="{BEB62D87-B203-42B5-845B-5753985B753F}" type="datetimeFigureOut">
               <a:rPr lang="ko-KR" altLang="en-US" smtClean="0"/>
-              <a:t>2021-03-18</a:t>
+              <a:t>2021-03-19</a:t>
             </a:fld>
             <a:endParaRPr lang="ko-KR" altLang="en-US"/>
           </a:p>
@@ -6047,227 +6046,346 @@
           </a:p>
         </p:txBody>
       </p:sp>
-      <p:sp>
-        <p:nvSpPr>
-          <p:cNvPr id="12" name="TextBox 11"/>
-          <p:cNvSpPr txBox="1"/>
+      <p:grpSp>
+        <p:nvGrpSpPr>
+          <p:cNvPr id="6" name="그룹 5"/>
+          <p:cNvGrpSpPr/>
           <p:nvPr/>
-        </p:nvSpPr>
-        <p:spPr>
-          <a:xfrm>
-            <a:off x="505281" y="2646496"/>
-            <a:ext cx="8085346" cy="2800767"/>
-          </a:xfrm>
-          <a:prstGeom prst="rect">
-            <a:avLst/>
-          </a:prstGeom>
-          <a:noFill/>
-          <a:scene3d>
-            <a:camera prst="obliqueTopLeft"/>
-            <a:lightRig rig="threePt" dir="t"/>
-          </a:scene3d>
-        </p:spPr>
-        <p:txBody>
-          <a:bodyPr wrap="square" rtlCol="0">
-            <a:spAutoFit/>
-          </a:bodyPr>
-          <a:lstStyle/>
-          <a:p>
-            <a:pPr algn="ctr"/>
-            <a:r>
-              <a:rPr lang="ko-KR" altLang="en-US" sz="1600" dirty="0" smtClean="0">
+        </p:nvGrpSpPr>
+        <p:grpSpPr>
+          <a:xfrm>
+            <a:off x="4595404" y="2506019"/>
+            <a:ext cx="3839513" cy="1717822"/>
+            <a:chOff x="4595404" y="2506019"/>
+            <a:chExt cx="3839513" cy="1717822"/>
+          </a:xfrm>
+        </p:grpSpPr>
+        <p:sp>
+          <p:nvSpPr>
+            <p:cNvPr id="28" name="TextBox 27"/>
+            <p:cNvSpPr txBox="1"/>
+            <p:nvPr/>
+          </p:nvSpPr>
+          <p:spPr>
+            <a:xfrm>
+              <a:off x="4595404" y="3639066"/>
+              <a:ext cx="3839513" cy="584775"/>
+            </a:xfrm>
+            <a:prstGeom prst="rect">
+              <a:avLst/>
+            </a:prstGeom>
+            <a:noFill/>
+            <a:scene3d>
+              <a:camera prst="obliqueTopLeft"/>
+              <a:lightRig rig="threePt" dir="t"/>
+            </a:scene3d>
+          </p:spPr>
+          <p:txBody>
+            <a:bodyPr wrap="none" rtlCol="0">
+              <a:spAutoFit/>
+            </a:bodyPr>
+            <a:lstStyle/>
+            <a:p>
+              <a:pPr algn="ctr"/>
+              <a:r>
+                <a:rPr lang="ko-KR" altLang="en-US" sz="1600" dirty="0" smtClean="0">
+                  <a:solidFill>
+                    <a:srgbClr val="4D4D4F"/>
+                  </a:solidFill>
+                  <a:latin typeface="나눔스퀘어" panose="020B0600000101010101" pitchFamily="50" charset="-127"/>
+                  <a:ea typeface="나눔스퀘어" panose="020B0600000101010101" pitchFamily="50" charset="-127"/>
+                </a:rPr>
+                <a:t>많은 소비자들의 전력 중계 시장 참여를 통한</a:t>
+              </a:r>
+              <a:endParaRPr lang="en-US" altLang="ko-KR" sz="1600" dirty="0" smtClean="0">
                 <a:solidFill>
                   <a:srgbClr val="4D4D4F"/>
                 </a:solidFill>
-                <a:latin typeface="a고딕19" panose="02020600000000000000" pitchFamily="18" charset="-127"/>
-                <a:ea typeface="a고딕19" panose="02020600000000000000" pitchFamily="18" charset="-127"/>
-              </a:rPr>
-              <a:t>신재생 에너지 상용화를 통한</a:t>
-            </a:r>
-            <a:endParaRPr lang="en-US" altLang="ko-KR" sz="1600" dirty="0" smtClean="0">
-              <a:solidFill>
-                <a:srgbClr val="4D4D4F"/>
-              </a:solidFill>
-              <a:latin typeface="a고딕19" panose="02020600000000000000" pitchFamily="18" charset="-127"/>
-              <a:ea typeface="a고딕19" panose="02020600000000000000" pitchFamily="18" charset="-127"/>
-            </a:endParaRPr>
-          </a:p>
-          <a:p>
-            <a:pPr algn="ctr"/>
-            <a:r>
-              <a:rPr lang="ko-KR" altLang="en-US" sz="1600" dirty="0" smtClean="0">
+                <a:latin typeface="나눔스퀘어" panose="020B0600000101010101" pitchFamily="50" charset="-127"/>
+                <a:ea typeface="나눔스퀘어" panose="020B0600000101010101" pitchFamily="50" charset="-127"/>
+              </a:endParaRPr>
+            </a:p>
+            <a:p>
+              <a:pPr algn="ctr"/>
+              <a:r>
+                <a:rPr lang="ko-KR" altLang="en-US" sz="1600" dirty="0" smtClean="0">
+                  <a:solidFill>
+                    <a:srgbClr val="455A83"/>
+                  </a:solidFill>
+                  <a:latin typeface="a고딕15" panose="02020600000000000000" pitchFamily="18" charset="-127"/>
+                  <a:ea typeface="a고딕15" panose="02020600000000000000" pitchFamily="18" charset="-127"/>
+                </a:rPr>
+                <a:t>에너지 시장경제 확대</a:t>
+              </a:r>
+              <a:endParaRPr lang="en-US" altLang="ko-KR" sz="1600" dirty="0">
+                <a:solidFill>
+                  <a:srgbClr val="455A83"/>
+                </a:solidFill>
+                <a:latin typeface="a고딕15" panose="02020600000000000000" pitchFamily="18" charset="-127"/>
+                <a:ea typeface="a고딕15" panose="02020600000000000000" pitchFamily="18" charset="-127"/>
+              </a:endParaRPr>
+            </a:p>
+          </p:txBody>
+        </p:sp>
+        <p:pic>
+          <p:nvPicPr>
+            <p:cNvPr id="2" name="그림 1"/>
+            <p:cNvPicPr>
+              <a:picLocks noChangeAspect="1"/>
+            </p:cNvPicPr>
+            <p:nvPr/>
+          </p:nvPicPr>
+          <p:blipFill>
+            <a:blip r:embed="rId2">
+              <a:extLst>
+                <a:ext uri="{28A0092B-C50C-407E-A947-70E740481C1C}">
+                  <a14:useLocalDpi xmlns:a14="http://schemas.microsoft.com/office/drawing/2010/main" val="0"/>
+                </a:ext>
+              </a:extLst>
+            </a:blip>
+            <a:stretch>
+              <a:fillRect/>
+            </a:stretch>
+          </p:blipFill>
+          <p:spPr>
+            <a:xfrm>
+              <a:off x="6121361" y="2506019"/>
+              <a:ext cx="1036145" cy="1036145"/>
+            </a:xfrm>
+            <a:prstGeom prst="rect">
+              <a:avLst/>
+            </a:prstGeom>
+          </p:spPr>
+        </p:pic>
+      </p:grpSp>
+      <p:grpSp>
+        <p:nvGrpSpPr>
+          <p:cNvPr id="5" name="그룹 4"/>
+          <p:cNvGrpSpPr/>
+          <p:nvPr/>
+        </p:nvGrpSpPr>
+        <p:grpSpPr>
+          <a:xfrm>
+            <a:off x="1013086" y="2316801"/>
+            <a:ext cx="3313728" cy="1907040"/>
+            <a:chOff x="1013086" y="2316801"/>
+            <a:chExt cx="3313728" cy="1907040"/>
+          </a:xfrm>
+        </p:grpSpPr>
+        <p:sp>
+          <p:nvSpPr>
+            <p:cNvPr id="34" name="TextBox 33"/>
+            <p:cNvSpPr txBox="1"/>
+            <p:nvPr/>
+          </p:nvSpPr>
+          <p:spPr>
+            <a:xfrm>
+              <a:off x="1013086" y="3639066"/>
+              <a:ext cx="3313728" cy="584775"/>
+            </a:xfrm>
+            <a:prstGeom prst="rect">
+              <a:avLst/>
+            </a:prstGeom>
+            <a:noFill/>
+            <a:scene3d>
+              <a:camera prst="obliqueTopLeft"/>
+              <a:lightRig rig="threePt" dir="t"/>
+            </a:scene3d>
+          </p:spPr>
+          <p:txBody>
+            <a:bodyPr wrap="none" rtlCol="0">
+              <a:spAutoFit/>
+            </a:bodyPr>
+            <a:lstStyle/>
+            <a:p>
+              <a:pPr algn="ctr"/>
+              <a:r>
+                <a:rPr lang="ko-KR" altLang="en-US" sz="1600" dirty="0" smtClean="0">
+                  <a:solidFill>
+                    <a:srgbClr val="4D4D4F"/>
+                  </a:solidFill>
+                  <a:latin typeface="나눔스퀘어" panose="020B0600000101010101" pitchFamily="50" charset="-127"/>
+                  <a:ea typeface="나눔스퀘어" panose="020B0600000101010101" pitchFamily="50" charset="-127"/>
+                </a:rPr>
+                <a:t>신재생 에너지 상용화를 통한</a:t>
+              </a:r>
+              <a:endParaRPr lang="en-US" altLang="ko-KR" sz="1600" dirty="0">
+                <a:solidFill>
+                  <a:srgbClr val="455A83"/>
+                </a:solidFill>
+                <a:latin typeface="나눔스퀘어" panose="020B0600000101010101" pitchFamily="50" charset="-127"/>
+                <a:ea typeface="a고딕15" panose="02020600000000000000" pitchFamily="18" charset="-127"/>
+              </a:endParaRPr>
+            </a:p>
+            <a:p>
+              <a:pPr algn="ctr"/>
+              <a:r>
+                <a:rPr lang="ko-KR" altLang="en-US" sz="1600" dirty="0" smtClean="0">
+                  <a:solidFill>
+                    <a:srgbClr val="455A83"/>
+                  </a:solidFill>
+                  <a:latin typeface="a고딕15" panose="02020600000000000000" pitchFamily="18" charset="-127"/>
+                  <a:ea typeface="a고딕15" panose="02020600000000000000" pitchFamily="18" charset="-127"/>
+                </a:rPr>
+                <a:t>공적 에너지 수요 및 환경오염 감소</a:t>
+              </a:r>
+              <a:endParaRPr lang="en-US" altLang="ko-KR" sz="1600" dirty="0">
+                <a:solidFill>
+                  <a:srgbClr val="455A83"/>
+                </a:solidFill>
+                <a:latin typeface="a고딕15" panose="02020600000000000000" pitchFamily="18" charset="-127"/>
+                <a:ea typeface="a고딕15" panose="02020600000000000000" pitchFamily="18" charset="-127"/>
+              </a:endParaRPr>
+            </a:p>
+          </p:txBody>
+        </p:sp>
+        <p:pic>
+          <p:nvPicPr>
+            <p:cNvPr id="3" name="그림 2"/>
+            <p:cNvPicPr>
+              <a:picLocks noChangeAspect="1"/>
+            </p:cNvPicPr>
+            <p:nvPr/>
+          </p:nvPicPr>
+          <p:blipFill>
+            <a:blip r:embed="rId3">
+              <a:extLst>
+                <a:ext uri="{28A0092B-C50C-407E-A947-70E740481C1C}">
+                  <a14:useLocalDpi xmlns:a14="http://schemas.microsoft.com/office/drawing/2010/main" val="0"/>
+                </a:ext>
+              </a:extLst>
+            </a:blip>
+            <a:stretch>
+              <a:fillRect/>
+            </a:stretch>
+          </p:blipFill>
+          <p:spPr>
+            <a:xfrm>
+              <a:off x="2052265" y="2316801"/>
+              <a:ext cx="1235370" cy="1235370"/>
+            </a:xfrm>
+            <a:prstGeom prst="rect">
+              <a:avLst/>
+            </a:prstGeom>
+          </p:spPr>
+        </p:pic>
+      </p:grpSp>
+      <p:grpSp>
+        <p:nvGrpSpPr>
+          <p:cNvPr id="7" name="그룹 6"/>
+          <p:cNvGrpSpPr/>
+          <p:nvPr/>
+        </p:nvGrpSpPr>
+        <p:grpSpPr>
+          <a:xfrm>
+            <a:off x="2746819" y="4651228"/>
+            <a:ext cx="3602269" cy="1692010"/>
+            <a:chOff x="2746819" y="4651228"/>
+            <a:chExt cx="3602269" cy="1692010"/>
+          </a:xfrm>
+        </p:grpSpPr>
+        <p:sp>
+          <p:nvSpPr>
+            <p:cNvPr id="31" name="TextBox 30"/>
+            <p:cNvSpPr txBox="1"/>
+            <p:nvPr/>
+          </p:nvSpPr>
+          <p:spPr>
+            <a:xfrm>
+              <a:off x="2746819" y="5758463"/>
+              <a:ext cx="3602269" cy="584775"/>
+            </a:xfrm>
+            <a:prstGeom prst="rect">
+              <a:avLst/>
+            </a:prstGeom>
+            <a:noFill/>
+            <a:scene3d>
+              <a:camera prst="obliqueTopLeft"/>
+              <a:lightRig rig="threePt" dir="t"/>
+            </a:scene3d>
+          </p:spPr>
+          <p:txBody>
+            <a:bodyPr wrap="none" rtlCol="0">
+              <a:spAutoFit/>
+            </a:bodyPr>
+            <a:lstStyle/>
+            <a:p>
+              <a:pPr algn="ctr"/>
+              <a:r>
+                <a:rPr lang="ko-KR" altLang="en-US" sz="1600" dirty="0" smtClean="0">
+                  <a:solidFill>
+                    <a:srgbClr val="4D4D4F"/>
+                  </a:solidFill>
+                  <a:latin typeface="나눔스퀘어" panose="020B0600000101010101" pitchFamily="50" charset="-127"/>
+                  <a:ea typeface="나눔스퀘어" panose="020B0600000101010101" pitchFamily="50" charset="-127"/>
+                </a:rPr>
+                <a:t>접근성이 좋은 웹 기반 플랫폼을 활용하여</a:t>
+              </a:r>
+              <a:endParaRPr lang="en-US" altLang="ko-KR" sz="1600" dirty="0" smtClean="0">
                 <a:solidFill>
                   <a:srgbClr val="4D4D4F"/>
                 </a:solidFill>
-                <a:latin typeface="a고딕19" panose="02020600000000000000" pitchFamily="18" charset="-127"/>
-                <a:ea typeface="a고딕19" panose="02020600000000000000" pitchFamily="18" charset="-127"/>
-              </a:rPr>
-              <a:t>공적 에너지 수요 및 환경오염 감소</a:t>
-            </a:r>
-            <a:endParaRPr lang="en-US" altLang="ko-KR" sz="1600" dirty="0" smtClean="0">
-              <a:solidFill>
-                <a:srgbClr val="4D4D4F"/>
-              </a:solidFill>
-              <a:latin typeface="a고딕19" panose="02020600000000000000" pitchFamily="18" charset="-127"/>
-              <a:ea typeface="a고딕19" panose="02020600000000000000" pitchFamily="18" charset="-127"/>
-            </a:endParaRPr>
-          </a:p>
-          <a:p>
-            <a:pPr algn="ctr"/>
-            <a:endParaRPr lang="en-US" altLang="ko-KR" sz="1600" dirty="0">
-              <a:solidFill>
-                <a:srgbClr val="4D4D4F"/>
-              </a:solidFill>
-              <a:latin typeface="a고딕19" panose="02020600000000000000" pitchFamily="18" charset="-127"/>
-              <a:ea typeface="a고딕19" panose="02020600000000000000" pitchFamily="18" charset="-127"/>
-            </a:endParaRPr>
-          </a:p>
-          <a:p>
-            <a:pPr algn="ctr"/>
-            <a:endParaRPr lang="en-US" altLang="ko-KR" sz="1600" dirty="0" smtClean="0">
-              <a:solidFill>
-                <a:srgbClr val="4D4D4F"/>
-              </a:solidFill>
-              <a:latin typeface="a고딕19" panose="02020600000000000000" pitchFamily="18" charset="-127"/>
-              <a:ea typeface="a고딕19" panose="02020600000000000000" pitchFamily="18" charset="-127"/>
-            </a:endParaRPr>
-          </a:p>
-          <a:p>
-            <a:pPr algn="ctr"/>
-            <a:endParaRPr lang="en-US" altLang="ko-KR" sz="1600" dirty="0">
-              <a:solidFill>
-                <a:srgbClr val="4D4D4F"/>
-              </a:solidFill>
-              <a:latin typeface="a고딕19" panose="02020600000000000000" pitchFamily="18" charset="-127"/>
-              <a:ea typeface="a고딕19" panose="02020600000000000000" pitchFamily="18" charset="-127"/>
-            </a:endParaRPr>
-          </a:p>
-          <a:p>
-            <a:pPr algn="ctr"/>
-            <a:r>
-              <a:rPr lang="ko-KR" altLang="en-US" sz="1600" dirty="0" smtClean="0">
+                <a:latin typeface="나눔스퀘어" panose="020B0600000101010101" pitchFamily="50" charset="-127"/>
+                <a:ea typeface="나눔스퀘어" panose="020B0600000101010101" pitchFamily="50" charset="-127"/>
+              </a:endParaRPr>
+            </a:p>
+            <a:p>
+              <a:pPr algn="ctr"/>
+              <a:r>
+                <a:rPr lang="ko-KR" altLang="en-US" sz="1600" dirty="0" smtClean="0">
+                  <a:solidFill>
+                    <a:srgbClr val="455A83"/>
+                  </a:solidFill>
+                  <a:latin typeface="a고딕15" panose="02020600000000000000" pitchFamily="18" charset="-127"/>
+                  <a:ea typeface="a고딕15" panose="02020600000000000000" pitchFamily="18" charset="-127"/>
+                </a:rPr>
+                <a:t>에너지 민감성 및 시민의식 성장</a:t>
+              </a:r>
+              <a:endParaRPr lang="en-US" altLang="ko-KR" sz="1600" dirty="0">
                 <a:solidFill>
-                  <a:srgbClr val="4D4D4F"/>
+                  <a:srgbClr val="455A83"/>
                 </a:solidFill>
-                <a:latin typeface="a고딕19" panose="02020600000000000000" pitchFamily="18" charset="-127"/>
-                <a:ea typeface="a고딕19" panose="02020600000000000000" pitchFamily="18" charset="-127"/>
-              </a:rPr>
-              <a:t>많은 </a:t>
-            </a:r>
-            <a:r>
-              <a:rPr lang="ko-KR" altLang="en-US" sz="1600" dirty="0">
-                <a:solidFill>
-                  <a:srgbClr val="4D4D4F"/>
-                </a:solidFill>
-                <a:latin typeface="a고딕19" panose="02020600000000000000" pitchFamily="18" charset="-127"/>
-                <a:ea typeface="a고딕19" panose="02020600000000000000" pitchFamily="18" charset="-127"/>
-              </a:rPr>
-              <a:t>소비자들의 전력 중계 시장 참여를 </a:t>
-            </a:r>
-            <a:r>
-              <a:rPr lang="ko-KR" altLang="en-US" sz="1600" dirty="0" smtClean="0">
-                <a:solidFill>
-                  <a:srgbClr val="4D4D4F"/>
-                </a:solidFill>
-                <a:latin typeface="a고딕19" panose="02020600000000000000" pitchFamily="18" charset="-127"/>
-                <a:ea typeface="a고딕19" panose="02020600000000000000" pitchFamily="18" charset="-127"/>
-              </a:rPr>
-              <a:t>통한</a:t>
-            </a:r>
-            <a:endParaRPr lang="en-US" altLang="ko-KR" sz="1600" dirty="0" smtClean="0">
-              <a:solidFill>
-                <a:srgbClr val="4D4D4F"/>
-              </a:solidFill>
-              <a:latin typeface="a고딕19" panose="02020600000000000000" pitchFamily="18" charset="-127"/>
-              <a:ea typeface="a고딕19" panose="02020600000000000000" pitchFamily="18" charset="-127"/>
-            </a:endParaRPr>
-          </a:p>
-          <a:p>
-            <a:pPr algn="ctr"/>
-            <a:r>
-              <a:rPr lang="ko-KR" altLang="en-US" sz="1600" dirty="0" smtClean="0">
-                <a:solidFill>
-                  <a:srgbClr val="4D4D4F"/>
-                </a:solidFill>
-                <a:latin typeface="a고딕19" panose="02020600000000000000" pitchFamily="18" charset="-127"/>
-                <a:ea typeface="a고딕19" panose="02020600000000000000" pitchFamily="18" charset="-127"/>
-              </a:rPr>
-              <a:t>에너지 시장경제 확대</a:t>
-            </a:r>
-            <a:endParaRPr lang="en-US" altLang="ko-KR" sz="1600" dirty="0" smtClean="0">
-              <a:solidFill>
-                <a:srgbClr val="4D4D4F"/>
-              </a:solidFill>
-              <a:latin typeface="a고딕19" panose="02020600000000000000" pitchFamily="18" charset="-127"/>
-              <a:ea typeface="a고딕19" panose="02020600000000000000" pitchFamily="18" charset="-127"/>
-            </a:endParaRPr>
-          </a:p>
-          <a:p>
-            <a:pPr algn="ctr"/>
-            <a:endParaRPr lang="en-US" altLang="ko-KR" sz="1600" dirty="0" smtClean="0">
-              <a:solidFill>
-                <a:srgbClr val="4D4D4F"/>
-              </a:solidFill>
-              <a:latin typeface="a고딕19" panose="02020600000000000000" pitchFamily="18" charset="-127"/>
-              <a:ea typeface="a고딕19" panose="02020600000000000000" pitchFamily="18" charset="-127"/>
-            </a:endParaRPr>
-          </a:p>
-          <a:p>
-            <a:pPr algn="ctr"/>
-            <a:endParaRPr lang="en-US" altLang="ko-KR" sz="1600" dirty="0">
-              <a:solidFill>
-                <a:srgbClr val="4D4D4F"/>
-              </a:solidFill>
-              <a:latin typeface="a고딕19" panose="02020600000000000000" pitchFamily="18" charset="-127"/>
-              <a:ea typeface="a고딕19" panose="02020600000000000000" pitchFamily="18" charset="-127"/>
-            </a:endParaRPr>
-          </a:p>
-          <a:p>
-            <a:pPr algn="ctr"/>
-            <a:r>
-              <a:rPr lang="ko-KR" altLang="en-US" sz="1600" dirty="0" smtClean="0">
-                <a:solidFill>
-                  <a:srgbClr val="4D4D4F"/>
-                </a:solidFill>
-                <a:latin typeface="a고딕19" panose="02020600000000000000" pitchFamily="18" charset="-127"/>
-                <a:ea typeface="a고딕19" panose="02020600000000000000" pitchFamily="18" charset="-127"/>
-              </a:rPr>
-              <a:t>접근성이 좋은 웹 기반 플랫폼을 활용하여</a:t>
-            </a:r>
-            <a:endParaRPr lang="en-US" altLang="ko-KR" sz="1600" dirty="0" smtClean="0">
-              <a:solidFill>
-                <a:srgbClr val="4D4D4F"/>
-              </a:solidFill>
-              <a:latin typeface="a고딕19" panose="02020600000000000000" pitchFamily="18" charset="-127"/>
-              <a:ea typeface="a고딕19" panose="02020600000000000000" pitchFamily="18" charset="-127"/>
-            </a:endParaRPr>
-          </a:p>
-          <a:p>
-            <a:pPr algn="ctr"/>
-            <a:r>
-              <a:rPr lang="ko-KR" altLang="en-US" sz="1600" dirty="0" smtClean="0">
-                <a:solidFill>
-                  <a:srgbClr val="4D4D4F"/>
-                </a:solidFill>
-                <a:latin typeface="a고딕19" panose="02020600000000000000" pitchFamily="18" charset="-127"/>
-                <a:ea typeface="a고딕19" panose="02020600000000000000" pitchFamily="18" charset="-127"/>
-              </a:rPr>
-              <a:t>에너지 민감성 및 시민의식 개선</a:t>
-            </a:r>
-            <a:endParaRPr lang="en-US" altLang="ko-KR" sz="1600" dirty="0" smtClean="0">
-              <a:solidFill>
-                <a:srgbClr val="4D4D4F"/>
-              </a:solidFill>
-              <a:latin typeface="a고딕19" panose="02020600000000000000" pitchFamily="18" charset="-127"/>
-              <a:ea typeface="a고딕19" panose="02020600000000000000" pitchFamily="18" charset="-127"/>
-            </a:endParaRPr>
-          </a:p>
-        </p:txBody>
-      </p:sp>
+                <a:latin typeface="a고딕15" panose="02020600000000000000" pitchFamily="18" charset="-127"/>
+                <a:ea typeface="a고딕15" panose="02020600000000000000" pitchFamily="18" charset="-127"/>
+              </a:endParaRPr>
+            </a:p>
+          </p:txBody>
+        </p:sp>
+        <p:pic>
+          <p:nvPicPr>
+            <p:cNvPr id="4" name="그림 3"/>
+            <p:cNvPicPr>
+              <a:picLocks noChangeAspect="1"/>
+            </p:cNvPicPr>
+            <p:nvPr/>
+          </p:nvPicPr>
+          <p:blipFill>
+            <a:blip r:embed="rId4">
+              <a:extLst>
+                <a:ext uri="{28A0092B-C50C-407E-A947-70E740481C1C}">
+                  <a14:useLocalDpi xmlns:a14="http://schemas.microsoft.com/office/drawing/2010/main" val="0"/>
+                </a:ext>
+              </a:extLst>
+            </a:blip>
+            <a:stretch>
+              <a:fillRect/>
+            </a:stretch>
+          </p:blipFill>
+          <p:spPr>
+            <a:xfrm>
+              <a:off x="4003007" y="4651228"/>
+              <a:ext cx="1089892" cy="1089892"/>
+            </a:xfrm>
+            <a:prstGeom prst="rect">
+              <a:avLst/>
+            </a:prstGeom>
+          </p:spPr>
+        </p:pic>
+      </p:grpSp>
     </p:spTree>
     <p:extLst>
       <p:ext uri="{BB962C8B-B14F-4D97-AF65-F5344CB8AC3E}">
-        <p14:creationId xmlns:p14="http://schemas.microsoft.com/office/powerpoint/2010/main" val="3616316142"/>
+        <p14:creationId xmlns:p14="http://schemas.microsoft.com/office/powerpoint/2010/main" val="1277010473"/>
       </p:ext>
     </p:extLst>
   </p:cSld>
@@ -6277,7 +6395,189 @@
   <p:timing>
     <p:tnLst>
       <p:par>
-        <p:cTn id="1" dur="indefinite" restart="never" nodeType="tmRoot"/>
+        <p:cTn id="1" dur="indefinite" restart="never" nodeType="tmRoot">
+          <p:childTnLst>
+            <p:seq concurrent="1" nextAc="seek">
+              <p:cTn id="2" dur="indefinite" nodeType="mainSeq">
+                <p:childTnLst>
+                  <p:par>
+                    <p:cTn id="3" fill="hold">
+                      <p:stCondLst>
+                        <p:cond delay="indefinite"/>
+                      </p:stCondLst>
+                      <p:childTnLst>
+                        <p:par>
+                          <p:cTn id="4" fill="hold">
+                            <p:stCondLst>
+                              <p:cond delay="0"/>
+                            </p:stCondLst>
+                            <p:childTnLst>
+                              <p:par>
+                                <p:cTn id="5" presetID="10" presetClass="entr" presetSubtype="0" fill="hold" nodeType="clickEffect">
+                                  <p:stCondLst>
+                                    <p:cond delay="0"/>
+                                  </p:stCondLst>
+                                  <p:childTnLst>
+                                    <p:set>
+                                      <p:cBhvr>
+                                        <p:cTn id="6" dur="1" fill="hold">
+                                          <p:stCondLst>
+                                            <p:cond delay="0"/>
+                                          </p:stCondLst>
+                                        </p:cTn>
+                                        <p:tgtEl>
+                                          <p:spTgt spid="5"/>
+                                        </p:tgtEl>
+                                        <p:attrNameLst>
+                                          <p:attrName>style.visibility</p:attrName>
+                                        </p:attrNameLst>
+                                      </p:cBhvr>
+                                      <p:to>
+                                        <p:strVal val="visible"/>
+                                      </p:to>
+                                    </p:set>
+                                    <p:animEffect transition="in" filter="fade">
+                                      <p:cBhvr>
+                                        <p:cTn id="7" dur="500"/>
+                                        <p:tgtEl>
+                                          <p:spTgt spid="5"/>
+                                        </p:tgtEl>
+                                      </p:cBhvr>
+                                    </p:animEffect>
+                                  </p:childTnLst>
+                                </p:cTn>
+                              </p:par>
+                            </p:childTnLst>
+                          </p:cTn>
+                        </p:par>
+                      </p:childTnLst>
+                    </p:cTn>
+                  </p:par>
+                  <p:par>
+                    <p:cTn id="8" fill="hold">
+                      <p:stCondLst>
+                        <p:cond delay="indefinite"/>
+                      </p:stCondLst>
+                      <p:childTnLst>
+                        <p:par>
+                          <p:cTn id="9" fill="hold">
+                            <p:stCondLst>
+                              <p:cond delay="0"/>
+                            </p:stCondLst>
+                            <p:childTnLst>
+                              <p:par>
+                                <p:cTn id="10" presetID="10" presetClass="entr" presetSubtype="0" fill="hold" nodeType="clickEffect">
+                                  <p:stCondLst>
+                                    <p:cond delay="0"/>
+                                  </p:stCondLst>
+                                  <p:childTnLst>
+                                    <p:set>
+                                      <p:cBhvr>
+                                        <p:cTn id="11" dur="1" fill="hold">
+                                          <p:stCondLst>
+                                            <p:cond delay="0"/>
+                                          </p:stCondLst>
+                                        </p:cTn>
+                                        <p:tgtEl>
+                                          <p:spTgt spid="6"/>
+                                        </p:tgtEl>
+                                        <p:attrNameLst>
+                                          <p:attrName>style.visibility</p:attrName>
+                                        </p:attrNameLst>
+                                      </p:cBhvr>
+                                      <p:to>
+                                        <p:strVal val="visible"/>
+                                      </p:to>
+                                    </p:set>
+                                    <p:animEffect transition="in" filter="fade">
+                                      <p:cBhvr>
+                                        <p:cTn id="12" dur="500"/>
+                                        <p:tgtEl>
+                                          <p:spTgt spid="6"/>
+                                        </p:tgtEl>
+                                      </p:cBhvr>
+                                    </p:animEffect>
+                                  </p:childTnLst>
+                                </p:cTn>
+                              </p:par>
+                            </p:childTnLst>
+                          </p:cTn>
+                        </p:par>
+                      </p:childTnLst>
+                    </p:cTn>
+                  </p:par>
+                  <p:par>
+                    <p:cTn id="13" fill="hold">
+                      <p:stCondLst>
+                        <p:cond delay="indefinite"/>
+                      </p:stCondLst>
+                      <p:childTnLst>
+                        <p:par>
+                          <p:cTn id="14" fill="hold">
+                            <p:stCondLst>
+                              <p:cond delay="0"/>
+                            </p:stCondLst>
+                            <p:childTnLst>
+                              <p:par>
+                                <p:cTn id="15" presetID="10" presetClass="entr" presetSubtype="0" fill="hold" nodeType="clickEffect">
+                                  <p:stCondLst>
+                                    <p:cond delay="0"/>
+                                  </p:stCondLst>
+                                  <p:childTnLst>
+                                    <p:set>
+                                      <p:cBhvr>
+                                        <p:cTn id="16" dur="1" fill="hold">
+                                          <p:stCondLst>
+                                            <p:cond delay="0"/>
+                                          </p:stCondLst>
+                                        </p:cTn>
+                                        <p:tgtEl>
+                                          <p:spTgt spid="7"/>
+                                        </p:tgtEl>
+                                        <p:attrNameLst>
+                                          <p:attrName>style.visibility</p:attrName>
+                                        </p:attrNameLst>
+                                      </p:cBhvr>
+                                      <p:to>
+                                        <p:strVal val="visible"/>
+                                      </p:to>
+                                    </p:set>
+                                    <p:animEffect transition="in" filter="fade">
+                                      <p:cBhvr>
+                                        <p:cTn id="17" dur="500"/>
+                                        <p:tgtEl>
+                                          <p:spTgt spid="7"/>
+                                        </p:tgtEl>
+                                      </p:cBhvr>
+                                    </p:animEffect>
+                                  </p:childTnLst>
+                                </p:cTn>
+                              </p:par>
+                            </p:childTnLst>
+                          </p:cTn>
+                        </p:par>
+                      </p:childTnLst>
+                    </p:cTn>
+                  </p:par>
+                </p:childTnLst>
+              </p:cTn>
+              <p:prevCondLst>
+                <p:cond evt="onPrev" delay="0">
+                  <p:tgtEl>
+                    <p:sldTgt/>
+                  </p:tgtEl>
+                </p:cond>
+              </p:prevCondLst>
+              <p:nextCondLst>
+                <p:cond evt="onNext" delay="0">
+                  <p:tgtEl>
+                    <p:sldTgt/>
+                  </p:tgtEl>
+                </p:cond>
+              </p:nextCondLst>
+            </p:seq>
+          </p:childTnLst>
+        </p:cTn>
       </p:par>
     </p:tnLst>
   </p:timing>
@@ -6318,7 +6618,7 @@
         <p:spPr>
           <a:xfrm>
             <a:off x="53768" y="60304"/>
-            <a:ext cx="742511" cy="338554"/>
+            <a:ext cx="843501" cy="338554"/>
           </a:xfrm>
           <a:prstGeom prst="rect">
             <a:avLst/>
@@ -6343,742 +6643,8 @@
                 <a:latin typeface="a고딕19" panose="02020600000000000000" pitchFamily="18" charset="-127"/>
                 <a:ea typeface="a고딕19" panose="02020600000000000000" pitchFamily="18" charset="-127"/>
               </a:rPr>
-              <a:t>Slide 9</a:t>
-            </a:r>
-            <a:endParaRPr lang="ko-KR" altLang="en-US" sz="1600" dirty="0">
-              <a:solidFill>
-                <a:srgbClr val="455A83"/>
-              </a:solidFill>
-              <a:latin typeface="a고딕19" panose="02020600000000000000" pitchFamily="18" charset="-127"/>
-              <a:ea typeface="a고딕19" panose="02020600000000000000" pitchFamily="18" charset="-127"/>
-            </a:endParaRPr>
-          </a:p>
-        </p:txBody>
-      </p:sp>
-      <p:sp>
-        <p:nvSpPr>
-          <p:cNvPr id="15" name="TextBox 14"/>
-          <p:cNvSpPr txBox="1"/>
-          <p:nvPr/>
-        </p:nvSpPr>
-        <p:spPr>
-          <a:xfrm>
-            <a:off x="0" y="1555884"/>
-            <a:ext cx="9144000" cy="461665"/>
-          </a:xfrm>
-          <a:prstGeom prst="rect">
-            <a:avLst/>
-          </a:prstGeom>
-          <a:noFill/>
-          <a:scene3d>
-            <a:camera prst="obliqueTopLeft"/>
-            <a:lightRig rig="threePt" dir="t"/>
-          </a:scene3d>
-        </p:spPr>
-        <p:txBody>
-          <a:bodyPr wrap="square" rtlCol="0">
-            <a:spAutoFit/>
-          </a:bodyPr>
-          <a:lstStyle/>
-          <a:p>
-            <a:pPr algn="ctr"/>
-            <a:r>
-              <a:rPr lang="ko-KR" altLang="en-US" sz="2400" dirty="0" smtClean="0">
-                <a:solidFill>
-                  <a:srgbClr val="4D4D4F"/>
-                </a:solidFill>
-                <a:latin typeface="a고딕13" panose="02020600000000000000" pitchFamily="18" charset="-127"/>
-                <a:ea typeface="a고딕13" panose="02020600000000000000" pitchFamily="18" charset="-127"/>
-              </a:rPr>
-              <a:t>기대 효과</a:t>
-            </a:r>
-            <a:endParaRPr lang="ko-KR" altLang="en-US" sz="2400" dirty="0">
-              <a:solidFill>
-                <a:srgbClr val="4D4D4F"/>
-              </a:solidFill>
-              <a:latin typeface="a고딕13" panose="02020600000000000000" pitchFamily="18" charset="-127"/>
-              <a:ea typeface="a고딕13" panose="02020600000000000000" pitchFamily="18" charset="-127"/>
-            </a:endParaRPr>
-          </a:p>
-        </p:txBody>
-      </p:sp>
-      <p:cxnSp>
-        <p:nvCxnSpPr>
-          <p:cNvPr id="16" name="직선 연결선 15"/>
-          <p:cNvCxnSpPr/>
-          <p:nvPr/>
-        </p:nvCxnSpPr>
-        <p:spPr>
-          <a:xfrm>
-            <a:off x="2504566" y="1489469"/>
-            <a:ext cx="4134868" cy="0"/>
-          </a:xfrm>
-          <a:prstGeom prst="line">
-            <a:avLst/>
-          </a:prstGeom>
-          <a:ln w="12700">
-            <a:solidFill>
-              <a:srgbClr val="515153"/>
-            </a:solidFill>
-          </a:ln>
-          <a:scene3d>
-            <a:camera prst="obliqueTopLeft"/>
-            <a:lightRig rig="threePt" dir="t"/>
-          </a:scene3d>
-        </p:spPr>
-        <p:style>
-          <a:lnRef idx="1">
-            <a:schemeClr val="accent1"/>
-          </a:lnRef>
-          <a:fillRef idx="0">
-            <a:schemeClr val="accent1"/>
-          </a:fillRef>
-          <a:effectRef idx="0">
-            <a:schemeClr val="accent1"/>
-          </a:effectRef>
-          <a:fontRef idx="minor">
-            <a:schemeClr val="tx1"/>
-          </a:fontRef>
-        </p:style>
-      </p:cxnSp>
-      <p:sp>
-        <p:nvSpPr>
-          <p:cNvPr id="17" name="TextBox 16"/>
-          <p:cNvSpPr txBox="1"/>
-          <p:nvPr/>
-        </p:nvSpPr>
-        <p:spPr>
-          <a:xfrm>
-            <a:off x="4279291" y="932040"/>
-            <a:ext cx="537327" cy="523220"/>
-          </a:xfrm>
-          <a:prstGeom prst="rect">
-            <a:avLst/>
-          </a:prstGeom>
-          <a:noFill/>
-          <a:scene3d>
-            <a:camera prst="obliqueTopLeft"/>
-            <a:lightRig rig="threePt" dir="t"/>
-          </a:scene3d>
-        </p:spPr>
-        <p:txBody>
-          <a:bodyPr wrap="none" rtlCol="0">
-            <a:spAutoFit/>
-          </a:bodyPr>
-          <a:lstStyle/>
-          <a:p>
-            <a:r>
-              <a:rPr lang="en-US" altLang="ko-KR" sz="2800" dirty="0" smtClean="0">
-                <a:solidFill>
-                  <a:srgbClr val="455A83"/>
-                </a:solidFill>
-                <a:latin typeface="a고딕19" panose="02020600000000000000" pitchFamily="18" charset="-127"/>
-                <a:ea typeface="a고딕19" panose="02020600000000000000" pitchFamily="18" charset="-127"/>
-              </a:rPr>
-              <a:t>06</a:t>
-            </a:r>
-            <a:endParaRPr lang="ko-KR" altLang="en-US" sz="2800" dirty="0">
-              <a:solidFill>
-                <a:srgbClr val="455A83"/>
-              </a:solidFill>
-              <a:latin typeface="a고딕19" panose="02020600000000000000" pitchFamily="18" charset="-127"/>
-              <a:ea typeface="a고딕19" panose="02020600000000000000" pitchFamily="18" charset="-127"/>
-            </a:endParaRPr>
-          </a:p>
-        </p:txBody>
-      </p:sp>
-      <p:sp>
-        <p:nvSpPr>
-          <p:cNvPr id="10" name="직사각형 9"/>
-          <p:cNvSpPr/>
-          <p:nvPr/>
-        </p:nvSpPr>
-        <p:spPr>
-          <a:xfrm>
-            <a:off x="-1706880" y="932040"/>
-            <a:ext cx="920620" cy="261610"/>
-          </a:xfrm>
-          <a:prstGeom prst="rect">
-            <a:avLst/>
-          </a:prstGeom>
-          <a:solidFill>
-            <a:srgbClr val="FDC085"/>
-          </a:solidFill>
-          <a:ln>
-            <a:noFill/>
-          </a:ln>
-        </p:spPr>
-        <p:style>
-          <a:lnRef idx="2">
-            <a:schemeClr val="accent1">
-              <a:shade val="50000"/>
-            </a:schemeClr>
-          </a:lnRef>
-          <a:fillRef idx="1">
-            <a:schemeClr val="accent1"/>
-          </a:fillRef>
-          <a:effectRef idx="0">
-            <a:schemeClr val="accent1"/>
-          </a:effectRef>
-          <a:fontRef idx="minor">
-            <a:schemeClr val="lt1"/>
-          </a:fontRef>
-        </p:style>
-        <p:txBody>
-          <a:bodyPr rtlCol="0" anchor="ctr"/>
-          <a:lstStyle/>
-          <a:p>
-            <a:pPr algn="ctr"/>
-            <a:endParaRPr lang="ko-KR" altLang="en-US"/>
-          </a:p>
-        </p:txBody>
-      </p:sp>
-      <p:sp>
-        <p:nvSpPr>
-          <p:cNvPr id="23" name="직사각형 22"/>
-          <p:cNvSpPr/>
-          <p:nvPr/>
-        </p:nvSpPr>
-        <p:spPr>
-          <a:xfrm>
-            <a:off x="-1706880" y="1193650"/>
-            <a:ext cx="920620" cy="261610"/>
-          </a:xfrm>
-          <a:prstGeom prst="rect">
-            <a:avLst/>
-          </a:prstGeom>
-          <a:solidFill>
-            <a:srgbClr val="EA426C"/>
-          </a:solidFill>
-          <a:ln>
-            <a:noFill/>
-          </a:ln>
-        </p:spPr>
-        <p:style>
-          <a:lnRef idx="2">
-            <a:schemeClr val="accent1">
-              <a:shade val="50000"/>
-            </a:schemeClr>
-          </a:lnRef>
-          <a:fillRef idx="1">
-            <a:schemeClr val="accent1"/>
-          </a:fillRef>
-          <a:effectRef idx="0">
-            <a:schemeClr val="accent1"/>
-          </a:effectRef>
-          <a:fontRef idx="minor">
-            <a:schemeClr val="lt1"/>
-          </a:fontRef>
-        </p:style>
-        <p:txBody>
-          <a:bodyPr rtlCol="0" anchor="ctr"/>
-          <a:lstStyle/>
-          <a:p>
-            <a:pPr algn="ctr"/>
-            <a:endParaRPr lang="ko-KR" altLang="en-US"/>
-          </a:p>
-        </p:txBody>
-      </p:sp>
-      <p:sp>
-        <p:nvSpPr>
-          <p:cNvPr id="24" name="직사각형 23"/>
-          <p:cNvSpPr/>
-          <p:nvPr/>
-        </p:nvSpPr>
-        <p:spPr>
-          <a:xfrm>
-            <a:off x="-1706880" y="1455260"/>
-            <a:ext cx="920620" cy="261610"/>
-          </a:xfrm>
-          <a:prstGeom prst="rect">
-            <a:avLst/>
-          </a:prstGeom>
-          <a:solidFill>
-            <a:srgbClr val="F86666"/>
-          </a:solidFill>
-          <a:ln>
-            <a:noFill/>
-          </a:ln>
-        </p:spPr>
-        <p:style>
-          <a:lnRef idx="2">
-            <a:schemeClr val="accent1">
-              <a:shade val="50000"/>
-            </a:schemeClr>
-          </a:lnRef>
-          <a:fillRef idx="1">
-            <a:schemeClr val="accent1"/>
-          </a:fillRef>
-          <a:effectRef idx="0">
-            <a:schemeClr val="accent1"/>
-          </a:effectRef>
-          <a:fontRef idx="minor">
-            <a:schemeClr val="lt1"/>
-          </a:fontRef>
-        </p:style>
-        <p:txBody>
-          <a:bodyPr rtlCol="0" anchor="ctr"/>
-          <a:lstStyle/>
-          <a:p>
-            <a:pPr algn="ctr"/>
-            <a:endParaRPr lang="ko-KR" altLang="en-US"/>
-          </a:p>
-        </p:txBody>
-      </p:sp>
-      <p:sp>
-        <p:nvSpPr>
-          <p:cNvPr id="25" name="직사각형 24"/>
-          <p:cNvSpPr/>
-          <p:nvPr/>
-        </p:nvSpPr>
-        <p:spPr>
-          <a:xfrm>
-            <a:off x="-1706880" y="1695431"/>
-            <a:ext cx="920620" cy="261610"/>
-          </a:xfrm>
-          <a:prstGeom prst="rect">
-            <a:avLst/>
-          </a:prstGeom>
-          <a:solidFill>
-            <a:srgbClr val="7BC4CD"/>
-          </a:solidFill>
-          <a:ln>
-            <a:noFill/>
-          </a:ln>
-        </p:spPr>
-        <p:style>
-          <a:lnRef idx="2">
-            <a:schemeClr val="accent1">
-              <a:shade val="50000"/>
-            </a:schemeClr>
-          </a:lnRef>
-          <a:fillRef idx="1">
-            <a:schemeClr val="accent1"/>
-          </a:fillRef>
-          <a:effectRef idx="0">
-            <a:schemeClr val="accent1"/>
-          </a:effectRef>
-          <a:fontRef idx="minor">
-            <a:schemeClr val="lt1"/>
-          </a:fontRef>
-        </p:style>
-        <p:txBody>
-          <a:bodyPr rtlCol="0" anchor="ctr"/>
-          <a:lstStyle/>
-          <a:p>
-            <a:pPr algn="ctr"/>
-            <a:endParaRPr lang="ko-KR" altLang="en-US"/>
-          </a:p>
-        </p:txBody>
-      </p:sp>
-      <p:sp>
-        <p:nvSpPr>
-          <p:cNvPr id="26" name="직사각형 25"/>
-          <p:cNvSpPr/>
-          <p:nvPr/>
-        </p:nvSpPr>
-        <p:spPr>
-          <a:xfrm>
-            <a:off x="-1706880" y="1939237"/>
-            <a:ext cx="920620" cy="261610"/>
-          </a:xfrm>
-          <a:prstGeom prst="rect">
-            <a:avLst/>
-          </a:prstGeom>
-          <a:solidFill>
-            <a:srgbClr val="455A83"/>
-          </a:solidFill>
-          <a:ln>
-            <a:noFill/>
-          </a:ln>
-        </p:spPr>
-        <p:style>
-          <a:lnRef idx="2">
-            <a:schemeClr val="accent1">
-              <a:shade val="50000"/>
-            </a:schemeClr>
-          </a:lnRef>
-          <a:fillRef idx="1">
-            <a:schemeClr val="accent1"/>
-          </a:fillRef>
-          <a:effectRef idx="0">
-            <a:schemeClr val="accent1"/>
-          </a:effectRef>
-          <a:fontRef idx="minor">
-            <a:schemeClr val="lt1"/>
-          </a:fontRef>
-        </p:style>
-        <p:txBody>
-          <a:bodyPr rtlCol="0" anchor="ctr"/>
-          <a:lstStyle/>
-          <a:p>
-            <a:pPr algn="ctr"/>
-            <a:endParaRPr lang="ko-KR" altLang="en-US"/>
-          </a:p>
-        </p:txBody>
-      </p:sp>
-      <p:sp>
-        <p:nvSpPr>
-          <p:cNvPr id="28" name="TextBox 27"/>
-          <p:cNvSpPr txBox="1"/>
-          <p:nvPr/>
-        </p:nvSpPr>
-        <p:spPr>
-          <a:xfrm>
-            <a:off x="4595404" y="3639066"/>
-            <a:ext cx="3839513" cy="584775"/>
-          </a:xfrm>
-          <a:prstGeom prst="rect">
-            <a:avLst/>
-          </a:prstGeom>
-          <a:noFill/>
-          <a:scene3d>
-            <a:camera prst="obliqueTopLeft"/>
-            <a:lightRig rig="threePt" dir="t"/>
-          </a:scene3d>
-        </p:spPr>
-        <p:txBody>
-          <a:bodyPr wrap="none" rtlCol="0">
-            <a:spAutoFit/>
-          </a:bodyPr>
-          <a:lstStyle/>
-          <a:p>
-            <a:pPr algn="ctr"/>
-            <a:r>
-              <a:rPr lang="ko-KR" altLang="en-US" sz="1600" dirty="0" smtClean="0">
-                <a:solidFill>
-                  <a:srgbClr val="4D4D4F"/>
-                </a:solidFill>
-                <a:latin typeface="나눔스퀘어" panose="020B0600000101010101" pitchFamily="50" charset="-127"/>
-                <a:ea typeface="나눔스퀘어" panose="020B0600000101010101" pitchFamily="50" charset="-127"/>
-              </a:rPr>
-              <a:t>많은 소비자들의 전력 중계 시장 참여를 통한</a:t>
-            </a:r>
-            <a:endParaRPr lang="en-US" altLang="ko-KR" sz="1600" dirty="0" smtClean="0">
-              <a:solidFill>
-                <a:srgbClr val="4D4D4F"/>
-              </a:solidFill>
-              <a:latin typeface="나눔스퀘어" panose="020B0600000101010101" pitchFamily="50" charset="-127"/>
-              <a:ea typeface="나눔스퀘어" panose="020B0600000101010101" pitchFamily="50" charset="-127"/>
-            </a:endParaRPr>
-          </a:p>
-          <a:p>
-            <a:pPr algn="ctr"/>
-            <a:r>
-              <a:rPr lang="ko-KR" altLang="en-US" sz="1600" dirty="0" smtClean="0">
-                <a:solidFill>
-                  <a:srgbClr val="455A83"/>
-                </a:solidFill>
-                <a:latin typeface="a고딕15" panose="02020600000000000000" pitchFamily="18" charset="-127"/>
-                <a:ea typeface="a고딕15" panose="02020600000000000000" pitchFamily="18" charset="-127"/>
-              </a:rPr>
-              <a:t>에너지 시장경제 확대</a:t>
-            </a:r>
-            <a:endParaRPr lang="en-US" altLang="ko-KR" sz="1600" dirty="0">
-              <a:solidFill>
-                <a:srgbClr val="455A83"/>
-              </a:solidFill>
-              <a:latin typeface="a고딕15" panose="02020600000000000000" pitchFamily="18" charset="-127"/>
-              <a:ea typeface="a고딕15" panose="02020600000000000000" pitchFamily="18" charset="-127"/>
-            </a:endParaRPr>
-          </a:p>
-        </p:txBody>
-      </p:sp>
-      <p:sp>
-        <p:nvSpPr>
-          <p:cNvPr id="31" name="TextBox 30"/>
-          <p:cNvSpPr txBox="1"/>
-          <p:nvPr/>
-        </p:nvSpPr>
-        <p:spPr>
-          <a:xfrm>
-            <a:off x="2746819" y="5758463"/>
-            <a:ext cx="3602269" cy="584775"/>
-          </a:xfrm>
-          <a:prstGeom prst="rect">
-            <a:avLst/>
-          </a:prstGeom>
-          <a:noFill/>
-          <a:scene3d>
-            <a:camera prst="obliqueTopLeft"/>
-            <a:lightRig rig="threePt" dir="t"/>
-          </a:scene3d>
-        </p:spPr>
-        <p:txBody>
-          <a:bodyPr wrap="none" rtlCol="0">
-            <a:spAutoFit/>
-          </a:bodyPr>
-          <a:lstStyle/>
-          <a:p>
-            <a:pPr algn="ctr"/>
-            <a:r>
-              <a:rPr lang="ko-KR" altLang="en-US" sz="1600" dirty="0" smtClean="0">
-                <a:solidFill>
-                  <a:srgbClr val="4D4D4F"/>
-                </a:solidFill>
-                <a:latin typeface="나눔스퀘어" panose="020B0600000101010101" pitchFamily="50" charset="-127"/>
-                <a:ea typeface="나눔스퀘어" panose="020B0600000101010101" pitchFamily="50" charset="-127"/>
-              </a:rPr>
-              <a:t>접근성이 좋은 웹 기반 플랫폼을 활용하여</a:t>
-            </a:r>
-            <a:endParaRPr lang="en-US" altLang="ko-KR" sz="1600" dirty="0" smtClean="0">
-              <a:solidFill>
-                <a:srgbClr val="4D4D4F"/>
-              </a:solidFill>
-              <a:latin typeface="나눔스퀘어" panose="020B0600000101010101" pitchFamily="50" charset="-127"/>
-              <a:ea typeface="나눔스퀘어" panose="020B0600000101010101" pitchFamily="50" charset="-127"/>
-            </a:endParaRPr>
-          </a:p>
-          <a:p>
-            <a:pPr algn="ctr"/>
-            <a:r>
-              <a:rPr lang="ko-KR" altLang="en-US" sz="1600" dirty="0" smtClean="0">
-                <a:solidFill>
-                  <a:srgbClr val="455A83"/>
-                </a:solidFill>
-                <a:latin typeface="a고딕15" panose="02020600000000000000" pitchFamily="18" charset="-127"/>
-                <a:ea typeface="a고딕15" panose="02020600000000000000" pitchFamily="18" charset="-127"/>
-              </a:rPr>
-              <a:t>에너지 민감성 및 시민의식 성장</a:t>
-            </a:r>
-            <a:endParaRPr lang="en-US" altLang="ko-KR" sz="1600" dirty="0">
-              <a:solidFill>
-                <a:srgbClr val="455A83"/>
-              </a:solidFill>
-              <a:latin typeface="a고딕15" panose="02020600000000000000" pitchFamily="18" charset="-127"/>
-              <a:ea typeface="a고딕15" panose="02020600000000000000" pitchFamily="18" charset="-127"/>
-            </a:endParaRPr>
-          </a:p>
-        </p:txBody>
-      </p:sp>
-      <p:sp>
-        <p:nvSpPr>
-          <p:cNvPr id="34" name="TextBox 33"/>
-          <p:cNvSpPr txBox="1"/>
-          <p:nvPr/>
-        </p:nvSpPr>
-        <p:spPr>
-          <a:xfrm>
-            <a:off x="1013086" y="3639066"/>
-            <a:ext cx="3313728" cy="584775"/>
-          </a:xfrm>
-          <a:prstGeom prst="rect">
-            <a:avLst/>
-          </a:prstGeom>
-          <a:noFill/>
-          <a:scene3d>
-            <a:camera prst="obliqueTopLeft"/>
-            <a:lightRig rig="threePt" dir="t"/>
-          </a:scene3d>
-        </p:spPr>
-        <p:txBody>
-          <a:bodyPr wrap="none" rtlCol="0">
-            <a:spAutoFit/>
-          </a:bodyPr>
-          <a:lstStyle/>
-          <a:p>
-            <a:pPr algn="ctr"/>
-            <a:r>
-              <a:rPr lang="ko-KR" altLang="en-US" sz="1600" dirty="0" smtClean="0">
-                <a:solidFill>
-                  <a:srgbClr val="4D4D4F"/>
-                </a:solidFill>
-                <a:latin typeface="나눔스퀘어" panose="020B0600000101010101" pitchFamily="50" charset="-127"/>
-                <a:ea typeface="나눔스퀘어" panose="020B0600000101010101" pitchFamily="50" charset="-127"/>
-              </a:rPr>
-              <a:t>신재생 에너지 상용화를 통한</a:t>
-            </a:r>
-            <a:endParaRPr lang="en-US" altLang="ko-KR" sz="1600" dirty="0">
-              <a:solidFill>
-                <a:srgbClr val="455A83"/>
-              </a:solidFill>
-              <a:latin typeface="나눔스퀘어" panose="020B0600000101010101" pitchFamily="50" charset="-127"/>
-              <a:ea typeface="a고딕15" panose="02020600000000000000" pitchFamily="18" charset="-127"/>
-            </a:endParaRPr>
-          </a:p>
-          <a:p>
-            <a:pPr algn="ctr"/>
-            <a:r>
-              <a:rPr lang="ko-KR" altLang="en-US" sz="1600" dirty="0" smtClean="0">
-                <a:solidFill>
-                  <a:srgbClr val="455A83"/>
-                </a:solidFill>
-                <a:latin typeface="a고딕15" panose="02020600000000000000" pitchFamily="18" charset="-127"/>
-                <a:ea typeface="a고딕15" panose="02020600000000000000" pitchFamily="18" charset="-127"/>
-              </a:rPr>
-              <a:t>공적 에너지 수요 및 환경오염 감소</a:t>
-            </a:r>
-            <a:endParaRPr lang="en-US" altLang="ko-KR" sz="1600" dirty="0">
-              <a:solidFill>
-                <a:srgbClr val="455A83"/>
-              </a:solidFill>
-              <a:latin typeface="a고딕15" panose="02020600000000000000" pitchFamily="18" charset="-127"/>
-              <a:ea typeface="a고딕15" panose="02020600000000000000" pitchFamily="18" charset="-127"/>
-            </a:endParaRPr>
-          </a:p>
-        </p:txBody>
-      </p:sp>
-      <p:pic>
-        <p:nvPicPr>
-          <p:cNvPr id="2" name="그림 1"/>
-          <p:cNvPicPr>
-            <a:picLocks noChangeAspect="1"/>
-          </p:cNvPicPr>
-          <p:nvPr/>
-        </p:nvPicPr>
-        <p:blipFill>
-          <a:blip r:embed="rId2">
-            <a:extLst>
-              <a:ext uri="{28A0092B-C50C-407E-A947-70E740481C1C}">
-                <a14:useLocalDpi xmlns:a14="http://schemas.microsoft.com/office/drawing/2010/main" val="0"/>
-              </a:ext>
-            </a:extLst>
-          </a:blip>
-          <a:stretch>
-            <a:fillRect/>
-          </a:stretch>
-        </p:blipFill>
-        <p:spPr>
-          <a:xfrm>
-            <a:off x="6121361" y="2506019"/>
-            <a:ext cx="1036145" cy="1036145"/>
-          </a:xfrm>
-          <a:prstGeom prst="rect">
-            <a:avLst/>
-          </a:prstGeom>
-        </p:spPr>
-      </p:pic>
-      <p:pic>
-        <p:nvPicPr>
-          <p:cNvPr id="3" name="그림 2"/>
-          <p:cNvPicPr>
-            <a:picLocks noChangeAspect="1"/>
-          </p:cNvPicPr>
-          <p:nvPr/>
-        </p:nvPicPr>
-        <p:blipFill>
-          <a:blip r:embed="rId3">
-            <a:extLst>
-              <a:ext uri="{28A0092B-C50C-407E-A947-70E740481C1C}">
-                <a14:useLocalDpi xmlns:a14="http://schemas.microsoft.com/office/drawing/2010/main" val="0"/>
-              </a:ext>
-            </a:extLst>
-          </a:blip>
-          <a:stretch>
-            <a:fillRect/>
-          </a:stretch>
-        </p:blipFill>
-        <p:spPr>
-          <a:xfrm>
-            <a:off x="2052265" y="2316801"/>
-            <a:ext cx="1235370" cy="1235370"/>
-          </a:xfrm>
-          <a:prstGeom prst="rect">
-            <a:avLst/>
-          </a:prstGeom>
-        </p:spPr>
-      </p:pic>
-      <p:pic>
-        <p:nvPicPr>
-          <p:cNvPr id="4" name="그림 3"/>
-          <p:cNvPicPr>
-            <a:picLocks noChangeAspect="1"/>
-          </p:cNvPicPr>
-          <p:nvPr/>
-        </p:nvPicPr>
-        <p:blipFill>
-          <a:blip r:embed="rId4">
-            <a:extLst>
-              <a:ext uri="{28A0092B-C50C-407E-A947-70E740481C1C}">
-                <a14:useLocalDpi xmlns:a14="http://schemas.microsoft.com/office/drawing/2010/main" val="0"/>
-              </a:ext>
-            </a:extLst>
-          </a:blip>
-          <a:stretch>
-            <a:fillRect/>
-          </a:stretch>
-        </p:blipFill>
-        <p:spPr>
-          <a:xfrm>
-            <a:off x="4003007" y="4651228"/>
-            <a:ext cx="1089892" cy="1089892"/>
-          </a:xfrm>
-          <a:prstGeom prst="rect">
-            <a:avLst/>
-          </a:prstGeom>
-        </p:spPr>
-      </p:pic>
-    </p:spTree>
-    <p:extLst>
-      <p:ext uri="{BB962C8B-B14F-4D97-AF65-F5344CB8AC3E}">
-        <p14:creationId xmlns:p14="http://schemas.microsoft.com/office/powerpoint/2010/main" val="1277010473"/>
-      </p:ext>
-    </p:extLst>
-  </p:cSld>
-  <p:clrMapOvr>
-    <a:masterClrMapping/>
-  </p:clrMapOvr>
-  <p:timing>
-    <p:tnLst>
-      <p:par>
-        <p:cTn id="1" dur="indefinite" restart="never" nodeType="tmRoot"/>
-      </p:par>
-    </p:tnLst>
-  </p:timing>
-</p:sld>
-</file>
-
-<file path=ppt/slides/slide12.xml><?xml version="1.0" encoding="utf-8"?>
-<p:sld xmlns:a="http://schemas.openxmlformats.org/drawingml/2006/main" xmlns:r="http://schemas.openxmlformats.org/officeDocument/2006/relationships" xmlns:p="http://schemas.openxmlformats.org/presentationml/2006/main">
-  <p:cSld>
-    <p:bg>
-      <p:bgPr>
-        <a:solidFill>
-          <a:srgbClr val="FEFAEF"/>
-        </a:solidFill>
-        <a:effectLst/>
-      </p:bgPr>
-    </p:bg>
-    <p:spTree>
-      <p:nvGrpSpPr>
-        <p:cNvPr id="1" name=""/>
-        <p:cNvGrpSpPr/>
-        <p:nvPr/>
-      </p:nvGrpSpPr>
-      <p:grpSpPr>
-        <a:xfrm>
-          <a:off x="0" y="0"/>
-          <a:ext cx="0" cy="0"/>
-          <a:chOff x="0" y="0"/>
-          <a:chExt cx="0" cy="0"/>
-        </a:xfrm>
-      </p:grpSpPr>
-      <p:sp>
-        <p:nvSpPr>
-          <p:cNvPr id="13" name="TextBox 12"/>
-          <p:cNvSpPr txBox="1"/>
-          <p:nvPr/>
-        </p:nvSpPr>
-        <p:spPr>
-          <a:xfrm>
-            <a:off x="53768" y="60304"/>
-            <a:ext cx="742511" cy="338554"/>
-          </a:xfrm>
-          <a:prstGeom prst="rect">
-            <a:avLst/>
-          </a:prstGeom>
-          <a:noFill/>
-          <a:scene3d>
-            <a:camera prst="obliqueTopLeft"/>
-            <a:lightRig rig="threePt" dir="t"/>
-          </a:scene3d>
-        </p:spPr>
-        <p:txBody>
-          <a:bodyPr wrap="none" rtlCol="0">
-            <a:spAutoFit/>
-          </a:bodyPr>
-          <a:lstStyle/>
-          <a:p>
+              <a:t>Slide </a:t>
+            </a:r>
             <a:r>
               <a:rPr lang="en-US" altLang="ko-KR" sz="1600" dirty="0" smtClean="0">
                 <a:solidFill>
@@ -7087,7 +6653,7 @@
                 <a:latin typeface="a고딕19" panose="02020600000000000000" pitchFamily="18" charset="-127"/>
                 <a:ea typeface="a고딕19" panose="02020600000000000000" pitchFamily="18" charset="-127"/>
               </a:rPr>
-              <a:t>Slide 9</a:t>
+              <a:t>10</a:t>
             </a:r>
             <a:endParaRPr lang="ko-KR" altLang="en-US" sz="1600" dirty="0">
               <a:solidFill>
@@ -10676,17 +10242,7 @@
                   <a:latin typeface="나눔스퀘어" panose="020B0600000101010101" pitchFamily="50" charset="-127"/>
                   <a:ea typeface="나눔스퀘어" panose="020B0600000101010101" pitchFamily="50" charset="-127"/>
                 </a:rPr>
-                <a:t>원자력</a:t>
-              </a:r>
-              <a:r>
-                <a:rPr lang="ko-KR" altLang="en-US" sz="1300" spc="-150" dirty="0" smtClean="0">
-                  <a:solidFill>
-                    <a:srgbClr val="F65036"/>
-                  </a:solidFill>
-                  <a:latin typeface="나눔스퀘어" panose="020B0600000101010101" pitchFamily="50" charset="-127"/>
-                  <a:ea typeface="나눔스퀘어" panose="020B0600000101010101" pitchFamily="50" charset="-127"/>
-                </a:rPr>
-                <a:t>  </a:t>
+                <a:t>원자력  </a:t>
               </a:r>
               <a:r>
                 <a:rPr lang="en-US" altLang="ko-KR" sz="1300" spc="-150" dirty="0" smtClean="0">
@@ -10697,245 +10253,6 @@
                   <a:ea typeface="나눔스퀘어" panose="020B0600000101010101" pitchFamily="50" charset="-127"/>
                 </a:rPr>
                 <a:t>25.9%</a:t>
-              </a:r>
-            </a:p>
-          </p:txBody>
-        </p:sp>
-      </p:grpSp>
-      <p:grpSp>
-        <p:nvGrpSpPr>
-          <p:cNvPr id="18" name="그룹 17"/>
-          <p:cNvGrpSpPr/>
-          <p:nvPr/>
-        </p:nvGrpSpPr>
-        <p:grpSpPr>
-          <a:xfrm>
-            <a:off x="1633849" y="3552831"/>
-            <a:ext cx="7120645" cy="3053537"/>
-            <a:chOff x="538222" y="2840309"/>
-            <a:chExt cx="5748184" cy="2464986"/>
-          </a:xfrm>
-        </p:grpSpPr>
-        <p:pic>
-          <p:nvPicPr>
-            <p:cNvPr id="11" name="그림 10"/>
-            <p:cNvPicPr>
-              <a:picLocks noChangeAspect="1"/>
-            </p:cNvPicPr>
-            <p:nvPr/>
-          </p:nvPicPr>
-          <p:blipFill rotWithShape="1">
-            <a:blip r:embed="rId4"/>
-            <a:srcRect l="7027" b="50246"/>
-            <a:stretch/>
-          </p:blipFill>
-          <p:spPr>
-            <a:xfrm>
-              <a:off x="538222" y="2840309"/>
-              <a:ext cx="5748184" cy="2275063"/>
-            </a:xfrm>
-            <a:prstGeom prst="rect">
-              <a:avLst/>
-            </a:prstGeom>
-          </p:spPr>
-        </p:pic>
-        <p:sp>
-          <p:nvSpPr>
-            <p:cNvPr id="58" name="TextBox 57"/>
-            <p:cNvSpPr txBox="1"/>
-            <p:nvPr/>
-          </p:nvSpPr>
-          <p:spPr>
-            <a:xfrm>
-              <a:off x="3201155" y="5123379"/>
-              <a:ext cx="3085251" cy="181916"/>
-            </a:xfrm>
-            <a:prstGeom prst="rect">
-              <a:avLst/>
-            </a:prstGeom>
-            <a:solidFill>
-              <a:schemeClr val="bg1"/>
-            </a:solidFill>
-            <a:scene3d>
-              <a:camera prst="obliqueTopLeft"/>
-              <a:lightRig rig="threePt" dir="t"/>
-            </a:scene3d>
-          </p:spPr>
-          <p:txBody>
-            <a:bodyPr wrap="none" rtlCol="0">
-              <a:spAutoFit/>
-            </a:bodyPr>
-            <a:lstStyle/>
-            <a:p>
-              <a:pPr algn="ctr"/>
-              <a:r>
-                <a:rPr lang="ko-KR" altLang="en-US" sz="900" dirty="0" smtClean="0">
-                  <a:latin typeface="나눔스퀘어" panose="020B0600000101010101" pitchFamily="50" charset="-127"/>
-                  <a:ea typeface="나눔스퀘어" panose="020B0600000101010101" pitchFamily="50" charset="-127"/>
-                </a:rPr>
-                <a:t>소득 </a:t>
-              </a:r>
-              <a:r>
-                <a:rPr lang="ko-KR" altLang="en-US" sz="900" dirty="0">
-                  <a:latin typeface="나눔스퀘어" panose="020B0600000101010101" pitchFamily="50" charset="-127"/>
-                  <a:ea typeface="나눔스퀘어" panose="020B0600000101010101" pitchFamily="50" charset="-127"/>
-                </a:rPr>
-                <a:t>및 에너지소비와 환경오염의 관계에 대한 </a:t>
-              </a:r>
-              <a:r>
-                <a:rPr lang="ko-KR" altLang="en-US" sz="900" dirty="0" smtClean="0">
-                  <a:latin typeface="나눔스퀘어" panose="020B0600000101010101" pitchFamily="50" charset="-127"/>
-                  <a:ea typeface="나눔스퀘어" panose="020B0600000101010101" pitchFamily="50" charset="-127"/>
-                </a:rPr>
-                <a:t>분석 </a:t>
-              </a:r>
-              <a:r>
-                <a:rPr lang="en-US" altLang="ko-KR" sz="900" dirty="0" smtClean="0">
-                  <a:latin typeface="나눔스퀘어" panose="020B0600000101010101" pitchFamily="50" charset="-127"/>
-                  <a:ea typeface="나눔스퀘어" panose="020B0600000101010101" pitchFamily="50" charset="-127"/>
-                </a:rPr>
-                <a:t>(</a:t>
-              </a:r>
-              <a:r>
-                <a:rPr lang="ko-KR" altLang="en-US" sz="900" dirty="0" err="1" smtClean="0">
-                  <a:latin typeface="나눔스퀘어" panose="020B0600000101010101" pitchFamily="50" charset="-127"/>
-                  <a:ea typeface="나눔스퀘어" panose="020B0600000101010101" pitchFamily="50" charset="-127"/>
-                </a:rPr>
-                <a:t>정수관</a:t>
-              </a:r>
-              <a:r>
-                <a:rPr lang="en-US" altLang="ko-KR" sz="900" dirty="0" smtClean="0">
-                  <a:latin typeface="나눔스퀘어" panose="020B0600000101010101" pitchFamily="50" charset="-127"/>
-                  <a:ea typeface="나눔스퀘어" panose="020B0600000101010101" pitchFamily="50" charset="-127"/>
-                </a:rPr>
-                <a:t>, </a:t>
-              </a:r>
-              <a:r>
-                <a:rPr lang="ko-KR" altLang="en-US" sz="900" dirty="0" err="1" smtClean="0">
-                  <a:latin typeface="나눔스퀘어" panose="020B0600000101010101" pitchFamily="50" charset="-127"/>
-                  <a:ea typeface="나눔스퀘어" panose="020B0600000101010101" pitchFamily="50" charset="-127"/>
-                </a:rPr>
-                <a:t>강상목</a:t>
-              </a:r>
-              <a:r>
-                <a:rPr lang="ko-KR" altLang="en-US" sz="900" dirty="0" smtClean="0">
-                  <a:latin typeface="나눔스퀘어" panose="020B0600000101010101" pitchFamily="50" charset="-127"/>
-                  <a:ea typeface="나눔스퀘어" panose="020B0600000101010101" pitchFamily="50" charset="-127"/>
-                </a:rPr>
-                <a:t> </a:t>
-              </a:r>
-              <a:r>
-                <a:rPr lang="en-US" altLang="ko-KR" sz="900" dirty="0" smtClean="0">
-                  <a:latin typeface="나눔스퀘어" panose="020B0600000101010101" pitchFamily="50" charset="-127"/>
-                  <a:ea typeface="나눔스퀘어" panose="020B0600000101010101" pitchFamily="50" charset="-127"/>
-                </a:rPr>
-                <a:t>2013 109)</a:t>
-              </a:r>
-              <a:endParaRPr lang="ko-KR" altLang="en-US" sz="900" dirty="0">
-                <a:latin typeface="나눔스퀘어" panose="020B0600000101010101" pitchFamily="50" charset="-127"/>
-                <a:ea typeface="나눔스퀘어" panose="020B0600000101010101" pitchFamily="50" charset="-127"/>
-              </a:endParaRPr>
-            </a:p>
-          </p:txBody>
-        </p:sp>
-        <p:sp>
-          <p:nvSpPr>
-            <p:cNvPr id="61" name="TextBox 60"/>
-            <p:cNvSpPr txBox="1"/>
-            <p:nvPr/>
-          </p:nvSpPr>
-          <p:spPr>
-            <a:xfrm>
-              <a:off x="4800271" y="2857978"/>
-              <a:ext cx="880779" cy="218300"/>
-            </a:xfrm>
-            <a:prstGeom prst="rect">
-              <a:avLst/>
-            </a:prstGeom>
-            <a:noFill/>
-            <a:scene3d>
-              <a:camera prst="obliqueTopLeft"/>
-              <a:lightRig rig="threePt" dir="t"/>
-            </a:scene3d>
-          </p:spPr>
-          <p:txBody>
-            <a:bodyPr wrap="none" rtlCol="0">
-              <a:spAutoFit/>
-            </a:bodyPr>
-            <a:lstStyle/>
-            <a:p>
-              <a:pPr algn="ctr"/>
-              <a:r>
-                <a:rPr lang="en-US" altLang="ko-KR" sz="1200" dirty="0" smtClean="0">
-                  <a:latin typeface="나눔스퀘어" panose="020B0600000101010101" pitchFamily="50" charset="-127"/>
-                  <a:ea typeface="나눔스퀘어" panose="020B0600000101010101" pitchFamily="50" charset="-127"/>
-                </a:rPr>
-                <a:t>(</a:t>
-              </a:r>
-              <a:r>
-                <a:rPr lang="ko-KR" altLang="en-US" sz="1200" dirty="0" smtClean="0">
-                  <a:latin typeface="나눔스퀘어" panose="020B0600000101010101" pitchFamily="50" charset="-127"/>
-                  <a:ea typeface="나눔스퀘어" panose="020B0600000101010101" pitchFamily="50" charset="-127"/>
-                </a:rPr>
-                <a:t>에너지소비량</a:t>
-              </a:r>
-              <a:r>
-                <a:rPr lang="en-US" altLang="ko-KR" sz="1200" dirty="0" smtClean="0">
-                  <a:latin typeface="나눔스퀘어" panose="020B0600000101010101" pitchFamily="50" charset="-127"/>
-                  <a:ea typeface="나눔스퀘어" panose="020B0600000101010101" pitchFamily="50" charset="-127"/>
-                </a:rPr>
-                <a:t>)</a:t>
-              </a:r>
-            </a:p>
-          </p:txBody>
-        </p:sp>
-        <p:sp>
-          <p:nvSpPr>
-            <p:cNvPr id="63" name="TextBox 62"/>
-            <p:cNvSpPr txBox="1"/>
-            <p:nvPr/>
-          </p:nvSpPr>
-          <p:spPr>
-            <a:xfrm>
-              <a:off x="2053927" y="2845786"/>
-              <a:ext cx="1130913" cy="218300"/>
-            </a:xfrm>
-            <a:prstGeom prst="rect">
-              <a:avLst/>
-            </a:prstGeom>
-            <a:noFill/>
-            <a:scene3d>
-              <a:camera prst="obliqueTopLeft"/>
-              <a:lightRig rig="threePt" dir="t"/>
-            </a:scene3d>
-          </p:spPr>
-          <p:txBody>
-            <a:bodyPr wrap="none" rtlCol="0">
-              <a:spAutoFit/>
-            </a:bodyPr>
-            <a:lstStyle/>
-            <a:p>
-              <a:pPr algn="ctr"/>
-              <a:r>
-                <a:rPr lang="en-US" altLang="ko-KR" sz="1200" dirty="0" smtClean="0">
-                  <a:latin typeface="나눔스퀘어" panose="020B0600000101010101" pitchFamily="50" charset="-127"/>
-                  <a:ea typeface="나눔스퀘어" panose="020B0600000101010101" pitchFamily="50" charset="-127"/>
-                </a:rPr>
-                <a:t>(</a:t>
-              </a:r>
-              <a:r>
-                <a:rPr lang="ko-KR" altLang="en-US" sz="1200" dirty="0" smtClean="0">
-                  <a:latin typeface="나눔스퀘어" panose="020B0600000101010101" pitchFamily="50" charset="-127"/>
-                  <a:ea typeface="나눔스퀘어" panose="020B0600000101010101" pitchFamily="50" charset="-127"/>
-                </a:rPr>
-                <a:t>이산화탄소 배출량</a:t>
-              </a:r>
-              <a:r>
-                <a:rPr lang="en-US" altLang="ko-KR" sz="1200" dirty="0" smtClean="0">
-                  <a:latin typeface="나눔스퀘어" panose="020B0600000101010101" pitchFamily="50" charset="-127"/>
-                  <a:ea typeface="나눔스퀘어" panose="020B0600000101010101" pitchFamily="50" charset="-127"/>
-                </a:rPr>
-                <a:t>)</a:t>
               </a:r>
             </a:p>
           </p:txBody>
@@ -10954,83 +10271,7 @@
   <p:timing>
     <p:tnLst>
       <p:par>
-        <p:cTn id="1" dur="indefinite" restart="never" nodeType="tmRoot">
-          <p:childTnLst>
-            <p:seq concurrent="1" nextAc="seek">
-              <p:cTn id="2" dur="indefinite" nodeType="mainSeq">
-                <p:childTnLst>
-                  <p:par>
-                    <p:cTn id="3" fill="hold">
-                      <p:stCondLst>
-                        <p:cond delay="indefinite"/>
-                      </p:stCondLst>
-                      <p:childTnLst>
-                        <p:par>
-                          <p:cTn id="4" fill="hold">
-                            <p:stCondLst>
-                              <p:cond delay="0"/>
-                            </p:stCondLst>
-                            <p:childTnLst>
-                              <p:par>
-                                <p:cTn id="5" presetID="22" presetClass="entr" presetSubtype="4" fill="hold" nodeType="clickEffect">
-                                  <p:stCondLst>
-                                    <p:cond delay="0"/>
-                                  </p:stCondLst>
-                                  <p:childTnLst>
-                                    <p:set>
-                                      <p:cBhvr>
-                                        <p:cTn id="6" dur="1" fill="hold">
-                                          <p:stCondLst>
-                                            <p:cond delay="0"/>
-                                          </p:stCondLst>
-                                        </p:cTn>
-                                        <p:tgtEl>
-                                          <p:spTgt spid="18"/>
-                                        </p:tgtEl>
-                                        <p:attrNameLst>
-                                          <p:attrName>style.visibility</p:attrName>
-                                        </p:attrNameLst>
-                                      </p:cBhvr>
-                                      <p:to>
-                                        <p:strVal val="visible"/>
-                                      </p:to>
-                                    </p:set>
-                                    <p:animEffect transition="in" filter="wipe(down)">
-                                      <p:cBhvr>
-                                        <p:cTn id="7" dur="500"/>
-                                        <p:tgtEl>
-                                          <p:spTgt spid="18"/>
-                                        </p:tgtEl>
-                                      </p:cBhvr>
-                                    </p:animEffect>
-                                  </p:childTnLst>
-                                </p:cTn>
-                              </p:par>
-                            </p:childTnLst>
-                          </p:cTn>
-                        </p:par>
-                      </p:childTnLst>
-                    </p:cTn>
-                  </p:par>
-                </p:childTnLst>
-              </p:cTn>
-              <p:prevCondLst>
-                <p:cond evt="onPrev" delay="0">
-                  <p:tgtEl>
-                    <p:sldTgt/>
-                  </p:tgtEl>
-                </p:cond>
-              </p:prevCondLst>
-              <p:nextCondLst>
-                <p:cond evt="onNext" delay="0">
-                  <p:tgtEl>
-                    <p:sldTgt/>
-                  </p:tgtEl>
-                </p:cond>
-              </p:nextCondLst>
-            </p:seq>
-          </p:childTnLst>
-        </p:cTn>
+        <p:cTn id="1" dur="indefinite" restart="never" nodeType="tmRoot"/>
       </p:par>
     </p:tnLst>
   </p:timing>
@@ -11994,13 +11235,6 @@
               </a:rPr>
               <a:t>신재생에너지</a:t>
             </a:r>
-            <a:endParaRPr lang="ko-KR" altLang="en-US" spc="-150" dirty="0" smtClean="0">
-              <a:solidFill>
-                <a:schemeClr val="bg1"/>
-              </a:solidFill>
-              <a:latin typeface="나눔스퀘어" panose="020B0600000101010101" pitchFamily="50" charset="-127"/>
-              <a:ea typeface="나눔스퀘어" panose="020B0600000101010101" pitchFamily="50" charset="-127"/>
-            </a:endParaRPr>
           </a:p>
         </p:txBody>
       </p:sp>
@@ -12932,19 +12166,7 @@
                   <a:latin typeface="나눔스퀘어 ExtraBold" panose="020B0600000101010101" pitchFamily="50" charset="-127"/>
                   <a:ea typeface="나눔스퀘어 ExtraBold" panose="020B0600000101010101" pitchFamily="50" charset="-127"/>
                 </a:rPr>
-                <a:t>현재 전력 </a:t>
-              </a:r>
-              <a:r>
-                <a:rPr lang="ko-KR" altLang="en-US" sz="2000" b="1" spc="-150" dirty="0" smtClean="0">
-                  <a:solidFill>
-                    <a:schemeClr val="accent5">
-                      <a:lumMod val="50000"/>
-                    </a:schemeClr>
-                  </a:solidFill>
-                  <a:latin typeface="나눔스퀘어 ExtraBold" panose="020B0600000101010101" pitchFamily="50" charset="-127"/>
-                  <a:ea typeface="나눔스퀘어 ExtraBold" panose="020B0600000101010101" pitchFamily="50" charset="-127"/>
-                </a:rPr>
-                <a:t>시스템</a:t>
+                <a:t>현재 전력 시스템</a:t>
               </a:r>
             </a:p>
           </p:txBody>
@@ -12988,15 +12210,6 @@
                 </a:rPr>
                 <a:t>발전소</a:t>
               </a:r>
-              <a:endParaRPr lang="ko-KR" altLang="en-US" spc="-150" dirty="0" smtClean="0">
-                <a:solidFill>
-                  <a:schemeClr val="accent5">
-                    <a:lumMod val="50000"/>
-                  </a:schemeClr>
-                </a:solidFill>
-                <a:latin typeface="나눔스퀘어" panose="020B0600000101010101" pitchFamily="50" charset="-127"/>
-                <a:ea typeface="나눔스퀘어" panose="020B0600000101010101" pitchFamily="50" charset="-127"/>
-              </a:endParaRPr>
             </a:p>
           </p:txBody>
         </p:sp>
@@ -13079,10 +12292,6 @@
               </a:rPr>
               <a:t>환경오염 및 지구온난화 발생</a:t>
             </a:r>
-            <a:endParaRPr lang="ko-KR" altLang="en-US" sz="1200" spc="-150" dirty="0">
-              <a:latin typeface="나눔스퀘어" panose="020B0600000101010101" pitchFamily="50" charset="-127"/>
-              <a:ea typeface="나눔스퀘어" panose="020B0600000101010101" pitchFamily="50" charset="-127"/>
-            </a:endParaRPr>
           </a:p>
         </p:txBody>
       </p:sp>
@@ -13099,9 +12308,327 @@
   <p:timing>
     <p:tnLst>
       <p:par>
-        <p:cTn id="1" dur="indefinite" restart="never" nodeType="tmRoot"/>
+        <p:cTn id="1" dur="indefinite" restart="never" nodeType="tmRoot">
+          <p:childTnLst>
+            <p:seq concurrent="1" nextAc="seek">
+              <p:cTn id="2" dur="indefinite" nodeType="mainSeq">
+                <p:childTnLst>
+                  <p:par>
+                    <p:cTn id="3" fill="hold">
+                      <p:stCondLst>
+                        <p:cond delay="indefinite"/>
+                        <p:cond evt="onBegin" delay="0">
+                          <p:tn val="2"/>
+                        </p:cond>
+                      </p:stCondLst>
+                      <p:childTnLst>
+                        <p:par>
+                          <p:cTn id="4" fill="hold">
+                            <p:stCondLst>
+                              <p:cond delay="0"/>
+                            </p:stCondLst>
+                            <p:childTnLst>
+                              <p:par>
+                                <p:cTn id="5" presetID="10" presetClass="entr" presetSubtype="0" fill="hold" nodeType="withEffect">
+                                  <p:stCondLst>
+                                    <p:cond delay="0"/>
+                                  </p:stCondLst>
+                                  <p:childTnLst>
+                                    <p:set>
+                                      <p:cBhvr>
+                                        <p:cTn id="6" dur="1" fill="hold">
+                                          <p:stCondLst>
+                                            <p:cond delay="0"/>
+                                          </p:stCondLst>
+                                        </p:cTn>
+                                        <p:tgtEl>
+                                          <p:spTgt spid="3"/>
+                                        </p:tgtEl>
+                                        <p:attrNameLst>
+                                          <p:attrName>style.visibility</p:attrName>
+                                        </p:attrNameLst>
+                                      </p:cBhvr>
+                                      <p:to>
+                                        <p:strVal val="visible"/>
+                                      </p:to>
+                                    </p:set>
+                                    <p:animEffect transition="in" filter="fade">
+                                      <p:cBhvr>
+                                        <p:cTn id="7" dur="500"/>
+                                        <p:tgtEl>
+                                          <p:spTgt spid="3"/>
+                                        </p:tgtEl>
+                                      </p:cBhvr>
+                                    </p:animEffect>
+                                  </p:childTnLst>
+                                </p:cTn>
+                              </p:par>
+                              <p:par>
+                                <p:cTn id="8" presetID="10" presetClass="entr" presetSubtype="0" fill="hold" grpId="0" nodeType="withEffect">
+                                  <p:stCondLst>
+                                    <p:cond delay="0"/>
+                                  </p:stCondLst>
+                                  <p:childTnLst>
+                                    <p:set>
+                                      <p:cBhvr>
+                                        <p:cTn id="9" dur="1" fill="hold">
+                                          <p:stCondLst>
+                                            <p:cond delay="0"/>
+                                          </p:stCondLst>
+                                        </p:cTn>
+                                        <p:tgtEl>
+                                          <p:spTgt spid="103"/>
+                                        </p:tgtEl>
+                                        <p:attrNameLst>
+                                          <p:attrName>style.visibility</p:attrName>
+                                        </p:attrNameLst>
+                                      </p:cBhvr>
+                                      <p:to>
+                                        <p:strVal val="visible"/>
+                                      </p:to>
+                                    </p:set>
+                                    <p:animEffect transition="in" filter="fade">
+                                      <p:cBhvr>
+                                        <p:cTn id="10" dur="500"/>
+                                        <p:tgtEl>
+                                          <p:spTgt spid="103"/>
+                                        </p:tgtEl>
+                                      </p:cBhvr>
+                                    </p:animEffect>
+                                  </p:childTnLst>
+                                </p:cTn>
+                              </p:par>
+                              <p:par>
+                                <p:cTn id="11" presetID="10" presetClass="entr" presetSubtype="0" fill="hold" grpId="0" nodeType="withEffect">
+                                  <p:stCondLst>
+                                    <p:cond delay="0"/>
+                                  </p:stCondLst>
+                                  <p:childTnLst>
+                                    <p:set>
+                                      <p:cBhvr>
+                                        <p:cTn id="12" dur="1" fill="hold">
+                                          <p:stCondLst>
+                                            <p:cond delay="0"/>
+                                          </p:stCondLst>
+                                        </p:cTn>
+                                        <p:tgtEl>
+                                          <p:spTgt spid="49"/>
+                                        </p:tgtEl>
+                                        <p:attrNameLst>
+                                          <p:attrName>style.visibility</p:attrName>
+                                        </p:attrNameLst>
+                                      </p:cBhvr>
+                                      <p:to>
+                                        <p:strVal val="visible"/>
+                                      </p:to>
+                                    </p:set>
+                                    <p:animEffect transition="in" filter="fade">
+                                      <p:cBhvr>
+                                        <p:cTn id="13" dur="500"/>
+                                        <p:tgtEl>
+                                          <p:spTgt spid="49"/>
+                                        </p:tgtEl>
+                                      </p:cBhvr>
+                                    </p:animEffect>
+                                  </p:childTnLst>
+                                </p:cTn>
+                              </p:par>
+                            </p:childTnLst>
+                          </p:cTn>
+                        </p:par>
+                      </p:childTnLst>
+                    </p:cTn>
+                  </p:par>
+                  <p:par>
+                    <p:cTn id="14" fill="hold">
+                      <p:stCondLst>
+                        <p:cond delay="indefinite"/>
+                      </p:stCondLst>
+                      <p:childTnLst>
+                        <p:par>
+                          <p:cTn id="15" fill="hold">
+                            <p:stCondLst>
+                              <p:cond delay="0"/>
+                            </p:stCondLst>
+                            <p:childTnLst>
+                              <p:par>
+                                <p:cTn id="16" presetID="10" presetClass="entr" presetSubtype="0" fill="hold" nodeType="clickEffect">
+                                  <p:stCondLst>
+                                    <p:cond delay="0"/>
+                                  </p:stCondLst>
+                                  <p:childTnLst>
+                                    <p:set>
+                                      <p:cBhvr>
+                                        <p:cTn id="17" dur="1" fill="hold">
+                                          <p:stCondLst>
+                                            <p:cond delay="0"/>
+                                          </p:stCondLst>
+                                        </p:cTn>
+                                        <p:tgtEl>
+                                          <p:spTgt spid="5"/>
+                                        </p:tgtEl>
+                                        <p:attrNameLst>
+                                          <p:attrName>style.visibility</p:attrName>
+                                        </p:attrNameLst>
+                                      </p:cBhvr>
+                                      <p:to>
+                                        <p:strVal val="visible"/>
+                                      </p:to>
+                                    </p:set>
+                                    <p:animEffect transition="in" filter="fade">
+                                      <p:cBhvr>
+                                        <p:cTn id="18" dur="500"/>
+                                        <p:tgtEl>
+                                          <p:spTgt spid="5"/>
+                                        </p:tgtEl>
+                                      </p:cBhvr>
+                                    </p:animEffect>
+                                  </p:childTnLst>
+                                </p:cTn>
+                              </p:par>
+                              <p:par>
+                                <p:cTn id="19" presetID="1" presetClass="entr" presetSubtype="0" fill="hold" grpId="0" nodeType="withEffect">
+                                  <p:stCondLst>
+                                    <p:cond delay="0"/>
+                                  </p:stCondLst>
+                                  <p:childTnLst>
+                                    <p:set>
+                                      <p:cBhvr>
+                                        <p:cTn id="20" dur="1" fill="hold">
+                                          <p:stCondLst>
+                                            <p:cond delay="0"/>
+                                          </p:stCondLst>
+                                        </p:cTn>
+                                        <p:tgtEl>
+                                          <p:spTgt spid="108"/>
+                                        </p:tgtEl>
+                                        <p:attrNameLst>
+                                          <p:attrName>style.visibility</p:attrName>
+                                        </p:attrNameLst>
+                                      </p:cBhvr>
+                                      <p:to>
+                                        <p:strVal val="visible"/>
+                                      </p:to>
+                                    </p:set>
+                                  </p:childTnLst>
+                                </p:cTn>
+                              </p:par>
+                              <p:par>
+                                <p:cTn id="21" presetID="1" presetClass="entr" presetSubtype="0" fill="hold" grpId="0" nodeType="withEffect">
+                                  <p:stCondLst>
+                                    <p:cond delay="0"/>
+                                  </p:stCondLst>
+                                  <p:childTnLst>
+                                    <p:set>
+                                      <p:cBhvr>
+                                        <p:cTn id="22" dur="1" fill="hold">
+                                          <p:stCondLst>
+                                            <p:cond delay="0"/>
+                                          </p:stCondLst>
+                                        </p:cTn>
+                                        <p:tgtEl>
+                                          <p:spTgt spid="109"/>
+                                        </p:tgtEl>
+                                        <p:attrNameLst>
+                                          <p:attrName>style.visibility</p:attrName>
+                                        </p:attrNameLst>
+                                      </p:cBhvr>
+                                      <p:to>
+                                        <p:strVal val="visible"/>
+                                      </p:to>
+                                    </p:set>
+                                  </p:childTnLst>
+                                </p:cTn>
+                              </p:par>
+                              <p:par>
+                                <p:cTn id="23" presetID="1" presetClass="entr" presetSubtype="0" fill="hold" grpId="0" nodeType="withEffect">
+                                  <p:stCondLst>
+                                    <p:cond delay="0"/>
+                                  </p:stCondLst>
+                                  <p:childTnLst>
+                                    <p:set>
+                                      <p:cBhvr>
+                                        <p:cTn id="24" dur="1" fill="hold">
+                                          <p:stCondLst>
+                                            <p:cond delay="0"/>
+                                          </p:stCondLst>
+                                        </p:cTn>
+                                        <p:tgtEl>
+                                          <p:spTgt spid="106"/>
+                                        </p:tgtEl>
+                                        <p:attrNameLst>
+                                          <p:attrName>style.visibility</p:attrName>
+                                        </p:attrNameLst>
+                                      </p:cBhvr>
+                                      <p:to>
+                                        <p:strVal val="visible"/>
+                                      </p:to>
+                                    </p:set>
+                                  </p:childTnLst>
+                                </p:cTn>
+                              </p:par>
+                              <p:par>
+                                <p:cTn id="25" presetID="1" presetClass="entr" presetSubtype="0" fill="hold" grpId="0" nodeType="withEffect">
+                                  <p:stCondLst>
+                                    <p:cond delay="0"/>
+                                  </p:stCondLst>
+                                  <p:childTnLst>
+                                    <p:set>
+                                      <p:cBhvr>
+                                        <p:cTn id="26" dur="1" fill="hold">
+                                          <p:stCondLst>
+                                            <p:cond delay="0"/>
+                                          </p:stCondLst>
+                                        </p:cTn>
+                                        <p:tgtEl>
+                                          <p:spTgt spid="107"/>
+                                        </p:tgtEl>
+                                        <p:attrNameLst>
+                                          <p:attrName>style.visibility</p:attrName>
+                                        </p:attrNameLst>
+                                      </p:cBhvr>
+                                      <p:to>
+                                        <p:strVal val="visible"/>
+                                      </p:to>
+                                    </p:set>
+                                  </p:childTnLst>
+                                </p:cTn>
+                              </p:par>
+                            </p:childTnLst>
+                          </p:cTn>
+                        </p:par>
+                      </p:childTnLst>
+                    </p:cTn>
+                  </p:par>
+                </p:childTnLst>
+              </p:cTn>
+              <p:prevCondLst>
+                <p:cond evt="onPrev" delay="0">
+                  <p:tgtEl>
+                    <p:sldTgt/>
+                  </p:tgtEl>
+                </p:cond>
+              </p:prevCondLst>
+              <p:nextCondLst>
+                <p:cond evt="onNext" delay="0">
+                  <p:tgtEl>
+                    <p:sldTgt/>
+                  </p:tgtEl>
+                </p:cond>
+              </p:nextCondLst>
+            </p:seq>
+          </p:childTnLst>
+        </p:cTn>
       </p:par>
     </p:tnLst>
+    <p:bldLst>
+      <p:bldP spid="103" grpId="0"/>
+      <p:bldP spid="106" grpId="0"/>
+      <p:bldP spid="107" grpId="0"/>
+      <p:bldP spid="108" grpId="0"/>
+      <p:bldP spid="109" grpId="0"/>
+      <p:bldP spid="49" grpId="0"/>
+    </p:bldLst>
   </p:timing>
 </p:sld>
 </file>
@@ -13867,7 +13394,7 @@
                 <a:latin typeface="나눔스퀘어" panose="020B0600000101010101" pitchFamily="50" charset="-127"/>
                 <a:ea typeface="나눔스퀘어" panose="020B0600000101010101" pitchFamily="50" charset="-127"/>
               </a:rPr>
-              <a:t>전기사용량을 확인</a:t>
+              <a:t>전기사용량을 확인 및 제어</a:t>
             </a:r>
             <a:endParaRPr lang="en-US" altLang="ko-KR" sz="1200" spc="-150" dirty="0" smtClean="0">
               <a:solidFill>
@@ -13920,8 +13447,18 @@
                 <a:latin typeface="나눔스퀘어 ExtraBold" panose="020B0600000101010101" pitchFamily="50" charset="-127"/>
                 <a:ea typeface="나눔스퀘어 ExtraBold" panose="020B0600000101010101" pitchFamily="50" charset="-127"/>
               </a:rPr>
-              <a:t>전기사용량 확인</a:t>
-            </a:r>
+              <a:t>전기 사용량 제어</a:t>
+            </a:r>
+            <a:endParaRPr lang="ko-KR" altLang="en-US" sz="2000" b="1" spc="-150" dirty="0" smtClean="0">
+              <a:solidFill>
+                <a:schemeClr val="tx1">
+                  <a:lumMod val="75000"/>
+                  <a:lumOff val="25000"/>
+                </a:schemeClr>
+              </a:solidFill>
+              <a:latin typeface="나눔스퀘어 ExtraBold" panose="020B0600000101010101" pitchFamily="50" charset="-127"/>
+              <a:ea typeface="나눔스퀘어 ExtraBold" panose="020B0600000101010101" pitchFamily="50" charset="-127"/>
+            </a:endParaRPr>
           </a:p>
         </p:txBody>
       </p:sp>
@@ -14015,7 +13552,7 @@
                 <a:latin typeface="나눔스퀘어" panose="020B0600000101010101" pitchFamily="50" charset="-127"/>
                 <a:ea typeface="나눔스퀘어" panose="020B0600000101010101" pitchFamily="50" charset="-127"/>
               </a:rPr>
-              <a:t>전원 </a:t>
+              <a:t>전원  </a:t>
             </a:r>
             <a:r>
               <a:rPr lang="en-US" altLang="ko-KR" sz="1200" spc="-150" dirty="0" smtClean="0">
@@ -14028,7 +13565,7 @@
                 <a:latin typeface="나눔스퀘어" panose="020B0600000101010101" pitchFamily="50" charset="-127"/>
                 <a:ea typeface="나눔스퀘어" panose="020B0600000101010101" pitchFamily="50" charset="-127"/>
               </a:rPr>
-              <a:t>On/Off</a:t>
+              <a:t>On/Off </a:t>
             </a:r>
             <a:r>
               <a:rPr lang="ko-KR" altLang="en-US" sz="1200" spc="-150" dirty="0" smtClean="0">
@@ -14094,8 +13631,18 @@
                 <a:latin typeface="나눔스퀘어 ExtraBold" panose="020B0600000101010101" pitchFamily="50" charset="-127"/>
                 <a:ea typeface="나눔스퀘어 ExtraBold" panose="020B0600000101010101" pitchFamily="50" charset="-127"/>
               </a:rPr>
-              <a:t>원격 전원 제어</a:t>
-            </a:r>
+              <a:t>스마트 홈</a:t>
+            </a:r>
+            <a:endParaRPr lang="ko-KR" altLang="en-US" sz="2000" b="1" spc="-150" dirty="0" smtClean="0">
+              <a:solidFill>
+                <a:schemeClr val="tx1">
+                  <a:lumMod val="75000"/>
+                  <a:lumOff val="25000"/>
+                </a:schemeClr>
+              </a:solidFill>
+              <a:latin typeface="나눔스퀘어 ExtraBold" panose="020B0600000101010101" pitchFamily="50" charset="-127"/>
+              <a:ea typeface="나눔스퀘어 ExtraBold" panose="020B0600000101010101" pitchFamily="50" charset="-127"/>
+            </a:endParaRPr>
           </a:p>
         </p:txBody>
       </p:sp>

--- a/req_doc/DC 스마트그리드 홈 네트워크 제안서.pptx
+++ b/req_doc/DC 스마트그리드 홈 네트워크 제안서.pptx
@@ -6643,17 +6643,7 @@
                 <a:latin typeface="a고딕19" panose="02020600000000000000" pitchFamily="18" charset="-127"/>
                 <a:ea typeface="a고딕19" panose="02020600000000000000" pitchFamily="18" charset="-127"/>
               </a:rPr>
-              <a:t>Slide </a:t>
-            </a:r>
-            <a:r>
-              <a:rPr lang="en-US" altLang="ko-KR" sz="1600" dirty="0" smtClean="0">
-                <a:solidFill>
-                  <a:srgbClr val="455A83"/>
-                </a:solidFill>
-                <a:latin typeface="a고딕19" panose="02020600000000000000" pitchFamily="18" charset="-127"/>
-                <a:ea typeface="a고딕19" panose="02020600000000000000" pitchFamily="18" charset="-127"/>
-              </a:rPr>
-              <a:t>10</a:t>
+              <a:t>Slide 10</a:t>
             </a:r>
             <a:endParaRPr lang="ko-KR" altLang="en-US" sz="1600" dirty="0">
               <a:solidFill>
@@ -10771,56 +10761,6 @@
       </p:sp>
       <p:sp>
         <p:nvSpPr>
-          <p:cNvPr id="99" name="타원 98"/>
-          <p:cNvSpPr/>
-          <p:nvPr/>
-        </p:nvSpPr>
-        <p:spPr>
-          <a:xfrm>
-            <a:off x="5299720" y="2414264"/>
-            <a:ext cx="2312788" cy="2312788"/>
-          </a:xfrm>
-          <a:prstGeom prst="ellipse">
-            <a:avLst/>
-          </a:prstGeom>
-          <a:solidFill>
-            <a:srgbClr val="455A83"/>
-          </a:solidFill>
-          <a:ln>
-            <a:noFill/>
-          </a:ln>
-          <a:scene3d>
-            <a:camera prst="obliqueTopLeft"/>
-            <a:lightRig rig="threePt" dir="t"/>
-          </a:scene3d>
-        </p:spPr>
-        <p:style>
-          <a:lnRef idx="2">
-            <a:schemeClr val="accent1">
-              <a:shade val="50000"/>
-            </a:schemeClr>
-          </a:lnRef>
-          <a:fillRef idx="1">
-            <a:schemeClr val="accent1"/>
-          </a:fillRef>
-          <a:effectRef idx="0">
-            <a:schemeClr val="accent1"/>
-          </a:effectRef>
-          <a:fontRef idx="minor">
-            <a:schemeClr val="lt1"/>
-          </a:fontRef>
-        </p:style>
-        <p:txBody>
-          <a:bodyPr rtlCol="0" anchor="ctr"/>
-          <a:lstStyle/>
-          <a:p>
-            <a:pPr algn="ctr"/>
-            <a:endParaRPr lang="ko-KR" altLang="en-US"/>
-          </a:p>
-        </p:txBody>
-      </p:sp>
-      <p:sp>
-        <p:nvSpPr>
           <p:cNvPr id="101" name="갈매기형 수장 100"/>
           <p:cNvSpPr/>
           <p:nvPr/>
@@ -11017,227 +10957,6 @@
           </a:fontRef>
         </p:style>
       </p:cxnSp>
-      <p:sp>
-        <p:nvSpPr>
-          <p:cNvPr id="106" name="TextBox 105"/>
-          <p:cNvSpPr txBox="1"/>
-          <p:nvPr/>
-        </p:nvSpPr>
-        <p:spPr>
-          <a:xfrm>
-            <a:off x="4679376" y="5171296"/>
-            <a:ext cx="3398461" cy="461665"/>
-          </a:xfrm>
-          <a:prstGeom prst="rect">
-            <a:avLst/>
-          </a:prstGeom>
-          <a:noFill/>
-          <a:scene3d>
-            <a:camera prst="obliqueBottomLeft"/>
-            <a:lightRig rig="threePt" dir="t"/>
-          </a:scene3d>
-        </p:spPr>
-        <p:txBody>
-          <a:bodyPr wrap="square" rtlCol="0">
-            <a:spAutoFit/>
-          </a:bodyPr>
-          <a:lstStyle/>
-          <a:p>
-            <a:pPr algn="ctr"/>
-            <a:r>
-              <a:rPr lang="ko-KR" altLang="en-US" sz="1200" spc="-150" dirty="0" smtClean="0">
-                <a:latin typeface="나눔스퀘어" panose="020B0600000101010101" pitchFamily="50" charset="-127"/>
-                <a:ea typeface="나눔스퀘어" panose="020B0600000101010101" pitchFamily="50" charset="-127"/>
-              </a:rPr>
-              <a:t>스마트 그리드 시스템을 활용하여</a:t>
-            </a:r>
-            <a:r>
-              <a:rPr lang="en-US" altLang="ko-KR" sz="1200" spc="-150" dirty="0">
-                <a:latin typeface="나눔스퀘어" panose="020B0600000101010101" pitchFamily="50" charset="-127"/>
-                <a:ea typeface="나눔스퀘어" panose="020B0600000101010101" pitchFamily="50" charset="-127"/>
-              </a:rPr>
-              <a:t> </a:t>
-            </a:r>
-            <a:r>
-              <a:rPr lang="ko-KR" altLang="en-US" sz="1200" spc="-150" dirty="0" smtClean="0">
-                <a:latin typeface="나눔스퀘어" panose="020B0600000101010101" pitchFamily="50" charset="-127"/>
-                <a:ea typeface="나눔스퀘어" panose="020B0600000101010101" pitchFamily="50" charset="-127"/>
-              </a:rPr>
-              <a:t>양방향으로 정보 및 전력을 교환함으로써 에너지 효율 개선</a:t>
-            </a:r>
-            <a:endParaRPr lang="en-US" altLang="ko-KR" sz="1200" spc="-150" dirty="0" smtClean="0">
-              <a:latin typeface="나눔스퀘어" panose="020B0600000101010101" pitchFamily="50" charset="-127"/>
-              <a:ea typeface="나눔스퀘어" panose="020B0600000101010101" pitchFamily="50" charset="-127"/>
-            </a:endParaRPr>
-          </a:p>
-        </p:txBody>
-      </p:sp>
-      <p:sp>
-        <p:nvSpPr>
-          <p:cNvPr id="107" name="TextBox 106"/>
-          <p:cNvSpPr txBox="1"/>
-          <p:nvPr/>
-        </p:nvSpPr>
-        <p:spPr>
-          <a:xfrm>
-            <a:off x="4679376" y="5661529"/>
-            <a:ext cx="3398461" cy="461665"/>
-          </a:xfrm>
-          <a:prstGeom prst="rect">
-            <a:avLst/>
-          </a:prstGeom>
-          <a:noFill/>
-          <a:scene3d>
-            <a:camera prst="obliqueBottomLeft"/>
-            <a:lightRig rig="threePt" dir="t"/>
-          </a:scene3d>
-        </p:spPr>
-        <p:txBody>
-          <a:bodyPr wrap="square" rtlCol="0">
-            <a:spAutoFit/>
-          </a:bodyPr>
-          <a:lstStyle/>
-          <a:p>
-            <a:pPr algn="ctr"/>
-            <a:r>
-              <a:rPr lang="ko-KR" altLang="en-US" sz="1200" spc="-150" dirty="0" smtClean="0">
-                <a:latin typeface="나눔스퀘어" panose="020B0600000101010101" pitchFamily="50" charset="-127"/>
-                <a:ea typeface="나눔스퀘어" panose="020B0600000101010101" pitchFamily="50" charset="-127"/>
-              </a:rPr>
-              <a:t>신재생 에너지 및 </a:t>
-            </a:r>
-            <a:r>
-              <a:rPr lang="en-US" altLang="ko-KR" sz="1200" spc="-150" dirty="0" smtClean="0">
-                <a:latin typeface="나눔스퀘어" panose="020B0600000101010101" pitchFamily="50" charset="-127"/>
-                <a:ea typeface="나눔스퀘어" panose="020B0600000101010101" pitchFamily="50" charset="-127"/>
-              </a:rPr>
-              <a:t>DC </a:t>
-            </a:r>
-            <a:r>
-              <a:rPr lang="ko-KR" altLang="en-US" sz="1200" spc="-150" dirty="0" smtClean="0">
-                <a:latin typeface="나눔스퀘어" panose="020B0600000101010101" pitchFamily="50" charset="-127"/>
-                <a:ea typeface="나눔스퀘어" panose="020B0600000101010101" pitchFamily="50" charset="-127"/>
-              </a:rPr>
-              <a:t>방식을 활용함으로써</a:t>
-            </a:r>
-            <a:endParaRPr lang="en-US" altLang="ko-KR" sz="1200" spc="-150" dirty="0" smtClean="0">
-              <a:latin typeface="나눔스퀘어" panose="020B0600000101010101" pitchFamily="50" charset="-127"/>
-              <a:ea typeface="나눔스퀘어" panose="020B0600000101010101" pitchFamily="50" charset="-127"/>
-            </a:endParaRPr>
-          </a:p>
-          <a:p>
-            <a:pPr algn="ctr"/>
-            <a:r>
-              <a:rPr lang="ko-KR" altLang="en-US" sz="1200" spc="-150" dirty="0" smtClean="0">
-                <a:latin typeface="나눔스퀘어" panose="020B0600000101010101" pitchFamily="50" charset="-127"/>
-                <a:ea typeface="나눔스퀘어" panose="020B0600000101010101" pitchFamily="50" charset="-127"/>
-              </a:rPr>
-              <a:t>에너지효율 증가 및 환경오염 최소화</a:t>
-            </a:r>
-            <a:endParaRPr lang="ko-KR" altLang="en-US" sz="1200" spc="-150" dirty="0">
-              <a:latin typeface="나눔스퀘어" panose="020B0600000101010101" pitchFamily="50" charset="-127"/>
-              <a:ea typeface="나눔스퀘어" panose="020B0600000101010101" pitchFamily="50" charset="-127"/>
-            </a:endParaRPr>
-          </a:p>
-        </p:txBody>
-      </p:sp>
-      <p:sp>
-        <p:nvSpPr>
-          <p:cNvPr id="108" name="TextBox 107"/>
-          <p:cNvSpPr txBox="1"/>
-          <p:nvPr/>
-        </p:nvSpPr>
-        <p:spPr>
-          <a:xfrm>
-            <a:off x="5187886" y="3473952"/>
-            <a:ext cx="2503234" cy="384721"/>
-          </a:xfrm>
-          <a:prstGeom prst="rect">
-            <a:avLst/>
-          </a:prstGeom>
-          <a:noFill/>
-          <a:scene3d>
-            <a:camera prst="obliqueBottomLeft"/>
-            <a:lightRig rig="threePt" dir="t"/>
-          </a:scene3d>
-        </p:spPr>
-        <p:txBody>
-          <a:bodyPr wrap="square" rtlCol="0">
-            <a:spAutoFit/>
-          </a:bodyPr>
-          <a:lstStyle/>
-          <a:p>
-            <a:pPr algn="ctr"/>
-            <a:r>
-              <a:rPr lang="en-US" altLang="ko-KR" sz="1900" b="1" spc="-150" dirty="0" smtClean="0">
-                <a:solidFill>
-                  <a:schemeClr val="bg1"/>
-                </a:solidFill>
-                <a:latin typeface="나눔스퀘어 ExtraBold" panose="020B0600000101010101" pitchFamily="50" charset="-127"/>
-                <a:ea typeface="나눔스퀘어 ExtraBold" panose="020B0600000101010101" pitchFamily="50" charset="-127"/>
-              </a:rPr>
-              <a:t>DC </a:t>
-            </a:r>
-            <a:r>
-              <a:rPr lang="ko-KR" altLang="en-US" sz="1900" b="1" spc="-150" dirty="0" smtClean="0">
-                <a:solidFill>
-                  <a:schemeClr val="bg1"/>
-                </a:solidFill>
-                <a:latin typeface="나눔스퀘어 ExtraBold" panose="020B0600000101010101" pitchFamily="50" charset="-127"/>
-                <a:ea typeface="나눔스퀘어 ExtraBold" panose="020B0600000101010101" pitchFamily="50" charset="-127"/>
-              </a:rPr>
-              <a:t>스마트 그리드 시스템</a:t>
-            </a:r>
-            <a:endParaRPr lang="ko-KR" altLang="en-US" sz="1900" b="1" spc="-150" dirty="0" smtClean="0">
-              <a:solidFill>
-                <a:schemeClr val="bg1"/>
-              </a:solidFill>
-              <a:latin typeface="나눔스퀘어 ExtraBold" panose="020B0600000101010101" pitchFamily="50" charset="-127"/>
-              <a:ea typeface="나눔스퀘어 ExtraBold" panose="020B0600000101010101" pitchFamily="50" charset="-127"/>
-            </a:endParaRPr>
-          </a:p>
-        </p:txBody>
-      </p:sp>
-      <p:sp>
-        <p:nvSpPr>
-          <p:cNvPr id="109" name="TextBox 108"/>
-          <p:cNvSpPr txBox="1"/>
-          <p:nvPr/>
-        </p:nvSpPr>
-        <p:spPr>
-          <a:xfrm>
-            <a:off x="5474848" y="3753742"/>
-            <a:ext cx="1929310" cy="369332"/>
-          </a:xfrm>
-          <a:prstGeom prst="rect">
-            <a:avLst/>
-          </a:prstGeom>
-          <a:noFill/>
-          <a:scene3d>
-            <a:camera prst="obliqueBottomLeft"/>
-            <a:lightRig rig="threePt" dir="t"/>
-          </a:scene3d>
-        </p:spPr>
-        <p:txBody>
-          <a:bodyPr wrap="square" rtlCol="0">
-            <a:spAutoFit/>
-          </a:bodyPr>
-          <a:lstStyle/>
-          <a:p>
-            <a:pPr algn="ctr"/>
-            <a:r>
-              <a:rPr lang="ko-KR" altLang="en-US" spc="-150" dirty="0" smtClean="0">
-                <a:solidFill>
-                  <a:schemeClr val="bg1"/>
-                </a:solidFill>
-                <a:latin typeface="나눔스퀘어" panose="020B0600000101010101" pitchFamily="50" charset="-127"/>
-                <a:ea typeface="나눔스퀘어" panose="020B0600000101010101" pitchFamily="50" charset="-127"/>
-              </a:rPr>
-              <a:t>신재생에너지</a:t>
-            </a:r>
-          </a:p>
-        </p:txBody>
-      </p:sp>
       <p:grpSp>
         <p:nvGrpSpPr>
           <p:cNvPr id="3" name="그룹 2"/>
@@ -12214,36 +11933,315 @@
           </p:txBody>
         </p:sp>
       </p:grpSp>
-      <p:pic>
-        <p:nvPicPr>
-          <p:cNvPr id="5" name="그림 4"/>
-          <p:cNvPicPr>
-            <a:picLocks noChangeAspect="1"/>
-          </p:cNvPicPr>
+      <p:grpSp>
+        <p:nvGrpSpPr>
+          <p:cNvPr id="4" name="그룹 3"/>
+          <p:cNvGrpSpPr/>
           <p:nvPr/>
-        </p:nvPicPr>
-        <p:blipFill>
-          <a:blip r:embed="rId3">
-            <a:extLst>
-              <a:ext uri="{28A0092B-C50C-407E-A947-70E740481C1C}">
-                <a14:useLocalDpi xmlns:a14="http://schemas.microsoft.com/office/drawing/2010/main" val="0"/>
-              </a:ext>
-            </a:extLst>
-          </a:blip>
-          <a:stretch>
-            <a:fillRect/>
-          </a:stretch>
-        </p:blipFill>
-        <p:spPr>
-          <a:xfrm>
-            <a:off x="6157520" y="2778556"/>
-            <a:ext cx="702485" cy="702485"/>
-          </a:xfrm>
-          <a:prstGeom prst="rect">
-            <a:avLst/>
-          </a:prstGeom>
-        </p:spPr>
-      </p:pic>
+        </p:nvGrpSpPr>
+        <p:grpSpPr>
+          <a:xfrm>
+            <a:off x="4679376" y="2414264"/>
+            <a:ext cx="3398461" cy="3708930"/>
+            <a:chOff x="4679376" y="2414264"/>
+            <a:chExt cx="3398461" cy="3708930"/>
+          </a:xfrm>
+        </p:grpSpPr>
+        <p:sp>
+          <p:nvSpPr>
+            <p:cNvPr id="99" name="타원 98"/>
+            <p:cNvSpPr/>
+            <p:nvPr/>
+          </p:nvSpPr>
+          <p:spPr>
+            <a:xfrm>
+              <a:off x="5299720" y="2414264"/>
+              <a:ext cx="2312788" cy="2312788"/>
+            </a:xfrm>
+            <a:prstGeom prst="ellipse">
+              <a:avLst/>
+            </a:prstGeom>
+            <a:solidFill>
+              <a:srgbClr val="455A83"/>
+            </a:solidFill>
+            <a:ln>
+              <a:noFill/>
+            </a:ln>
+            <a:scene3d>
+              <a:camera prst="obliqueTopLeft"/>
+              <a:lightRig rig="threePt" dir="t"/>
+            </a:scene3d>
+          </p:spPr>
+          <p:style>
+            <a:lnRef idx="2">
+              <a:schemeClr val="accent1">
+                <a:shade val="50000"/>
+              </a:schemeClr>
+            </a:lnRef>
+            <a:fillRef idx="1">
+              <a:schemeClr val="accent1"/>
+            </a:fillRef>
+            <a:effectRef idx="0">
+              <a:schemeClr val="accent1"/>
+            </a:effectRef>
+            <a:fontRef idx="minor">
+              <a:schemeClr val="lt1"/>
+            </a:fontRef>
+          </p:style>
+          <p:txBody>
+            <a:bodyPr rtlCol="0" anchor="ctr"/>
+            <a:lstStyle/>
+            <a:p>
+              <a:pPr algn="ctr"/>
+              <a:endParaRPr lang="ko-KR" altLang="en-US"/>
+            </a:p>
+          </p:txBody>
+        </p:sp>
+        <p:sp>
+          <p:nvSpPr>
+            <p:cNvPr id="106" name="TextBox 105"/>
+            <p:cNvSpPr txBox="1"/>
+            <p:nvPr/>
+          </p:nvSpPr>
+          <p:spPr>
+            <a:xfrm>
+              <a:off x="4679376" y="5171296"/>
+              <a:ext cx="3398461" cy="461665"/>
+            </a:xfrm>
+            <a:prstGeom prst="rect">
+              <a:avLst/>
+            </a:prstGeom>
+            <a:noFill/>
+            <a:scene3d>
+              <a:camera prst="obliqueBottomLeft"/>
+              <a:lightRig rig="threePt" dir="t"/>
+            </a:scene3d>
+          </p:spPr>
+          <p:txBody>
+            <a:bodyPr wrap="square" rtlCol="0">
+              <a:spAutoFit/>
+            </a:bodyPr>
+            <a:lstStyle/>
+            <a:p>
+              <a:pPr algn="ctr"/>
+              <a:r>
+                <a:rPr lang="ko-KR" altLang="en-US" sz="1200" spc="-150" dirty="0" smtClean="0">
+                  <a:latin typeface="나눔스퀘어" panose="020B0600000101010101" pitchFamily="50" charset="-127"/>
+                  <a:ea typeface="나눔스퀘어" panose="020B0600000101010101" pitchFamily="50" charset="-127"/>
+                </a:rPr>
+                <a:t>스마트 그리드 시스템을 활용하여</a:t>
+              </a:r>
+              <a:r>
+                <a:rPr lang="en-US" altLang="ko-KR" sz="1200" spc="-150" dirty="0">
+                  <a:latin typeface="나눔스퀘어" panose="020B0600000101010101" pitchFamily="50" charset="-127"/>
+                  <a:ea typeface="나눔스퀘어" panose="020B0600000101010101" pitchFamily="50" charset="-127"/>
+                </a:rPr>
+                <a:t> </a:t>
+              </a:r>
+              <a:r>
+                <a:rPr lang="ko-KR" altLang="en-US" sz="1200" spc="-150" dirty="0" smtClean="0">
+                  <a:latin typeface="나눔스퀘어" panose="020B0600000101010101" pitchFamily="50" charset="-127"/>
+                  <a:ea typeface="나눔스퀘어" panose="020B0600000101010101" pitchFamily="50" charset="-127"/>
+                </a:rPr>
+                <a:t>양방향으로 정보 및 전력을 교환함으로써 에너지 효율 개선</a:t>
+              </a:r>
+              <a:endParaRPr lang="en-US" altLang="ko-KR" sz="1200" spc="-150" dirty="0" smtClean="0">
+                <a:latin typeface="나눔스퀘어" panose="020B0600000101010101" pitchFamily="50" charset="-127"/>
+                <a:ea typeface="나눔스퀘어" panose="020B0600000101010101" pitchFamily="50" charset="-127"/>
+              </a:endParaRPr>
+            </a:p>
+          </p:txBody>
+        </p:sp>
+        <p:sp>
+          <p:nvSpPr>
+            <p:cNvPr id="107" name="TextBox 106"/>
+            <p:cNvSpPr txBox="1"/>
+            <p:nvPr/>
+          </p:nvSpPr>
+          <p:spPr>
+            <a:xfrm>
+              <a:off x="4679376" y="5661529"/>
+              <a:ext cx="3398461" cy="461665"/>
+            </a:xfrm>
+            <a:prstGeom prst="rect">
+              <a:avLst/>
+            </a:prstGeom>
+            <a:noFill/>
+            <a:scene3d>
+              <a:camera prst="obliqueBottomLeft"/>
+              <a:lightRig rig="threePt" dir="t"/>
+            </a:scene3d>
+          </p:spPr>
+          <p:txBody>
+            <a:bodyPr wrap="square" rtlCol="0">
+              <a:spAutoFit/>
+            </a:bodyPr>
+            <a:lstStyle/>
+            <a:p>
+              <a:pPr algn="ctr"/>
+              <a:r>
+                <a:rPr lang="ko-KR" altLang="en-US" sz="1200" spc="-150" dirty="0" smtClean="0">
+                  <a:latin typeface="나눔스퀘어" panose="020B0600000101010101" pitchFamily="50" charset="-127"/>
+                  <a:ea typeface="나눔스퀘어" panose="020B0600000101010101" pitchFamily="50" charset="-127"/>
+                </a:rPr>
+                <a:t>신재생 에너지 및 </a:t>
+              </a:r>
+              <a:r>
+                <a:rPr lang="en-US" altLang="ko-KR" sz="1200" spc="-150" dirty="0" smtClean="0">
+                  <a:latin typeface="나눔스퀘어" panose="020B0600000101010101" pitchFamily="50" charset="-127"/>
+                  <a:ea typeface="나눔스퀘어" panose="020B0600000101010101" pitchFamily="50" charset="-127"/>
+                </a:rPr>
+                <a:t>DC </a:t>
+              </a:r>
+              <a:r>
+                <a:rPr lang="ko-KR" altLang="en-US" sz="1200" spc="-150" dirty="0" smtClean="0">
+                  <a:latin typeface="나눔스퀘어" panose="020B0600000101010101" pitchFamily="50" charset="-127"/>
+                  <a:ea typeface="나눔스퀘어" panose="020B0600000101010101" pitchFamily="50" charset="-127"/>
+                </a:rPr>
+                <a:t>방식을 활용함으로써</a:t>
+              </a:r>
+              <a:endParaRPr lang="en-US" altLang="ko-KR" sz="1200" spc="-150" dirty="0" smtClean="0">
+                <a:latin typeface="나눔스퀘어" panose="020B0600000101010101" pitchFamily="50" charset="-127"/>
+                <a:ea typeface="나눔스퀘어" panose="020B0600000101010101" pitchFamily="50" charset="-127"/>
+              </a:endParaRPr>
+            </a:p>
+            <a:p>
+              <a:pPr algn="ctr"/>
+              <a:r>
+                <a:rPr lang="ko-KR" altLang="en-US" sz="1200" spc="-150" dirty="0" smtClean="0">
+                  <a:latin typeface="나눔스퀘어" panose="020B0600000101010101" pitchFamily="50" charset="-127"/>
+                  <a:ea typeface="나눔스퀘어" panose="020B0600000101010101" pitchFamily="50" charset="-127"/>
+                </a:rPr>
+                <a:t>에너지효율 증가 및 환경오염 최소화</a:t>
+              </a:r>
+              <a:endParaRPr lang="ko-KR" altLang="en-US" sz="1200" spc="-150" dirty="0">
+                <a:latin typeface="나눔스퀘어" panose="020B0600000101010101" pitchFamily="50" charset="-127"/>
+                <a:ea typeface="나눔스퀘어" panose="020B0600000101010101" pitchFamily="50" charset="-127"/>
+              </a:endParaRPr>
+            </a:p>
+          </p:txBody>
+        </p:sp>
+        <p:sp>
+          <p:nvSpPr>
+            <p:cNvPr id="108" name="TextBox 107"/>
+            <p:cNvSpPr txBox="1"/>
+            <p:nvPr/>
+          </p:nvSpPr>
+          <p:spPr>
+            <a:xfrm>
+              <a:off x="5187886" y="3473952"/>
+              <a:ext cx="2503234" cy="384721"/>
+            </a:xfrm>
+            <a:prstGeom prst="rect">
+              <a:avLst/>
+            </a:prstGeom>
+            <a:noFill/>
+            <a:scene3d>
+              <a:camera prst="obliqueBottomLeft"/>
+              <a:lightRig rig="threePt" dir="t"/>
+            </a:scene3d>
+          </p:spPr>
+          <p:txBody>
+            <a:bodyPr wrap="square" rtlCol="0">
+              <a:spAutoFit/>
+            </a:bodyPr>
+            <a:lstStyle/>
+            <a:p>
+              <a:pPr algn="ctr"/>
+              <a:r>
+                <a:rPr lang="en-US" altLang="ko-KR" sz="1900" b="1" spc="-150" dirty="0" smtClean="0">
+                  <a:solidFill>
+                    <a:schemeClr val="bg1"/>
+                  </a:solidFill>
+                  <a:latin typeface="나눔스퀘어 ExtraBold" panose="020B0600000101010101" pitchFamily="50" charset="-127"/>
+                  <a:ea typeface="나눔스퀘어 ExtraBold" panose="020B0600000101010101" pitchFamily="50" charset="-127"/>
+                </a:rPr>
+                <a:t>DC </a:t>
+              </a:r>
+              <a:r>
+                <a:rPr lang="ko-KR" altLang="en-US" sz="1900" b="1" spc="-150" dirty="0" smtClean="0">
+                  <a:solidFill>
+                    <a:schemeClr val="bg1"/>
+                  </a:solidFill>
+                  <a:latin typeface="나눔스퀘어 ExtraBold" panose="020B0600000101010101" pitchFamily="50" charset="-127"/>
+                  <a:ea typeface="나눔스퀘어 ExtraBold" panose="020B0600000101010101" pitchFamily="50" charset="-127"/>
+                </a:rPr>
+                <a:t>스마트 그리드 시스템</a:t>
+              </a:r>
+            </a:p>
+          </p:txBody>
+        </p:sp>
+        <p:sp>
+          <p:nvSpPr>
+            <p:cNvPr id="109" name="TextBox 108"/>
+            <p:cNvSpPr txBox="1"/>
+            <p:nvPr/>
+          </p:nvSpPr>
+          <p:spPr>
+            <a:xfrm>
+              <a:off x="5474848" y="3753742"/>
+              <a:ext cx="1929310" cy="369332"/>
+            </a:xfrm>
+            <a:prstGeom prst="rect">
+              <a:avLst/>
+            </a:prstGeom>
+            <a:noFill/>
+            <a:scene3d>
+              <a:camera prst="obliqueBottomLeft"/>
+              <a:lightRig rig="threePt" dir="t"/>
+            </a:scene3d>
+          </p:spPr>
+          <p:txBody>
+            <a:bodyPr wrap="square" rtlCol="0">
+              <a:spAutoFit/>
+            </a:bodyPr>
+            <a:lstStyle/>
+            <a:p>
+              <a:pPr algn="ctr"/>
+              <a:r>
+                <a:rPr lang="ko-KR" altLang="en-US" spc="-150" dirty="0" smtClean="0">
+                  <a:solidFill>
+                    <a:schemeClr val="bg1"/>
+                  </a:solidFill>
+                  <a:latin typeface="나눔스퀘어" panose="020B0600000101010101" pitchFamily="50" charset="-127"/>
+                  <a:ea typeface="나눔스퀘어" panose="020B0600000101010101" pitchFamily="50" charset="-127"/>
+                </a:rPr>
+                <a:t>신재생에너지</a:t>
+              </a:r>
+            </a:p>
+          </p:txBody>
+        </p:sp>
+        <p:pic>
+          <p:nvPicPr>
+            <p:cNvPr id="5" name="그림 4"/>
+            <p:cNvPicPr>
+              <a:picLocks noChangeAspect="1"/>
+            </p:cNvPicPr>
+            <p:nvPr/>
+          </p:nvPicPr>
+          <p:blipFill>
+            <a:blip r:embed="rId3">
+              <a:extLst>
+                <a:ext uri="{28A0092B-C50C-407E-A947-70E740481C1C}">
+                  <a14:useLocalDpi xmlns:a14="http://schemas.microsoft.com/office/drawing/2010/main" val="0"/>
+                </a:ext>
+              </a:extLst>
+            </a:blip>
+            <a:stretch>
+              <a:fillRect/>
+            </a:stretch>
+          </p:blipFill>
+          <p:spPr>
+            <a:xfrm>
+              <a:off x="6157520" y="2778556"/>
+              <a:ext cx="702485" cy="702485"/>
+            </a:xfrm>
+            <a:prstGeom prst="rect">
+              <a:avLst/>
+            </a:prstGeom>
+          </p:spPr>
+        </p:pic>
+      </p:grpSp>
       <p:sp>
         <p:nvSpPr>
           <p:cNvPr id="49" name="TextBox 48"/>
@@ -12465,7 +12463,7 @@
                                           </p:stCondLst>
                                         </p:cTn>
                                         <p:tgtEl>
-                                          <p:spTgt spid="5"/>
+                                          <p:spTgt spid="4"/>
                                         </p:tgtEl>
                                         <p:attrNameLst>
                                           <p:attrName>style.visibility</p:attrName>
@@ -12479,118 +12477,10 @@
                                       <p:cBhvr>
                                         <p:cTn id="18" dur="500"/>
                                         <p:tgtEl>
-                                          <p:spTgt spid="5"/>
+                                          <p:spTgt spid="4"/>
                                         </p:tgtEl>
                                       </p:cBhvr>
                                     </p:animEffect>
-                                  </p:childTnLst>
-                                </p:cTn>
-                              </p:par>
-                              <p:par>
-                                <p:cTn id="19" presetID="1" presetClass="entr" presetSubtype="0" fill="hold" grpId="0" nodeType="withEffect">
-                                  <p:stCondLst>
-                                    <p:cond delay="0"/>
-                                  </p:stCondLst>
-                                  <p:childTnLst>
-                                    <p:set>
-                                      <p:cBhvr>
-                                        <p:cTn id="20" dur="1" fill="hold">
-                                          <p:stCondLst>
-                                            <p:cond delay="0"/>
-                                          </p:stCondLst>
-                                        </p:cTn>
-                                        <p:tgtEl>
-                                          <p:spTgt spid="108"/>
-                                        </p:tgtEl>
-                                        <p:attrNameLst>
-                                          <p:attrName>style.visibility</p:attrName>
-                                        </p:attrNameLst>
-                                      </p:cBhvr>
-                                      <p:to>
-                                        <p:strVal val="visible"/>
-                                      </p:to>
-                                    </p:set>
-                                  </p:childTnLst>
-                                </p:cTn>
-                              </p:par>
-                              <p:par>
-                                <p:cTn id="21" presetID="1" presetClass="entr" presetSubtype="0" fill="hold" grpId="0" nodeType="withEffect">
-                                  <p:stCondLst>
-                                    <p:cond delay="0"/>
-                                  </p:stCondLst>
-                                  <p:childTnLst>
-                                    <p:set>
-                                      <p:cBhvr>
-                                        <p:cTn id="22" dur="1" fill="hold">
-                                          <p:stCondLst>
-                                            <p:cond delay="0"/>
-                                          </p:stCondLst>
-                                        </p:cTn>
-                                        <p:tgtEl>
-                                          <p:spTgt spid="109"/>
-                                        </p:tgtEl>
-                                        <p:attrNameLst>
-                                          <p:attrName>style.visibility</p:attrName>
-                                        </p:attrNameLst>
-                                      </p:cBhvr>
-                                      <p:to>
-                                        <p:strVal val="visible"/>
-                                      </p:to>
-                                    </p:set>
-                                  </p:childTnLst>
-                                </p:cTn>
-                              </p:par>
-                              <p:par>
-                                <p:cTn id="23" presetID="1" presetClass="entr" presetSubtype="0" fill="hold" grpId="0" nodeType="withEffect">
-                                  <p:stCondLst>
-                                    <p:cond delay="0"/>
-                                  </p:stCondLst>
-                                  <p:childTnLst>
-                                    <p:set>
-                                      <p:cBhvr>
-                                        <p:cTn id="24" dur="1" fill="hold">
-                                          <p:stCondLst>
-                                            <p:cond delay="0"/>
-                                          </p:stCondLst>
-                                        </p:cTn>
-                                        <p:tgtEl>
-                                          <p:spTgt spid="106"/>
-                                        </p:tgtEl>
-                                        <p:attrNameLst>
-                                          <p:attrName>style.visibility</p:attrName>
-                                        </p:attrNameLst>
-                                      </p:cBhvr>
-                                      <p:to>
-                                        <p:strVal val="visible"/>
-                                      </p:to>
-                                    </p:set>
-                                  </p:childTnLst>
-                                </p:cTn>
-                              </p:par>
-                              <p:par>
-                                <p:cTn id="25" presetID="1" presetClass="entr" presetSubtype="0" fill="hold" grpId="0" nodeType="withEffect">
-                                  <p:stCondLst>
-                                    <p:cond delay="0"/>
-                                  </p:stCondLst>
-                                  <p:childTnLst>
-                                    <p:set>
-                                      <p:cBhvr>
-                                        <p:cTn id="26" dur="1" fill="hold">
-                                          <p:stCondLst>
-                                            <p:cond delay="0"/>
-                                          </p:stCondLst>
-                                        </p:cTn>
-                                        <p:tgtEl>
-                                          <p:spTgt spid="107"/>
-                                        </p:tgtEl>
-                                        <p:attrNameLst>
-                                          <p:attrName>style.visibility</p:attrName>
-                                        </p:attrNameLst>
-                                      </p:cBhvr>
-                                      <p:to>
-                                        <p:strVal val="visible"/>
-                                      </p:to>
-                                    </p:set>
                                   </p:childTnLst>
                                 </p:cTn>
                               </p:par>
@@ -12623,10 +12513,6 @@
     </p:tnLst>
     <p:bldLst>
       <p:bldP spid="103" grpId="0"/>
-      <p:bldP spid="106" grpId="0"/>
-      <p:bldP spid="107" grpId="0"/>
-      <p:bldP spid="108" grpId="0"/>
-      <p:bldP spid="109" grpId="0"/>
       <p:bldP spid="49" grpId="0"/>
     </p:bldLst>
   </p:timing>
@@ -13449,16 +13335,6 @@
               </a:rPr>
               <a:t>전기 사용량 제어</a:t>
             </a:r>
-            <a:endParaRPr lang="ko-KR" altLang="en-US" sz="2000" b="1" spc="-150" dirty="0" smtClean="0">
-              <a:solidFill>
-                <a:schemeClr val="tx1">
-                  <a:lumMod val="75000"/>
-                  <a:lumOff val="25000"/>
-                </a:schemeClr>
-              </a:solidFill>
-              <a:latin typeface="나눔스퀘어 ExtraBold" panose="020B0600000101010101" pitchFamily="50" charset="-127"/>
-              <a:ea typeface="나눔스퀘어 ExtraBold" panose="020B0600000101010101" pitchFamily="50" charset="-127"/>
-            </a:endParaRPr>
           </a:p>
         </p:txBody>
       </p:sp>
@@ -13633,16 +13509,6 @@
               </a:rPr>
               <a:t>스마트 홈</a:t>
             </a:r>
-            <a:endParaRPr lang="ko-KR" altLang="en-US" sz="2000" b="1" spc="-150" dirty="0" smtClean="0">
-              <a:solidFill>
-                <a:schemeClr val="tx1">
-                  <a:lumMod val="75000"/>
-                  <a:lumOff val="25000"/>
-                </a:schemeClr>
-              </a:solidFill>
-              <a:latin typeface="나눔스퀘어 ExtraBold" panose="020B0600000101010101" pitchFamily="50" charset="-127"/>
-              <a:ea typeface="나눔스퀘어 ExtraBold" panose="020B0600000101010101" pitchFamily="50" charset="-127"/>
-            </a:endParaRPr>
           </a:p>
         </p:txBody>
       </p:sp>

--- a/req_doc/DC 스마트그리드 홈 네트워크 제안서.pptx
+++ b/req_doc/DC 스마트그리드 홈 네트워크 제안서.pptx
@@ -6643,7 +6643,17 @@
                 <a:latin typeface="a고딕19" panose="02020600000000000000" pitchFamily="18" charset="-127"/>
                 <a:ea typeface="a고딕19" panose="02020600000000000000" pitchFamily="18" charset="-127"/>
               </a:rPr>
-              <a:t>Slide 10</a:t>
+              <a:t>Slide </a:t>
+            </a:r>
+            <a:r>
+              <a:rPr lang="en-US" altLang="ko-KR" sz="1600" dirty="0" smtClean="0">
+                <a:solidFill>
+                  <a:srgbClr val="455A83"/>
+                </a:solidFill>
+                <a:latin typeface="a고딕19" panose="02020600000000000000" pitchFamily="18" charset="-127"/>
+                <a:ea typeface="a고딕19" panose="02020600000000000000" pitchFamily="18" charset="-127"/>
+              </a:rPr>
+              <a:t>10</a:t>
             </a:r>
             <a:endParaRPr lang="ko-KR" altLang="en-US" sz="1600" dirty="0">
               <a:solidFill>
@@ -10761,6 +10771,56 @@
       </p:sp>
       <p:sp>
         <p:nvSpPr>
+          <p:cNvPr id="99" name="타원 98"/>
+          <p:cNvSpPr/>
+          <p:nvPr/>
+        </p:nvSpPr>
+        <p:spPr>
+          <a:xfrm>
+            <a:off x="5299720" y="2414264"/>
+            <a:ext cx="2312788" cy="2312788"/>
+          </a:xfrm>
+          <a:prstGeom prst="ellipse">
+            <a:avLst/>
+          </a:prstGeom>
+          <a:solidFill>
+            <a:srgbClr val="455A83"/>
+          </a:solidFill>
+          <a:ln>
+            <a:noFill/>
+          </a:ln>
+          <a:scene3d>
+            <a:camera prst="obliqueTopLeft"/>
+            <a:lightRig rig="threePt" dir="t"/>
+          </a:scene3d>
+        </p:spPr>
+        <p:style>
+          <a:lnRef idx="2">
+            <a:schemeClr val="accent1">
+              <a:shade val="50000"/>
+            </a:schemeClr>
+          </a:lnRef>
+          <a:fillRef idx="1">
+            <a:schemeClr val="accent1"/>
+          </a:fillRef>
+          <a:effectRef idx="0">
+            <a:schemeClr val="accent1"/>
+          </a:effectRef>
+          <a:fontRef idx="minor">
+            <a:schemeClr val="lt1"/>
+          </a:fontRef>
+        </p:style>
+        <p:txBody>
+          <a:bodyPr rtlCol="0" anchor="ctr"/>
+          <a:lstStyle/>
+          <a:p>
+            <a:pPr algn="ctr"/>
+            <a:endParaRPr lang="ko-KR" altLang="en-US"/>
+          </a:p>
+        </p:txBody>
+      </p:sp>
+      <p:sp>
+        <p:nvSpPr>
           <p:cNvPr id="101" name="갈매기형 수장 100"/>
           <p:cNvSpPr/>
           <p:nvPr/>
@@ -10957,6 +11017,227 @@
           </a:fontRef>
         </p:style>
       </p:cxnSp>
+      <p:sp>
+        <p:nvSpPr>
+          <p:cNvPr id="106" name="TextBox 105"/>
+          <p:cNvSpPr txBox="1"/>
+          <p:nvPr/>
+        </p:nvSpPr>
+        <p:spPr>
+          <a:xfrm>
+            <a:off x="4679376" y="5171296"/>
+            <a:ext cx="3398461" cy="461665"/>
+          </a:xfrm>
+          <a:prstGeom prst="rect">
+            <a:avLst/>
+          </a:prstGeom>
+          <a:noFill/>
+          <a:scene3d>
+            <a:camera prst="obliqueBottomLeft"/>
+            <a:lightRig rig="threePt" dir="t"/>
+          </a:scene3d>
+        </p:spPr>
+        <p:txBody>
+          <a:bodyPr wrap="square" rtlCol="0">
+            <a:spAutoFit/>
+          </a:bodyPr>
+          <a:lstStyle/>
+          <a:p>
+            <a:pPr algn="ctr"/>
+            <a:r>
+              <a:rPr lang="ko-KR" altLang="en-US" sz="1200" spc="-150" dirty="0" smtClean="0">
+                <a:latin typeface="나눔스퀘어" panose="020B0600000101010101" pitchFamily="50" charset="-127"/>
+                <a:ea typeface="나눔스퀘어" panose="020B0600000101010101" pitchFamily="50" charset="-127"/>
+              </a:rPr>
+              <a:t>스마트 그리드 시스템을 활용하여</a:t>
+            </a:r>
+            <a:r>
+              <a:rPr lang="en-US" altLang="ko-KR" sz="1200" spc="-150" dirty="0">
+                <a:latin typeface="나눔스퀘어" panose="020B0600000101010101" pitchFamily="50" charset="-127"/>
+                <a:ea typeface="나눔스퀘어" panose="020B0600000101010101" pitchFamily="50" charset="-127"/>
+              </a:rPr>
+              <a:t> </a:t>
+            </a:r>
+            <a:r>
+              <a:rPr lang="ko-KR" altLang="en-US" sz="1200" spc="-150" dirty="0" smtClean="0">
+                <a:latin typeface="나눔스퀘어" panose="020B0600000101010101" pitchFamily="50" charset="-127"/>
+                <a:ea typeface="나눔스퀘어" panose="020B0600000101010101" pitchFamily="50" charset="-127"/>
+              </a:rPr>
+              <a:t>양방향으로 정보 및 전력을 교환함으로써 에너지 효율 개선</a:t>
+            </a:r>
+            <a:endParaRPr lang="en-US" altLang="ko-KR" sz="1200" spc="-150" dirty="0" smtClean="0">
+              <a:latin typeface="나눔스퀘어" panose="020B0600000101010101" pitchFamily="50" charset="-127"/>
+              <a:ea typeface="나눔스퀘어" panose="020B0600000101010101" pitchFamily="50" charset="-127"/>
+            </a:endParaRPr>
+          </a:p>
+        </p:txBody>
+      </p:sp>
+      <p:sp>
+        <p:nvSpPr>
+          <p:cNvPr id="107" name="TextBox 106"/>
+          <p:cNvSpPr txBox="1"/>
+          <p:nvPr/>
+        </p:nvSpPr>
+        <p:spPr>
+          <a:xfrm>
+            <a:off x="4679376" y="5661529"/>
+            <a:ext cx="3398461" cy="461665"/>
+          </a:xfrm>
+          <a:prstGeom prst="rect">
+            <a:avLst/>
+          </a:prstGeom>
+          <a:noFill/>
+          <a:scene3d>
+            <a:camera prst="obliqueBottomLeft"/>
+            <a:lightRig rig="threePt" dir="t"/>
+          </a:scene3d>
+        </p:spPr>
+        <p:txBody>
+          <a:bodyPr wrap="square" rtlCol="0">
+            <a:spAutoFit/>
+          </a:bodyPr>
+          <a:lstStyle/>
+          <a:p>
+            <a:pPr algn="ctr"/>
+            <a:r>
+              <a:rPr lang="ko-KR" altLang="en-US" sz="1200" spc="-150" dirty="0" smtClean="0">
+                <a:latin typeface="나눔스퀘어" panose="020B0600000101010101" pitchFamily="50" charset="-127"/>
+                <a:ea typeface="나눔스퀘어" panose="020B0600000101010101" pitchFamily="50" charset="-127"/>
+              </a:rPr>
+              <a:t>신재생 에너지 및 </a:t>
+            </a:r>
+            <a:r>
+              <a:rPr lang="en-US" altLang="ko-KR" sz="1200" spc="-150" dirty="0" smtClean="0">
+                <a:latin typeface="나눔스퀘어" panose="020B0600000101010101" pitchFamily="50" charset="-127"/>
+                <a:ea typeface="나눔스퀘어" panose="020B0600000101010101" pitchFamily="50" charset="-127"/>
+              </a:rPr>
+              <a:t>DC </a:t>
+            </a:r>
+            <a:r>
+              <a:rPr lang="ko-KR" altLang="en-US" sz="1200" spc="-150" dirty="0" smtClean="0">
+                <a:latin typeface="나눔스퀘어" panose="020B0600000101010101" pitchFamily="50" charset="-127"/>
+                <a:ea typeface="나눔스퀘어" panose="020B0600000101010101" pitchFamily="50" charset="-127"/>
+              </a:rPr>
+              <a:t>방식을 활용함으로써</a:t>
+            </a:r>
+            <a:endParaRPr lang="en-US" altLang="ko-KR" sz="1200" spc="-150" dirty="0" smtClean="0">
+              <a:latin typeface="나눔스퀘어" panose="020B0600000101010101" pitchFamily="50" charset="-127"/>
+              <a:ea typeface="나눔스퀘어" panose="020B0600000101010101" pitchFamily="50" charset="-127"/>
+            </a:endParaRPr>
+          </a:p>
+          <a:p>
+            <a:pPr algn="ctr"/>
+            <a:r>
+              <a:rPr lang="ko-KR" altLang="en-US" sz="1200" spc="-150" dirty="0" smtClean="0">
+                <a:latin typeface="나눔스퀘어" panose="020B0600000101010101" pitchFamily="50" charset="-127"/>
+                <a:ea typeface="나눔스퀘어" panose="020B0600000101010101" pitchFamily="50" charset="-127"/>
+              </a:rPr>
+              <a:t>에너지효율 증가 및 환경오염 최소화</a:t>
+            </a:r>
+            <a:endParaRPr lang="ko-KR" altLang="en-US" sz="1200" spc="-150" dirty="0">
+              <a:latin typeface="나눔스퀘어" panose="020B0600000101010101" pitchFamily="50" charset="-127"/>
+              <a:ea typeface="나눔스퀘어" panose="020B0600000101010101" pitchFamily="50" charset="-127"/>
+            </a:endParaRPr>
+          </a:p>
+        </p:txBody>
+      </p:sp>
+      <p:sp>
+        <p:nvSpPr>
+          <p:cNvPr id="108" name="TextBox 107"/>
+          <p:cNvSpPr txBox="1"/>
+          <p:nvPr/>
+        </p:nvSpPr>
+        <p:spPr>
+          <a:xfrm>
+            <a:off x="5187886" y="3473952"/>
+            <a:ext cx="2503234" cy="384721"/>
+          </a:xfrm>
+          <a:prstGeom prst="rect">
+            <a:avLst/>
+          </a:prstGeom>
+          <a:noFill/>
+          <a:scene3d>
+            <a:camera prst="obliqueBottomLeft"/>
+            <a:lightRig rig="threePt" dir="t"/>
+          </a:scene3d>
+        </p:spPr>
+        <p:txBody>
+          <a:bodyPr wrap="square" rtlCol="0">
+            <a:spAutoFit/>
+          </a:bodyPr>
+          <a:lstStyle/>
+          <a:p>
+            <a:pPr algn="ctr"/>
+            <a:r>
+              <a:rPr lang="en-US" altLang="ko-KR" sz="1900" b="1" spc="-150" dirty="0" smtClean="0">
+                <a:solidFill>
+                  <a:schemeClr val="bg1"/>
+                </a:solidFill>
+                <a:latin typeface="나눔스퀘어 ExtraBold" panose="020B0600000101010101" pitchFamily="50" charset="-127"/>
+                <a:ea typeface="나눔스퀘어 ExtraBold" panose="020B0600000101010101" pitchFamily="50" charset="-127"/>
+              </a:rPr>
+              <a:t>DC </a:t>
+            </a:r>
+            <a:r>
+              <a:rPr lang="ko-KR" altLang="en-US" sz="1900" b="1" spc="-150" dirty="0" smtClean="0">
+                <a:solidFill>
+                  <a:schemeClr val="bg1"/>
+                </a:solidFill>
+                <a:latin typeface="나눔스퀘어 ExtraBold" panose="020B0600000101010101" pitchFamily="50" charset="-127"/>
+                <a:ea typeface="나눔스퀘어 ExtraBold" panose="020B0600000101010101" pitchFamily="50" charset="-127"/>
+              </a:rPr>
+              <a:t>스마트 그리드 시스템</a:t>
+            </a:r>
+            <a:endParaRPr lang="ko-KR" altLang="en-US" sz="1900" b="1" spc="-150" dirty="0" smtClean="0">
+              <a:solidFill>
+                <a:schemeClr val="bg1"/>
+              </a:solidFill>
+              <a:latin typeface="나눔스퀘어 ExtraBold" panose="020B0600000101010101" pitchFamily="50" charset="-127"/>
+              <a:ea typeface="나눔스퀘어 ExtraBold" panose="020B0600000101010101" pitchFamily="50" charset="-127"/>
+            </a:endParaRPr>
+          </a:p>
+        </p:txBody>
+      </p:sp>
+      <p:sp>
+        <p:nvSpPr>
+          <p:cNvPr id="109" name="TextBox 108"/>
+          <p:cNvSpPr txBox="1"/>
+          <p:nvPr/>
+        </p:nvSpPr>
+        <p:spPr>
+          <a:xfrm>
+            <a:off x="5474848" y="3753742"/>
+            <a:ext cx="1929310" cy="369332"/>
+          </a:xfrm>
+          <a:prstGeom prst="rect">
+            <a:avLst/>
+          </a:prstGeom>
+          <a:noFill/>
+          <a:scene3d>
+            <a:camera prst="obliqueBottomLeft"/>
+            <a:lightRig rig="threePt" dir="t"/>
+          </a:scene3d>
+        </p:spPr>
+        <p:txBody>
+          <a:bodyPr wrap="square" rtlCol="0">
+            <a:spAutoFit/>
+          </a:bodyPr>
+          <a:lstStyle/>
+          <a:p>
+            <a:pPr algn="ctr"/>
+            <a:r>
+              <a:rPr lang="ko-KR" altLang="en-US" spc="-150" dirty="0" smtClean="0">
+                <a:solidFill>
+                  <a:schemeClr val="bg1"/>
+                </a:solidFill>
+                <a:latin typeface="나눔스퀘어" panose="020B0600000101010101" pitchFamily="50" charset="-127"/>
+                <a:ea typeface="나눔스퀘어" panose="020B0600000101010101" pitchFamily="50" charset="-127"/>
+              </a:rPr>
+              <a:t>신재생에너지</a:t>
+            </a:r>
+          </a:p>
+        </p:txBody>
+      </p:sp>
       <p:grpSp>
         <p:nvGrpSpPr>
           <p:cNvPr id="3" name="그룹 2"/>
@@ -11933,315 +12214,36 @@
           </p:txBody>
         </p:sp>
       </p:grpSp>
-      <p:grpSp>
-        <p:nvGrpSpPr>
-          <p:cNvPr id="4" name="그룹 3"/>
-          <p:cNvGrpSpPr/>
+      <p:pic>
+        <p:nvPicPr>
+          <p:cNvPr id="5" name="그림 4"/>
+          <p:cNvPicPr>
+            <a:picLocks noChangeAspect="1"/>
+          </p:cNvPicPr>
           <p:nvPr/>
-        </p:nvGrpSpPr>
-        <p:grpSpPr>
-          <a:xfrm>
-            <a:off x="4679376" y="2414264"/>
-            <a:ext cx="3398461" cy="3708930"/>
-            <a:chOff x="4679376" y="2414264"/>
-            <a:chExt cx="3398461" cy="3708930"/>
-          </a:xfrm>
-        </p:grpSpPr>
-        <p:sp>
-          <p:nvSpPr>
-            <p:cNvPr id="99" name="타원 98"/>
-            <p:cNvSpPr/>
-            <p:nvPr/>
-          </p:nvSpPr>
-          <p:spPr>
-            <a:xfrm>
-              <a:off x="5299720" y="2414264"/>
-              <a:ext cx="2312788" cy="2312788"/>
-            </a:xfrm>
-            <a:prstGeom prst="ellipse">
-              <a:avLst/>
-            </a:prstGeom>
-            <a:solidFill>
-              <a:srgbClr val="455A83"/>
-            </a:solidFill>
-            <a:ln>
-              <a:noFill/>
-            </a:ln>
-            <a:scene3d>
-              <a:camera prst="obliqueTopLeft"/>
-              <a:lightRig rig="threePt" dir="t"/>
-            </a:scene3d>
-          </p:spPr>
-          <p:style>
-            <a:lnRef idx="2">
-              <a:schemeClr val="accent1">
-                <a:shade val="50000"/>
-              </a:schemeClr>
-            </a:lnRef>
-            <a:fillRef idx="1">
-              <a:schemeClr val="accent1"/>
-            </a:fillRef>
-            <a:effectRef idx="0">
-              <a:schemeClr val="accent1"/>
-            </a:effectRef>
-            <a:fontRef idx="minor">
-              <a:schemeClr val="lt1"/>
-            </a:fontRef>
-          </p:style>
-          <p:txBody>
-            <a:bodyPr rtlCol="0" anchor="ctr"/>
-            <a:lstStyle/>
-            <a:p>
-              <a:pPr algn="ctr"/>
-              <a:endParaRPr lang="ko-KR" altLang="en-US"/>
-            </a:p>
-          </p:txBody>
-        </p:sp>
-        <p:sp>
-          <p:nvSpPr>
-            <p:cNvPr id="106" name="TextBox 105"/>
-            <p:cNvSpPr txBox="1"/>
-            <p:nvPr/>
-          </p:nvSpPr>
-          <p:spPr>
-            <a:xfrm>
-              <a:off x="4679376" y="5171296"/>
-              <a:ext cx="3398461" cy="461665"/>
-            </a:xfrm>
-            <a:prstGeom prst="rect">
-              <a:avLst/>
-            </a:prstGeom>
-            <a:noFill/>
-            <a:scene3d>
-              <a:camera prst="obliqueBottomLeft"/>
-              <a:lightRig rig="threePt" dir="t"/>
-            </a:scene3d>
-          </p:spPr>
-          <p:txBody>
-            <a:bodyPr wrap="square" rtlCol="0">
-              <a:spAutoFit/>
-            </a:bodyPr>
-            <a:lstStyle/>
-            <a:p>
-              <a:pPr algn="ctr"/>
-              <a:r>
-                <a:rPr lang="ko-KR" altLang="en-US" sz="1200" spc="-150" dirty="0" smtClean="0">
-                  <a:latin typeface="나눔스퀘어" panose="020B0600000101010101" pitchFamily="50" charset="-127"/>
-                  <a:ea typeface="나눔스퀘어" panose="020B0600000101010101" pitchFamily="50" charset="-127"/>
-                </a:rPr>
-                <a:t>스마트 그리드 시스템을 활용하여</a:t>
-              </a:r>
-              <a:r>
-                <a:rPr lang="en-US" altLang="ko-KR" sz="1200" spc="-150" dirty="0">
-                  <a:latin typeface="나눔스퀘어" panose="020B0600000101010101" pitchFamily="50" charset="-127"/>
-                  <a:ea typeface="나눔스퀘어" panose="020B0600000101010101" pitchFamily="50" charset="-127"/>
-                </a:rPr>
-                <a:t> </a:t>
-              </a:r>
-              <a:r>
-                <a:rPr lang="ko-KR" altLang="en-US" sz="1200" spc="-150" dirty="0" smtClean="0">
-                  <a:latin typeface="나눔스퀘어" panose="020B0600000101010101" pitchFamily="50" charset="-127"/>
-                  <a:ea typeface="나눔스퀘어" panose="020B0600000101010101" pitchFamily="50" charset="-127"/>
-                </a:rPr>
-                <a:t>양방향으로 정보 및 전력을 교환함으로써 에너지 효율 개선</a:t>
-              </a:r>
-              <a:endParaRPr lang="en-US" altLang="ko-KR" sz="1200" spc="-150" dirty="0" smtClean="0">
-                <a:latin typeface="나눔스퀘어" panose="020B0600000101010101" pitchFamily="50" charset="-127"/>
-                <a:ea typeface="나눔스퀘어" panose="020B0600000101010101" pitchFamily="50" charset="-127"/>
-              </a:endParaRPr>
-            </a:p>
-          </p:txBody>
-        </p:sp>
-        <p:sp>
-          <p:nvSpPr>
-            <p:cNvPr id="107" name="TextBox 106"/>
-            <p:cNvSpPr txBox="1"/>
-            <p:nvPr/>
-          </p:nvSpPr>
-          <p:spPr>
-            <a:xfrm>
-              <a:off x="4679376" y="5661529"/>
-              <a:ext cx="3398461" cy="461665"/>
-            </a:xfrm>
-            <a:prstGeom prst="rect">
-              <a:avLst/>
-            </a:prstGeom>
-            <a:noFill/>
-            <a:scene3d>
-              <a:camera prst="obliqueBottomLeft"/>
-              <a:lightRig rig="threePt" dir="t"/>
-            </a:scene3d>
-          </p:spPr>
-          <p:txBody>
-            <a:bodyPr wrap="square" rtlCol="0">
-              <a:spAutoFit/>
-            </a:bodyPr>
-            <a:lstStyle/>
-            <a:p>
-              <a:pPr algn="ctr"/>
-              <a:r>
-                <a:rPr lang="ko-KR" altLang="en-US" sz="1200" spc="-150" dirty="0" smtClean="0">
-                  <a:latin typeface="나눔스퀘어" panose="020B0600000101010101" pitchFamily="50" charset="-127"/>
-                  <a:ea typeface="나눔스퀘어" panose="020B0600000101010101" pitchFamily="50" charset="-127"/>
-                </a:rPr>
-                <a:t>신재생 에너지 및 </a:t>
-              </a:r>
-              <a:r>
-                <a:rPr lang="en-US" altLang="ko-KR" sz="1200" spc="-150" dirty="0" smtClean="0">
-                  <a:latin typeface="나눔스퀘어" panose="020B0600000101010101" pitchFamily="50" charset="-127"/>
-                  <a:ea typeface="나눔스퀘어" panose="020B0600000101010101" pitchFamily="50" charset="-127"/>
-                </a:rPr>
-                <a:t>DC </a:t>
-              </a:r>
-              <a:r>
-                <a:rPr lang="ko-KR" altLang="en-US" sz="1200" spc="-150" dirty="0" smtClean="0">
-                  <a:latin typeface="나눔스퀘어" panose="020B0600000101010101" pitchFamily="50" charset="-127"/>
-                  <a:ea typeface="나눔스퀘어" panose="020B0600000101010101" pitchFamily="50" charset="-127"/>
-                </a:rPr>
-                <a:t>방식을 활용함으로써</a:t>
-              </a:r>
-              <a:endParaRPr lang="en-US" altLang="ko-KR" sz="1200" spc="-150" dirty="0" smtClean="0">
-                <a:latin typeface="나눔스퀘어" panose="020B0600000101010101" pitchFamily="50" charset="-127"/>
-                <a:ea typeface="나눔스퀘어" panose="020B0600000101010101" pitchFamily="50" charset="-127"/>
-              </a:endParaRPr>
-            </a:p>
-            <a:p>
-              <a:pPr algn="ctr"/>
-              <a:r>
-                <a:rPr lang="ko-KR" altLang="en-US" sz="1200" spc="-150" dirty="0" smtClean="0">
-                  <a:latin typeface="나눔스퀘어" panose="020B0600000101010101" pitchFamily="50" charset="-127"/>
-                  <a:ea typeface="나눔스퀘어" panose="020B0600000101010101" pitchFamily="50" charset="-127"/>
-                </a:rPr>
-                <a:t>에너지효율 증가 및 환경오염 최소화</a:t>
-              </a:r>
-              <a:endParaRPr lang="ko-KR" altLang="en-US" sz="1200" spc="-150" dirty="0">
-                <a:latin typeface="나눔스퀘어" panose="020B0600000101010101" pitchFamily="50" charset="-127"/>
-                <a:ea typeface="나눔스퀘어" panose="020B0600000101010101" pitchFamily="50" charset="-127"/>
-              </a:endParaRPr>
-            </a:p>
-          </p:txBody>
-        </p:sp>
-        <p:sp>
-          <p:nvSpPr>
-            <p:cNvPr id="108" name="TextBox 107"/>
-            <p:cNvSpPr txBox="1"/>
-            <p:nvPr/>
-          </p:nvSpPr>
-          <p:spPr>
-            <a:xfrm>
-              <a:off x="5187886" y="3473952"/>
-              <a:ext cx="2503234" cy="384721"/>
-            </a:xfrm>
-            <a:prstGeom prst="rect">
-              <a:avLst/>
-            </a:prstGeom>
-            <a:noFill/>
-            <a:scene3d>
-              <a:camera prst="obliqueBottomLeft"/>
-              <a:lightRig rig="threePt" dir="t"/>
-            </a:scene3d>
-          </p:spPr>
-          <p:txBody>
-            <a:bodyPr wrap="square" rtlCol="0">
-              <a:spAutoFit/>
-            </a:bodyPr>
-            <a:lstStyle/>
-            <a:p>
-              <a:pPr algn="ctr"/>
-              <a:r>
-                <a:rPr lang="en-US" altLang="ko-KR" sz="1900" b="1" spc="-150" dirty="0" smtClean="0">
-                  <a:solidFill>
-                    <a:schemeClr val="bg1"/>
-                  </a:solidFill>
-                  <a:latin typeface="나눔스퀘어 ExtraBold" panose="020B0600000101010101" pitchFamily="50" charset="-127"/>
-                  <a:ea typeface="나눔스퀘어 ExtraBold" panose="020B0600000101010101" pitchFamily="50" charset="-127"/>
-                </a:rPr>
-                <a:t>DC </a:t>
-              </a:r>
-              <a:r>
-                <a:rPr lang="ko-KR" altLang="en-US" sz="1900" b="1" spc="-150" dirty="0" smtClean="0">
-                  <a:solidFill>
-                    <a:schemeClr val="bg1"/>
-                  </a:solidFill>
-                  <a:latin typeface="나눔스퀘어 ExtraBold" panose="020B0600000101010101" pitchFamily="50" charset="-127"/>
-                  <a:ea typeface="나눔스퀘어 ExtraBold" panose="020B0600000101010101" pitchFamily="50" charset="-127"/>
-                </a:rPr>
-                <a:t>스마트 그리드 시스템</a:t>
-              </a:r>
-            </a:p>
-          </p:txBody>
-        </p:sp>
-        <p:sp>
-          <p:nvSpPr>
-            <p:cNvPr id="109" name="TextBox 108"/>
-            <p:cNvSpPr txBox="1"/>
-            <p:nvPr/>
-          </p:nvSpPr>
-          <p:spPr>
-            <a:xfrm>
-              <a:off x="5474848" y="3753742"/>
-              <a:ext cx="1929310" cy="369332"/>
-            </a:xfrm>
-            <a:prstGeom prst="rect">
-              <a:avLst/>
-            </a:prstGeom>
-            <a:noFill/>
-            <a:scene3d>
-              <a:camera prst="obliqueBottomLeft"/>
-              <a:lightRig rig="threePt" dir="t"/>
-            </a:scene3d>
-          </p:spPr>
-          <p:txBody>
-            <a:bodyPr wrap="square" rtlCol="0">
-              <a:spAutoFit/>
-            </a:bodyPr>
-            <a:lstStyle/>
-            <a:p>
-              <a:pPr algn="ctr"/>
-              <a:r>
-                <a:rPr lang="ko-KR" altLang="en-US" spc="-150" dirty="0" smtClean="0">
-                  <a:solidFill>
-                    <a:schemeClr val="bg1"/>
-                  </a:solidFill>
-                  <a:latin typeface="나눔스퀘어" panose="020B0600000101010101" pitchFamily="50" charset="-127"/>
-                  <a:ea typeface="나눔스퀘어" panose="020B0600000101010101" pitchFamily="50" charset="-127"/>
-                </a:rPr>
-                <a:t>신재생에너지</a:t>
-              </a:r>
-            </a:p>
-          </p:txBody>
-        </p:sp>
-        <p:pic>
-          <p:nvPicPr>
-            <p:cNvPr id="5" name="그림 4"/>
-            <p:cNvPicPr>
-              <a:picLocks noChangeAspect="1"/>
-            </p:cNvPicPr>
-            <p:nvPr/>
-          </p:nvPicPr>
-          <p:blipFill>
-            <a:blip r:embed="rId3">
-              <a:extLst>
-                <a:ext uri="{28A0092B-C50C-407E-A947-70E740481C1C}">
-                  <a14:useLocalDpi xmlns:a14="http://schemas.microsoft.com/office/drawing/2010/main" val="0"/>
-                </a:ext>
-              </a:extLst>
-            </a:blip>
-            <a:stretch>
-              <a:fillRect/>
-            </a:stretch>
-          </p:blipFill>
-          <p:spPr>
-            <a:xfrm>
-              <a:off x="6157520" y="2778556"/>
-              <a:ext cx="702485" cy="702485"/>
-            </a:xfrm>
-            <a:prstGeom prst="rect">
-              <a:avLst/>
-            </a:prstGeom>
-          </p:spPr>
-        </p:pic>
-      </p:grpSp>
+        </p:nvPicPr>
+        <p:blipFill>
+          <a:blip r:embed="rId3">
+            <a:extLst>
+              <a:ext uri="{28A0092B-C50C-407E-A947-70E740481C1C}">
+                <a14:useLocalDpi xmlns:a14="http://schemas.microsoft.com/office/drawing/2010/main" val="0"/>
+              </a:ext>
+            </a:extLst>
+          </a:blip>
+          <a:stretch>
+            <a:fillRect/>
+          </a:stretch>
+        </p:blipFill>
+        <p:spPr>
+          <a:xfrm>
+            <a:off x="6157520" y="2778556"/>
+            <a:ext cx="702485" cy="702485"/>
+          </a:xfrm>
+          <a:prstGeom prst="rect">
+            <a:avLst/>
+          </a:prstGeom>
+        </p:spPr>
+      </p:pic>
       <p:sp>
         <p:nvSpPr>
           <p:cNvPr id="49" name="TextBox 48"/>
@@ -12463,7 +12465,7 @@
                                           </p:stCondLst>
                                         </p:cTn>
                                         <p:tgtEl>
-                                          <p:spTgt spid="4"/>
+                                          <p:spTgt spid="5"/>
                                         </p:tgtEl>
                                         <p:attrNameLst>
                                           <p:attrName>style.visibility</p:attrName>
@@ -12477,10 +12479,118 @@
                                       <p:cBhvr>
                                         <p:cTn id="18" dur="500"/>
                                         <p:tgtEl>
-                                          <p:spTgt spid="4"/>
+                                          <p:spTgt spid="5"/>
                                         </p:tgtEl>
                                       </p:cBhvr>
                                     </p:animEffect>
+                                  </p:childTnLst>
+                                </p:cTn>
+                              </p:par>
+                              <p:par>
+                                <p:cTn id="19" presetID="1" presetClass="entr" presetSubtype="0" fill="hold" grpId="0" nodeType="withEffect">
+                                  <p:stCondLst>
+                                    <p:cond delay="0"/>
+                                  </p:stCondLst>
+                                  <p:childTnLst>
+                                    <p:set>
+                                      <p:cBhvr>
+                                        <p:cTn id="20" dur="1" fill="hold">
+                                          <p:stCondLst>
+                                            <p:cond delay="0"/>
+                                          </p:stCondLst>
+                                        </p:cTn>
+                                        <p:tgtEl>
+                                          <p:spTgt spid="108"/>
+                                        </p:tgtEl>
+                                        <p:attrNameLst>
+                                          <p:attrName>style.visibility</p:attrName>
+                                        </p:attrNameLst>
+                                      </p:cBhvr>
+                                      <p:to>
+                                        <p:strVal val="visible"/>
+                                      </p:to>
+                                    </p:set>
+                                  </p:childTnLst>
+                                </p:cTn>
+                              </p:par>
+                              <p:par>
+                                <p:cTn id="21" presetID="1" presetClass="entr" presetSubtype="0" fill="hold" grpId="0" nodeType="withEffect">
+                                  <p:stCondLst>
+                                    <p:cond delay="0"/>
+                                  </p:stCondLst>
+                                  <p:childTnLst>
+                                    <p:set>
+                                      <p:cBhvr>
+                                        <p:cTn id="22" dur="1" fill="hold">
+                                          <p:stCondLst>
+                                            <p:cond delay="0"/>
+                                          </p:stCondLst>
+                                        </p:cTn>
+                                        <p:tgtEl>
+                                          <p:spTgt spid="109"/>
+                                        </p:tgtEl>
+                                        <p:attrNameLst>
+                                          <p:attrName>style.visibility</p:attrName>
+                                        </p:attrNameLst>
+                                      </p:cBhvr>
+                                      <p:to>
+                                        <p:strVal val="visible"/>
+                                      </p:to>
+                                    </p:set>
+                                  </p:childTnLst>
+                                </p:cTn>
+                              </p:par>
+                              <p:par>
+                                <p:cTn id="23" presetID="1" presetClass="entr" presetSubtype="0" fill="hold" grpId="0" nodeType="withEffect">
+                                  <p:stCondLst>
+                                    <p:cond delay="0"/>
+                                  </p:stCondLst>
+                                  <p:childTnLst>
+                                    <p:set>
+                                      <p:cBhvr>
+                                        <p:cTn id="24" dur="1" fill="hold">
+                                          <p:stCondLst>
+                                            <p:cond delay="0"/>
+                                          </p:stCondLst>
+                                        </p:cTn>
+                                        <p:tgtEl>
+                                          <p:spTgt spid="106"/>
+                                        </p:tgtEl>
+                                        <p:attrNameLst>
+                                          <p:attrName>style.visibility</p:attrName>
+                                        </p:attrNameLst>
+                                      </p:cBhvr>
+                                      <p:to>
+                                        <p:strVal val="visible"/>
+                                      </p:to>
+                                    </p:set>
+                                  </p:childTnLst>
+                                </p:cTn>
+                              </p:par>
+                              <p:par>
+                                <p:cTn id="25" presetID="1" presetClass="entr" presetSubtype="0" fill="hold" grpId="0" nodeType="withEffect">
+                                  <p:stCondLst>
+                                    <p:cond delay="0"/>
+                                  </p:stCondLst>
+                                  <p:childTnLst>
+                                    <p:set>
+                                      <p:cBhvr>
+                                        <p:cTn id="26" dur="1" fill="hold">
+                                          <p:stCondLst>
+                                            <p:cond delay="0"/>
+                                          </p:stCondLst>
+                                        </p:cTn>
+                                        <p:tgtEl>
+                                          <p:spTgt spid="107"/>
+                                        </p:tgtEl>
+                                        <p:attrNameLst>
+                                          <p:attrName>style.visibility</p:attrName>
+                                        </p:attrNameLst>
+                                      </p:cBhvr>
+                                      <p:to>
+                                        <p:strVal val="visible"/>
+                                      </p:to>
+                                    </p:set>
                                   </p:childTnLst>
                                 </p:cTn>
                               </p:par>
@@ -12513,6 +12623,10 @@
     </p:tnLst>
     <p:bldLst>
       <p:bldP spid="103" grpId="0"/>
+      <p:bldP spid="106" grpId="0"/>
+      <p:bldP spid="107" grpId="0"/>
+      <p:bldP spid="108" grpId="0"/>
+      <p:bldP spid="109" grpId="0"/>
       <p:bldP spid="49" grpId="0"/>
     </p:bldLst>
   </p:timing>
@@ -13335,6 +13449,16 @@
               </a:rPr>
               <a:t>전기 사용량 제어</a:t>
             </a:r>
+            <a:endParaRPr lang="ko-KR" altLang="en-US" sz="2000" b="1" spc="-150" dirty="0" smtClean="0">
+              <a:solidFill>
+                <a:schemeClr val="tx1">
+                  <a:lumMod val="75000"/>
+                  <a:lumOff val="25000"/>
+                </a:schemeClr>
+              </a:solidFill>
+              <a:latin typeface="나눔스퀘어 ExtraBold" panose="020B0600000101010101" pitchFamily="50" charset="-127"/>
+              <a:ea typeface="나눔스퀘어 ExtraBold" panose="020B0600000101010101" pitchFamily="50" charset="-127"/>
+            </a:endParaRPr>
           </a:p>
         </p:txBody>
       </p:sp>
@@ -13509,6 +13633,16 @@
               </a:rPr>
               <a:t>스마트 홈</a:t>
             </a:r>
+            <a:endParaRPr lang="ko-KR" altLang="en-US" sz="2000" b="1" spc="-150" dirty="0" smtClean="0">
+              <a:solidFill>
+                <a:schemeClr val="tx1">
+                  <a:lumMod val="75000"/>
+                  <a:lumOff val="25000"/>
+                </a:schemeClr>
+              </a:solidFill>
+              <a:latin typeface="나눔스퀘어 ExtraBold" panose="020B0600000101010101" pitchFamily="50" charset="-127"/>
+              <a:ea typeface="나눔스퀘어 ExtraBold" panose="020B0600000101010101" pitchFamily="50" charset="-127"/>
+            </a:endParaRPr>
           </a:p>
         </p:txBody>
       </p:sp>
